--- a/slides.pptx
+++ b/slides.pptx
@@ -5,10 +5,10 @@
     <p:sldMasterId id="2147483660" r:id="rId1"/>
   </p:sldMasterIdLst>
   <p:notesMasterIdLst>
-    <p:notesMasterId r:id="rId44"/>
+    <p:notesMasterId r:id="rId40"/>
   </p:notesMasterIdLst>
   <p:handoutMasterIdLst>
-    <p:handoutMasterId r:id="rId45"/>
+    <p:handoutMasterId r:id="rId41"/>
   </p:handoutMasterIdLst>
   <p:sldIdLst>
     <p:sldId id="256" r:id="rId2"/>
@@ -49,10 +49,6 @@
     <p:sldId id="288" r:id="rId37"/>
     <p:sldId id="291" r:id="rId38"/>
     <p:sldId id="292" r:id="rId39"/>
-    <p:sldId id="293" r:id="rId40"/>
-    <p:sldId id="279" r:id="rId41"/>
-    <p:sldId id="267" r:id="rId42"/>
-    <p:sldId id="294" r:id="rId43"/>
   </p:sldIdLst>
   <p:sldSz cx="10799763" cy="7199313"/>
   <p:notesSz cx="7104063" cy="10234613"/>
@@ -2635,128 +2631,6 @@
 </p:notes>
 </file>
 
-<file path=ppt/notesSlides/notesSlide38.xml><?xml version="1.0" encoding="utf-8"?>
-<p:notes xmlns:a="http://schemas.openxmlformats.org/drawingml/2006/main" xmlns:r="http://schemas.openxmlformats.org/officeDocument/2006/relationships" xmlns:p="http://schemas.openxmlformats.org/presentationml/2006/main">
-  <p:cSld>
-    <p:spTree>
-      <p:nvGrpSpPr>
-        <p:cNvPr id="1" name=""/>
-        <p:cNvGrpSpPr/>
-        <p:nvPr/>
-      </p:nvGrpSpPr>
-      <p:grpSpPr>
-        <a:xfrm>
-          <a:off x="0" y="0"/>
-          <a:ext cx="0" cy="0"/>
-          <a:chOff x="0" y="0"/>
-          <a:chExt cx="0" cy="0"/>
-        </a:xfrm>
-      </p:grpSpPr>
-      <p:sp>
-        <p:nvSpPr>
-          <p:cNvPr id="2" name="Folienbildplatzhalter 1"/>
-          <p:cNvSpPr>
-            <a:spLocks noGrp="1" noRot="1" noChangeAspect="1"/>
-          </p:cNvSpPr>
-          <p:nvPr>
-            <p:ph type="sldImg"/>
-          </p:nvPr>
-        </p:nvSpPr>
-        <p:spPr/>
-      </p:sp>
-      <p:sp>
-        <p:nvSpPr>
-          <p:cNvPr id="3" name="Notizenplatzhalter 2"/>
-          <p:cNvSpPr>
-            <a:spLocks noGrp="1"/>
-          </p:cNvSpPr>
-          <p:nvPr>
-            <p:ph type="body" idx="1"/>
-          </p:nvPr>
-        </p:nvSpPr>
-        <p:spPr/>
-        <p:txBody>
-          <a:bodyPr/>
-          <a:lstStyle/>
-          <a:p>
-            <a:endParaRPr lang="de-AT"/>
-          </a:p>
-        </p:txBody>
-      </p:sp>
-    </p:spTree>
-    <p:extLst>
-      <p:ext uri="{BB962C8B-B14F-4D97-AF65-F5344CB8AC3E}">
-        <p14:creationId xmlns:p14="http://schemas.microsoft.com/office/powerpoint/2010/main" val="31283559"/>
-      </p:ext>
-    </p:extLst>
-  </p:cSld>
-  <p:clrMapOvr>
-    <a:masterClrMapping/>
-  </p:clrMapOvr>
-</p:notes>
-</file>
-
-<file path=ppt/notesSlides/notesSlide39.xml><?xml version="1.0" encoding="utf-8"?>
-<p:notes xmlns:a="http://schemas.openxmlformats.org/drawingml/2006/main" xmlns:r="http://schemas.openxmlformats.org/officeDocument/2006/relationships" xmlns:p="http://schemas.openxmlformats.org/presentationml/2006/main">
-  <p:cSld>
-    <p:spTree>
-      <p:nvGrpSpPr>
-        <p:cNvPr id="1" name=""/>
-        <p:cNvGrpSpPr/>
-        <p:nvPr/>
-      </p:nvGrpSpPr>
-      <p:grpSpPr>
-        <a:xfrm>
-          <a:off x="0" y="0"/>
-          <a:ext cx="0" cy="0"/>
-          <a:chOff x="0" y="0"/>
-          <a:chExt cx="0" cy="0"/>
-        </a:xfrm>
-      </p:grpSpPr>
-      <p:sp>
-        <p:nvSpPr>
-          <p:cNvPr id="2" name="Folienbildplatzhalter 1"/>
-          <p:cNvSpPr>
-            <a:spLocks noGrp="1" noRot="1" noChangeAspect="1"/>
-          </p:cNvSpPr>
-          <p:nvPr>
-            <p:ph type="sldImg"/>
-          </p:nvPr>
-        </p:nvSpPr>
-        <p:spPr/>
-      </p:sp>
-      <p:sp>
-        <p:nvSpPr>
-          <p:cNvPr id="3" name="Notizenplatzhalter 2"/>
-          <p:cNvSpPr>
-            <a:spLocks noGrp="1"/>
-          </p:cNvSpPr>
-          <p:nvPr>
-            <p:ph type="body" idx="1"/>
-          </p:nvPr>
-        </p:nvSpPr>
-        <p:spPr/>
-        <p:txBody>
-          <a:bodyPr/>
-          <a:lstStyle/>
-          <a:p>
-            <a:endParaRPr lang="de-AT"/>
-          </a:p>
-        </p:txBody>
-      </p:sp>
-    </p:spTree>
-    <p:extLst>
-      <p:ext uri="{BB962C8B-B14F-4D97-AF65-F5344CB8AC3E}">
-        <p14:creationId xmlns:p14="http://schemas.microsoft.com/office/powerpoint/2010/main" val="478532606"/>
-      </p:ext>
-    </p:extLst>
-  </p:cSld>
-  <p:clrMapOvr>
-    <a:masterClrMapping/>
-  </p:clrMapOvr>
-</p:notes>
-</file>
-
 <file path=ppt/notesSlides/notesSlide4.xml><?xml version="1.0" encoding="utf-8"?>
 <p:notes xmlns:a="http://schemas.openxmlformats.org/drawingml/2006/main" xmlns:r="http://schemas.openxmlformats.org/officeDocument/2006/relationships" xmlns:p="http://schemas.openxmlformats.org/presentationml/2006/main">
   <p:cSld>
@@ -2809,128 +2683,6 @@
     <p:extLst>
       <p:ext uri="{BB962C8B-B14F-4D97-AF65-F5344CB8AC3E}">
         <p14:creationId xmlns:p14="http://schemas.microsoft.com/office/powerpoint/2010/main" val="1939852101"/>
-      </p:ext>
-    </p:extLst>
-  </p:cSld>
-  <p:clrMapOvr>
-    <a:masterClrMapping/>
-  </p:clrMapOvr>
-</p:notes>
-</file>
-
-<file path=ppt/notesSlides/notesSlide40.xml><?xml version="1.0" encoding="utf-8"?>
-<p:notes xmlns:a="http://schemas.openxmlformats.org/drawingml/2006/main" xmlns:r="http://schemas.openxmlformats.org/officeDocument/2006/relationships" xmlns:p="http://schemas.openxmlformats.org/presentationml/2006/main">
-  <p:cSld>
-    <p:spTree>
-      <p:nvGrpSpPr>
-        <p:cNvPr id="1" name=""/>
-        <p:cNvGrpSpPr/>
-        <p:nvPr/>
-      </p:nvGrpSpPr>
-      <p:grpSpPr>
-        <a:xfrm>
-          <a:off x="0" y="0"/>
-          <a:ext cx="0" cy="0"/>
-          <a:chOff x="0" y="0"/>
-          <a:chExt cx="0" cy="0"/>
-        </a:xfrm>
-      </p:grpSpPr>
-      <p:sp>
-        <p:nvSpPr>
-          <p:cNvPr id="2" name="Folienbildplatzhalter 1"/>
-          <p:cNvSpPr>
-            <a:spLocks noGrp="1" noRot="1" noChangeAspect="1"/>
-          </p:cNvSpPr>
-          <p:nvPr>
-            <p:ph type="sldImg"/>
-          </p:nvPr>
-        </p:nvSpPr>
-        <p:spPr/>
-      </p:sp>
-      <p:sp>
-        <p:nvSpPr>
-          <p:cNvPr id="3" name="Notizenplatzhalter 2"/>
-          <p:cNvSpPr>
-            <a:spLocks noGrp="1"/>
-          </p:cNvSpPr>
-          <p:nvPr>
-            <p:ph type="body" idx="1"/>
-          </p:nvPr>
-        </p:nvSpPr>
-        <p:spPr/>
-        <p:txBody>
-          <a:bodyPr/>
-          <a:lstStyle/>
-          <a:p>
-            <a:endParaRPr lang="de-AT"/>
-          </a:p>
-        </p:txBody>
-      </p:sp>
-    </p:spTree>
-    <p:extLst>
-      <p:ext uri="{BB962C8B-B14F-4D97-AF65-F5344CB8AC3E}">
-        <p14:creationId xmlns:p14="http://schemas.microsoft.com/office/powerpoint/2010/main" val="3934713078"/>
-      </p:ext>
-    </p:extLst>
-  </p:cSld>
-  <p:clrMapOvr>
-    <a:masterClrMapping/>
-  </p:clrMapOvr>
-</p:notes>
-</file>
-
-<file path=ppt/notesSlides/notesSlide41.xml><?xml version="1.0" encoding="utf-8"?>
-<p:notes xmlns:a="http://schemas.openxmlformats.org/drawingml/2006/main" xmlns:r="http://schemas.openxmlformats.org/officeDocument/2006/relationships" xmlns:p="http://schemas.openxmlformats.org/presentationml/2006/main">
-  <p:cSld>
-    <p:spTree>
-      <p:nvGrpSpPr>
-        <p:cNvPr id="1" name=""/>
-        <p:cNvGrpSpPr/>
-        <p:nvPr/>
-      </p:nvGrpSpPr>
-      <p:grpSpPr>
-        <a:xfrm>
-          <a:off x="0" y="0"/>
-          <a:ext cx="0" cy="0"/>
-          <a:chOff x="0" y="0"/>
-          <a:chExt cx="0" cy="0"/>
-        </a:xfrm>
-      </p:grpSpPr>
-      <p:sp>
-        <p:nvSpPr>
-          <p:cNvPr id="2" name="Folienbildplatzhalter 1"/>
-          <p:cNvSpPr>
-            <a:spLocks noGrp="1" noRot="1" noChangeAspect="1"/>
-          </p:cNvSpPr>
-          <p:nvPr>
-            <p:ph type="sldImg"/>
-          </p:nvPr>
-        </p:nvSpPr>
-        <p:spPr/>
-      </p:sp>
-      <p:sp>
-        <p:nvSpPr>
-          <p:cNvPr id="3" name="Notizenplatzhalter 2"/>
-          <p:cNvSpPr>
-            <a:spLocks noGrp="1"/>
-          </p:cNvSpPr>
-          <p:nvPr>
-            <p:ph type="body" idx="1"/>
-          </p:nvPr>
-        </p:nvSpPr>
-        <p:spPr/>
-        <p:txBody>
-          <a:bodyPr/>
-          <a:lstStyle/>
-          <a:p>
-            <a:endParaRPr lang="de-AT"/>
-          </a:p>
-        </p:txBody>
-      </p:sp>
-    </p:spTree>
-    <p:extLst>
-      <p:ext uri="{BB962C8B-B14F-4D97-AF65-F5344CB8AC3E}">
-        <p14:creationId xmlns:p14="http://schemas.microsoft.com/office/powerpoint/2010/main" val="1773257564"/>
       </p:ext>
     </p:extLst>
   </p:cSld>
@@ -3687,7 +3439,7 @@
           <a:p>
             <a:fld id="{6756A641-76DE-4586-94AB-E727D29482BD}" type="datetimeFigureOut">
               <a:rPr lang="de-AT" smtClean="0"/>
-              <a:t>18.04.2018</a:t>
+              <a:t>21.04.2018</a:t>
             </a:fld>
             <a:endParaRPr lang="de-AT"/>
           </a:p>
@@ -3857,7 +3609,7 @@
           <a:p>
             <a:fld id="{6756A641-76DE-4586-94AB-E727D29482BD}" type="datetimeFigureOut">
               <a:rPr lang="de-AT" smtClean="0"/>
-              <a:t>18.04.2018</a:t>
+              <a:t>21.04.2018</a:t>
             </a:fld>
             <a:endParaRPr lang="de-AT"/>
           </a:p>
@@ -4037,7 +3789,7 @@
           <a:p>
             <a:fld id="{6756A641-76DE-4586-94AB-E727D29482BD}" type="datetimeFigureOut">
               <a:rPr lang="de-AT" smtClean="0"/>
-              <a:t>18.04.2018</a:t>
+              <a:t>21.04.2018</a:t>
             </a:fld>
             <a:endParaRPr lang="de-AT"/>
           </a:p>
@@ -4369,7 +4121,7 @@
           <a:p>
             <a:fld id="{6756A641-76DE-4586-94AB-E727D29482BD}" type="datetimeFigureOut">
               <a:rPr lang="de-AT" smtClean="0"/>
-              <a:t>18.04.2018</a:t>
+              <a:t>21.04.2018</a:t>
             </a:fld>
             <a:endParaRPr lang="de-AT"/>
           </a:p>
@@ -4886,7 +4638,7 @@
           <a:p>
             <a:fld id="{C764DE79-268F-4C1A-8933-263129D2AF90}" type="datetimeFigureOut">
               <a:rPr lang="en-US" dirty="0"/>
-              <a:t>4/18/2018</a:t>
+              <a:t>4/21/2018</a:t>
             </a:fld>
             <a:endParaRPr lang="en-US" dirty="0"/>
           </a:p>
@@ -5118,7 +4870,7 @@
           <a:p>
             <a:fld id="{6756A641-76DE-4586-94AB-E727D29482BD}" type="datetimeFigureOut">
               <a:rPr lang="de-AT" smtClean="0"/>
-              <a:t>18.04.2018</a:t>
+              <a:t>21.04.2018</a:t>
             </a:fld>
             <a:endParaRPr lang="de-AT"/>
           </a:p>
@@ -5485,7 +5237,7 @@
           <a:p>
             <a:fld id="{6756A641-76DE-4586-94AB-E727D29482BD}" type="datetimeFigureOut">
               <a:rPr lang="de-AT" smtClean="0"/>
-              <a:t>18.04.2018</a:t>
+              <a:t>21.04.2018</a:t>
             </a:fld>
             <a:endParaRPr lang="de-AT"/>
           </a:p>
@@ -5603,7 +5355,7 @@
           <a:p>
             <a:fld id="{6756A641-76DE-4586-94AB-E727D29482BD}" type="datetimeFigureOut">
               <a:rPr lang="de-AT" smtClean="0"/>
-              <a:t>18.04.2018</a:t>
+              <a:t>21.04.2018</a:t>
             </a:fld>
             <a:endParaRPr lang="de-AT"/>
           </a:p>
@@ -5698,7 +5450,7 @@
           <a:p>
             <a:fld id="{6756A641-76DE-4586-94AB-E727D29482BD}" type="datetimeFigureOut">
               <a:rPr lang="de-AT" smtClean="0"/>
-              <a:t>18.04.2018</a:t>
+              <a:t>21.04.2018</a:t>
             </a:fld>
             <a:endParaRPr lang="de-AT"/>
           </a:p>
@@ -5975,7 +5727,7 @@
           <a:p>
             <a:fld id="{6756A641-76DE-4586-94AB-E727D29482BD}" type="datetimeFigureOut">
               <a:rPr lang="de-AT" smtClean="0"/>
-              <a:t>18.04.2018</a:t>
+              <a:t>21.04.2018</a:t>
             </a:fld>
             <a:endParaRPr lang="de-AT"/>
           </a:p>
@@ -6188,7 +5940,7 @@
           <a:p>
             <a:fld id="{6756A641-76DE-4586-94AB-E727D29482BD}" type="datetimeFigureOut">
               <a:rPr lang="de-AT" smtClean="0"/>
-              <a:t>18.04.2018</a:t>
+              <a:t>21.04.2018</a:t>
             </a:fld>
             <a:endParaRPr lang="de-AT"/>
           </a:p>
@@ -10255,13 +10007,13 @@
   <p:clrMapOvr>
     <a:masterClrMapping/>
   </p:clrMapOvr>
-  <mc:AlternateContent xmlns:mc="http://schemas.openxmlformats.org/markup-compatibility/2006">
-    <mc:Choice xmlns:p14="http://schemas.microsoft.com/office/powerpoint/2010/main" Requires="p14">
+  <mc:AlternateContent xmlns:mc="http://schemas.openxmlformats.org/markup-compatibility/2006" xmlns:p14="http://schemas.microsoft.com/office/powerpoint/2010/main">
+    <mc:Choice Requires="p14">
       <p:transition p14:dur="250">
         <p:fade/>
       </p:transition>
     </mc:Choice>
-    <mc:Fallback>
+    <mc:Fallback xmlns="">
       <p:transition>
         <p:fade/>
       </p:transition>
@@ -18637,106 +18389,6 @@
 </p:sld>
 </file>
 
-<file path=ppt/slides/slide39.xml><?xml version="1.0" encoding="utf-8"?>
-<p:sld xmlns:a="http://schemas.openxmlformats.org/drawingml/2006/main" xmlns:r="http://schemas.openxmlformats.org/officeDocument/2006/relationships" xmlns:p="http://schemas.openxmlformats.org/presentationml/2006/main" show="0">
-  <p:cSld>
-    <p:spTree>
-      <p:nvGrpSpPr>
-        <p:cNvPr id="1" name=""/>
-        <p:cNvGrpSpPr/>
-        <p:nvPr/>
-      </p:nvGrpSpPr>
-      <p:grpSpPr>
-        <a:xfrm>
-          <a:off x="0" y="0"/>
-          <a:ext cx="0" cy="0"/>
-          <a:chOff x="0" y="0"/>
-          <a:chExt cx="0" cy="0"/>
-        </a:xfrm>
-      </p:grpSpPr>
-      <p:sp>
-        <p:nvSpPr>
-          <p:cNvPr id="2" name="Titel 1">
-            <a:extLst>
-              <a:ext uri="{FF2B5EF4-FFF2-40B4-BE49-F238E27FC236}">
-                <a16:creationId xmlns:a16="http://schemas.microsoft.com/office/drawing/2014/main" id="{32464023-1EF2-440A-9687-CFCCAC7780B9}"/>
-              </a:ext>
-            </a:extLst>
-          </p:cNvPr>
-          <p:cNvSpPr>
-            <a:spLocks noGrp="1"/>
-          </p:cNvSpPr>
-          <p:nvPr>
-            <p:ph type="title"/>
-          </p:nvPr>
-        </p:nvSpPr>
-        <p:spPr/>
-        <p:txBody>
-          <a:bodyPr/>
-          <a:lstStyle/>
-          <a:p>
-            <a:r>
-              <a:rPr lang="en-US" dirty="0"/>
-              <a:t>Docker CLI</a:t>
-            </a:r>
-            <a:endParaRPr lang="de-AT" dirty="0"/>
-          </a:p>
-        </p:txBody>
-      </p:sp>
-      <p:sp>
-        <p:nvSpPr>
-          <p:cNvPr id="3" name="Inhaltsplatzhalter 2">
-            <a:extLst>
-              <a:ext uri="{FF2B5EF4-FFF2-40B4-BE49-F238E27FC236}">
-                <a16:creationId xmlns:a16="http://schemas.microsoft.com/office/drawing/2014/main" id="{354EB48F-138B-4041-9120-8567C1D245E0}"/>
-              </a:ext>
-            </a:extLst>
-          </p:cNvPr>
-          <p:cNvSpPr>
-            <a:spLocks noGrp="1"/>
-          </p:cNvSpPr>
-          <p:nvPr>
-            <p:ph idx="1"/>
-          </p:nvPr>
-        </p:nvSpPr>
-        <p:spPr/>
-        <p:txBody>
-          <a:bodyPr/>
-          <a:lstStyle/>
-          <a:p>
-            <a:r>
-              <a:rPr lang="en-US" dirty="0"/>
-              <a:t>run </a:t>
-            </a:r>
-            <a:r>
-              <a:rPr lang="en-US" dirty="0" err="1"/>
-              <a:t>Befehl</a:t>
-            </a:r>
-            <a:r>
-              <a:rPr lang="en-US" dirty="0"/>
-              <a:t> </a:t>
-            </a:r>
-            <a:r>
-              <a:rPr lang="en-US" dirty="0" err="1"/>
-              <a:t>erklären</a:t>
-            </a:r>
-            <a:endParaRPr lang="de-AT" dirty="0"/>
-          </a:p>
-        </p:txBody>
-      </p:sp>
-    </p:spTree>
-    <p:extLst>
-      <p:ext uri="{BB962C8B-B14F-4D97-AF65-F5344CB8AC3E}">
-        <p14:creationId xmlns:p14="http://schemas.microsoft.com/office/powerpoint/2010/main" val="3089165909"/>
-      </p:ext>
-    </p:extLst>
-  </p:cSld>
-  <p:clrMapOvr>
-    <a:masterClrMapping/>
-  </p:clrMapOvr>
-</p:sld>
-</file>
-
 <file path=ppt/slides/slide4.xml><?xml version="1.0" encoding="utf-8"?>
 <p:sld xmlns:a="http://schemas.openxmlformats.org/drawingml/2006/main" xmlns:r="http://schemas.openxmlformats.org/officeDocument/2006/relationships" xmlns:p="http://schemas.openxmlformats.org/presentationml/2006/main">
   <p:cSld>
@@ -18841,861 +18493,6 @@
   <p:transition spd="med">
     <p:push dir="u"/>
   </p:transition>
-</p:sld>
-</file>
-
-<file path=ppt/slides/slide40.xml><?xml version="1.0" encoding="utf-8"?>
-<p:sld xmlns:a="http://schemas.openxmlformats.org/drawingml/2006/main" xmlns:r="http://schemas.openxmlformats.org/officeDocument/2006/relationships" xmlns:p="http://schemas.openxmlformats.org/presentationml/2006/main" show="0">
-  <p:cSld>
-    <p:spTree>
-      <p:nvGrpSpPr>
-        <p:cNvPr id="1" name=""/>
-        <p:cNvGrpSpPr/>
-        <p:nvPr/>
-      </p:nvGrpSpPr>
-      <p:grpSpPr>
-        <a:xfrm>
-          <a:off x="0" y="0"/>
-          <a:ext cx="0" cy="0"/>
-          <a:chOff x="0" y="0"/>
-          <a:chExt cx="0" cy="0"/>
-        </a:xfrm>
-      </p:grpSpPr>
-      <p:sp>
-        <p:nvSpPr>
-          <p:cNvPr id="2" name="Titel 1">
-            <a:extLst>
-              <a:ext uri="{FF2B5EF4-FFF2-40B4-BE49-F238E27FC236}">
-                <a16:creationId xmlns:a16="http://schemas.microsoft.com/office/drawing/2014/main" id="{6724F2D5-0AD0-4E96-A478-858F4271D76B}"/>
-              </a:ext>
-            </a:extLst>
-          </p:cNvPr>
-          <p:cNvSpPr>
-            <a:spLocks noGrp="1"/>
-          </p:cNvSpPr>
-          <p:nvPr>
-            <p:ph type="title"/>
-          </p:nvPr>
-        </p:nvSpPr>
-        <p:spPr/>
-        <p:txBody>
-          <a:bodyPr/>
-          <a:lstStyle/>
-          <a:p>
-            <a:r>
-              <a:rPr lang="en-US" dirty="0" err="1"/>
-              <a:t>Powershell</a:t>
-            </a:r>
-            <a:r>
-              <a:rPr lang="en-US" dirty="0"/>
-              <a:t> und Docker</a:t>
-            </a:r>
-            <a:endParaRPr lang="de-AT" dirty="0"/>
-          </a:p>
-        </p:txBody>
-      </p:sp>
-      <p:sp>
-        <p:nvSpPr>
-          <p:cNvPr id="3" name="Inhaltsplatzhalter 2">
-            <a:extLst>
-              <a:ext uri="{FF2B5EF4-FFF2-40B4-BE49-F238E27FC236}">
-                <a16:creationId xmlns:a16="http://schemas.microsoft.com/office/drawing/2014/main" id="{F7E4DF78-A33D-4CA5-A8CF-201B0FAED734}"/>
-              </a:ext>
-            </a:extLst>
-          </p:cNvPr>
-          <p:cNvSpPr>
-            <a:spLocks noGrp="1"/>
-          </p:cNvSpPr>
-          <p:nvPr>
-            <p:ph idx="1"/>
-          </p:nvPr>
-        </p:nvSpPr>
-        <p:spPr>
-          <a:xfrm>
-            <a:off x="742484" y="1916484"/>
-            <a:ext cx="9314796" cy="1515085"/>
-          </a:xfrm>
-        </p:spPr>
-        <p:txBody>
-          <a:bodyPr/>
-          <a:lstStyle/>
-          <a:p>
-            <a:r>
-              <a:rPr lang="de-AT" dirty="0"/>
-              <a:t>Auto-</a:t>
-            </a:r>
-            <a:r>
-              <a:rPr lang="de-AT" dirty="0" err="1"/>
-              <a:t>Completion</a:t>
-            </a:r>
-            <a:r>
-              <a:rPr lang="de-AT" dirty="0"/>
-              <a:t>: </a:t>
-            </a:r>
-            <a:r>
-              <a:rPr lang="de-AT" dirty="0">
-                <a:hlinkClick r:id="rId3"/>
-              </a:rPr>
-              <a:t>https://github.com/samneirinck/posh-docker</a:t>
-            </a:r>
-            <a:endParaRPr lang="de-AT" dirty="0"/>
-          </a:p>
-          <a:p>
-            <a:r>
-              <a:rPr lang="de-AT" dirty="0"/>
-              <a:t>Erstellen von Docker-Aliasen:</a:t>
-            </a:r>
-          </a:p>
-        </p:txBody>
-      </p:sp>
-      <p:sp>
-        <p:nvSpPr>
-          <p:cNvPr id="4" name="Rechteck 3">
-            <a:extLst>
-              <a:ext uri="{FF2B5EF4-FFF2-40B4-BE49-F238E27FC236}">
-                <a16:creationId xmlns:a16="http://schemas.microsoft.com/office/drawing/2014/main" id="{5F5E87E8-EC4D-4A7F-A780-B3890C8F3CBD}"/>
-              </a:ext>
-            </a:extLst>
-          </p:cNvPr>
-          <p:cNvSpPr/>
-          <p:nvPr/>
-        </p:nvSpPr>
-        <p:spPr>
-          <a:xfrm>
-            <a:off x="1026783" y="3431569"/>
-            <a:ext cx="5733613" cy="3170099"/>
-          </a:xfrm>
-          <a:prstGeom prst="rect">
-            <a:avLst/>
-          </a:prstGeom>
-        </p:spPr>
-        <p:txBody>
-          <a:bodyPr wrap="square">
-            <a:spAutoFit/>
-          </a:bodyPr>
-          <a:lstStyle/>
-          <a:p>
-            <a:r>
-              <a:rPr lang="de-AT" sz="2000" dirty="0" err="1">
-                <a:latin typeface="Fira Code" panose="020B0509050000020004" pitchFamily="49" charset="0"/>
-                <a:ea typeface="Fira Code" panose="020B0509050000020004" pitchFamily="49" charset="0"/>
-              </a:rPr>
-              <a:t>function</a:t>
-            </a:r>
-            <a:r>
-              <a:rPr lang="de-AT" sz="2000" dirty="0">
-                <a:latin typeface="Fira Code" panose="020B0509050000020004" pitchFamily="49" charset="0"/>
-                <a:ea typeface="Fira Code" panose="020B0509050000020004" pitchFamily="49" charset="0"/>
-              </a:rPr>
-              <a:t> </a:t>
-            </a:r>
-            <a:r>
-              <a:rPr lang="de-AT" sz="2000" dirty="0" err="1">
-                <a:latin typeface="Fira Code" panose="020B0509050000020004" pitchFamily="49" charset="0"/>
-                <a:ea typeface="Fira Code" panose="020B0509050000020004" pitchFamily="49" charset="0"/>
-              </a:rPr>
-              <a:t>jekyll</a:t>
-            </a:r>
-            <a:r>
-              <a:rPr lang="de-AT" sz="2000" dirty="0">
-                <a:latin typeface="Fira Code" panose="020B0509050000020004" pitchFamily="49" charset="0"/>
-                <a:ea typeface="Fira Code" panose="020B0509050000020004" pitchFamily="49" charset="0"/>
-              </a:rPr>
-              <a:t> {</a:t>
-            </a:r>
-          </a:p>
-          <a:p>
-            <a:r>
-              <a:rPr lang="de-AT" sz="2000" dirty="0">
-                <a:latin typeface="Fira Code" panose="020B0509050000020004" pitchFamily="49" charset="0"/>
-                <a:ea typeface="Fira Code" panose="020B0509050000020004" pitchFamily="49" charset="0"/>
-              </a:rPr>
-              <a:t>	</a:t>
-            </a:r>
-            <a:r>
-              <a:rPr lang="de-AT" sz="2000" dirty="0" err="1">
-                <a:latin typeface="Fira Code" panose="020B0509050000020004" pitchFamily="49" charset="0"/>
-                <a:ea typeface="Fira Code" panose="020B0509050000020004" pitchFamily="49" charset="0"/>
-              </a:rPr>
-              <a:t>docker</a:t>
-            </a:r>
-            <a:r>
-              <a:rPr lang="de-AT" sz="2000" dirty="0">
-                <a:latin typeface="Fira Code" panose="020B0509050000020004" pitchFamily="49" charset="0"/>
-                <a:ea typeface="Fira Code" panose="020B0509050000020004" pitchFamily="49" charset="0"/>
-              </a:rPr>
-              <a:t> </a:t>
-            </a:r>
-            <a:r>
-              <a:rPr lang="de-AT" sz="2000" dirty="0" err="1">
-                <a:latin typeface="Fira Code" panose="020B0509050000020004" pitchFamily="49" charset="0"/>
-                <a:ea typeface="Fira Code" panose="020B0509050000020004" pitchFamily="49" charset="0"/>
-              </a:rPr>
-              <a:t>run</a:t>
-            </a:r>
-            <a:endParaRPr lang="de-AT" sz="2000" dirty="0">
-              <a:latin typeface="Fira Code" panose="020B0509050000020004" pitchFamily="49" charset="0"/>
-              <a:ea typeface="Fira Code" panose="020B0509050000020004" pitchFamily="49" charset="0"/>
-            </a:endParaRPr>
-          </a:p>
-          <a:p>
-            <a:r>
-              <a:rPr lang="de-AT" sz="2000" dirty="0">
-                <a:latin typeface="Fira Code" panose="020B0509050000020004" pitchFamily="49" charset="0"/>
-                <a:ea typeface="Fira Code" panose="020B0509050000020004" pitchFamily="49" charset="0"/>
-              </a:rPr>
-              <a:t>		-</a:t>
-            </a:r>
-            <a:r>
-              <a:rPr lang="de-AT" sz="2000" dirty="0" err="1">
-                <a:latin typeface="Fira Code" panose="020B0509050000020004" pitchFamily="49" charset="0"/>
-                <a:ea typeface="Fira Code" panose="020B0509050000020004" pitchFamily="49" charset="0"/>
-              </a:rPr>
-              <a:t>it</a:t>
-            </a:r>
-            <a:endParaRPr lang="de-AT" sz="2000" dirty="0">
-              <a:latin typeface="Fira Code" panose="020B0509050000020004" pitchFamily="49" charset="0"/>
-              <a:ea typeface="Fira Code" panose="020B0509050000020004" pitchFamily="49" charset="0"/>
-            </a:endParaRPr>
-          </a:p>
-          <a:p>
-            <a:r>
-              <a:rPr lang="de-AT" sz="2000" dirty="0">
-                <a:latin typeface="Fira Code" panose="020B0509050000020004" pitchFamily="49" charset="0"/>
-                <a:ea typeface="Fira Code" panose="020B0509050000020004" pitchFamily="49" charset="0"/>
-              </a:rPr>
-              <a:t>		--</a:t>
-            </a:r>
-            <a:r>
-              <a:rPr lang="de-AT" sz="2000" dirty="0" err="1">
-                <a:latin typeface="Fira Code" panose="020B0509050000020004" pitchFamily="49" charset="0"/>
-                <a:ea typeface="Fira Code" panose="020B0509050000020004" pitchFamily="49" charset="0"/>
-              </a:rPr>
-              <a:t>rm</a:t>
-            </a:r>
-            <a:endParaRPr lang="de-AT" sz="2000" dirty="0">
-              <a:latin typeface="Fira Code" panose="020B0509050000020004" pitchFamily="49" charset="0"/>
-              <a:ea typeface="Fira Code" panose="020B0509050000020004" pitchFamily="49" charset="0"/>
-            </a:endParaRPr>
-          </a:p>
-          <a:p>
-            <a:r>
-              <a:rPr lang="de-AT" sz="2000" dirty="0">
-                <a:latin typeface="Fira Code" panose="020B0509050000020004" pitchFamily="49" charset="0"/>
-                <a:ea typeface="Fira Code" panose="020B0509050000020004" pitchFamily="49" charset="0"/>
-              </a:rPr>
-              <a:t>		-v ${</a:t>
-            </a:r>
-            <a:r>
-              <a:rPr lang="de-AT" sz="2000" dirty="0" err="1">
-                <a:latin typeface="Fira Code" panose="020B0509050000020004" pitchFamily="49" charset="0"/>
-                <a:ea typeface="Fira Code" panose="020B0509050000020004" pitchFamily="49" charset="0"/>
-              </a:rPr>
-              <a:t>pwd</a:t>
-            </a:r>
-            <a:r>
-              <a:rPr lang="de-AT" sz="2000" dirty="0">
-                <a:latin typeface="Fira Code" panose="020B0509050000020004" pitchFamily="49" charset="0"/>
-                <a:ea typeface="Fira Code" panose="020B0509050000020004" pitchFamily="49" charset="0"/>
-              </a:rPr>
-              <a:t>}:/</a:t>
-            </a:r>
-            <a:r>
-              <a:rPr lang="de-AT" sz="2000" dirty="0" err="1">
-                <a:latin typeface="Fira Code" panose="020B0509050000020004" pitchFamily="49" charset="0"/>
-                <a:ea typeface="Fira Code" panose="020B0509050000020004" pitchFamily="49" charset="0"/>
-              </a:rPr>
-              <a:t>srv</a:t>
-            </a:r>
-            <a:r>
-              <a:rPr lang="de-AT" sz="2000" dirty="0">
-                <a:latin typeface="Fira Code" panose="020B0509050000020004" pitchFamily="49" charset="0"/>
-                <a:ea typeface="Fira Code" panose="020B0509050000020004" pitchFamily="49" charset="0"/>
-              </a:rPr>
-              <a:t>/</a:t>
-            </a:r>
-            <a:r>
-              <a:rPr lang="de-AT" sz="2000" dirty="0" err="1">
-                <a:latin typeface="Fira Code" panose="020B0509050000020004" pitchFamily="49" charset="0"/>
-                <a:ea typeface="Fira Code" panose="020B0509050000020004" pitchFamily="49" charset="0"/>
-              </a:rPr>
-              <a:t>jekyll</a:t>
-            </a:r>
-            <a:endParaRPr lang="de-AT" sz="2000" dirty="0">
-              <a:latin typeface="Fira Code" panose="020B0509050000020004" pitchFamily="49" charset="0"/>
-              <a:ea typeface="Fira Code" panose="020B0509050000020004" pitchFamily="49" charset="0"/>
-            </a:endParaRPr>
-          </a:p>
-          <a:p>
-            <a:r>
-              <a:rPr lang="de-AT" sz="2000" dirty="0">
-                <a:latin typeface="Fira Code" panose="020B0509050000020004" pitchFamily="49" charset="0"/>
-                <a:ea typeface="Fira Code" panose="020B0509050000020004" pitchFamily="49" charset="0"/>
-              </a:rPr>
-              <a:t>		-p 4000:4000</a:t>
-            </a:r>
-          </a:p>
-          <a:p>
-            <a:r>
-              <a:rPr lang="de-AT" sz="2000" dirty="0">
-                <a:latin typeface="Fira Code" panose="020B0509050000020004" pitchFamily="49" charset="0"/>
-                <a:ea typeface="Fira Code" panose="020B0509050000020004" pitchFamily="49" charset="0"/>
-              </a:rPr>
-              <a:t>		-e POLLING=</a:t>
-            </a:r>
-            <a:r>
-              <a:rPr lang="de-AT" sz="2000" dirty="0" err="1">
-                <a:latin typeface="Fira Code" panose="020B0509050000020004" pitchFamily="49" charset="0"/>
-                <a:ea typeface="Fira Code" panose="020B0509050000020004" pitchFamily="49" charset="0"/>
-              </a:rPr>
-              <a:t>true</a:t>
-            </a:r>
-            <a:endParaRPr lang="de-AT" sz="2000" dirty="0">
-              <a:latin typeface="Fira Code" panose="020B0509050000020004" pitchFamily="49" charset="0"/>
-              <a:ea typeface="Fira Code" panose="020B0509050000020004" pitchFamily="49" charset="0"/>
-            </a:endParaRPr>
-          </a:p>
-          <a:p>
-            <a:r>
-              <a:rPr lang="de-AT" sz="2000" dirty="0">
-                <a:latin typeface="Fira Code" panose="020B0509050000020004" pitchFamily="49" charset="0"/>
-                <a:ea typeface="Fira Code" panose="020B0509050000020004" pitchFamily="49" charset="0"/>
-              </a:rPr>
-              <a:t>		</a:t>
-            </a:r>
-            <a:r>
-              <a:rPr lang="de-AT" sz="2000" dirty="0" err="1">
-                <a:latin typeface="Fira Code" panose="020B0509050000020004" pitchFamily="49" charset="0"/>
-                <a:ea typeface="Fira Code" panose="020B0509050000020004" pitchFamily="49" charset="0"/>
-              </a:rPr>
-              <a:t>jekyll</a:t>
-            </a:r>
-            <a:r>
-              <a:rPr lang="de-AT" sz="2000" dirty="0">
-                <a:latin typeface="Fira Code" panose="020B0509050000020004" pitchFamily="49" charset="0"/>
-                <a:ea typeface="Fira Code" panose="020B0509050000020004" pitchFamily="49" charset="0"/>
-              </a:rPr>
-              <a:t>/</a:t>
-            </a:r>
-            <a:r>
-              <a:rPr lang="de-AT" sz="2000" dirty="0" err="1">
-                <a:latin typeface="Fira Code" panose="020B0509050000020004" pitchFamily="49" charset="0"/>
-                <a:ea typeface="Fira Code" panose="020B0509050000020004" pitchFamily="49" charset="0"/>
-              </a:rPr>
-              <a:t>jekyll</a:t>
-            </a:r>
-            <a:endParaRPr lang="de-AT" sz="2000" dirty="0">
-              <a:latin typeface="Fira Code" panose="020B0509050000020004" pitchFamily="49" charset="0"/>
-              <a:ea typeface="Fira Code" panose="020B0509050000020004" pitchFamily="49" charset="0"/>
-            </a:endParaRPr>
-          </a:p>
-          <a:p>
-            <a:r>
-              <a:rPr lang="de-AT" sz="2000" dirty="0">
-                <a:latin typeface="Fira Code" panose="020B0509050000020004" pitchFamily="49" charset="0"/>
-                <a:ea typeface="Fira Code" panose="020B0509050000020004" pitchFamily="49" charset="0"/>
-              </a:rPr>
-              <a:t>		/</a:t>
-            </a:r>
-            <a:r>
-              <a:rPr lang="de-AT" sz="2000" dirty="0" err="1">
-                <a:latin typeface="Fira Code" panose="020B0509050000020004" pitchFamily="49" charset="0"/>
-                <a:ea typeface="Fira Code" panose="020B0509050000020004" pitchFamily="49" charset="0"/>
-              </a:rPr>
-              <a:t>usr</a:t>
-            </a:r>
-            <a:r>
-              <a:rPr lang="de-AT" sz="2000" dirty="0">
-                <a:latin typeface="Fira Code" panose="020B0509050000020004" pitchFamily="49" charset="0"/>
-                <a:ea typeface="Fira Code" panose="020B0509050000020004" pitchFamily="49" charset="0"/>
-              </a:rPr>
-              <a:t>/</a:t>
-            </a:r>
-            <a:r>
-              <a:rPr lang="de-AT" sz="2000" dirty="0" err="1">
-                <a:latin typeface="Fira Code" panose="020B0509050000020004" pitchFamily="49" charset="0"/>
-                <a:ea typeface="Fira Code" panose="020B0509050000020004" pitchFamily="49" charset="0"/>
-              </a:rPr>
-              <a:t>local</a:t>
-            </a:r>
-            <a:r>
-              <a:rPr lang="de-AT" sz="2000" dirty="0">
-                <a:latin typeface="Fira Code" panose="020B0509050000020004" pitchFamily="49" charset="0"/>
-                <a:ea typeface="Fira Code" panose="020B0509050000020004" pitchFamily="49" charset="0"/>
-              </a:rPr>
-              <a:t>/bin/</a:t>
-            </a:r>
-            <a:r>
-              <a:rPr lang="de-AT" sz="2000" dirty="0" err="1">
-                <a:latin typeface="Fira Code" panose="020B0509050000020004" pitchFamily="49" charset="0"/>
-                <a:ea typeface="Fira Code" panose="020B0509050000020004" pitchFamily="49" charset="0"/>
-              </a:rPr>
-              <a:t>jekyll</a:t>
-            </a:r>
-            <a:r>
-              <a:rPr lang="de-AT" sz="2000" dirty="0">
-                <a:latin typeface="Fira Code" panose="020B0509050000020004" pitchFamily="49" charset="0"/>
-                <a:ea typeface="Fira Code" panose="020B0509050000020004" pitchFamily="49" charset="0"/>
-              </a:rPr>
-              <a:t> ${</a:t>
-            </a:r>
-            <a:r>
-              <a:rPr lang="de-AT" sz="2000" dirty="0" err="1">
-                <a:latin typeface="Fira Code" panose="020B0509050000020004" pitchFamily="49" charset="0"/>
-                <a:ea typeface="Fira Code" panose="020B0509050000020004" pitchFamily="49" charset="0"/>
-              </a:rPr>
-              <a:t>args</a:t>
-            </a:r>
-            <a:r>
-              <a:rPr lang="de-AT" sz="2000" dirty="0">
-                <a:latin typeface="Fira Code" panose="020B0509050000020004" pitchFamily="49" charset="0"/>
-                <a:ea typeface="Fira Code" panose="020B0509050000020004" pitchFamily="49" charset="0"/>
-              </a:rPr>
-              <a:t>}</a:t>
-            </a:r>
-          </a:p>
-          <a:p>
-            <a:r>
-              <a:rPr lang="de-AT" sz="2000" dirty="0">
-                <a:latin typeface="Fira Code" panose="020B0509050000020004" pitchFamily="49" charset="0"/>
-                <a:ea typeface="Fira Code" panose="020B0509050000020004" pitchFamily="49" charset="0"/>
-              </a:rPr>
-              <a:t>}</a:t>
-            </a:r>
-          </a:p>
-        </p:txBody>
-      </p:sp>
-    </p:spTree>
-    <p:extLst>
-      <p:ext uri="{BB962C8B-B14F-4D97-AF65-F5344CB8AC3E}">
-        <p14:creationId xmlns:p14="http://schemas.microsoft.com/office/powerpoint/2010/main" val="2463589676"/>
-      </p:ext>
-    </p:extLst>
-  </p:cSld>
-  <p:clrMapOvr>
-    <a:masterClrMapping/>
-  </p:clrMapOvr>
-  <p:transition spd="slow">
-    <p:push dir="u"/>
-  </p:transition>
-</p:sld>
-</file>
-
-<file path=ppt/slides/slide41.xml><?xml version="1.0" encoding="utf-8"?>
-<p:sld xmlns:a="http://schemas.openxmlformats.org/drawingml/2006/main" xmlns:r="http://schemas.openxmlformats.org/officeDocument/2006/relationships" xmlns:p="http://schemas.openxmlformats.org/presentationml/2006/main" show="0">
-  <p:cSld>
-    <p:spTree>
-      <p:nvGrpSpPr>
-        <p:cNvPr id="1" name=""/>
-        <p:cNvGrpSpPr/>
-        <p:nvPr/>
-      </p:nvGrpSpPr>
-      <p:grpSpPr>
-        <a:xfrm>
-          <a:off x="0" y="0"/>
-          <a:ext cx="0" cy="0"/>
-          <a:chOff x="0" y="0"/>
-          <a:chExt cx="0" cy="0"/>
-        </a:xfrm>
-      </p:grpSpPr>
-      <p:sp>
-        <p:nvSpPr>
-          <p:cNvPr id="2" name="Titel 1">
-            <a:extLst>
-              <a:ext uri="{FF2B5EF4-FFF2-40B4-BE49-F238E27FC236}">
-                <a16:creationId xmlns:a16="http://schemas.microsoft.com/office/drawing/2014/main" id="{612B3E80-6F9B-414D-BCAA-8640DD3CDDF3}"/>
-              </a:ext>
-            </a:extLst>
-          </p:cNvPr>
-          <p:cNvSpPr>
-            <a:spLocks noGrp="1"/>
-          </p:cNvSpPr>
-          <p:nvPr>
-            <p:ph type="title"/>
-          </p:nvPr>
-        </p:nvSpPr>
-        <p:spPr/>
-        <p:txBody>
-          <a:bodyPr/>
-          <a:lstStyle/>
-          <a:p>
-            <a:r>
-              <a:rPr lang="en-US" dirty="0">
-                <a:solidFill>
-                  <a:srgbClr val="FF0000"/>
-                </a:solidFill>
-              </a:rPr>
-              <a:t>Container interactive daemon</a:t>
-            </a:r>
-            <a:endParaRPr lang="de-AT" dirty="0">
-              <a:solidFill>
-                <a:srgbClr val="FF0000"/>
-              </a:solidFill>
-            </a:endParaRPr>
-          </a:p>
-        </p:txBody>
-      </p:sp>
-      <p:sp>
-        <p:nvSpPr>
-          <p:cNvPr id="3" name="Inhaltsplatzhalter 2">
-            <a:extLst>
-              <a:ext uri="{FF2B5EF4-FFF2-40B4-BE49-F238E27FC236}">
-                <a16:creationId xmlns:a16="http://schemas.microsoft.com/office/drawing/2014/main" id="{C14803E8-41C6-4A89-9898-D94DE84E21B7}"/>
-              </a:ext>
-            </a:extLst>
-          </p:cNvPr>
-          <p:cNvSpPr>
-            <a:spLocks noGrp="1"/>
-          </p:cNvSpPr>
-          <p:nvPr>
-            <p:ph idx="1"/>
-          </p:nvPr>
-        </p:nvSpPr>
-        <p:spPr/>
-        <p:txBody>
-          <a:bodyPr/>
-          <a:lstStyle/>
-          <a:p>
-            <a:endParaRPr lang="de-AT"/>
-          </a:p>
-        </p:txBody>
-      </p:sp>
-    </p:spTree>
-    <p:extLst>
-      <p:ext uri="{BB962C8B-B14F-4D97-AF65-F5344CB8AC3E}">
-        <p14:creationId xmlns:p14="http://schemas.microsoft.com/office/powerpoint/2010/main" val="2261142164"/>
-      </p:ext>
-    </p:extLst>
-  </p:cSld>
-  <p:clrMapOvr>
-    <a:masterClrMapping/>
-  </p:clrMapOvr>
-</p:sld>
-</file>
-
-<file path=ppt/slides/slide42.xml><?xml version="1.0" encoding="utf-8"?>
-<p:sld xmlns:a="http://schemas.openxmlformats.org/drawingml/2006/main" xmlns:r="http://schemas.openxmlformats.org/officeDocument/2006/relationships" xmlns:p="http://schemas.openxmlformats.org/presentationml/2006/main" show="0">
-  <p:cSld>
-    <p:spTree>
-      <p:nvGrpSpPr>
-        <p:cNvPr id="1" name=""/>
-        <p:cNvGrpSpPr/>
-        <p:nvPr/>
-      </p:nvGrpSpPr>
-      <p:grpSpPr>
-        <a:xfrm>
-          <a:off x="0" y="0"/>
-          <a:ext cx="0" cy="0"/>
-          <a:chOff x="0" y="0"/>
-          <a:chExt cx="0" cy="0"/>
-        </a:xfrm>
-      </p:grpSpPr>
-      <p:sp>
-        <p:nvSpPr>
-          <p:cNvPr id="2" name="Titel 1">
-            <a:extLst>
-              <a:ext uri="{FF2B5EF4-FFF2-40B4-BE49-F238E27FC236}">
-                <a16:creationId xmlns:a16="http://schemas.microsoft.com/office/drawing/2014/main" id="{F23F65D7-723D-4DE7-B010-8FF3F5914F80}"/>
-              </a:ext>
-            </a:extLst>
-          </p:cNvPr>
-          <p:cNvSpPr>
-            <a:spLocks noGrp="1"/>
-          </p:cNvSpPr>
-          <p:nvPr>
-            <p:ph type="title"/>
-          </p:nvPr>
-        </p:nvSpPr>
-        <p:spPr/>
-        <p:txBody>
-          <a:bodyPr/>
-          <a:lstStyle/>
-          <a:p>
-            <a:r>
-              <a:rPr lang="en-US" dirty="0"/>
-              <a:t>docker-compose II</a:t>
-            </a:r>
-            <a:endParaRPr lang="de-AT" dirty="0"/>
-          </a:p>
-        </p:txBody>
-      </p:sp>
-      <p:sp>
-        <p:nvSpPr>
-          <p:cNvPr id="4" name="Rechteck 3">
-            <a:extLst>
-              <a:ext uri="{FF2B5EF4-FFF2-40B4-BE49-F238E27FC236}">
-                <a16:creationId xmlns:a16="http://schemas.microsoft.com/office/drawing/2014/main" id="{3EBE114C-322D-4D85-8AF0-AF19816E9160}"/>
-              </a:ext>
-            </a:extLst>
-          </p:cNvPr>
-          <p:cNvSpPr/>
-          <p:nvPr/>
-        </p:nvSpPr>
-        <p:spPr>
-          <a:xfrm>
-            <a:off x="1672923" y="1774833"/>
-            <a:ext cx="5397500" cy="4524315"/>
-          </a:xfrm>
-          <a:prstGeom prst="rect">
-            <a:avLst/>
-          </a:prstGeom>
-        </p:spPr>
-        <p:txBody>
-          <a:bodyPr>
-            <a:spAutoFit/>
-          </a:bodyPr>
-          <a:lstStyle/>
-          <a:p>
-            <a:r>
-              <a:rPr lang="fr-FR" dirty="0">
-                <a:solidFill>
-                  <a:schemeClr val="bg1">
-                    <a:lumMod val="50000"/>
-                  </a:schemeClr>
-                </a:solidFill>
-                <a:latin typeface="Fira Code" panose="020B0509050000020004" pitchFamily="49" charset="0"/>
-                <a:ea typeface="Fira Code" panose="020B0509050000020004" pitchFamily="49" charset="0"/>
-              </a:rPr>
-              <a:t># docker-</a:t>
-            </a:r>
-            <a:r>
-              <a:rPr lang="fr-FR" dirty="0" err="1">
-                <a:solidFill>
-                  <a:schemeClr val="bg1">
-                    <a:lumMod val="50000"/>
-                  </a:schemeClr>
-                </a:solidFill>
-                <a:latin typeface="Fira Code" panose="020B0509050000020004" pitchFamily="49" charset="0"/>
-                <a:ea typeface="Fira Code" panose="020B0509050000020004" pitchFamily="49" charset="0"/>
-              </a:rPr>
-              <a:t>compose.yaml</a:t>
-            </a:r>
-            <a:endParaRPr lang="fr-FR" dirty="0">
-              <a:solidFill>
-                <a:schemeClr val="bg1">
-                  <a:lumMod val="50000"/>
-                </a:schemeClr>
-              </a:solidFill>
-              <a:latin typeface="Fira Code" panose="020B0509050000020004" pitchFamily="49" charset="0"/>
-              <a:ea typeface="Fira Code" panose="020B0509050000020004" pitchFamily="49" charset="0"/>
-            </a:endParaRPr>
-          </a:p>
-          <a:p>
-            <a:r>
-              <a:rPr lang="fr-FR" dirty="0">
-                <a:solidFill>
-                  <a:srgbClr val="0C5176"/>
-                </a:solidFill>
-                <a:latin typeface="Fira Code" panose="020B0509050000020004" pitchFamily="49" charset="0"/>
-                <a:ea typeface="Fira Code" panose="020B0509050000020004" pitchFamily="49" charset="0"/>
-              </a:rPr>
-              <a:t>version: '3'</a:t>
-            </a:r>
-          </a:p>
-          <a:p>
-            <a:r>
-              <a:rPr lang="fr-FR" dirty="0">
-                <a:solidFill>
-                  <a:srgbClr val="0C5176"/>
-                </a:solidFill>
-                <a:latin typeface="Fira Code" panose="020B0509050000020004" pitchFamily="49" charset="0"/>
-                <a:ea typeface="Fira Code" panose="020B0509050000020004" pitchFamily="49" charset="0"/>
-              </a:rPr>
-              <a:t>services:</a:t>
-            </a:r>
-          </a:p>
-          <a:p>
-            <a:r>
-              <a:rPr lang="fr-FR" dirty="0">
-                <a:solidFill>
-                  <a:srgbClr val="0C5176"/>
-                </a:solidFill>
-                <a:latin typeface="Fira Code" panose="020B0509050000020004" pitchFamily="49" charset="0"/>
-                <a:ea typeface="Fira Code" panose="020B0509050000020004" pitchFamily="49" charset="0"/>
-              </a:rPr>
-              <a:t>  web:</a:t>
-            </a:r>
-          </a:p>
-          <a:p>
-            <a:r>
-              <a:rPr lang="fr-FR" dirty="0">
-                <a:solidFill>
-                  <a:srgbClr val="0C5176"/>
-                </a:solidFill>
-                <a:latin typeface="Fira Code" panose="020B0509050000020004" pitchFamily="49" charset="0"/>
-                <a:ea typeface="Fira Code" panose="020B0509050000020004" pitchFamily="49" charset="0"/>
-              </a:rPr>
-              <a:t>    </a:t>
-            </a:r>
-            <a:r>
-              <a:rPr lang="fr-FR" dirty="0" err="1">
-                <a:solidFill>
-                  <a:srgbClr val="0C5176"/>
-                </a:solidFill>
-                <a:latin typeface="Fira Code" panose="020B0509050000020004" pitchFamily="49" charset="0"/>
-                <a:ea typeface="Fira Code" panose="020B0509050000020004" pitchFamily="49" charset="0"/>
-              </a:rPr>
-              <a:t>build</a:t>
-            </a:r>
-            <a:r>
-              <a:rPr lang="fr-FR" dirty="0">
-                <a:solidFill>
-                  <a:srgbClr val="0C5176"/>
-                </a:solidFill>
-                <a:latin typeface="Fira Code" panose="020B0509050000020004" pitchFamily="49" charset="0"/>
-                <a:ea typeface="Fira Code" panose="020B0509050000020004" pitchFamily="49" charset="0"/>
-              </a:rPr>
-              <a:t>: .</a:t>
-            </a:r>
-          </a:p>
-          <a:p>
-            <a:r>
-              <a:rPr lang="fr-FR" dirty="0">
-                <a:solidFill>
-                  <a:srgbClr val="0C5176"/>
-                </a:solidFill>
-                <a:latin typeface="Fira Code" panose="020B0509050000020004" pitchFamily="49" charset="0"/>
-                <a:ea typeface="Fira Code" panose="020B0509050000020004" pitchFamily="49" charset="0"/>
-              </a:rPr>
-              <a:t>    ports:</a:t>
-            </a:r>
-          </a:p>
-          <a:p>
-            <a:r>
-              <a:rPr lang="fr-FR" dirty="0">
-                <a:solidFill>
-                  <a:srgbClr val="0C5176"/>
-                </a:solidFill>
-                <a:latin typeface="Fira Code" panose="020B0509050000020004" pitchFamily="49" charset="0"/>
-                <a:ea typeface="Fira Code" panose="020B0509050000020004" pitchFamily="49" charset="0"/>
-              </a:rPr>
-              <a:t>    - "5000:5000"</a:t>
-            </a:r>
-          </a:p>
-          <a:p>
-            <a:r>
-              <a:rPr lang="fr-FR" dirty="0">
-                <a:solidFill>
-                  <a:srgbClr val="0C5176"/>
-                </a:solidFill>
-                <a:latin typeface="Fira Code" panose="020B0509050000020004" pitchFamily="49" charset="0"/>
-                <a:ea typeface="Fira Code" panose="020B0509050000020004" pitchFamily="49" charset="0"/>
-              </a:rPr>
-              <a:t>    volumes:</a:t>
-            </a:r>
-          </a:p>
-          <a:p>
-            <a:r>
-              <a:rPr lang="fr-FR" dirty="0">
-                <a:solidFill>
-                  <a:srgbClr val="0C5176"/>
-                </a:solidFill>
-                <a:latin typeface="Fira Code" panose="020B0509050000020004" pitchFamily="49" charset="0"/>
-                <a:ea typeface="Fira Code" panose="020B0509050000020004" pitchFamily="49" charset="0"/>
-              </a:rPr>
-              <a:t>    - .:/code</a:t>
-            </a:r>
-          </a:p>
-          <a:p>
-            <a:r>
-              <a:rPr lang="fr-FR" dirty="0">
-                <a:solidFill>
-                  <a:srgbClr val="0C5176"/>
-                </a:solidFill>
-                <a:latin typeface="Fira Code" panose="020B0509050000020004" pitchFamily="49" charset="0"/>
-                <a:ea typeface="Fira Code" panose="020B0509050000020004" pitchFamily="49" charset="0"/>
-              </a:rPr>
-              <a:t>    - logvolume01:/var/log</a:t>
-            </a:r>
-          </a:p>
-          <a:p>
-            <a:r>
-              <a:rPr lang="fr-FR" dirty="0">
-                <a:solidFill>
-                  <a:srgbClr val="0C5176"/>
-                </a:solidFill>
-                <a:latin typeface="Fira Code" panose="020B0509050000020004" pitchFamily="49" charset="0"/>
-                <a:ea typeface="Fira Code" panose="020B0509050000020004" pitchFamily="49" charset="0"/>
-              </a:rPr>
-              <a:t>    links:</a:t>
-            </a:r>
-          </a:p>
-          <a:p>
-            <a:r>
-              <a:rPr lang="fr-FR" dirty="0">
-                <a:solidFill>
-                  <a:srgbClr val="0C5176"/>
-                </a:solidFill>
-                <a:latin typeface="Fira Code" panose="020B0509050000020004" pitchFamily="49" charset="0"/>
-                <a:ea typeface="Fira Code" panose="020B0509050000020004" pitchFamily="49" charset="0"/>
-              </a:rPr>
-              <a:t>    - redis</a:t>
-            </a:r>
-          </a:p>
-          <a:p>
-            <a:r>
-              <a:rPr lang="fr-FR" dirty="0">
-                <a:solidFill>
-                  <a:srgbClr val="0C5176"/>
-                </a:solidFill>
-                <a:latin typeface="Fira Code" panose="020B0509050000020004" pitchFamily="49" charset="0"/>
-                <a:ea typeface="Fira Code" panose="020B0509050000020004" pitchFamily="49" charset="0"/>
-              </a:rPr>
-              <a:t>  redis:</a:t>
-            </a:r>
-          </a:p>
-          <a:p>
-            <a:r>
-              <a:rPr lang="fr-FR" dirty="0">
-                <a:solidFill>
-                  <a:srgbClr val="0C5176"/>
-                </a:solidFill>
-                <a:latin typeface="Fira Code" panose="020B0509050000020004" pitchFamily="49" charset="0"/>
-                <a:ea typeface="Fira Code" panose="020B0509050000020004" pitchFamily="49" charset="0"/>
-              </a:rPr>
-              <a:t>    image: redis</a:t>
-            </a:r>
-          </a:p>
-          <a:p>
-            <a:r>
-              <a:rPr lang="fr-FR" dirty="0">
-                <a:solidFill>
-                  <a:srgbClr val="0C5176"/>
-                </a:solidFill>
-                <a:latin typeface="Fira Code" panose="020B0509050000020004" pitchFamily="49" charset="0"/>
-                <a:ea typeface="Fira Code" panose="020B0509050000020004" pitchFamily="49" charset="0"/>
-              </a:rPr>
-              <a:t>volumes:</a:t>
-            </a:r>
-          </a:p>
-          <a:p>
-            <a:r>
-              <a:rPr lang="fr-FR" dirty="0">
-                <a:solidFill>
-                  <a:srgbClr val="0C5176"/>
-                </a:solidFill>
-                <a:latin typeface="Fira Code" panose="020B0509050000020004" pitchFamily="49" charset="0"/>
-                <a:ea typeface="Fira Code" panose="020B0509050000020004" pitchFamily="49" charset="0"/>
-              </a:rPr>
-              <a:t>  logvolume01: {}</a:t>
-            </a:r>
-            <a:endParaRPr lang="de-AT" dirty="0">
-              <a:latin typeface="Fira Code" panose="020B0509050000020004" pitchFamily="49" charset="0"/>
-              <a:ea typeface="Fira Code" panose="020B0509050000020004" pitchFamily="49" charset="0"/>
-            </a:endParaRPr>
-          </a:p>
-        </p:txBody>
-      </p:sp>
-    </p:spTree>
-    <p:extLst>
-      <p:ext uri="{BB962C8B-B14F-4D97-AF65-F5344CB8AC3E}">
-        <p14:creationId xmlns:p14="http://schemas.microsoft.com/office/powerpoint/2010/main" val="2718731161"/>
-      </p:ext>
-    </p:extLst>
-  </p:cSld>
-  <p:clrMapOvr>
-    <a:masterClrMapping/>
-  </p:clrMapOvr>
 </p:sld>
 </file>
 

--- a/slides.pptx
+++ b/slides.pptx
@@ -14,39 +14,39 @@
     <p:sldId id="256" r:id="rId2"/>
     <p:sldId id="296" r:id="rId3"/>
     <p:sldId id="260" r:id="rId4"/>
-    <p:sldId id="295" r:id="rId5"/>
-    <p:sldId id="257" r:id="rId6"/>
-    <p:sldId id="271" r:id="rId7"/>
-    <p:sldId id="259" r:id="rId8"/>
-    <p:sldId id="261" r:id="rId9"/>
-    <p:sldId id="262" r:id="rId10"/>
-    <p:sldId id="303" r:id="rId11"/>
-    <p:sldId id="263" r:id="rId12"/>
-    <p:sldId id="264" r:id="rId13"/>
-    <p:sldId id="272" r:id="rId14"/>
-    <p:sldId id="266" r:id="rId15"/>
-    <p:sldId id="300" r:id="rId16"/>
-    <p:sldId id="301" r:id="rId17"/>
-    <p:sldId id="297" r:id="rId18"/>
-    <p:sldId id="273" r:id="rId19"/>
-    <p:sldId id="268" r:id="rId20"/>
-    <p:sldId id="274" r:id="rId21"/>
-    <p:sldId id="275" r:id="rId22"/>
-    <p:sldId id="286" r:id="rId23"/>
-    <p:sldId id="284" r:id="rId24"/>
-    <p:sldId id="270" r:id="rId25"/>
+    <p:sldId id="304" r:id="rId5"/>
+    <p:sldId id="295" r:id="rId6"/>
+    <p:sldId id="257" r:id="rId7"/>
+    <p:sldId id="261" r:id="rId8"/>
+    <p:sldId id="271" r:id="rId9"/>
+    <p:sldId id="259" r:id="rId10"/>
+    <p:sldId id="262" r:id="rId11"/>
+    <p:sldId id="303" r:id="rId12"/>
+    <p:sldId id="263" r:id="rId13"/>
+    <p:sldId id="264" r:id="rId14"/>
+    <p:sldId id="272" r:id="rId15"/>
+    <p:sldId id="266" r:id="rId16"/>
+    <p:sldId id="300" r:id="rId17"/>
+    <p:sldId id="301" r:id="rId18"/>
+    <p:sldId id="297" r:id="rId19"/>
+    <p:sldId id="273" r:id="rId20"/>
+    <p:sldId id="268" r:id="rId21"/>
+    <p:sldId id="274" r:id="rId22"/>
+    <p:sldId id="275" r:id="rId23"/>
+    <p:sldId id="286" r:id="rId24"/>
+    <p:sldId id="284" r:id="rId25"/>
     <p:sldId id="280" r:id="rId26"/>
-    <p:sldId id="283" r:id="rId27"/>
-    <p:sldId id="302" r:id="rId28"/>
-    <p:sldId id="298" r:id="rId29"/>
-    <p:sldId id="276" r:id="rId30"/>
-    <p:sldId id="277" r:id="rId31"/>
-    <p:sldId id="289" r:id="rId32"/>
-    <p:sldId id="290" r:id="rId33"/>
-    <p:sldId id="285" r:id="rId34"/>
+    <p:sldId id="270" r:id="rId27"/>
+    <p:sldId id="283" r:id="rId28"/>
+    <p:sldId id="302" r:id="rId29"/>
+    <p:sldId id="298" r:id="rId30"/>
+    <p:sldId id="276" r:id="rId31"/>
+    <p:sldId id="277" r:id="rId32"/>
+    <p:sldId id="289" r:id="rId33"/>
+    <p:sldId id="290" r:id="rId34"/>
     <p:sldId id="287" r:id="rId35"/>
-    <p:sldId id="282" r:id="rId36"/>
-    <p:sldId id="288" r:id="rId37"/>
+    <p:sldId id="288" r:id="rId36"/>
+    <p:sldId id="285" r:id="rId37"/>
     <p:sldId id="291" r:id="rId38"/>
     <p:sldId id="292" r:id="rId39"/>
   </p:sldIdLst>
@@ -1666,7 +1666,7 @@
     </p:spTree>
     <p:extLst>
       <p:ext uri="{BB962C8B-B14F-4D97-AF65-F5344CB8AC3E}">
-        <p14:creationId xmlns:p14="http://schemas.microsoft.com/office/powerpoint/2010/main" val="4104455517"/>
+        <p14:creationId xmlns:p14="http://schemas.microsoft.com/office/powerpoint/2010/main" val="2510121477"/>
       </p:ext>
     </p:extLst>
   </p:cSld>
@@ -1727,7 +1727,7 @@
     </p:spTree>
     <p:extLst>
       <p:ext uri="{BB962C8B-B14F-4D97-AF65-F5344CB8AC3E}">
-        <p14:creationId xmlns:p14="http://schemas.microsoft.com/office/powerpoint/2010/main" val="2510121477"/>
+        <p14:creationId xmlns:p14="http://schemas.microsoft.com/office/powerpoint/2010/main" val="4104455517"/>
       </p:ext>
     </p:extLst>
   </p:cSld>
@@ -2276,7 +2276,7 @@
     </p:spTree>
     <p:extLst>
       <p:ext uri="{BB962C8B-B14F-4D97-AF65-F5344CB8AC3E}">
-        <p14:creationId xmlns:p14="http://schemas.microsoft.com/office/powerpoint/2010/main" val="1887048172"/>
+        <p14:creationId xmlns:p14="http://schemas.microsoft.com/office/powerpoint/2010/main" val="609991080"/>
       </p:ext>
     </p:extLst>
   </p:cSld>
@@ -2337,7 +2337,7 @@
     </p:spTree>
     <p:extLst>
       <p:ext uri="{BB962C8B-B14F-4D97-AF65-F5344CB8AC3E}">
-        <p14:creationId xmlns:p14="http://schemas.microsoft.com/office/powerpoint/2010/main" val="609991080"/>
+        <p14:creationId xmlns:p14="http://schemas.microsoft.com/office/powerpoint/2010/main" val="2745420619"/>
       </p:ext>
     </p:extLst>
   </p:cSld>
@@ -2398,7 +2398,7 @@
     </p:spTree>
     <p:extLst>
       <p:ext uri="{BB962C8B-B14F-4D97-AF65-F5344CB8AC3E}">
-        <p14:creationId xmlns:p14="http://schemas.microsoft.com/office/powerpoint/2010/main" val="1505073181"/>
+        <p14:creationId xmlns:p14="http://schemas.microsoft.com/office/powerpoint/2010/main" val="1887048172"/>
       </p:ext>
     </p:extLst>
   </p:cSld>
@@ -2452,67 +2452,6 @@
           <a:bodyPr/>
           <a:lstStyle/>
           <a:p>
-            <a:endParaRPr lang="de-AT"/>
-          </a:p>
-        </p:txBody>
-      </p:sp>
-    </p:spTree>
-    <p:extLst>
-      <p:ext uri="{BB962C8B-B14F-4D97-AF65-F5344CB8AC3E}">
-        <p14:creationId xmlns:p14="http://schemas.microsoft.com/office/powerpoint/2010/main" val="2745420619"/>
-      </p:ext>
-    </p:extLst>
-  </p:cSld>
-  <p:clrMapOvr>
-    <a:masterClrMapping/>
-  </p:clrMapOvr>
-</p:notes>
-</file>
-
-<file path=ppt/notesSlides/notesSlide36.xml><?xml version="1.0" encoding="utf-8"?>
-<p:notes xmlns:a="http://schemas.openxmlformats.org/drawingml/2006/main" xmlns:r="http://schemas.openxmlformats.org/officeDocument/2006/relationships" xmlns:p="http://schemas.openxmlformats.org/presentationml/2006/main">
-  <p:cSld>
-    <p:spTree>
-      <p:nvGrpSpPr>
-        <p:cNvPr id="1" name=""/>
-        <p:cNvGrpSpPr/>
-        <p:nvPr/>
-      </p:nvGrpSpPr>
-      <p:grpSpPr>
-        <a:xfrm>
-          <a:off x="0" y="0"/>
-          <a:ext cx="0" cy="0"/>
-          <a:chOff x="0" y="0"/>
-          <a:chExt cx="0" cy="0"/>
-        </a:xfrm>
-      </p:grpSpPr>
-      <p:sp>
-        <p:nvSpPr>
-          <p:cNvPr id="2" name="Folienbildplatzhalter 1"/>
-          <p:cNvSpPr>
-            <a:spLocks noGrp="1" noRot="1" noChangeAspect="1"/>
-          </p:cNvSpPr>
-          <p:nvPr>
-            <p:ph type="sldImg"/>
-          </p:nvPr>
-        </p:nvSpPr>
-        <p:spPr/>
-      </p:sp>
-      <p:sp>
-        <p:nvSpPr>
-          <p:cNvPr id="3" name="Notizenplatzhalter 2"/>
-          <p:cNvSpPr>
-            <a:spLocks noGrp="1"/>
-          </p:cNvSpPr>
-          <p:nvPr>
-            <p:ph type="body" idx="1"/>
-          </p:nvPr>
-        </p:nvSpPr>
-        <p:spPr/>
-        <p:txBody>
-          <a:bodyPr/>
-          <a:lstStyle/>
-          <a:p>
             <a:r>
               <a:rPr lang="en-US" dirty="0"/>
               <a:t>de </a:t>
@@ -2570,7 +2509,7 @@
 </p:notes>
 </file>
 
-<file path=ppt/notesSlides/notesSlide37.xml><?xml version="1.0" encoding="utf-8"?>
+<file path=ppt/notesSlides/notesSlide36.xml><?xml version="1.0" encoding="utf-8"?>
 <p:notes xmlns:a="http://schemas.openxmlformats.org/drawingml/2006/main" xmlns:r="http://schemas.openxmlformats.org/officeDocument/2006/relationships" xmlns:p="http://schemas.openxmlformats.org/presentationml/2006/main">
   <p:cSld>
     <p:spTree>
@@ -2804,7 +2743,7 @@
     </p:spTree>
     <p:extLst>
       <p:ext uri="{BB962C8B-B14F-4D97-AF65-F5344CB8AC3E}">
-        <p14:creationId xmlns:p14="http://schemas.microsoft.com/office/powerpoint/2010/main" val="2727820018"/>
+        <p14:creationId xmlns:p14="http://schemas.microsoft.com/office/powerpoint/2010/main" val="1730858593"/>
       </p:ext>
     </p:extLst>
   </p:cSld>
@@ -2865,7 +2804,7 @@
     </p:spTree>
     <p:extLst>
       <p:ext uri="{BB962C8B-B14F-4D97-AF65-F5344CB8AC3E}">
-        <p14:creationId xmlns:p14="http://schemas.microsoft.com/office/powerpoint/2010/main" val="2487938524"/>
+        <p14:creationId xmlns:p14="http://schemas.microsoft.com/office/powerpoint/2010/main" val="2727820018"/>
       </p:ext>
     </p:extLst>
   </p:cSld>
@@ -2926,7 +2865,7 @@
     </p:spTree>
     <p:extLst>
       <p:ext uri="{BB962C8B-B14F-4D97-AF65-F5344CB8AC3E}">
-        <p14:creationId xmlns:p14="http://schemas.microsoft.com/office/powerpoint/2010/main" val="1730858593"/>
+        <p14:creationId xmlns:p14="http://schemas.microsoft.com/office/powerpoint/2010/main" val="2487938524"/>
       </p:ext>
     </p:extLst>
   </p:cSld>
@@ -6417,6 +6356,619 @@
           <p:cNvPr id="2" name="Titel 1">
             <a:extLst>
               <a:ext uri="{FF2B5EF4-FFF2-40B4-BE49-F238E27FC236}">
+                <a16:creationId xmlns:a16="http://schemas.microsoft.com/office/drawing/2014/main" id="{D70AD2F3-6ED1-492E-9242-D82C36646F03}"/>
+              </a:ext>
+            </a:extLst>
+          </p:cNvPr>
+          <p:cNvSpPr>
+            <a:spLocks noGrp="1"/>
+          </p:cNvSpPr>
+          <p:nvPr>
+            <p:ph type="title"/>
+          </p:nvPr>
+        </p:nvSpPr>
+        <p:spPr/>
+        <p:txBody>
+          <a:bodyPr/>
+          <a:lstStyle/>
+          <a:p>
+            <a:r>
+              <a:rPr lang="de-AT" dirty="0"/>
+              <a:t>Was sind Container?</a:t>
+            </a:r>
+          </a:p>
+        </p:txBody>
+      </p:sp>
+      <p:sp>
+        <p:nvSpPr>
+          <p:cNvPr id="3" name="Inhaltsplatzhalter 2">
+            <a:extLst>
+              <a:ext uri="{FF2B5EF4-FFF2-40B4-BE49-F238E27FC236}">
+                <a16:creationId xmlns:a16="http://schemas.microsoft.com/office/drawing/2014/main" id="{E60AA0FA-F5C9-439D-9BD5-343186CA1924}"/>
+              </a:ext>
+            </a:extLst>
+          </p:cNvPr>
+          <p:cNvSpPr>
+            <a:spLocks noGrp="1"/>
+          </p:cNvSpPr>
+          <p:nvPr>
+            <p:ph idx="1"/>
+          </p:nvPr>
+        </p:nvSpPr>
+        <p:spPr/>
+        <p:txBody>
+          <a:bodyPr/>
+          <a:lstStyle/>
+          <a:p>
+            <a:pPr marL="0" indent="0" algn="ctr">
+              <a:spcAft>
+                <a:spcPts val="2400"/>
+              </a:spcAft>
+              <a:buNone/>
+            </a:pPr>
+            <a:r>
+              <a:rPr lang="en-US" sz="3600" b="1" i="1" dirty="0"/>
+              <a:t>“a standardized unit of software”</a:t>
+            </a:r>
+            <a:endParaRPr lang="en-US" b="1" i="1" dirty="0"/>
+          </a:p>
+          <a:p>
+            <a:r>
+              <a:rPr lang="de-AT" dirty="0"/>
+              <a:t>Container sind </a:t>
+            </a:r>
+            <a:r>
+              <a:rPr lang="de-AT" b="1" dirty="0"/>
+              <a:t>zustandslos</a:t>
+            </a:r>
+          </a:p>
+          <a:p>
+            <a:r>
+              <a:rPr lang="de-AT" dirty="0"/>
+              <a:t>Kommunikation mit der Außenwelt erfolgt über</a:t>
+            </a:r>
+          </a:p>
+          <a:p>
+            <a:pPr lvl="1"/>
+            <a:r>
+              <a:rPr lang="de-AT" dirty="0"/>
+              <a:t>Port-</a:t>
+            </a:r>
+            <a:r>
+              <a:rPr lang="de-AT" dirty="0" err="1"/>
+              <a:t>Mappings</a:t>
+            </a:r>
+            <a:endParaRPr lang="de-AT" dirty="0"/>
+          </a:p>
+          <a:p>
+            <a:pPr lvl="1"/>
+            <a:r>
+              <a:rPr lang="de-AT" dirty="0"/>
+              <a:t>Speicher-Mounts</a:t>
+            </a:r>
+          </a:p>
+          <a:p>
+            <a:r>
+              <a:rPr lang="de-AT" dirty="0"/>
+              <a:t>Konfiguration der Container erfolgt idealerweise über Umgebungsvariablen</a:t>
+            </a:r>
+          </a:p>
+          <a:p>
+            <a:r>
+              <a:rPr lang="de-AT" i="1" dirty="0" err="1"/>
+              <a:t>Pet</a:t>
+            </a:r>
+            <a:r>
+              <a:rPr lang="de-AT" i="1" dirty="0"/>
+              <a:t> vs. </a:t>
+            </a:r>
+            <a:r>
+              <a:rPr lang="de-AT" i="1" dirty="0" err="1"/>
+              <a:t>Cattle</a:t>
+            </a:r>
+            <a:r>
+              <a:rPr lang="de-AT" dirty="0"/>
+              <a:t> Analogie</a:t>
+            </a:r>
+          </a:p>
+        </p:txBody>
+      </p:sp>
+      <p:sp>
+        <p:nvSpPr>
+          <p:cNvPr id="4" name="Textplatzhalter 3">
+            <a:extLst>
+              <a:ext uri="{FF2B5EF4-FFF2-40B4-BE49-F238E27FC236}">
+                <a16:creationId xmlns:a16="http://schemas.microsoft.com/office/drawing/2014/main" id="{5484BEF4-EE82-46CE-9C41-10ECEF189542}"/>
+              </a:ext>
+            </a:extLst>
+          </p:cNvPr>
+          <p:cNvSpPr>
+            <a:spLocks noGrp="1"/>
+          </p:cNvSpPr>
+          <p:nvPr>
+            <p:ph type="body" sz="quarter" idx="13"/>
+          </p:nvPr>
+        </p:nvSpPr>
+        <p:spPr>
+          <a:xfrm>
+            <a:off x="9991377" y="6769166"/>
+            <a:ext cx="322525" cy="354071"/>
+          </a:xfrm>
+        </p:spPr>
+        <p:txBody>
+          <a:bodyPr/>
+          <a:lstStyle/>
+          <a:p>
+            <a:r>
+              <a:rPr lang="en-US" dirty="0"/>
+              <a:t>9</a:t>
+            </a:r>
+            <a:endParaRPr lang="de-AT" dirty="0"/>
+          </a:p>
+        </p:txBody>
+      </p:sp>
+    </p:spTree>
+    <p:extLst>
+      <p:ext uri="{BB962C8B-B14F-4D97-AF65-F5344CB8AC3E}">
+        <p14:creationId xmlns:p14="http://schemas.microsoft.com/office/powerpoint/2010/main" val="266137916"/>
+      </p:ext>
+    </p:extLst>
+  </p:cSld>
+  <p:clrMapOvr>
+    <a:masterClrMapping/>
+  </p:clrMapOvr>
+  <p:transition spd="med">
+    <p:push dir="u"/>
+  </p:transition>
+  <p:timing>
+    <p:tnLst>
+      <p:par>
+        <p:cTn id="1" dur="indefinite" restart="never" nodeType="tmRoot">
+          <p:childTnLst>
+            <p:seq concurrent="1" nextAc="seek">
+              <p:cTn id="2" dur="indefinite" nodeType="mainSeq">
+                <p:childTnLst>
+                  <p:par>
+                    <p:cTn id="3" fill="hold">
+                      <p:stCondLst>
+                        <p:cond delay="indefinite"/>
+                      </p:stCondLst>
+                      <p:childTnLst>
+                        <p:par>
+                          <p:cTn id="4" fill="hold">
+                            <p:stCondLst>
+                              <p:cond delay="0"/>
+                            </p:stCondLst>
+                            <p:childTnLst>
+                              <p:par>
+                                <p:cTn id="5" presetID="10" presetClass="entr" presetSubtype="0" fill="hold" grpId="0" nodeType="clickEffect">
+                                  <p:stCondLst>
+                                    <p:cond delay="0"/>
+                                  </p:stCondLst>
+                                  <p:childTnLst>
+                                    <p:set>
+                                      <p:cBhvr>
+                                        <p:cTn id="6" dur="1" fill="hold">
+                                          <p:stCondLst>
+                                            <p:cond delay="0"/>
+                                          </p:stCondLst>
+                                        </p:cTn>
+                                        <p:tgtEl>
+                                          <p:spTgt spid="3">
+                                            <p:txEl>
+                                              <p:pRg st="0" end="0"/>
+                                            </p:txEl>
+                                          </p:spTgt>
+                                        </p:tgtEl>
+                                        <p:attrNameLst>
+                                          <p:attrName>style.visibility</p:attrName>
+                                        </p:attrNameLst>
+                                      </p:cBhvr>
+                                      <p:to>
+                                        <p:strVal val="visible"/>
+                                      </p:to>
+                                    </p:set>
+                                    <p:animEffect transition="in" filter="fade">
+                                      <p:cBhvr>
+                                        <p:cTn id="7" dur="250"/>
+                                        <p:tgtEl>
+                                          <p:spTgt spid="3">
+                                            <p:txEl>
+                                              <p:pRg st="0" end="0"/>
+                                            </p:txEl>
+                                          </p:spTgt>
+                                        </p:tgtEl>
+                                      </p:cBhvr>
+                                    </p:animEffect>
+                                  </p:childTnLst>
+                                </p:cTn>
+                              </p:par>
+                            </p:childTnLst>
+                          </p:cTn>
+                        </p:par>
+                      </p:childTnLst>
+                    </p:cTn>
+                  </p:par>
+                  <p:par>
+                    <p:cTn id="8" fill="hold">
+                      <p:stCondLst>
+                        <p:cond delay="indefinite"/>
+                      </p:stCondLst>
+                      <p:childTnLst>
+                        <p:par>
+                          <p:cTn id="9" fill="hold">
+                            <p:stCondLst>
+                              <p:cond delay="0"/>
+                            </p:stCondLst>
+                            <p:childTnLst>
+                              <p:par>
+                                <p:cTn id="10" presetID="10" presetClass="entr" presetSubtype="0" fill="hold" grpId="0" nodeType="clickEffect">
+                                  <p:stCondLst>
+                                    <p:cond delay="0"/>
+                                  </p:stCondLst>
+                                  <p:childTnLst>
+                                    <p:set>
+                                      <p:cBhvr>
+                                        <p:cTn id="11" dur="1" fill="hold">
+                                          <p:stCondLst>
+                                            <p:cond delay="0"/>
+                                          </p:stCondLst>
+                                        </p:cTn>
+                                        <p:tgtEl>
+                                          <p:spTgt spid="3">
+                                            <p:txEl>
+                                              <p:pRg st="1" end="1"/>
+                                            </p:txEl>
+                                          </p:spTgt>
+                                        </p:tgtEl>
+                                        <p:attrNameLst>
+                                          <p:attrName>style.visibility</p:attrName>
+                                        </p:attrNameLst>
+                                      </p:cBhvr>
+                                      <p:to>
+                                        <p:strVal val="visible"/>
+                                      </p:to>
+                                    </p:set>
+                                    <p:animEffect transition="in" filter="fade">
+                                      <p:cBhvr>
+                                        <p:cTn id="12" dur="250"/>
+                                        <p:tgtEl>
+                                          <p:spTgt spid="3">
+                                            <p:txEl>
+                                              <p:pRg st="1" end="1"/>
+                                            </p:txEl>
+                                          </p:spTgt>
+                                        </p:tgtEl>
+                                      </p:cBhvr>
+                                    </p:animEffect>
+                                  </p:childTnLst>
+                                </p:cTn>
+                              </p:par>
+                            </p:childTnLst>
+                          </p:cTn>
+                        </p:par>
+                      </p:childTnLst>
+                    </p:cTn>
+                  </p:par>
+                  <p:par>
+                    <p:cTn id="13" fill="hold">
+                      <p:stCondLst>
+                        <p:cond delay="indefinite"/>
+                      </p:stCondLst>
+                      <p:childTnLst>
+                        <p:par>
+                          <p:cTn id="14" fill="hold">
+                            <p:stCondLst>
+                              <p:cond delay="0"/>
+                            </p:stCondLst>
+                            <p:childTnLst>
+                              <p:par>
+                                <p:cTn id="15" presetID="10" presetClass="entr" presetSubtype="0" fill="hold" grpId="0" nodeType="clickEffect">
+                                  <p:stCondLst>
+                                    <p:cond delay="0"/>
+                                  </p:stCondLst>
+                                  <p:childTnLst>
+                                    <p:set>
+                                      <p:cBhvr>
+                                        <p:cTn id="16" dur="1" fill="hold">
+                                          <p:stCondLst>
+                                            <p:cond delay="0"/>
+                                          </p:stCondLst>
+                                        </p:cTn>
+                                        <p:tgtEl>
+                                          <p:spTgt spid="3">
+                                            <p:txEl>
+                                              <p:pRg st="2" end="2"/>
+                                            </p:txEl>
+                                          </p:spTgt>
+                                        </p:tgtEl>
+                                        <p:attrNameLst>
+                                          <p:attrName>style.visibility</p:attrName>
+                                        </p:attrNameLst>
+                                      </p:cBhvr>
+                                      <p:to>
+                                        <p:strVal val="visible"/>
+                                      </p:to>
+                                    </p:set>
+                                    <p:animEffect transition="in" filter="fade">
+                                      <p:cBhvr>
+                                        <p:cTn id="17" dur="250"/>
+                                        <p:tgtEl>
+                                          <p:spTgt spid="3">
+                                            <p:txEl>
+                                              <p:pRg st="2" end="2"/>
+                                            </p:txEl>
+                                          </p:spTgt>
+                                        </p:tgtEl>
+                                      </p:cBhvr>
+                                    </p:animEffect>
+                                  </p:childTnLst>
+                                </p:cTn>
+                              </p:par>
+                              <p:par>
+                                <p:cTn id="18" presetID="10" presetClass="entr" presetSubtype="0" fill="hold" grpId="0" nodeType="withEffect">
+                                  <p:stCondLst>
+                                    <p:cond delay="0"/>
+                                  </p:stCondLst>
+                                  <p:childTnLst>
+                                    <p:set>
+                                      <p:cBhvr>
+                                        <p:cTn id="19" dur="1" fill="hold">
+                                          <p:stCondLst>
+                                            <p:cond delay="0"/>
+                                          </p:stCondLst>
+                                        </p:cTn>
+                                        <p:tgtEl>
+                                          <p:spTgt spid="3">
+                                            <p:txEl>
+                                              <p:pRg st="3" end="3"/>
+                                            </p:txEl>
+                                          </p:spTgt>
+                                        </p:tgtEl>
+                                        <p:attrNameLst>
+                                          <p:attrName>style.visibility</p:attrName>
+                                        </p:attrNameLst>
+                                      </p:cBhvr>
+                                      <p:to>
+                                        <p:strVal val="visible"/>
+                                      </p:to>
+                                    </p:set>
+                                    <p:animEffect transition="in" filter="fade">
+                                      <p:cBhvr>
+                                        <p:cTn id="20" dur="250"/>
+                                        <p:tgtEl>
+                                          <p:spTgt spid="3">
+                                            <p:txEl>
+                                              <p:pRg st="3" end="3"/>
+                                            </p:txEl>
+                                          </p:spTgt>
+                                        </p:tgtEl>
+                                      </p:cBhvr>
+                                    </p:animEffect>
+                                  </p:childTnLst>
+                                </p:cTn>
+                              </p:par>
+                              <p:par>
+                                <p:cTn id="21" presetID="10" presetClass="entr" presetSubtype="0" fill="hold" grpId="0" nodeType="withEffect">
+                                  <p:stCondLst>
+                                    <p:cond delay="0"/>
+                                  </p:stCondLst>
+                                  <p:childTnLst>
+                                    <p:set>
+                                      <p:cBhvr>
+                                        <p:cTn id="22" dur="1" fill="hold">
+                                          <p:stCondLst>
+                                            <p:cond delay="0"/>
+                                          </p:stCondLst>
+                                        </p:cTn>
+                                        <p:tgtEl>
+                                          <p:spTgt spid="3">
+                                            <p:txEl>
+                                              <p:pRg st="4" end="4"/>
+                                            </p:txEl>
+                                          </p:spTgt>
+                                        </p:tgtEl>
+                                        <p:attrNameLst>
+                                          <p:attrName>style.visibility</p:attrName>
+                                        </p:attrNameLst>
+                                      </p:cBhvr>
+                                      <p:to>
+                                        <p:strVal val="visible"/>
+                                      </p:to>
+                                    </p:set>
+                                    <p:animEffect transition="in" filter="fade">
+                                      <p:cBhvr>
+                                        <p:cTn id="23" dur="250"/>
+                                        <p:tgtEl>
+                                          <p:spTgt spid="3">
+                                            <p:txEl>
+                                              <p:pRg st="4" end="4"/>
+                                            </p:txEl>
+                                          </p:spTgt>
+                                        </p:tgtEl>
+                                      </p:cBhvr>
+                                    </p:animEffect>
+                                  </p:childTnLst>
+                                </p:cTn>
+                              </p:par>
+                            </p:childTnLst>
+                          </p:cTn>
+                        </p:par>
+                      </p:childTnLst>
+                    </p:cTn>
+                  </p:par>
+                  <p:par>
+                    <p:cTn id="24" fill="hold">
+                      <p:stCondLst>
+                        <p:cond delay="indefinite"/>
+                      </p:stCondLst>
+                      <p:childTnLst>
+                        <p:par>
+                          <p:cTn id="25" fill="hold">
+                            <p:stCondLst>
+                              <p:cond delay="0"/>
+                            </p:stCondLst>
+                            <p:childTnLst>
+                              <p:par>
+                                <p:cTn id="26" presetID="10" presetClass="entr" presetSubtype="0" fill="hold" grpId="0" nodeType="clickEffect">
+                                  <p:stCondLst>
+                                    <p:cond delay="0"/>
+                                  </p:stCondLst>
+                                  <p:childTnLst>
+                                    <p:set>
+                                      <p:cBhvr>
+                                        <p:cTn id="27" dur="1" fill="hold">
+                                          <p:stCondLst>
+                                            <p:cond delay="0"/>
+                                          </p:stCondLst>
+                                        </p:cTn>
+                                        <p:tgtEl>
+                                          <p:spTgt spid="3">
+                                            <p:txEl>
+                                              <p:pRg st="5" end="5"/>
+                                            </p:txEl>
+                                          </p:spTgt>
+                                        </p:tgtEl>
+                                        <p:attrNameLst>
+                                          <p:attrName>style.visibility</p:attrName>
+                                        </p:attrNameLst>
+                                      </p:cBhvr>
+                                      <p:to>
+                                        <p:strVal val="visible"/>
+                                      </p:to>
+                                    </p:set>
+                                    <p:animEffect transition="in" filter="fade">
+                                      <p:cBhvr>
+                                        <p:cTn id="28" dur="250"/>
+                                        <p:tgtEl>
+                                          <p:spTgt spid="3">
+                                            <p:txEl>
+                                              <p:pRg st="5" end="5"/>
+                                            </p:txEl>
+                                          </p:spTgt>
+                                        </p:tgtEl>
+                                      </p:cBhvr>
+                                    </p:animEffect>
+                                  </p:childTnLst>
+                                </p:cTn>
+                              </p:par>
+                            </p:childTnLst>
+                          </p:cTn>
+                        </p:par>
+                      </p:childTnLst>
+                    </p:cTn>
+                  </p:par>
+                  <p:par>
+                    <p:cTn id="29" fill="hold">
+                      <p:stCondLst>
+                        <p:cond delay="indefinite"/>
+                      </p:stCondLst>
+                      <p:childTnLst>
+                        <p:par>
+                          <p:cTn id="30" fill="hold">
+                            <p:stCondLst>
+                              <p:cond delay="0"/>
+                            </p:stCondLst>
+                            <p:childTnLst>
+                              <p:par>
+                                <p:cTn id="31" presetID="10" presetClass="entr" presetSubtype="0" fill="hold" grpId="0" nodeType="clickEffect">
+                                  <p:stCondLst>
+                                    <p:cond delay="0"/>
+                                  </p:stCondLst>
+                                  <p:childTnLst>
+                                    <p:set>
+                                      <p:cBhvr>
+                                        <p:cTn id="32" dur="1" fill="hold">
+                                          <p:stCondLst>
+                                            <p:cond delay="0"/>
+                                          </p:stCondLst>
+                                        </p:cTn>
+                                        <p:tgtEl>
+                                          <p:spTgt spid="3">
+                                            <p:txEl>
+                                              <p:pRg st="6" end="6"/>
+                                            </p:txEl>
+                                          </p:spTgt>
+                                        </p:tgtEl>
+                                        <p:attrNameLst>
+                                          <p:attrName>style.visibility</p:attrName>
+                                        </p:attrNameLst>
+                                      </p:cBhvr>
+                                      <p:to>
+                                        <p:strVal val="visible"/>
+                                      </p:to>
+                                    </p:set>
+                                    <p:animEffect transition="in" filter="fade">
+                                      <p:cBhvr>
+                                        <p:cTn id="33" dur="250"/>
+                                        <p:tgtEl>
+                                          <p:spTgt spid="3">
+                                            <p:txEl>
+                                              <p:pRg st="6" end="6"/>
+                                            </p:txEl>
+                                          </p:spTgt>
+                                        </p:tgtEl>
+                                      </p:cBhvr>
+                                    </p:animEffect>
+                                  </p:childTnLst>
+                                </p:cTn>
+                              </p:par>
+                            </p:childTnLst>
+                          </p:cTn>
+                        </p:par>
+                      </p:childTnLst>
+                    </p:cTn>
+                  </p:par>
+                </p:childTnLst>
+              </p:cTn>
+              <p:prevCondLst>
+                <p:cond evt="onPrev" delay="0">
+                  <p:tgtEl>
+                    <p:sldTgt/>
+                  </p:tgtEl>
+                </p:cond>
+              </p:prevCondLst>
+              <p:nextCondLst>
+                <p:cond evt="onNext" delay="0">
+                  <p:tgtEl>
+                    <p:sldTgt/>
+                  </p:tgtEl>
+                </p:cond>
+              </p:nextCondLst>
+            </p:seq>
+          </p:childTnLst>
+        </p:cTn>
+      </p:par>
+    </p:tnLst>
+    <p:bldLst>
+      <p:bldP spid="3" grpId="0" build="p"/>
+    </p:bldLst>
+  </p:timing>
+</p:sld>
+</file>
+
+<file path=ppt/slides/slide11.xml><?xml version="1.0" encoding="utf-8"?>
+<p:sld xmlns:a="http://schemas.openxmlformats.org/drawingml/2006/main" xmlns:r="http://schemas.openxmlformats.org/officeDocument/2006/relationships" xmlns:p="http://schemas.openxmlformats.org/presentationml/2006/main">
+  <p:cSld>
+    <p:spTree>
+      <p:nvGrpSpPr>
+        <p:cNvPr id="1" name=""/>
+        <p:cNvGrpSpPr/>
+        <p:nvPr/>
+      </p:nvGrpSpPr>
+      <p:grpSpPr>
+        <a:xfrm>
+          <a:off x="0" y="0"/>
+          <a:ext cx="0" cy="0"/>
+          <a:chOff x="0" y="0"/>
+          <a:chExt cx="0" cy="0"/>
+        </a:xfrm>
+      </p:grpSpPr>
+      <p:sp>
+        <p:nvSpPr>
+          <p:cNvPr id="2" name="Titel 1">
+            <a:extLst>
+              <a:ext uri="{FF2B5EF4-FFF2-40B4-BE49-F238E27FC236}">
                 <a16:creationId xmlns:a16="http://schemas.microsoft.com/office/drawing/2014/main" id="{2C497199-D329-4D22-AB8B-728F0D234895}"/>
               </a:ext>
             </a:extLst>
@@ -6462,8 +7014,8 @@
         </p:nvSpPr>
         <p:spPr>
           <a:xfrm>
-            <a:off x="9991378" y="6769166"/>
-            <a:ext cx="322524" cy="354071"/>
+            <a:off x="9853519" y="6769166"/>
+            <a:ext cx="460383" cy="354071"/>
           </a:xfrm>
         </p:spPr>
         <p:txBody>
@@ -6472,7 +7024,7 @@
           <a:p>
             <a:r>
               <a:rPr lang="en-US" dirty="0"/>
-              <a:t>9</a:t>
+              <a:t>10</a:t>
             </a:r>
             <a:endParaRPr lang="de-AT" dirty="0"/>
           </a:p>
@@ -6849,7 +7401,7 @@
 </p:sld>
 </file>
 
-<file path=ppt/slides/slide11.xml><?xml version="1.0" encoding="utf-8"?>
+<file path=ppt/slides/slide12.xml><?xml version="1.0" encoding="utf-8"?>
 <p:sld xmlns:a="http://schemas.openxmlformats.org/drawingml/2006/main" xmlns:r="http://schemas.openxmlformats.org/officeDocument/2006/relationships" xmlns:p="http://schemas.openxmlformats.org/presentationml/2006/main">
   <p:cSld>
     <p:spTree>
@@ -6965,7 +7517,7 @@
           <a:p>
             <a:r>
               <a:rPr lang="en-US" dirty="0"/>
-              <a:t>10</a:t>
+              <a:t>11</a:t>
             </a:r>
             <a:endParaRPr lang="de-AT" dirty="0"/>
           </a:p>
@@ -7033,7 +7585,7 @@
 </p:sld>
 </file>
 
-<file path=ppt/slides/slide12.xml><?xml version="1.0" encoding="utf-8"?>
+<file path=ppt/slides/slide13.xml><?xml version="1.0" encoding="utf-8"?>
 <p:sld xmlns:a="http://schemas.openxmlformats.org/drawingml/2006/main" xmlns:r="http://schemas.openxmlformats.org/officeDocument/2006/relationships" xmlns:p="http://schemas.openxmlformats.org/presentationml/2006/main">
   <p:cSld>
     <p:spTree>
@@ -7224,7 +7776,7 @@
           <a:p>
             <a:r>
               <a:rPr lang="en-US" dirty="0"/>
-              <a:t>11</a:t>
+              <a:t>12</a:t>
             </a:r>
             <a:endParaRPr lang="de-AT" dirty="0"/>
           </a:p>
@@ -7584,68 +8136,6 @@
 </p:sld>
 </file>
 
-<file path=ppt/slides/slide13.xml><?xml version="1.0" encoding="utf-8"?>
-<p:sld xmlns:a="http://schemas.openxmlformats.org/drawingml/2006/main" xmlns:r="http://schemas.openxmlformats.org/officeDocument/2006/relationships" xmlns:p="http://schemas.openxmlformats.org/presentationml/2006/main">
-  <p:cSld>
-    <p:spTree>
-      <p:nvGrpSpPr>
-        <p:cNvPr id="1" name=""/>
-        <p:cNvGrpSpPr/>
-        <p:nvPr/>
-      </p:nvGrpSpPr>
-      <p:grpSpPr>
-        <a:xfrm>
-          <a:off x="0" y="0"/>
-          <a:ext cx="0" cy="0"/>
-          <a:chOff x="0" y="0"/>
-          <a:chExt cx="0" cy="0"/>
-        </a:xfrm>
-      </p:grpSpPr>
-      <p:sp>
-        <p:nvSpPr>
-          <p:cNvPr id="2" name="Titel 1">
-            <a:extLst>
-              <a:ext uri="{FF2B5EF4-FFF2-40B4-BE49-F238E27FC236}">
-                <a16:creationId xmlns:a16="http://schemas.microsoft.com/office/drawing/2014/main" id="{BF3C2E20-4B24-4745-AAFE-EE016D48DFAF}"/>
-              </a:ext>
-            </a:extLst>
-          </p:cNvPr>
-          <p:cNvSpPr>
-            <a:spLocks noGrp="1"/>
-          </p:cNvSpPr>
-          <p:nvPr>
-            <p:ph type="title"/>
-          </p:nvPr>
-        </p:nvSpPr>
-        <p:spPr/>
-        <p:txBody>
-          <a:bodyPr/>
-          <a:lstStyle/>
-          <a:p>
-            <a:r>
-              <a:rPr lang="en-US" dirty="0"/>
-              <a:t>Docker Registry</a:t>
-            </a:r>
-            <a:endParaRPr lang="de-AT" dirty="0"/>
-          </a:p>
-        </p:txBody>
-      </p:sp>
-    </p:spTree>
-    <p:extLst>
-      <p:ext uri="{BB962C8B-B14F-4D97-AF65-F5344CB8AC3E}">
-        <p14:creationId xmlns:p14="http://schemas.microsoft.com/office/powerpoint/2010/main" val="3271081779"/>
-      </p:ext>
-    </p:extLst>
-  </p:cSld>
-  <p:clrMapOvr>
-    <a:masterClrMapping/>
-  </p:clrMapOvr>
-  <p:transition spd="med">
-    <p:push dir="u"/>
-  </p:transition>
-</p:sld>
-</file>
-
 <file path=ppt/slides/slide14.xml><?xml version="1.0" encoding="utf-8"?>
 <p:sld xmlns:a="http://schemas.openxmlformats.org/drawingml/2006/main" xmlns:r="http://schemas.openxmlformats.org/officeDocument/2006/relationships" xmlns:p="http://schemas.openxmlformats.org/presentationml/2006/main">
   <p:cSld>
@@ -7668,6 +8158,68 @@
           <p:cNvPr id="2" name="Titel 1">
             <a:extLst>
               <a:ext uri="{FF2B5EF4-FFF2-40B4-BE49-F238E27FC236}">
+                <a16:creationId xmlns:a16="http://schemas.microsoft.com/office/drawing/2014/main" id="{BF3C2E20-4B24-4745-AAFE-EE016D48DFAF}"/>
+              </a:ext>
+            </a:extLst>
+          </p:cNvPr>
+          <p:cNvSpPr>
+            <a:spLocks noGrp="1"/>
+          </p:cNvSpPr>
+          <p:nvPr>
+            <p:ph type="title"/>
+          </p:nvPr>
+        </p:nvSpPr>
+        <p:spPr/>
+        <p:txBody>
+          <a:bodyPr/>
+          <a:lstStyle/>
+          <a:p>
+            <a:r>
+              <a:rPr lang="en-US" dirty="0"/>
+              <a:t>Docker Registry</a:t>
+            </a:r>
+            <a:endParaRPr lang="de-AT" dirty="0"/>
+          </a:p>
+        </p:txBody>
+      </p:sp>
+    </p:spTree>
+    <p:extLst>
+      <p:ext uri="{BB962C8B-B14F-4D97-AF65-F5344CB8AC3E}">
+        <p14:creationId xmlns:p14="http://schemas.microsoft.com/office/powerpoint/2010/main" val="3271081779"/>
+      </p:ext>
+    </p:extLst>
+  </p:cSld>
+  <p:clrMapOvr>
+    <a:masterClrMapping/>
+  </p:clrMapOvr>
+  <p:transition spd="med">
+    <p:push dir="u"/>
+  </p:transition>
+</p:sld>
+</file>
+
+<file path=ppt/slides/slide15.xml><?xml version="1.0" encoding="utf-8"?>
+<p:sld xmlns:a="http://schemas.openxmlformats.org/drawingml/2006/main" xmlns:r="http://schemas.openxmlformats.org/officeDocument/2006/relationships" xmlns:p="http://schemas.openxmlformats.org/presentationml/2006/main">
+  <p:cSld>
+    <p:spTree>
+      <p:nvGrpSpPr>
+        <p:cNvPr id="1" name=""/>
+        <p:cNvGrpSpPr/>
+        <p:nvPr/>
+      </p:nvGrpSpPr>
+      <p:grpSpPr>
+        <a:xfrm>
+          <a:off x="0" y="0"/>
+          <a:ext cx="0" cy="0"/>
+          <a:chOff x="0" y="0"/>
+          <a:chExt cx="0" cy="0"/>
+        </a:xfrm>
+      </p:grpSpPr>
+      <p:sp>
+        <p:nvSpPr>
+          <p:cNvPr id="2" name="Titel 1">
+            <a:extLst>
+              <a:ext uri="{FF2B5EF4-FFF2-40B4-BE49-F238E27FC236}">
                 <a16:creationId xmlns:a16="http://schemas.microsoft.com/office/drawing/2014/main" id="{DFE393F3-2386-41D8-A3DF-D75DAC4CE8DB}"/>
               </a:ext>
             </a:extLst>
@@ -7813,7 +8365,7 @@
           <a:p>
             <a:r>
               <a:rPr lang="en-US" dirty="0"/>
-              <a:t>12</a:t>
+              <a:t>13</a:t>
             </a:r>
             <a:endParaRPr lang="de-AT" dirty="0"/>
           </a:p>
@@ -8223,7 +8775,7 @@
 </p:sld>
 </file>
 
-<file path=ppt/slides/slide15.xml><?xml version="1.0" encoding="utf-8"?>
+<file path=ppt/slides/slide16.xml><?xml version="1.0" encoding="utf-8"?>
 <p:sld xmlns:a="http://schemas.openxmlformats.org/drawingml/2006/main" xmlns:r="http://schemas.openxmlformats.org/officeDocument/2006/relationships" xmlns:p="http://schemas.openxmlformats.org/presentationml/2006/main">
   <p:cSld>
     <p:spTree>
@@ -8335,7 +8887,7 @@
           <a:p>
             <a:r>
               <a:rPr lang="en-US" dirty="0"/>
-              <a:t>13</a:t>
+              <a:t>14</a:t>
             </a:r>
             <a:endParaRPr lang="de-AT" dirty="0"/>
           </a:p>
@@ -8403,7 +8955,7 @@
 </p:sld>
 </file>
 
-<file path=ppt/slides/slide16.xml><?xml version="1.0" encoding="utf-8"?>
+<file path=ppt/slides/slide17.xml><?xml version="1.0" encoding="utf-8"?>
 <p:sld xmlns:a="http://schemas.openxmlformats.org/drawingml/2006/main" xmlns:r="http://schemas.openxmlformats.org/officeDocument/2006/relationships" xmlns:p="http://schemas.openxmlformats.org/presentationml/2006/main">
   <p:cSld>
     <p:spTree>
@@ -8506,7 +9058,7 @@
           <a:p>
             <a:r>
               <a:rPr lang="en-US" dirty="0"/>
-              <a:t>14</a:t>
+              <a:t>15</a:t>
             </a:r>
             <a:endParaRPr lang="de-AT" dirty="0"/>
           </a:p>
@@ -8526,7 +9078,7 @@
         </p:nvSpPr>
         <p:spPr>
           <a:xfrm>
-            <a:off x="0" y="6916178"/>
+            <a:off x="0" y="6860759"/>
             <a:ext cx="8260422" cy="338554"/>
           </a:xfrm>
           <a:prstGeom prst="rect">
@@ -8610,7 +9162,7 @@
 </p:sld>
 </file>
 
-<file path=ppt/slides/slide17.xml><?xml version="1.0" encoding="utf-8"?>
+<file path=ppt/slides/slide18.xml><?xml version="1.0" encoding="utf-8"?>
 <p:sld xmlns:a="http://schemas.openxmlformats.org/drawingml/2006/main" xmlns:r="http://schemas.openxmlformats.org/officeDocument/2006/relationships" xmlns:p="http://schemas.openxmlformats.org/presentationml/2006/main">
   <p:cSld>
     <p:spTree>
@@ -8744,7 +9296,7 @@
           <a:p>
             <a:r>
               <a:rPr lang="en-US" dirty="0"/>
-              <a:t>15</a:t>
+              <a:t>16</a:t>
             </a:r>
             <a:endParaRPr lang="de-AT" dirty="0"/>
           </a:p>
@@ -8921,68 +9473,6 @@
 </p:sld>
 </file>
 
-<file path=ppt/slides/slide18.xml><?xml version="1.0" encoding="utf-8"?>
-<p:sld xmlns:a="http://schemas.openxmlformats.org/drawingml/2006/main" xmlns:r="http://schemas.openxmlformats.org/officeDocument/2006/relationships" xmlns:p="http://schemas.openxmlformats.org/presentationml/2006/main">
-  <p:cSld>
-    <p:spTree>
-      <p:nvGrpSpPr>
-        <p:cNvPr id="1" name=""/>
-        <p:cNvGrpSpPr/>
-        <p:nvPr/>
-      </p:nvGrpSpPr>
-      <p:grpSpPr>
-        <a:xfrm>
-          <a:off x="0" y="0"/>
-          <a:ext cx="0" cy="0"/>
-          <a:chOff x="0" y="0"/>
-          <a:chExt cx="0" cy="0"/>
-        </a:xfrm>
-      </p:grpSpPr>
-      <p:sp>
-        <p:nvSpPr>
-          <p:cNvPr id="2" name="Titel 1">
-            <a:extLst>
-              <a:ext uri="{FF2B5EF4-FFF2-40B4-BE49-F238E27FC236}">
-                <a16:creationId xmlns:a16="http://schemas.microsoft.com/office/drawing/2014/main" id="{3D54EB8B-0171-4AB7-9174-F76302202D78}"/>
-              </a:ext>
-            </a:extLst>
-          </p:cNvPr>
-          <p:cNvSpPr>
-            <a:spLocks noGrp="1"/>
-          </p:cNvSpPr>
-          <p:nvPr>
-            <p:ph type="title"/>
-          </p:nvPr>
-        </p:nvSpPr>
-        <p:spPr/>
-        <p:txBody>
-          <a:bodyPr/>
-          <a:lstStyle/>
-          <a:p>
-            <a:r>
-              <a:rPr lang="en-US" dirty="0"/>
-              <a:t>Docker CLI</a:t>
-            </a:r>
-            <a:endParaRPr lang="de-AT" dirty="0"/>
-          </a:p>
-        </p:txBody>
-      </p:sp>
-    </p:spTree>
-    <p:extLst>
-      <p:ext uri="{BB962C8B-B14F-4D97-AF65-F5344CB8AC3E}">
-        <p14:creationId xmlns:p14="http://schemas.microsoft.com/office/powerpoint/2010/main" val="2570207203"/>
-      </p:ext>
-    </p:extLst>
-  </p:cSld>
-  <p:clrMapOvr>
-    <a:masterClrMapping/>
-  </p:clrMapOvr>
-  <p:transition spd="med">
-    <p:push dir="u"/>
-  </p:transition>
-</p:sld>
-</file>
-
 <file path=ppt/slides/slide19.xml><?xml version="1.0" encoding="utf-8"?>
 <p:sld xmlns:a="http://schemas.openxmlformats.org/drawingml/2006/main" xmlns:r="http://schemas.openxmlformats.org/officeDocument/2006/relationships" xmlns:p="http://schemas.openxmlformats.org/presentationml/2006/main">
   <p:cSld>
@@ -9005,7 +9495,7 @@
           <p:cNvPr id="2" name="Titel 1">
             <a:extLst>
               <a:ext uri="{FF2B5EF4-FFF2-40B4-BE49-F238E27FC236}">
-                <a16:creationId xmlns:a16="http://schemas.microsoft.com/office/drawing/2014/main" id="{4A434F5D-C651-468C-BF9B-D70F850DA103}"/>
+                <a16:creationId xmlns:a16="http://schemas.microsoft.com/office/drawing/2014/main" id="{3D54EB8B-0171-4AB7-9174-F76302202D78}"/>
               </a:ext>
             </a:extLst>
           </p:cNvPr>
@@ -9022,246 +9512,8 @@
           <a:lstStyle/>
           <a:p>
             <a:r>
-              <a:rPr lang="de-AT" dirty="0"/>
-              <a:t>Erstellen von Docker Images</a:t>
-            </a:r>
-          </a:p>
-        </p:txBody>
-      </p:sp>
-      <p:sp>
-        <p:nvSpPr>
-          <p:cNvPr id="3" name="Inhaltsplatzhalter 2">
-            <a:extLst>
-              <a:ext uri="{FF2B5EF4-FFF2-40B4-BE49-F238E27FC236}">
-                <a16:creationId xmlns:a16="http://schemas.microsoft.com/office/drawing/2014/main" id="{7CDCE224-D269-4CC8-8695-E97C638D78D7}"/>
-              </a:ext>
-            </a:extLst>
-          </p:cNvPr>
-          <p:cNvSpPr>
-            <a:spLocks noGrp="1"/>
-          </p:cNvSpPr>
-          <p:nvPr>
-            <p:ph idx="1"/>
-          </p:nvPr>
-        </p:nvSpPr>
-        <p:spPr/>
-        <p:txBody>
-          <a:bodyPr/>
-          <a:lstStyle/>
-          <a:p>
-            <a:r>
-              <a:rPr lang="de-AT" dirty="0"/>
-              <a:t>wenn bestehende Images nicht reichen, dann können Images selbst gebaut werden</a:t>
-            </a:r>
-          </a:p>
-          <a:p>
-            <a:r>
-              <a:rPr lang="de-AT" dirty="0"/>
-              <a:t>bestehende Images als Basis verwenden</a:t>
-            </a:r>
-          </a:p>
-          <a:p>
-            <a:r>
-              <a:rPr lang="de-AT" dirty="0"/>
-              <a:t>zwei Möglichkeiten</a:t>
-            </a:r>
-          </a:p>
-          <a:p>
-            <a:pPr lvl="1"/>
-            <a:r>
-              <a:rPr lang="de-AT" sz="2400" dirty="0" err="1">
-                <a:latin typeface="Fira Code" panose="020B0509050000020004" pitchFamily="49" charset="0"/>
-                <a:ea typeface="Fira Code" panose="020B0509050000020004" pitchFamily="49" charset="0"/>
-              </a:rPr>
-              <a:t>docker</a:t>
-            </a:r>
-            <a:r>
-              <a:rPr lang="de-AT" sz="2400" dirty="0">
-                <a:latin typeface="Fira Code" panose="020B0509050000020004" pitchFamily="49" charset="0"/>
-                <a:ea typeface="Fira Code" panose="020B0509050000020004" pitchFamily="49" charset="0"/>
-              </a:rPr>
-              <a:t> </a:t>
-            </a:r>
-            <a:r>
-              <a:rPr lang="de-AT" sz="2400" dirty="0" err="1">
-                <a:latin typeface="Fira Code" panose="020B0509050000020004" pitchFamily="49" charset="0"/>
-                <a:ea typeface="Fira Code" panose="020B0509050000020004" pitchFamily="49" charset="0"/>
-              </a:rPr>
-              <a:t>commit</a:t>
-            </a:r>
-            <a:r>
-              <a:rPr lang="de-AT" sz="2400" dirty="0">
-                <a:latin typeface="Fira Code" panose="020B0509050000020004" pitchFamily="49" charset="0"/>
-                <a:ea typeface="Fira Code" panose="020B0509050000020004" pitchFamily="49" charset="0"/>
-              </a:rPr>
-              <a:t> […]</a:t>
-            </a:r>
-            <a:endParaRPr lang="de-AT" dirty="0">
-              <a:latin typeface="Fira Code" panose="020B0509050000020004" pitchFamily="49" charset="0"/>
-              <a:ea typeface="Fira Code" panose="020B0509050000020004" pitchFamily="49" charset="0"/>
-            </a:endParaRPr>
-          </a:p>
-          <a:p>
-            <a:pPr lvl="1"/>
-            <a:r>
-              <a:rPr lang="de-AT" dirty="0"/>
-              <a:t>Dockerfiles + </a:t>
-            </a:r>
-            <a:r>
-              <a:rPr lang="de-AT" sz="2400" dirty="0" err="1">
-                <a:latin typeface="Fira Code" panose="020B0509050000020004" pitchFamily="49" charset="0"/>
-                <a:ea typeface="Fira Code" panose="020B0509050000020004" pitchFamily="49" charset="0"/>
-              </a:rPr>
-              <a:t>docker</a:t>
-            </a:r>
-            <a:r>
-              <a:rPr lang="de-AT" sz="2400" dirty="0">
-                <a:latin typeface="Fira Code" panose="020B0509050000020004" pitchFamily="49" charset="0"/>
-                <a:ea typeface="Fira Code" panose="020B0509050000020004" pitchFamily="49" charset="0"/>
-              </a:rPr>
-              <a:t> </a:t>
-            </a:r>
-            <a:r>
-              <a:rPr lang="de-AT" sz="2400" dirty="0" err="1">
-                <a:latin typeface="Fira Code" panose="020B0509050000020004" pitchFamily="49" charset="0"/>
-                <a:ea typeface="Fira Code" panose="020B0509050000020004" pitchFamily="49" charset="0"/>
-              </a:rPr>
-              <a:t>build</a:t>
-            </a:r>
-            <a:r>
-              <a:rPr lang="de-AT" sz="2400" dirty="0">
-                <a:latin typeface="Fira Code" panose="020B0509050000020004" pitchFamily="49" charset="0"/>
-                <a:ea typeface="Fira Code" panose="020B0509050000020004" pitchFamily="49" charset="0"/>
-              </a:rPr>
-              <a:t> […]</a:t>
-            </a:r>
-            <a:endParaRPr lang="de-AT" dirty="0">
-              <a:latin typeface="Fira Code" panose="020B0509050000020004" pitchFamily="49" charset="0"/>
-              <a:ea typeface="Fira Code" panose="020B0509050000020004" pitchFamily="49" charset="0"/>
-            </a:endParaRPr>
-          </a:p>
-          <a:p>
-            <a:r>
-              <a:rPr lang="de-AT" dirty="0"/>
-              <a:t>empfohlener Weg für “Nicht-Linux-Profis”</a:t>
-            </a:r>
-          </a:p>
-          <a:p>
-            <a:pPr lvl="1"/>
-            <a:r>
-              <a:rPr lang="de-AT" sz="2400" dirty="0" err="1">
-                <a:latin typeface="Fira Code" panose="020B0509050000020004" pitchFamily="49" charset="0"/>
-                <a:ea typeface="Fira Code" panose="020B0509050000020004" pitchFamily="49" charset="0"/>
-              </a:rPr>
-              <a:t>docker</a:t>
-            </a:r>
-            <a:r>
-              <a:rPr lang="de-AT" sz="2400" dirty="0">
-                <a:latin typeface="Fira Code" panose="020B0509050000020004" pitchFamily="49" charset="0"/>
-                <a:ea typeface="Fira Code" panose="020B0509050000020004" pitchFamily="49" charset="0"/>
-              </a:rPr>
-              <a:t> </a:t>
-            </a:r>
-            <a:r>
-              <a:rPr lang="de-AT" sz="2400" dirty="0" err="1">
-                <a:latin typeface="Fira Code" panose="020B0509050000020004" pitchFamily="49" charset="0"/>
-                <a:ea typeface="Fira Code" panose="020B0509050000020004" pitchFamily="49" charset="0"/>
-              </a:rPr>
-              <a:t>run</a:t>
-            </a:r>
-            <a:r>
-              <a:rPr lang="de-AT" sz="2400" dirty="0">
-                <a:latin typeface="Fira Code" panose="020B0509050000020004" pitchFamily="49" charset="0"/>
-                <a:ea typeface="Fira Code" panose="020B0509050000020004" pitchFamily="49" charset="0"/>
-              </a:rPr>
-              <a:t> --</a:t>
-            </a:r>
-            <a:r>
-              <a:rPr lang="de-AT" sz="2400" dirty="0" err="1">
-                <a:latin typeface="Fira Code" panose="020B0509050000020004" pitchFamily="49" charset="0"/>
-                <a:ea typeface="Fira Code" panose="020B0509050000020004" pitchFamily="49" charset="0"/>
-              </a:rPr>
-              <a:t>rm</a:t>
-            </a:r>
-            <a:r>
-              <a:rPr lang="de-AT" sz="2400" dirty="0">
-                <a:latin typeface="Fira Code" panose="020B0509050000020004" pitchFamily="49" charset="0"/>
-                <a:ea typeface="Fira Code" panose="020B0509050000020004" pitchFamily="49" charset="0"/>
-              </a:rPr>
-              <a:t> -</a:t>
-            </a:r>
-            <a:r>
-              <a:rPr lang="de-AT" sz="2400" dirty="0" err="1">
-                <a:latin typeface="Fira Code" panose="020B0509050000020004" pitchFamily="49" charset="0"/>
-                <a:ea typeface="Fira Code" panose="020B0509050000020004" pitchFamily="49" charset="0"/>
-              </a:rPr>
-              <a:t>it</a:t>
-            </a:r>
-            <a:r>
-              <a:rPr lang="de-AT" sz="2400" dirty="0">
-                <a:latin typeface="Fira Code" panose="020B0509050000020004" pitchFamily="49" charset="0"/>
-                <a:ea typeface="Fira Code" panose="020B0509050000020004" pitchFamily="49" charset="0"/>
-              </a:rPr>
-              <a:t> […]</a:t>
-            </a:r>
-            <a:endParaRPr lang="de-AT" dirty="0">
-              <a:latin typeface="Fira Code" panose="020B0509050000020004" pitchFamily="49" charset="0"/>
-              <a:ea typeface="Fira Code" panose="020B0509050000020004" pitchFamily="49" charset="0"/>
-            </a:endParaRPr>
-          </a:p>
-          <a:p>
-            <a:pPr lvl="1"/>
-            <a:r>
-              <a:rPr lang="de-AT" dirty="0"/>
-              <a:t>Kommandos ausführen und ausprobieren</a:t>
-            </a:r>
-          </a:p>
-          <a:p>
-            <a:pPr lvl="1"/>
-            <a:r>
-              <a:rPr lang="de-AT" dirty="0"/>
-              <a:t>nebenbei ein </a:t>
-            </a:r>
-            <a:r>
-              <a:rPr lang="de-AT" i="1" dirty="0" err="1"/>
-              <a:t>Dockerfile</a:t>
-            </a:r>
-            <a:r>
-              <a:rPr lang="de-AT" dirty="0"/>
-              <a:t> dazu erstellen</a:t>
-            </a:r>
-          </a:p>
-        </p:txBody>
-      </p:sp>
-      <p:sp>
-        <p:nvSpPr>
-          <p:cNvPr id="4" name="Textplatzhalter 3">
-            <a:extLst>
-              <a:ext uri="{FF2B5EF4-FFF2-40B4-BE49-F238E27FC236}">
-                <a16:creationId xmlns:a16="http://schemas.microsoft.com/office/drawing/2014/main" id="{5DCB3E83-2358-4C32-B903-950F96ED92FB}"/>
-              </a:ext>
-            </a:extLst>
-          </p:cNvPr>
-          <p:cNvSpPr>
-            <a:spLocks noGrp="1"/>
-          </p:cNvSpPr>
-          <p:nvPr>
-            <p:ph type="body" sz="quarter" idx="13"/>
-          </p:nvPr>
-        </p:nvSpPr>
-        <p:spPr>
-          <a:xfrm>
-            <a:off x="9853519" y="6769166"/>
-            <a:ext cx="460383" cy="354071"/>
-          </a:xfrm>
-        </p:spPr>
-        <p:txBody>
-          <a:bodyPr/>
-          <a:lstStyle/>
-          <a:p>
-            <a:r>
               <a:rPr lang="en-US" dirty="0"/>
-              <a:t>16</a:t>
+              <a:t>Docker CLI</a:t>
             </a:r>
             <a:endParaRPr lang="de-AT" dirty="0"/>
           </a:p>
@@ -9270,7 +9522,7 @@
     </p:spTree>
     <p:extLst>
       <p:ext uri="{BB962C8B-B14F-4D97-AF65-F5344CB8AC3E}">
-        <p14:creationId xmlns:p14="http://schemas.microsoft.com/office/powerpoint/2010/main" val="2673817234"/>
+        <p14:creationId xmlns:p14="http://schemas.microsoft.com/office/powerpoint/2010/main" val="2570207203"/>
       </p:ext>
     </p:extLst>
   </p:cSld>
@@ -9280,498 +9532,6 @@
   <p:transition spd="med">
     <p:push dir="u"/>
   </p:transition>
-  <p:timing>
-    <p:tnLst>
-      <p:par>
-        <p:cTn id="1" dur="indefinite" restart="never" nodeType="tmRoot">
-          <p:childTnLst>
-            <p:seq concurrent="1" nextAc="seek">
-              <p:cTn id="2" dur="indefinite" nodeType="mainSeq">
-                <p:childTnLst>
-                  <p:par>
-                    <p:cTn id="3" fill="hold">
-                      <p:stCondLst>
-                        <p:cond delay="indefinite"/>
-                      </p:stCondLst>
-                      <p:childTnLst>
-                        <p:par>
-                          <p:cTn id="4" fill="hold">
-                            <p:stCondLst>
-                              <p:cond delay="0"/>
-                            </p:stCondLst>
-                            <p:childTnLst>
-                              <p:par>
-                                <p:cTn id="5" presetID="10" presetClass="entr" presetSubtype="0" fill="hold" grpId="0" nodeType="clickEffect">
-                                  <p:stCondLst>
-                                    <p:cond delay="0"/>
-                                  </p:stCondLst>
-                                  <p:childTnLst>
-                                    <p:set>
-                                      <p:cBhvr>
-                                        <p:cTn id="6" dur="1" fill="hold">
-                                          <p:stCondLst>
-                                            <p:cond delay="0"/>
-                                          </p:stCondLst>
-                                        </p:cTn>
-                                        <p:tgtEl>
-                                          <p:spTgt spid="3">
-                                            <p:txEl>
-                                              <p:pRg st="0" end="0"/>
-                                            </p:txEl>
-                                          </p:spTgt>
-                                        </p:tgtEl>
-                                        <p:attrNameLst>
-                                          <p:attrName>style.visibility</p:attrName>
-                                        </p:attrNameLst>
-                                      </p:cBhvr>
-                                      <p:to>
-                                        <p:strVal val="visible"/>
-                                      </p:to>
-                                    </p:set>
-                                    <p:animEffect transition="in" filter="fade">
-                                      <p:cBhvr>
-                                        <p:cTn id="7" dur="250"/>
-                                        <p:tgtEl>
-                                          <p:spTgt spid="3">
-                                            <p:txEl>
-                                              <p:pRg st="0" end="0"/>
-                                            </p:txEl>
-                                          </p:spTgt>
-                                        </p:tgtEl>
-                                      </p:cBhvr>
-                                    </p:animEffect>
-                                  </p:childTnLst>
-                                </p:cTn>
-                              </p:par>
-                            </p:childTnLst>
-                          </p:cTn>
-                        </p:par>
-                      </p:childTnLst>
-                    </p:cTn>
-                  </p:par>
-                  <p:par>
-                    <p:cTn id="8" fill="hold">
-                      <p:stCondLst>
-                        <p:cond delay="indefinite"/>
-                      </p:stCondLst>
-                      <p:childTnLst>
-                        <p:par>
-                          <p:cTn id="9" fill="hold">
-                            <p:stCondLst>
-                              <p:cond delay="0"/>
-                            </p:stCondLst>
-                            <p:childTnLst>
-                              <p:par>
-                                <p:cTn id="10" presetID="10" presetClass="entr" presetSubtype="0" fill="hold" grpId="0" nodeType="clickEffect">
-                                  <p:stCondLst>
-                                    <p:cond delay="0"/>
-                                  </p:stCondLst>
-                                  <p:childTnLst>
-                                    <p:set>
-                                      <p:cBhvr>
-                                        <p:cTn id="11" dur="1" fill="hold">
-                                          <p:stCondLst>
-                                            <p:cond delay="0"/>
-                                          </p:stCondLst>
-                                        </p:cTn>
-                                        <p:tgtEl>
-                                          <p:spTgt spid="3">
-                                            <p:txEl>
-                                              <p:pRg st="1" end="1"/>
-                                            </p:txEl>
-                                          </p:spTgt>
-                                        </p:tgtEl>
-                                        <p:attrNameLst>
-                                          <p:attrName>style.visibility</p:attrName>
-                                        </p:attrNameLst>
-                                      </p:cBhvr>
-                                      <p:to>
-                                        <p:strVal val="visible"/>
-                                      </p:to>
-                                    </p:set>
-                                    <p:animEffect transition="in" filter="fade">
-                                      <p:cBhvr>
-                                        <p:cTn id="12" dur="250"/>
-                                        <p:tgtEl>
-                                          <p:spTgt spid="3">
-                                            <p:txEl>
-                                              <p:pRg st="1" end="1"/>
-                                            </p:txEl>
-                                          </p:spTgt>
-                                        </p:tgtEl>
-                                      </p:cBhvr>
-                                    </p:animEffect>
-                                  </p:childTnLst>
-                                </p:cTn>
-                              </p:par>
-                            </p:childTnLst>
-                          </p:cTn>
-                        </p:par>
-                      </p:childTnLst>
-                    </p:cTn>
-                  </p:par>
-                  <p:par>
-                    <p:cTn id="13" fill="hold">
-                      <p:stCondLst>
-                        <p:cond delay="indefinite"/>
-                      </p:stCondLst>
-                      <p:childTnLst>
-                        <p:par>
-                          <p:cTn id="14" fill="hold">
-                            <p:stCondLst>
-                              <p:cond delay="0"/>
-                            </p:stCondLst>
-                            <p:childTnLst>
-                              <p:par>
-                                <p:cTn id="15" presetID="10" presetClass="entr" presetSubtype="0" fill="hold" grpId="0" nodeType="clickEffect">
-                                  <p:stCondLst>
-                                    <p:cond delay="0"/>
-                                  </p:stCondLst>
-                                  <p:childTnLst>
-                                    <p:set>
-                                      <p:cBhvr>
-                                        <p:cTn id="16" dur="1" fill="hold">
-                                          <p:stCondLst>
-                                            <p:cond delay="0"/>
-                                          </p:stCondLst>
-                                        </p:cTn>
-                                        <p:tgtEl>
-                                          <p:spTgt spid="3">
-                                            <p:txEl>
-                                              <p:pRg st="2" end="2"/>
-                                            </p:txEl>
-                                          </p:spTgt>
-                                        </p:tgtEl>
-                                        <p:attrNameLst>
-                                          <p:attrName>style.visibility</p:attrName>
-                                        </p:attrNameLst>
-                                      </p:cBhvr>
-                                      <p:to>
-                                        <p:strVal val="visible"/>
-                                      </p:to>
-                                    </p:set>
-                                    <p:animEffect transition="in" filter="fade">
-                                      <p:cBhvr>
-                                        <p:cTn id="17" dur="250"/>
-                                        <p:tgtEl>
-                                          <p:spTgt spid="3">
-                                            <p:txEl>
-                                              <p:pRg st="2" end="2"/>
-                                            </p:txEl>
-                                          </p:spTgt>
-                                        </p:tgtEl>
-                                      </p:cBhvr>
-                                    </p:animEffect>
-                                  </p:childTnLst>
-                                </p:cTn>
-                              </p:par>
-                              <p:par>
-                                <p:cTn id="18" presetID="10" presetClass="entr" presetSubtype="0" fill="hold" grpId="0" nodeType="withEffect">
-                                  <p:stCondLst>
-                                    <p:cond delay="0"/>
-                                  </p:stCondLst>
-                                  <p:childTnLst>
-                                    <p:set>
-                                      <p:cBhvr>
-                                        <p:cTn id="19" dur="1" fill="hold">
-                                          <p:stCondLst>
-                                            <p:cond delay="0"/>
-                                          </p:stCondLst>
-                                        </p:cTn>
-                                        <p:tgtEl>
-                                          <p:spTgt spid="3">
-                                            <p:txEl>
-                                              <p:pRg st="3" end="3"/>
-                                            </p:txEl>
-                                          </p:spTgt>
-                                        </p:tgtEl>
-                                        <p:attrNameLst>
-                                          <p:attrName>style.visibility</p:attrName>
-                                        </p:attrNameLst>
-                                      </p:cBhvr>
-                                      <p:to>
-                                        <p:strVal val="visible"/>
-                                      </p:to>
-                                    </p:set>
-                                    <p:animEffect transition="in" filter="fade">
-                                      <p:cBhvr>
-                                        <p:cTn id="20" dur="250"/>
-                                        <p:tgtEl>
-                                          <p:spTgt spid="3">
-                                            <p:txEl>
-                                              <p:pRg st="3" end="3"/>
-                                            </p:txEl>
-                                          </p:spTgt>
-                                        </p:tgtEl>
-                                      </p:cBhvr>
-                                    </p:animEffect>
-                                  </p:childTnLst>
-                                </p:cTn>
-                              </p:par>
-                              <p:par>
-                                <p:cTn id="21" presetID="10" presetClass="entr" presetSubtype="0" fill="hold" grpId="0" nodeType="withEffect">
-                                  <p:stCondLst>
-                                    <p:cond delay="0"/>
-                                  </p:stCondLst>
-                                  <p:childTnLst>
-                                    <p:set>
-                                      <p:cBhvr>
-                                        <p:cTn id="22" dur="1" fill="hold">
-                                          <p:stCondLst>
-                                            <p:cond delay="0"/>
-                                          </p:stCondLst>
-                                        </p:cTn>
-                                        <p:tgtEl>
-                                          <p:spTgt spid="3">
-                                            <p:txEl>
-                                              <p:pRg st="4" end="4"/>
-                                            </p:txEl>
-                                          </p:spTgt>
-                                        </p:tgtEl>
-                                        <p:attrNameLst>
-                                          <p:attrName>style.visibility</p:attrName>
-                                        </p:attrNameLst>
-                                      </p:cBhvr>
-                                      <p:to>
-                                        <p:strVal val="visible"/>
-                                      </p:to>
-                                    </p:set>
-                                    <p:animEffect transition="in" filter="fade">
-                                      <p:cBhvr>
-                                        <p:cTn id="23" dur="250"/>
-                                        <p:tgtEl>
-                                          <p:spTgt spid="3">
-                                            <p:txEl>
-                                              <p:pRg st="4" end="4"/>
-                                            </p:txEl>
-                                          </p:spTgt>
-                                        </p:tgtEl>
-                                      </p:cBhvr>
-                                    </p:animEffect>
-                                  </p:childTnLst>
-                                </p:cTn>
-                              </p:par>
-                            </p:childTnLst>
-                          </p:cTn>
-                        </p:par>
-                      </p:childTnLst>
-                    </p:cTn>
-                  </p:par>
-                  <p:par>
-                    <p:cTn id="24" fill="hold">
-                      <p:stCondLst>
-                        <p:cond delay="indefinite"/>
-                      </p:stCondLst>
-                      <p:childTnLst>
-                        <p:par>
-                          <p:cTn id="25" fill="hold">
-                            <p:stCondLst>
-                              <p:cond delay="0"/>
-                            </p:stCondLst>
-                            <p:childTnLst>
-                              <p:par>
-                                <p:cTn id="26" presetID="10" presetClass="entr" presetSubtype="0" fill="hold" grpId="0" nodeType="clickEffect">
-                                  <p:stCondLst>
-                                    <p:cond delay="0"/>
-                                  </p:stCondLst>
-                                  <p:childTnLst>
-                                    <p:set>
-                                      <p:cBhvr>
-                                        <p:cTn id="27" dur="1" fill="hold">
-                                          <p:stCondLst>
-                                            <p:cond delay="0"/>
-                                          </p:stCondLst>
-                                        </p:cTn>
-                                        <p:tgtEl>
-                                          <p:spTgt spid="3">
-                                            <p:txEl>
-                                              <p:pRg st="5" end="5"/>
-                                            </p:txEl>
-                                          </p:spTgt>
-                                        </p:tgtEl>
-                                        <p:attrNameLst>
-                                          <p:attrName>style.visibility</p:attrName>
-                                        </p:attrNameLst>
-                                      </p:cBhvr>
-                                      <p:to>
-                                        <p:strVal val="visible"/>
-                                      </p:to>
-                                    </p:set>
-                                    <p:animEffect transition="in" filter="fade">
-                                      <p:cBhvr>
-                                        <p:cTn id="28" dur="250"/>
-                                        <p:tgtEl>
-                                          <p:spTgt spid="3">
-                                            <p:txEl>
-                                              <p:pRg st="5" end="5"/>
-                                            </p:txEl>
-                                          </p:spTgt>
-                                        </p:tgtEl>
-                                      </p:cBhvr>
-                                    </p:animEffect>
-                                  </p:childTnLst>
-                                </p:cTn>
-                              </p:par>
-                              <p:par>
-                                <p:cTn id="29" presetID="10" presetClass="entr" presetSubtype="0" fill="hold" grpId="0" nodeType="withEffect">
-                                  <p:stCondLst>
-                                    <p:cond delay="0"/>
-                                  </p:stCondLst>
-                                  <p:childTnLst>
-                                    <p:set>
-                                      <p:cBhvr>
-                                        <p:cTn id="30" dur="1" fill="hold">
-                                          <p:stCondLst>
-                                            <p:cond delay="0"/>
-                                          </p:stCondLst>
-                                        </p:cTn>
-                                        <p:tgtEl>
-                                          <p:spTgt spid="3">
-                                            <p:txEl>
-                                              <p:pRg st="6" end="6"/>
-                                            </p:txEl>
-                                          </p:spTgt>
-                                        </p:tgtEl>
-                                        <p:attrNameLst>
-                                          <p:attrName>style.visibility</p:attrName>
-                                        </p:attrNameLst>
-                                      </p:cBhvr>
-                                      <p:to>
-                                        <p:strVal val="visible"/>
-                                      </p:to>
-                                    </p:set>
-                                    <p:animEffect transition="in" filter="fade">
-                                      <p:cBhvr>
-                                        <p:cTn id="31" dur="250"/>
-                                        <p:tgtEl>
-                                          <p:spTgt spid="3">
-                                            <p:txEl>
-                                              <p:pRg st="6" end="6"/>
-                                            </p:txEl>
-                                          </p:spTgt>
-                                        </p:tgtEl>
-                                      </p:cBhvr>
-                                    </p:animEffect>
-                                  </p:childTnLst>
-                                </p:cTn>
-                              </p:par>
-                              <p:par>
-                                <p:cTn id="32" presetID="10" presetClass="entr" presetSubtype="0" fill="hold" grpId="0" nodeType="withEffect">
-                                  <p:stCondLst>
-                                    <p:cond delay="0"/>
-                                  </p:stCondLst>
-                                  <p:childTnLst>
-                                    <p:set>
-                                      <p:cBhvr>
-                                        <p:cTn id="33" dur="1" fill="hold">
-                                          <p:stCondLst>
-                                            <p:cond delay="0"/>
-                                          </p:stCondLst>
-                                        </p:cTn>
-                                        <p:tgtEl>
-                                          <p:spTgt spid="3">
-                                            <p:txEl>
-                                              <p:pRg st="7" end="7"/>
-                                            </p:txEl>
-                                          </p:spTgt>
-                                        </p:tgtEl>
-                                        <p:attrNameLst>
-                                          <p:attrName>style.visibility</p:attrName>
-                                        </p:attrNameLst>
-                                      </p:cBhvr>
-                                      <p:to>
-                                        <p:strVal val="visible"/>
-                                      </p:to>
-                                    </p:set>
-                                    <p:animEffect transition="in" filter="fade">
-                                      <p:cBhvr>
-                                        <p:cTn id="34" dur="250"/>
-                                        <p:tgtEl>
-                                          <p:spTgt spid="3">
-                                            <p:txEl>
-                                              <p:pRg st="7" end="7"/>
-                                            </p:txEl>
-                                          </p:spTgt>
-                                        </p:tgtEl>
-                                      </p:cBhvr>
-                                    </p:animEffect>
-                                  </p:childTnLst>
-                                </p:cTn>
-                              </p:par>
-                              <p:par>
-                                <p:cTn id="35" presetID="10" presetClass="entr" presetSubtype="0" fill="hold" grpId="0" nodeType="withEffect">
-                                  <p:stCondLst>
-                                    <p:cond delay="0"/>
-                                  </p:stCondLst>
-                                  <p:childTnLst>
-                                    <p:set>
-                                      <p:cBhvr>
-                                        <p:cTn id="36" dur="1" fill="hold">
-                                          <p:stCondLst>
-                                            <p:cond delay="0"/>
-                                          </p:stCondLst>
-                                        </p:cTn>
-                                        <p:tgtEl>
-                                          <p:spTgt spid="3">
-                                            <p:txEl>
-                                              <p:pRg st="8" end="8"/>
-                                            </p:txEl>
-                                          </p:spTgt>
-                                        </p:tgtEl>
-                                        <p:attrNameLst>
-                                          <p:attrName>style.visibility</p:attrName>
-                                        </p:attrNameLst>
-                                      </p:cBhvr>
-                                      <p:to>
-                                        <p:strVal val="visible"/>
-                                      </p:to>
-                                    </p:set>
-                                    <p:animEffect transition="in" filter="fade">
-                                      <p:cBhvr>
-                                        <p:cTn id="37" dur="250"/>
-                                        <p:tgtEl>
-                                          <p:spTgt spid="3">
-                                            <p:txEl>
-                                              <p:pRg st="8" end="8"/>
-                                            </p:txEl>
-                                          </p:spTgt>
-                                        </p:tgtEl>
-                                      </p:cBhvr>
-                                    </p:animEffect>
-                                  </p:childTnLst>
-                                </p:cTn>
-                              </p:par>
-                            </p:childTnLst>
-                          </p:cTn>
-                        </p:par>
-                      </p:childTnLst>
-                    </p:cTn>
-                  </p:par>
-                </p:childTnLst>
-              </p:cTn>
-              <p:prevCondLst>
-                <p:cond evt="onPrev" delay="0">
-                  <p:tgtEl>
-                    <p:sldTgt/>
-                  </p:tgtEl>
-                </p:cond>
-              </p:prevCondLst>
-              <p:nextCondLst>
-                <p:cond evt="onNext" delay="0">
-                  <p:tgtEl>
-                    <p:sldTgt/>
-                  </p:tgtEl>
-                </p:cond>
-              </p:nextCondLst>
-            </p:seq>
-          </p:childTnLst>
-        </p:cTn>
-      </p:par>
-    </p:tnLst>
-    <p:bldLst>
-      <p:bldP spid="3" grpId="0" build="p"/>
-    </p:bldLst>
-  </p:timing>
 </p:sld>
 </file>
 
@@ -10229,7 +9989,7 @@
           <p:cNvPr id="2" name="Titel 1">
             <a:extLst>
               <a:ext uri="{FF2B5EF4-FFF2-40B4-BE49-F238E27FC236}">
-                <a16:creationId xmlns:a16="http://schemas.microsoft.com/office/drawing/2014/main" id="{30BA5A7F-B612-4C0A-923F-2BEAB474FBAD}"/>
+                <a16:creationId xmlns:a16="http://schemas.microsoft.com/office/drawing/2014/main" id="{4A434F5D-C651-468C-BF9B-D70F850DA103}"/>
               </a:ext>
             </a:extLst>
           </p:cNvPr>
@@ -10247,15 +10007,254 @@
           <a:p>
             <a:r>
               <a:rPr lang="de-AT" dirty="0"/>
-              <a:t>Erstellen eines Images</a:t>
-            </a:r>
+              <a:t>Erstellen von Docker Images</a:t>
+            </a:r>
+          </a:p>
+        </p:txBody>
+      </p:sp>
+      <p:sp>
+        <p:nvSpPr>
+          <p:cNvPr id="3" name="Inhaltsplatzhalter 2">
+            <a:extLst>
+              <a:ext uri="{FF2B5EF4-FFF2-40B4-BE49-F238E27FC236}">
+                <a16:creationId xmlns:a16="http://schemas.microsoft.com/office/drawing/2014/main" id="{7CDCE224-D269-4CC8-8695-E97C638D78D7}"/>
+              </a:ext>
+            </a:extLst>
+          </p:cNvPr>
+          <p:cNvSpPr>
+            <a:spLocks noGrp="1"/>
+          </p:cNvSpPr>
+          <p:nvPr>
+            <p:ph idx="1"/>
+          </p:nvPr>
+        </p:nvSpPr>
+        <p:spPr/>
+        <p:txBody>
+          <a:bodyPr/>
+          <a:lstStyle/>
+          <a:p>
+            <a:r>
+              <a:rPr lang="de-AT" dirty="0"/>
+              <a:t>wenn bestehende Images nicht reichen, dann können Images selbst gebaut werden</a:t>
+            </a:r>
+          </a:p>
+          <a:p>
+            <a:r>
+              <a:rPr lang="de-AT" dirty="0"/>
+              <a:t>bestehende Images als Basis verwenden</a:t>
+            </a:r>
+          </a:p>
+          <a:p>
+            <a:r>
+              <a:rPr lang="de-AT" dirty="0"/>
+              <a:t>zwei Möglichkeiten</a:t>
+            </a:r>
+          </a:p>
+          <a:p>
+            <a:pPr lvl="1"/>
+            <a:r>
+              <a:rPr lang="de-AT" sz="2400" dirty="0" err="1">
+                <a:latin typeface="Fira Code" panose="020B0509050000020004" pitchFamily="49" charset="0"/>
+                <a:ea typeface="Fira Code" panose="020B0509050000020004" pitchFamily="49" charset="0"/>
+              </a:rPr>
+              <a:t>docker</a:t>
+            </a:r>
+            <a:r>
+              <a:rPr lang="de-AT" sz="2400" dirty="0">
+                <a:latin typeface="Fira Code" panose="020B0509050000020004" pitchFamily="49" charset="0"/>
+                <a:ea typeface="Fira Code" panose="020B0509050000020004" pitchFamily="49" charset="0"/>
+              </a:rPr>
+              <a:t> </a:t>
+            </a:r>
+            <a:r>
+              <a:rPr lang="de-AT" sz="2400" dirty="0" err="1">
+                <a:latin typeface="Fira Code" panose="020B0509050000020004" pitchFamily="49" charset="0"/>
+                <a:ea typeface="Fira Code" panose="020B0509050000020004" pitchFamily="49" charset="0"/>
+              </a:rPr>
+              <a:t>commit</a:t>
+            </a:r>
+            <a:r>
+              <a:rPr lang="de-AT" sz="2400" dirty="0">
+                <a:latin typeface="Fira Code" panose="020B0509050000020004" pitchFamily="49" charset="0"/>
+                <a:ea typeface="Fira Code" panose="020B0509050000020004" pitchFamily="49" charset="0"/>
+              </a:rPr>
+              <a:t> […]</a:t>
+            </a:r>
+            <a:endParaRPr lang="de-AT" dirty="0">
+              <a:latin typeface="Fira Code" panose="020B0509050000020004" pitchFamily="49" charset="0"/>
+              <a:ea typeface="Fira Code" panose="020B0509050000020004" pitchFamily="49" charset="0"/>
+            </a:endParaRPr>
+          </a:p>
+          <a:p>
+            <a:pPr lvl="1"/>
+            <a:r>
+              <a:rPr lang="de-AT" dirty="0"/>
+              <a:t>Dockerfiles + </a:t>
+            </a:r>
+            <a:r>
+              <a:rPr lang="de-AT" sz="2400" dirty="0" err="1">
+                <a:latin typeface="Fira Code" panose="020B0509050000020004" pitchFamily="49" charset="0"/>
+                <a:ea typeface="Fira Code" panose="020B0509050000020004" pitchFamily="49" charset="0"/>
+              </a:rPr>
+              <a:t>docker</a:t>
+            </a:r>
+            <a:r>
+              <a:rPr lang="de-AT" sz="2400" dirty="0">
+                <a:latin typeface="Fira Code" panose="020B0509050000020004" pitchFamily="49" charset="0"/>
+                <a:ea typeface="Fira Code" panose="020B0509050000020004" pitchFamily="49" charset="0"/>
+              </a:rPr>
+              <a:t> </a:t>
+            </a:r>
+            <a:r>
+              <a:rPr lang="de-AT" sz="2400" dirty="0" err="1">
+                <a:latin typeface="Fira Code" panose="020B0509050000020004" pitchFamily="49" charset="0"/>
+                <a:ea typeface="Fira Code" panose="020B0509050000020004" pitchFamily="49" charset="0"/>
+              </a:rPr>
+              <a:t>build</a:t>
+            </a:r>
+            <a:r>
+              <a:rPr lang="de-AT" sz="2400" dirty="0">
+                <a:latin typeface="Fira Code" panose="020B0509050000020004" pitchFamily="49" charset="0"/>
+                <a:ea typeface="Fira Code" panose="020B0509050000020004" pitchFamily="49" charset="0"/>
+              </a:rPr>
+              <a:t> […]</a:t>
+            </a:r>
+            <a:endParaRPr lang="de-AT" dirty="0">
+              <a:latin typeface="Fira Code" panose="020B0509050000020004" pitchFamily="49" charset="0"/>
+              <a:ea typeface="Fira Code" panose="020B0509050000020004" pitchFamily="49" charset="0"/>
+            </a:endParaRPr>
+          </a:p>
+          <a:p>
+            <a:r>
+              <a:rPr lang="de-AT" dirty="0"/>
+              <a:t>empfohlener Weg für “Nicht-Linux-Profis”</a:t>
+            </a:r>
+          </a:p>
+          <a:p>
+            <a:pPr lvl="1"/>
+            <a:r>
+              <a:rPr lang="de-AT" sz="2400" dirty="0" err="1">
+                <a:latin typeface="Fira Code" panose="020B0509050000020004" pitchFamily="49" charset="0"/>
+                <a:ea typeface="Fira Code" panose="020B0509050000020004" pitchFamily="49" charset="0"/>
+              </a:rPr>
+              <a:t>docker</a:t>
+            </a:r>
+            <a:r>
+              <a:rPr lang="de-AT" sz="2400" dirty="0">
+                <a:latin typeface="Fira Code" panose="020B0509050000020004" pitchFamily="49" charset="0"/>
+                <a:ea typeface="Fira Code" panose="020B0509050000020004" pitchFamily="49" charset="0"/>
+              </a:rPr>
+              <a:t> </a:t>
+            </a:r>
+            <a:r>
+              <a:rPr lang="de-AT" sz="2400" dirty="0" err="1">
+                <a:latin typeface="Fira Code" panose="020B0509050000020004" pitchFamily="49" charset="0"/>
+                <a:ea typeface="Fira Code" panose="020B0509050000020004" pitchFamily="49" charset="0"/>
+              </a:rPr>
+              <a:t>run</a:t>
+            </a:r>
+            <a:r>
+              <a:rPr lang="de-AT" sz="2400" dirty="0">
+                <a:latin typeface="Fira Code" panose="020B0509050000020004" pitchFamily="49" charset="0"/>
+                <a:ea typeface="Fira Code" panose="020B0509050000020004" pitchFamily="49" charset="0"/>
+              </a:rPr>
+              <a:t> --</a:t>
+            </a:r>
+            <a:r>
+              <a:rPr lang="de-AT" sz="2400" dirty="0" err="1">
+                <a:latin typeface="Fira Code" panose="020B0509050000020004" pitchFamily="49" charset="0"/>
+                <a:ea typeface="Fira Code" panose="020B0509050000020004" pitchFamily="49" charset="0"/>
+              </a:rPr>
+              <a:t>rm</a:t>
+            </a:r>
+            <a:r>
+              <a:rPr lang="de-AT" sz="2400" dirty="0">
+                <a:latin typeface="Fira Code" panose="020B0509050000020004" pitchFamily="49" charset="0"/>
+                <a:ea typeface="Fira Code" panose="020B0509050000020004" pitchFamily="49" charset="0"/>
+              </a:rPr>
+              <a:t> -</a:t>
+            </a:r>
+            <a:r>
+              <a:rPr lang="de-AT" sz="2400" dirty="0" err="1">
+                <a:latin typeface="Fira Code" panose="020B0509050000020004" pitchFamily="49" charset="0"/>
+                <a:ea typeface="Fira Code" panose="020B0509050000020004" pitchFamily="49" charset="0"/>
+              </a:rPr>
+              <a:t>it</a:t>
+            </a:r>
+            <a:r>
+              <a:rPr lang="de-AT" sz="2400" dirty="0">
+                <a:latin typeface="Fira Code" panose="020B0509050000020004" pitchFamily="49" charset="0"/>
+                <a:ea typeface="Fira Code" panose="020B0509050000020004" pitchFamily="49" charset="0"/>
+              </a:rPr>
+              <a:t> […]</a:t>
+            </a:r>
+            <a:endParaRPr lang="de-AT" dirty="0">
+              <a:latin typeface="Fira Code" panose="020B0509050000020004" pitchFamily="49" charset="0"/>
+              <a:ea typeface="Fira Code" panose="020B0509050000020004" pitchFamily="49" charset="0"/>
+            </a:endParaRPr>
+          </a:p>
+          <a:p>
+            <a:pPr lvl="1"/>
+            <a:r>
+              <a:rPr lang="de-AT" dirty="0"/>
+              <a:t>Kommandos ausführen und ausprobieren</a:t>
+            </a:r>
+          </a:p>
+          <a:p>
+            <a:pPr lvl="1"/>
+            <a:r>
+              <a:rPr lang="de-AT" dirty="0"/>
+              <a:t>nebenbei ein </a:t>
+            </a:r>
+            <a:r>
+              <a:rPr lang="de-AT" i="1" dirty="0" err="1"/>
+              <a:t>Dockerfile</a:t>
+            </a:r>
+            <a:r>
+              <a:rPr lang="de-AT" dirty="0"/>
+              <a:t> dazu erstellen</a:t>
+            </a:r>
+          </a:p>
+        </p:txBody>
+      </p:sp>
+      <p:sp>
+        <p:nvSpPr>
+          <p:cNvPr id="4" name="Textplatzhalter 3">
+            <a:extLst>
+              <a:ext uri="{FF2B5EF4-FFF2-40B4-BE49-F238E27FC236}">
+                <a16:creationId xmlns:a16="http://schemas.microsoft.com/office/drawing/2014/main" id="{5DCB3E83-2358-4C32-B903-950F96ED92FB}"/>
+              </a:ext>
+            </a:extLst>
+          </p:cNvPr>
+          <p:cNvSpPr>
+            <a:spLocks noGrp="1"/>
+          </p:cNvSpPr>
+          <p:nvPr>
+            <p:ph type="body" sz="quarter" idx="13"/>
+          </p:nvPr>
+        </p:nvSpPr>
+        <p:spPr>
+          <a:xfrm>
+            <a:off x="9853519" y="6769166"/>
+            <a:ext cx="460383" cy="354071"/>
+          </a:xfrm>
+        </p:spPr>
+        <p:txBody>
+          <a:bodyPr/>
+          <a:lstStyle/>
+          <a:p>
+            <a:r>
+              <a:rPr lang="en-US" dirty="0"/>
+              <a:t>17</a:t>
+            </a:r>
+            <a:endParaRPr lang="de-AT" dirty="0"/>
           </a:p>
         </p:txBody>
       </p:sp>
     </p:spTree>
     <p:extLst>
       <p:ext uri="{BB962C8B-B14F-4D97-AF65-F5344CB8AC3E}">
-        <p14:creationId xmlns:p14="http://schemas.microsoft.com/office/powerpoint/2010/main" val="2943279886"/>
+        <p14:creationId xmlns:p14="http://schemas.microsoft.com/office/powerpoint/2010/main" val="2673817234"/>
       </p:ext>
     </p:extLst>
   </p:cSld>
@@ -10265,6 +10264,498 @@
   <p:transition spd="med">
     <p:push dir="u"/>
   </p:transition>
+  <p:timing>
+    <p:tnLst>
+      <p:par>
+        <p:cTn id="1" dur="indefinite" restart="never" nodeType="tmRoot">
+          <p:childTnLst>
+            <p:seq concurrent="1" nextAc="seek">
+              <p:cTn id="2" dur="indefinite" nodeType="mainSeq">
+                <p:childTnLst>
+                  <p:par>
+                    <p:cTn id="3" fill="hold">
+                      <p:stCondLst>
+                        <p:cond delay="indefinite"/>
+                      </p:stCondLst>
+                      <p:childTnLst>
+                        <p:par>
+                          <p:cTn id="4" fill="hold">
+                            <p:stCondLst>
+                              <p:cond delay="0"/>
+                            </p:stCondLst>
+                            <p:childTnLst>
+                              <p:par>
+                                <p:cTn id="5" presetID="10" presetClass="entr" presetSubtype="0" fill="hold" grpId="0" nodeType="clickEffect">
+                                  <p:stCondLst>
+                                    <p:cond delay="0"/>
+                                  </p:stCondLst>
+                                  <p:childTnLst>
+                                    <p:set>
+                                      <p:cBhvr>
+                                        <p:cTn id="6" dur="1" fill="hold">
+                                          <p:stCondLst>
+                                            <p:cond delay="0"/>
+                                          </p:stCondLst>
+                                        </p:cTn>
+                                        <p:tgtEl>
+                                          <p:spTgt spid="3">
+                                            <p:txEl>
+                                              <p:pRg st="0" end="0"/>
+                                            </p:txEl>
+                                          </p:spTgt>
+                                        </p:tgtEl>
+                                        <p:attrNameLst>
+                                          <p:attrName>style.visibility</p:attrName>
+                                        </p:attrNameLst>
+                                      </p:cBhvr>
+                                      <p:to>
+                                        <p:strVal val="visible"/>
+                                      </p:to>
+                                    </p:set>
+                                    <p:animEffect transition="in" filter="fade">
+                                      <p:cBhvr>
+                                        <p:cTn id="7" dur="250"/>
+                                        <p:tgtEl>
+                                          <p:spTgt spid="3">
+                                            <p:txEl>
+                                              <p:pRg st="0" end="0"/>
+                                            </p:txEl>
+                                          </p:spTgt>
+                                        </p:tgtEl>
+                                      </p:cBhvr>
+                                    </p:animEffect>
+                                  </p:childTnLst>
+                                </p:cTn>
+                              </p:par>
+                            </p:childTnLst>
+                          </p:cTn>
+                        </p:par>
+                      </p:childTnLst>
+                    </p:cTn>
+                  </p:par>
+                  <p:par>
+                    <p:cTn id="8" fill="hold">
+                      <p:stCondLst>
+                        <p:cond delay="indefinite"/>
+                      </p:stCondLst>
+                      <p:childTnLst>
+                        <p:par>
+                          <p:cTn id="9" fill="hold">
+                            <p:stCondLst>
+                              <p:cond delay="0"/>
+                            </p:stCondLst>
+                            <p:childTnLst>
+                              <p:par>
+                                <p:cTn id="10" presetID="10" presetClass="entr" presetSubtype="0" fill="hold" grpId="0" nodeType="clickEffect">
+                                  <p:stCondLst>
+                                    <p:cond delay="0"/>
+                                  </p:stCondLst>
+                                  <p:childTnLst>
+                                    <p:set>
+                                      <p:cBhvr>
+                                        <p:cTn id="11" dur="1" fill="hold">
+                                          <p:stCondLst>
+                                            <p:cond delay="0"/>
+                                          </p:stCondLst>
+                                        </p:cTn>
+                                        <p:tgtEl>
+                                          <p:spTgt spid="3">
+                                            <p:txEl>
+                                              <p:pRg st="1" end="1"/>
+                                            </p:txEl>
+                                          </p:spTgt>
+                                        </p:tgtEl>
+                                        <p:attrNameLst>
+                                          <p:attrName>style.visibility</p:attrName>
+                                        </p:attrNameLst>
+                                      </p:cBhvr>
+                                      <p:to>
+                                        <p:strVal val="visible"/>
+                                      </p:to>
+                                    </p:set>
+                                    <p:animEffect transition="in" filter="fade">
+                                      <p:cBhvr>
+                                        <p:cTn id="12" dur="250"/>
+                                        <p:tgtEl>
+                                          <p:spTgt spid="3">
+                                            <p:txEl>
+                                              <p:pRg st="1" end="1"/>
+                                            </p:txEl>
+                                          </p:spTgt>
+                                        </p:tgtEl>
+                                      </p:cBhvr>
+                                    </p:animEffect>
+                                  </p:childTnLst>
+                                </p:cTn>
+                              </p:par>
+                            </p:childTnLst>
+                          </p:cTn>
+                        </p:par>
+                      </p:childTnLst>
+                    </p:cTn>
+                  </p:par>
+                  <p:par>
+                    <p:cTn id="13" fill="hold">
+                      <p:stCondLst>
+                        <p:cond delay="indefinite"/>
+                      </p:stCondLst>
+                      <p:childTnLst>
+                        <p:par>
+                          <p:cTn id="14" fill="hold">
+                            <p:stCondLst>
+                              <p:cond delay="0"/>
+                            </p:stCondLst>
+                            <p:childTnLst>
+                              <p:par>
+                                <p:cTn id="15" presetID="10" presetClass="entr" presetSubtype="0" fill="hold" grpId="0" nodeType="clickEffect">
+                                  <p:stCondLst>
+                                    <p:cond delay="0"/>
+                                  </p:stCondLst>
+                                  <p:childTnLst>
+                                    <p:set>
+                                      <p:cBhvr>
+                                        <p:cTn id="16" dur="1" fill="hold">
+                                          <p:stCondLst>
+                                            <p:cond delay="0"/>
+                                          </p:stCondLst>
+                                        </p:cTn>
+                                        <p:tgtEl>
+                                          <p:spTgt spid="3">
+                                            <p:txEl>
+                                              <p:pRg st="2" end="2"/>
+                                            </p:txEl>
+                                          </p:spTgt>
+                                        </p:tgtEl>
+                                        <p:attrNameLst>
+                                          <p:attrName>style.visibility</p:attrName>
+                                        </p:attrNameLst>
+                                      </p:cBhvr>
+                                      <p:to>
+                                        <p:strVal val="visible"/>
+                                      </p:to>
+                                    </p:set>
+                                    <p:animEffect transition="in" filter="fade">
+                                      <p:cBhvr>
+                                        <p:cTn id="17" dur="250"/>
+                                        <p:tgtEl>
+                                          <p:spTgt spid="3">
+                                            <p:txEl>
+                                              <p:pRg st="2" end="2"/>
+                                            </p:txEl>
+                                          </p:spTgt>
+                                        </p:tgtEl>
+                                      </p:cBhvr>
+                                    </p:animEffect>
+                                  </p:childTnLst>
+                                </p:cTn>
+                              </p:par>
+                              <p:par>
+                                <p:cTn id="18" presetID="10" presetClass="entr" presetSubtype="0" fill="hold" grpId="0" nodeType="withEffect">
+                                  <p:stCondLst>
+                                    <p:cond delay="0"/>
+                                  </p:stCondLst>
+                                  <p:childTnLst>
+                                    <p:set>
+                                      <p:cBhvr>
+                                        <p:cTn id="19" dur="1" fill="hold">
+                                          <p:stCondLst>
+                                            <p:cond delay="0"/>
+                                          </p:stCondLst>
+                                        </p:cTn>
+                                        <p:tgtEl>
+                                          <p:spTgt spid="3">
+                                            <p:txEl>
+                                              <p:pRg st="3" end="3"/>
+                                            </p:txEl>
+                                          </p:spTgt>
+                                        </p:tgtEl>
+                                        <p:attrNameLst>
+                                          <p:attrName>style.visibility</p:attrName>
+                                        </p:attrNameLst>
+                                      </p:cBhvr>
+                                      <p:to>
+                                        <p:strVal val="visible"/>
+                                      </p:to>
+                                    </p:set>
+                                    <p:animEffect transition="in" filter="fade">
+                                      <p:cBhvr>
+                                        <p:cTn id="20" dur="250"/>
+                                        <p:tgtEl>
+                                          <p:spTgt spid="3">
+                                            <p:txEl>
+                                              <p:pRg st="3" end="3"/>
+                                            </p:txEl>
+                                          </p:spTgt>
+                                        </p:tgtEl>
+                                      </p:cBhvr>
+                                    </p:animEffect>
+                                  </p:childTnLst>
+                                </p:cTn>
+                              </p:par>
+                              <p:par>
+                                <p:cTn id="21" presetID="10" presetClass="entr" presetSubtype="0" fill="hold" grpId="0" nodeType="withEffect">
+                                  <p:stCondLst>
+                                    <p:cond delay="0"/>
+                                  </p:stCondLst>
+                                  <p:childTnLst>
+                                    <p:set>
+                                      <p:cBhvr>
+                                        <p:cTn id="22" dur="1" fill="hold">
+                                          <p:stCondLst>
+                                            <p:cond delay="0"/>
+                                          </p:stCondLst>
+                                        </p:cTn>
+                                        <p:tgtEl>
+                                          <p:spTgt spid="3">
+                                            <p:txEl>
+                                              <p:pRg st="4" end="4"/>
+                                            </p:txEl>
+                                          </p:spTgt>
+                                        </p:tgtEl>
+                                        <p:attrNameLst>
+                                          <p:attrName>style.visibility</p:attrName>
+                                        </p:attrNameLst>
+                                      </p:cBhvr>
+                                      <p:to>
+                                        <p:strVal val="visible"/>
+                                      </p:to>
+                                    </p:set>
+                                    <p:animEffect transition="in" filter="fade">
+                                      <p:cBhvr>
+                                        <p:cTn id="23" dur="250"/>
+                                        <p:tgtEl>
+                                          <p:spTgt spid="3">
+                                            <p:txEl>
+                                              <p:pRg st="4" end="4"/>
+                                            </p:txEl>
+                                          </p:spTgt>
+                                        </p:tgtEl>
+                                      </p:cBhvr>
+                                    </p:animEffect>
+                                  </p:childTnLst>
+                                </p:cTn>
+                              </p:par>
+                            </p:childTnLst>
+                          </p:cTn>
+                        </p:par>
+                      </p:childTnLst>
+                    </p:cTn>
+                  </p:par>
+                  <p:par>
+                    <p:cTn id="24" fill="hold">
+                      <p:stCondLst>
+                        <p:cond delay="indefinite"/>
+                      </p:stCondLst>
+                      <p:childTnLst>
+                        <p:par>
+                          <p:cTn id="25" fill="hold">
+                            <p:stCondLst>
+                              <p:cond delay="0"/>
+                            </p:stCondLst>
+                            <p:childTnLst>
+                              <p:par>
+                                <p:cTn id="26" presetID="10" presetClass="entr" presetSubtype="0" fill="hold" grpId="0" nodeType="clickEffect">
+                                  <p:stCondLst>
+                                    <p:cond delay="0"/>
+                                  </p:stCondLst>
+                                  <p:childTnLst>
+                                    <p:set>
+                                      <p:cBhvr>
+                                        <p:cTn id="27" dur="1" fill="hold">
+                                          <p:stCondLst>
+                                            <p:cond delay="0"/>
+                                          </p:stCondLst>
+                                        </p:cTn>
+                                        <p:tgtEl>
+                                          <p:spTgt spid="3">
+                                            <p:txEl>
+                                              <p:pRg st="5" end="5"/>
+                                            </p:txEl>
+                                          </p:spTgt>
+                                        </p:tgtEl>
+                                        <p:attrNameLst>
+                                          <p:attrName>style.visibility</p:attrName>
+                                        </p:attrNameLst>
+                                      </p:cBhvr>
+                                      <p:to>
+                                        <p:strVal val="visible"/>
+                                      </p:to>
+                                    </p:set>
+                                    <p:animEffect transition="in" filter="fade">
+                                      <p:cBhvr>
+                                        <p:cTn id="28" dur="250"/>
+                                        <p:tgtEl>
+                                          <p:spTgt spid="3">
+                                            <p:txEl>
+                                              <p:pRg st="5" end="5"/>
+                                            </p:txEl>
+                                          </p:spTgt>
+                                        </p:tgtEl>
+                                      </p:cBhvr>
+                                    </p:animEffect>
+                                  </p:childTnLst>
+                                </p:cTn>
+                              </p:par>
+                              <p:par>
+                                <p:cTn id="29" presetID="10" presetClass="entr" presetSubtype="0" fill="hold" grpId="0" nodeType="withEffect">
+                                  <p:stCondLst>
+                                    <p:cond delay="0"/>
+                                  </p:stCondLst>
+                                  <p:childTnLst>
+                                    <p:set>
+                                      <p:cBhvr>
+                                        <p:cTn id="30" dur="1" fill="hold">
+                                          <p:stCondLst>
+                                            <p:cond delay="0"/>
+                                          </p:stCondLst>
+                                        </p:cTn>
+                                        <p:tgtEl>
+                                          <p:spTgt spid="3">
+                                            <p:txEl>
+                                              <p:pRg st="6" end="6"/>
+                                            </p:txEl>
+                                          </p:spTgt>
+                                        </p:tgtEl>
+                                        <p:attrNameLst>
+                                          <p:attrName>style.visibility</p:attrName>
+                                        </p:attrNameLst>
+                                      </p:cBhvr>
+                                      <p:to>
+                                        <p:strVal val="visible"/>
+                                      </p:to>
+                                    </p:set>
+                                    <p:animEffect transition="in" filter="fade">
+                                      <p:cBhvr>
+                                        <p:cTn id="31" dur="250"/>
+                                        <p:tgtEl>
+                                          <p:spTgt spid="3">
+                                            <p:txEl>
+                                              <p:pRg st="6" end="6"/>
+                                            </p:txEl>
+                                          </p:spTgt>
+                                        </p:tgtEl>
+                                      </p:cBhvr>
+                                    </p:animEffect>
+                                  </p:childTnLst>
+                                </p:cTn>
+                              </p:par>
+                              <p:par>
+                                <p:cTn id="32" presetID="10" presetClass="entr" presetSubtype="0" fill="hold" grpId="0" nodeType="withEffect">
+                                  <p:stCondLst>
+                                    <p:cond delay="0"/>
+                                  </p:stCondLst>
+                                  <p:childTnLst>
+                                    <p:set>
+                                      <p:cBhvr>
+                                        <p:cTn id="33" dur="1" fill="hold">
+                                          <p:stCondLst>
+                                            <p:cond delay="0"/>
+                                          </p:stCondLst>
+                                        </p:cTn>
+                                        <p:tgtEl>
+                                          <p:spTgt spid="3">
+                                            <p:txEl>
+                                              <p:pRg st="7" end="7"/>
+                                            </p:txEl>
+                                          </p:spTgt>
+                                        </p:tgtEl>
+                                        <p:attrNameLst>
+                                          <p:attrName>style.visibility</p:attrName>
+                                        </p:attrNameLst>
+                                      </p:cBhvr>
+                                      <p:to>
+                                        <p:strVal val="visible"/>
+                                      </p:to>
+                                    </p:set>
+                                    <p:animEffect transition="in" filter="fade">
+                                      <p:cBhvr>
+                                        <p:cTn id="34" dur="250"/>
+                                        <p:tgtEl>
+                                          <p:spTgt spid="3">
+                                            <p:txEl>
+                                              <p:pRg st="7" end="7"/>
+                                            </p:txEl>
+                                          </p:spTgt>
+                                        </p:tgtEl>
+                                      </p:cBhvr>
+                                    </p:animEffect>
+                                  </p:childTnLst>
+                                </p:cTn>
+                              </p:par>
+                              <p:par>
+                                <p:cTn id="35" presetID="10" presetClass="entr" presetSubtype="0" fill="hold" grpId="0" nodeType="withEffect">
+                                  <p:stCondLst>
+                                    <p:cond delay="0"/>
+                                  </p:stCondLst>
+                                  <p:childTnLst>
+                                    <p:set>
+                                      <p:cBhvr>
+                                        <p:cTn id="36" dur="1" fill="hold">
+                                          <p:stCondLst>
+                                            <p:cond delay="0"/>
+                                          </p:stCondLst>
+                                        </p:cTn>
+                                        <p:tgtEl>
+                                          <p:spTgt spid="3">
+                                            <p:txEl>
+                                              <p:pRg st="8" end="8"/>
+                                            </p:txEl>
+                                          </p:spTgt>
+                                        </p:tgtEl>
+                                        <p:attrNameLst>
+                                          <p:attrName>style.visibility</p:attrName>
+                                        </p:attrNameLst>
+                                      </p:cBhvr>
+                                      <p:to>
+                                        <p:strVal val="visible"/>
+                                      </p:to>
+                                    </p:set>
+                                    <p:animEffect transition="in" filter="fade">
+                                      <p:cBhvr>
+                                        <p:cTn id="37" dur="250"/>
+                                        <p:tgtEl>
+                                          <p:spTgt spid="3">
+                                            <p:txEl>
+                                              <p:pRg st="8" end="8"/>
+                                            </p:txEl>
+                                          </p:spTgt>
+                                        </p:tgtEl>
+                                      </p:cBhvr>
+                                    </p:animEffect>
+                                  </p:childTnLst>
+                                </p:cTn>
+                              </p:par>
+                            </p:childTnLst>
+                          </p:cTn>
+                        </p:par>
+                      </p:childTnLst>
+                    </p:cTn>
+                  </p:par>
+                </p:childTnLst>
+              </p:cTn>
+              <p:prevCondLst>
+                <p:cond evt="onPrev" delay="0">
+                  <p:tgtEl>
+                    <p:sldTgt/>
+                  </p:tgtEl>
+                </p:cond>
+              </p:prevCondLst>
+              <p:nextCondLst>
+                <p:cond evt="onNext" delay="0">
+                  <p:tgtEl>
+                    <p:sldTgt/>
+                  </p:tgtEl>
+                </p:cond>
+              </p:nextCondLst>
+            </p:seq>
+          </p:childTnLst>
+        </p:cTn>
+      </p:par>
+    </p:tnLst>
+    <p:bldLst>
+      <p:bldP spid="3" grpId="0" build="p"/>
+    </p:bldLst>
+  </p:timing>
 </p:sld>
 </file>
 
@@ -10290,7 +10781,7 @@
           <p:cNvPr id="2" name="Titel 1">
             <a:extLst>
               <a:ext uri="{FF2B5EF4-FFF2-40B4-BE49-F238E27FC236}">
-                <a16:creationId xmlns:a16="http://schemas.microsoft.com/office/drawing/2014/main" id="{30EAEFB1-7DA5-4870-A9C9-63C1AB44B54F}"/>
+                <a16:creationId xmlns:a16="http://schemas.microsoft.com/office/drawing/2014/main" id="{30BA5A7F-B612-4C0A-923F-2BEAB474FBAD}"/>
               </a:ext>
             </a:extLst>
           </p:cNvPr>
@@ -10308,7 +10799,7 @@
           <a:p>
             <a:r>
               <a:rPr lang="de-AT" dirty="0"/>
-              <a:t>Dockerfiles</a:t>
+              <a:t>Erstellen eines Images</a:t>
             </a:r>
           </a:p>
         </p:txBody>
@@ -10316,7 +10807,7 @@
     </p:spTree>
     <p:extLst>
       <p:ext uri="{BB962C8B-B14F-4D97-AF65-F5344CB8AC3E}">
-        <p14:creationId xmlns:p14="http://schemas.microsoft.com/office/powerpoint/2010/main" val="3346046270"/>
+        <p14:creationId xmlns:p14="http://schemas.microsoft.com/office/powerpoint/2010/main" val="2943279886"/>
       </p:ext>
     </p:extLst>
   </p:cSld>
@@ -10351,6 +10842,67 @@
           <p:cNvPr id="2" name="Titel 1">
             <a:extLst>
               <a:ext uri="{FF2B5EF4-FFF2-40B4-BE49-F238E27FC236}">
+                <a16:creationId xmlns:a16="http://schemas.microsoft.com/office/drawing/2014/main" id="{30EAEFB1-7DA5-4870-A9C9-63C1AB44B54F}"/>
+              </a:ext>
+            </a:extLst>
+          </p:cNvPr>
+          <p:cNvSpPr>
+            <a:spLocks noGrp="1"/>
+          </p:cNvSpPr>
+          <p:nvPr>
+            <p:ph type="title"/>
+          </p:nvPr>
+        </p:nvSpPr>
+        <p:spPr/>
+        <p:txBody>
+          <a:bodyPr/>
+          <a:lstStyle/>
+          <a:p>
+            <a:r>
+              <a:rPr lang="de-AT" dirty="0"/>
+              <a:t>Dockerfiles</a:t>
+            </a:r>
+          </a:p>
+        </p:txBody>
+      </p:sp>
+    </p:spTree>
+    <p:extLst>
+      <p:ext uri="{BB962C8B-B14F-4D97-AF65-F5344CB8AC3E}">
+        <p14:creationId xmlns:p14="http://schemas.microsoft.com/office/powerpoint/2010/main" val="3346046270"/>
+      </p:ext>
+    </p:extLst>
+  </p:cSld>
+  <p:clrMapOvr>
+    <a:masterClrMapping/>
+  </p:clrMapOvr>
+  <p:transition spd="med">
+    <p:push dir="u"/>
+  </p:transition>
+</p:sld>
+</file>
+
+<file path=ppt/slides/slide23.xml><?xml version="1.0" encoding="utf-8"?>
+<p:sld xmlns:a="http://schemas.openxmlformats.org/drawingml/2006/main" xmlns:r="http://schemas.openxmlformats.org/officeDocument/2006/relationships" xmlns:p="http://schemas.openxmlformats.org/presentationml/2006/main">
+  <p:cSld>
+    <p:spTree>
+      <p:nvGrpSpPr>
+        <p:cNvPr id="1" name=""/>
+        <p:cNvGrpSpPr/>
+        <p:nvPr/>
+      </p:nvGrpSpPr>
+      <p:grpSpPr>
+        <a:xfrm>
+          <a:off x="0" y="0"/>
+          <a:ext cx="0" cy="0"/>
+          <a:chOff x="0" y="0"/>
+          <a:chExt cx="0" cy="0"/>
+        </a:xfrm>
+      </p:grpSpPr>
+      <p:sp>
+        <p:nvSpPr>
+          <p:cNvPr id="2" name="Titel 1">
+            <a:extLst>
+              <a:ext uri="{FF2B5EF4-FFF2-40B4-BE49-F238E27FC236}">
                 <a16:creationId xmlns:a16="http://schemas.microsoft.com/office/drawing/2014/main" id="{17FDFDF5-D6B1-49CD-ABEC-AB6F534440F2}"/>
               </a:ext>
             </a:extLst>
@@ -10543,7 +11095,7 @@
           <a:p>
             <a:r>
               <a:rPr lang="en-US" dirty="0"/>
-              <a:t>17</a:t>
+              <a:t>18</a:t>
             </a:r>
             <a:endParaRPr lang="de-AT" dirty="0"/>
           </a:p>
@@ -11086,7 +11638,7 @@
 </p:sld>
 </file>
 
-<file path=ppt/slides/slide23.xml><?xml version="1.0" encoding="utf-8"?>
+<file path=ppt/slides/slide24.xml><?xml version="1.0" encoding="utf-8"?>
 <p:sld xmlns:a="http://schemas.openxmlformats.org/drawingml/2006/main" xmlns:r="http://schemas.openxmlformats.org/officeDocument/2006/relationships" xmlns:p="http://schemas.openxmlformats.org/presentationml/2006/main">
   <p:cSld>
     <p:spTree>
@@ -11224,7 +11776,7 @@
           <a:p>
             <a:r>
               <a:rPr lang="en-US" dirty="0"/>
-              <a:t>18</a:t>
+              <a:t>19</a:t>
             </a:r>
             <a:endParaRPr lang="de-AT" dirty="0"/>
           </a:p>
@@ -11672,7 +12224,7 @@
 </p:sld>
 </file>
 
-<file path=ppt/slides/slide24.xml><?xml version="1.0" encoding="utf-8"?>
+<file path=ppt/slides/slide25.xml><?xml version="1.0" encoding="utf-8"?>
 <p:sld xmlns:a="http://schemas.openxmlformats.org/drawingml/2006/main" xmlns:r="http://schemas.openxmlformats.org/officeDocument/2006/relationships" xmlns:p="http://schemas.openxmlformats.org/presentationml/2006/main">
   <p:cSld>
     <p:spTree>
@@ -11694,6 +12246,68 @@
           <p:cNvPr id="2" name="Titel 1">
             <a:extLst>
               <a:ext uri="{FF2B5EF4-FFF2-40B4-BE49-F238E27FC236}">
+                <a16:creationId xmlns:a16="http://schemas.microsoft.com/office/drawing/2014/main" id="{EA68569E-5353-4802-A651-EF59D53F72DA}"/>
+              </a:ext>
+            </a:extLst>
+          </p:cNvPr>
+          <p:cNvSpPr>
+            <a:spLocks noGrp="1"/>
+          </p:cNvSpPr>
+          <p:nvPr>
+            <p:ph type="title"/>
+          </p:nvPr>
+        </p:nvSpPr>
+        <p:spPr/>
+        <p:txBody>
+          <a:bodyPr/>
+          <a:lstStyle/>
+          <a:p>
+            <a:r>
+              <a:rPr lang="en-US" dirty="0"/>
+              <a:t>Docker for Windows</a:t>
+            </a:r>
+            <a:endParaRPr lang="de-AT" dirty="0"/>
+          </a:p>
+        </p:txBody>
+      </p:sp>
+    </p:spTree>
+    <p:extLst>
+      <p:ext uri="{BB962C8B-B14F-4D97-AF65-F5344CB8AC3E}">
+        <p14:creationId xmlns:p14="http://schemas.microsoft.com/office/powerpoint/2010/main" val="4101042826"/>
+      </p:ext>
+    </p:extLst>
+  </p:cSld>
+  <p:clrMapOvr>
+    <a:masterClrMapping/>
+  </p:clrMapOvr>
+  <p:transition spd="med">
+    <p:push dir="u"/>
+  </p:transition>
+</p:sld>
+</file>
+
+<file path=ppt/slides/slide26.xml><?xml version="1.0" encoding="utf-8"?>
+<p:sld xmlns:a="http://schemas.openxmlformats.org/drawingml/2006/main" xmlns:r="http://schemas.openxmlformats.org/officeDocument/2006/relationships" xmlns:p="http://schemas.openxmlformats.org/presentationml/2006/main">
+  <p:cSld>
+    <p:spTree>
+      <p:nvGrpSpPr>
+        <p:cNvPr id="1" name=""/>
+        <p:cNvGrpSpPr/>
+        <p:nvPr/>
+      </p:nvGrpSpPr>
+      <p:grpSpPr>
+        <a:xfrm>
+          <a:off x="0" y="0"/>
+          <a:ext cx="0" cy="0"/>
+          <a:chOff x="0" y="0"/>
+          <a:chExt cx="0" cy="0"/>
+        </a:xfrm>
+      </p:grpSpPr>
+      <p:sp>
+        <p:nvSpPr>
+          <p:cNvPr id="2" name="Titel 1">
+            <a:extLst>
+              <a:ext uri="{FF2B5EF4-FFF2-40B4-BE49-F238E27FC236}">
                 <a16:creationId xmlns:a16="http://schemas.microsoft.com/office/drawing/2014/main" id="{9898135C-CF79-4F53-8844-19A8FAD6B19A}"/>
               </a:ext>
             </a:extLst>
@@ -11778,6 +12392,21 @@
               <a:rPr lang="de-AT" dirty="0"/>
               <a:t> Container</a:t>
             </a:r>
+          </a:p>
+          <a:p>
+            <a:pPr lvl="1"/>
+            <a:r>
+              <a:rPr lang="en-US" dirty="0"/>
+              <a:t>Hyper-V-Container</a:t>
+            </a:r>
+          </a:p>
+          <a:p>
+            <a:pPr lvl="1"/>
+            <a:r>
+              <a:rPr lang="en-US" dirty="0"/>
+              <a:t>Windows-Server-Container</a:t>
+            </a:r>
+            <a:endParaRPr lang="de-AT" dirty="0"/>
           </a:p>
         </p:txBody>
       </p:sp>
@@ -11809,7 +12438,7 @@
           <a:p>
             <a:r>
               <a:rPr lang="en-US" dirty="0"/>
-              <a:t>19</a:t>
+              <a:t>20</a:t>
             </a:r>
             <a:endParaRPr lang="de-AT" dirty="0"/>
           </a:p>
@@ -12099,285 +12728,15 @@
                                   </p:childTnLst>
                                 </p:cTn>
                               </p:par>
-                            </p:childTnLst>
-                          </p:cTn>
-                        </p:par>
-                      </p:childTnLst>
-                    </p:cTn>
-                  </p:par>
-                </p:childTnLst>
-              </p:cTn>
-              <p:prevCondLst>
-                <p:cond evt="onPrev" delay="0">
-                  <p:tgtEl>
-                    <p:sldTgt/>
-                  </p:tgtEl>
-                </p:cond>
-              </p:prevCondLst>
-              <p:nextCondLst>
-                <p:cond evt="onNext" delay="0">
-                  <p:tgtEl>
-                    <p:sldTgt/>
-                  </p:tgtEl>
-                </p:cond>
-              </p:nextCondLst>
-            </p:seq>
-          </p:childTnLst>
-        </p:cTn>
-      </p:par>
-    </p:tnLst>
-    <p:bldLst>
-      <p:bldP spid="3" grpId="0" build="p"/>
-    </p:bldLst>
-  </p:timing>
-</p:sld>
-</file>
-
-<file path=ppt/slides/slide25.xml><?xml version="1.0" encoding="utf-8"?>
-<p:sld xmlns:a="http://schemas.openxmlformats.org/drawingml/2006/main" xmlns:r="http://schemas.openxmlformats.org/officeDocument/2006/relationships" xmlns:p="http://schemas.openxmlformats.org/presentationml/2006/main">
-  <p:cSld>
-    <p:spTree>
-      <p:nvGrpSpPr>
-        <p:cNvPr id="1" name=""/>
-        <p:cNvGrpSpPr/>
-        <p:nvPr/>
-      </p:nvGrpSpPr>
-      <p:grpSpPr>
-        <a:xfrm>
-          <a:off x="0" y="0"/>
-          <a:ext cx="0" cy="0"/>
-          <a:chOff x="0" y="0"/>
-          <a:chExt cx="0" cy="0"/>
-        </a:xfrm>
-      </p:grpSpPr>
-      <p:sp>
-        <p:nvSpPr>
-          <p:cNvPr id="2" name="Titel 1">
-            <a:extLst>
-              <a:ext uri="{FF2B5EF4-FFF2-40B4-BE49-F238E27FC236}">
-                <a16:creationId xmlns:a16="http://schemas.microsoft.com/office/drawing/2014/main" id="{EA68569E-5353-4802-A651-EF59D53F72DA}"/>
-              </a:ext>
-            </a:extLst>
-          </p:cNvPr>
-          <p:cNvSpPr>
-            <a:spLocks noGrp="1"/>
-          </p:cNvSpPr>
-          <p:nvPr>
-            <p:ph type="title"/>
-          </p:nvPr>
-        </p:nvSpPr>
-        <p:spPr/>
-        <p:txBody>
-          <a:bodyPr/>
-          <a:lstStyle/>
-          <a:p>
-            <a:r>
-              <a:rPr lang="en-US" dirty="0"/>
-              <a:t>Docker for Windows</a:t>
-            </a:r>
-            <a:endParaRPr lang="de-AT" dirty="0"/>
-          </a:p>
-        </p:txBody>
-      </p:sp>
-    </p:spTree>
-    <p:extLst>
-      <p:ext uri="{BB962C8B-B14F-4D97-AF65-F5344CB8AC3E}">
-        <p14:creationId xmlns:p14="http://schemas.microsoft.com/office/powerpoint/2010/main" val="4101042826"/>
-      </p:ext>
-    </p:extLst>
-  </p:cSld>
-  <p:clrMapOvr>
-    <a:masterClrMapping/>
-  </p:clrMapOvr>
-  <p:transition spd="med">
-    <p:push dir="u"/>
-  </p:transition>
-</p:sld>
-</file>
-
-<file path=ppt/slides/slide26.xml><?xml version="1.0" encoding="utf-8"?>
-<p:sld xmlns:a="http://schemas.openxmlformats.org/drawingml/2006/main" xmlns:r="http://schemas.openxmlformats.org/officeDocument/2006/relationships" xmlns:p="http://schemas.openxmlformats.org/presentationml/2006/main">
-  <p:cSld>
-    <p:spTree>
-      <p:nvGrpSpPr>
-        <p:cNvPr id="1" name=""/>
-        <p:cNvGrpSpPr/>
-        <p:nvPr/>
-      </p:nvGrpSpPr>
-      <p:grpSpPr>
-        <a:xfrm>
-          <a:off x="0" y="0"/>
-          <a:ext cx="0" cy="0"/>
-          <a:chOff x="0" y="0"/>
-          <a:chExt cx="0" cy="0"/>
-        </a:xfrm>
-      </p:grpSpPr>
-      <p:sp>
-        <p:nvSpPr>
-          <p:cNvPr id="2" name="Titel 1">
-            <a:extLst>
-              <a:ext uri="{FF2B5EF4-FFF2-40B4-BE49-F238E27FC236}">
-                <a16:creationId xmlns:a16="http://schemas.microsoft.com/office/drawing/2014/main" id="{F23F65D7-723D-4DE7-B010-8FF3F5914F80}"/>
-              </a:ext>
-            </a:extLst>
-          </p:cNvPr>
-          <p:cNvSpPr>
-            <a:spLocks noGrp="1"/>
-          </p:cNvSpPr>
-          <p:nvPr>
-            <p:ph type="title"/>
-          </p:nvPr>
-        </p:nvSpPr>
-        <p:spPr/>
-        <p:txBody>
-          <a:bodyPr/>
-          <a:lstStyle/>
-          <a:p>
-            <a:r>
-              <a:rPr lang="en-US" dirty="0"/>
-              <a:t>docker-compose</a:t>
-            </a:r>
-            <a:endParaRPr lang="de-AT" dirty="0"/>
-          </a:p>
-        </p:txBody>
-      </p:sp>
-      <p:sp>
-        <p:nvSpPr>
-          <p:cNvPr id="3" name="Inhaltsplatzhalter 2">
-            <a:extLst>
-              <a:ext uri="{FF2B5EF4-FFF2-40B4-BE49-F238E27FC236}">
-                <a16:creationId xmlns:a16="http://schemas.microsoft.com/office/drawing/2014/main" id="{F552AA47-5527-4CCE-BD85-CF63F9FAFCEC}"/>
-              </a:ext>
-            </a:extLst>
-          </p:cNvPr>
-          <p:cNvSpPr>
-            <a:spLocks noGrp="1"/>
-          </p:cNvSpPr>
-          <p:nvPr>
-            <p:ph idx="1"/>
-          </p:nvPr>
-        </p:nvSpPr>
-        <p:spPr/>
-        <p:txBody>
-          <a:bodyPr/>
-          <a:lstStyle/>
-          <a:p>
-            <a:r>
-              <a:rPr lang="de-AT" dirty="0"/>
-              <a:t>Die meisten Anwendungen bestehen nicht aus einem Container, sondern z.B. Backend, Frontend und Datenbank.</a:t>
-            </a:r>
-          </a:p>
-          <a:p>
-            <a:r>
-              <a:rPr lang="de-AT" dirty="0"/>
-              <a:t>Docker-Philosophie: Anwendung auf mehrere Container (Services) aufteilen</a:t>
-            </a:r>
-          </a:p>
-          <a:p>
-            <a:r>
-              <a:rPr lang="de-AT" i="1" dirty="0" err="1"/>
-              <a:t>docker-compose</a:t>
-            </a:r>
-            <a:r>
-              <a:rPr lang="de-AT" dirty="0"/>
-              <a:t> ist ein Werkzeug um diese Services gemeinsam zu verwalten</a:t>
-            </a:r>
-          </a:p>
-          <a:p>
-            <a:r>
-              <a:rPr lang="de-AT" dirty="0"/>
-              <a:t>Definition der Services mithilfe von YAML</a:t>
-            </a:r>
-          </a:p>
-          <a:p>
-            <a:r>
-              <a:rPr lang="en-US" dirty="0"/>
-              <a:t>S</a:t>
-            </a:r>
-            <a:r>
-              <a:rPr lang="de-AT" dirty="0" err="1"/>
-              <a:t>caling</a:t>
-            </a:r>
-            <a:endParaRPr lang="de-AT" dirty="0"/>
-          </a:p>
-        </p:txBody>
-      </p:sp>
-      <p:sp>
-        <p:nvSpPr>
-          <p:cNvPr id="4" name="Textplatzhalter 3">
-            <a:extLst>
-              <a:ext uri="{FF2B5EF4-FFF2-40B4-BE49-F238E27FC236}">
-                <a16:creationId xmlns:a16="http://schemas.microsoft.com/office/drawing/2014/main" id="{63ADCC78-889B-491B-B731-D657E743FE12}"/>
-              </a:ext>
-            </a:extLst>
-          </p:cNvPr>
-          <p:cNvSpPr>
-            <a:spLocks noGrp="1"/>
-          </p:cNvSpPr>
-          <p:nvPr>
-            <p:ph type="body" sz="quarter" idx="13"/>
-          </p:nvPr>
-        </p:nvSpPr>
-        <p:spPr>
-          <a:xfrm>
-            <a:off x="9853519" y="6769166"/>
-            <a:ext cx="460383" cy="354071"/>
-          </a:xfrm>
-        </p:spPr>
-        <p:txBody>
-          <a:bodyPr/>
-          <a:lstStyle/>
-          <a:p>
-            <a:r>
-              <a:rPr lang="en-US" dirty="0"/>
-              <a:t>20</a:t>
-            </a:r>
-            <a:endParaRPr lang="de-AT" dirty="0"/>
-          </a:p>
-        </p:txBody>
-      </p:sp>
-    </p:spTree>
-    <p:extLst>
-      <p:ext uri="{BB962C8B-B14F-4D97-AF65-F5344CB8AC3E}">
-        <p14:creationId xmlns:p14="http://schemas.microsoft.com/office/powerpoint/2010/main" val="2973716296"/>
-      </p:ext>
-    </p:extLst>
-  </p:cSld>
-  <p:clrMapOvr>
-    <a:masterClrMapping/>
-  </p:clrMapOvr>
-  <p:transition spd="med">
-    <p:push dir="u"/>
-  </p:transition>
-  <p:timing>
-    <p:tnLst>
-      <p:par>
-        <p:cTn id="1" dur="indefinite" restart="never" nodeType="tmRoot">
-          <p:childTnLst>
-            <p:seq concurrent="1" nextAc="seek">
-              <p:cTn id="2" dur="indefinite" nodeType="mainSeq">
-                <p:childTnLst>
-                  <p:par>
-                    <p:cTn id="3" fill="hold">
-                      <p:stCondLst>
-                        <p:cond delay="indefinite"/>
-                      </p:stCondLst>
-                      <p:childTnLst>
-                        <p:par>
-                          <p:cTn id="4" fill="hold">
-                            <p:stCondLst>
-                              <p:cond delay="0"/>
-                            </p:stCondLst>
-                            <p:childTnLst>
                               <p:par>
-                                <p:cTn id="5" presetID="10" presetClass="entr" presetSubtype="0" fill="hold" grpId="0" nodeType="clickEffect">
+                                <p:cTn id="24" presetID="10" presetClass="entr" presetSubtype="0" fill="hold" grpId="0" nodeType="withEffect">
                                   <p:stCondLst>
                                     <p:cond delay="0"/>
                                   </p:stCondLst>
                                   <p:childTnLst>
                                     <p:set>
                                       <p:cBhvr>
-                                        <p:cTn id="6" dur="1" fill="hold">
+                                        <p:cTn id="25" dur="1" fill="hold">
                                           <p:stCondLst>
                                             <p:cond delay="0"/>
                                           </p:stCondLst>
@@ -12385,7 +12744,7 @@
                                         <p:tgtEl>
                                           <p:spTgt spid="3">
                                             <p:txEl>
-                                              <p:pRg st="0" end="0"/>
+                                              <p:pRg st="5" end="5"/>
                                             </p:txEl>
                                           </p:spTgt>
                                         </p:tgtEl>
@@ -12399,11 +12758,11 @@
                                     </p:set>
                                     <p:animEffect transition="in" filter="fade">
                                       <p:cBhvr>
-                                        <p:cTn id="7" dur="250"/>
+                                        <p:cTn id="26" dur="250"/>
                                         <p:tgtEl>
                                           <p:spTgt spid="3">
                                             <p:txEl>
-                                              <p:pRg st="0" end="0"/>
+                                              <p:pRg st="5" end="5"/>
                                             </p:txEl>
                                           </p:spTgt>
                                         </p:tgtEl>
@@ -12412,33 +12771,15 @@
                                   </p:childTnLst>
                                 </p:cTn>
                               </p:par>
-                            </p:childTnLst>
-                          </p:cTn>
-                        </p:par>
-                      </p:childTnLst>
-                    </p:cTn>
-                  </p:par>
-                  <p:par>
-                    <p:cTn id="8" fill="hold">
-                      <p:stCondLst>
-                        <p:cond delay="indefinite"/>
-                      </p:stCondLst>
-                      <p:childTnLst>
-                        <p:par>
-                          <p:cTn id="9" fill="hold">
-                            <p:stCondLst>
-                              <p:cond delay="0"/>
-                            </p:stCondLst>
-                            <p:childTnLst>
                               <p:par>
-                                <p:cTn id="10" presetID="10" presetClass="entr" presetSubtype="0" fill="hold" grpId="0" nodeType="clickEffect">
+                                <p:cTn id="27" presetID="10" presetClass="entr" presetSubtype="0" fill="hold" grpId="0" nodeType="withEffect">
                                   <p:stCondLst>
                                     <p:cond delay="0"/>
                                   </p:stCondLst>
                                   <p:childTnLst>
                                     <p:set>
                                       <p:cBhvr>
-                                        <p:cTn id="11" dur="1" fill="hold">
+                                        <p:cTn id="28" dur="1" fill="hold">
                                           <p:stCondLst>
                                             <p:cond delay="0"/>
                                           </p:stCondLst>
@@ -12446,7 +12787,7 @@
                                         <p:tgtEl>
                                           <p:spTgt spid="3">
                                             <p:txEl>
-                                              <p:pRg st="1" end="1"/>
+                                              <p:pRg st="6" end="6"/>
                                             </p:txEl>
                                           </p:spTgt>
                                         </p:tgtEl>
@@ -12460,194 +12801,11 @@
                                     </p:set>
                                     <p:animEffect transition="in" filter="fade">
                                       <p:cBhvr>
-                                        <p:cTn id="12" dur="250"/>
+                                        <p:cTn id="29" dur="250"/>
                                         <p:tgtEl>
                                           <p:spTgt spid="3">
                                             <p:txEl>
-                                              <p:pRg st="1" end="1"/>
-                                            </p:txEl>
-                                          </p:spTgt>
-                                        </p:tgtEl>
-                                      </p:cBhvr>
-                                    </p:animEffect>
-                                  </p:childTnLst>
-                                </p:cTn>
-                              </p:par>
-                            </p:childTnLst>
-                          </p:cTn>
-                        </p:par>
-                      </p:childTnLst>
-                    </p:cTn>
-                  </p:par>
-                  <p:par>
-                    <p:cTn id="13" fill="hold">
-                      <p:stCondLst>
-                        <p:cond delay="indefinite"/>
-                      </p:stCondLst>
-                      <p:childTnLst>
-                        <p:par>
-                          <p:cTn id="14" fill="hold">
-                            <p:stCondLst>
-                              <p:cond delay="0"/>
-                            </p:stCondLst>
-                            <p:childTnLst>
-                              <p:par>
-                                <p:cTn id="15" presetID="10" presetClass="entr" presetSubtype="0" fill="hold" grpId="0" nodeType="clickEffect">
-                                  <p:stCondLst>
-                                    <p:cond delay="0"/>
-                                  </p:stCondLst>
-                                  <p:childTnLst>
-                                    <p:set>
-                                      <p:cBhvr>
-                                        <p:cTn id="16" dur="1" fill="hold">
-                                          <p:stCondLst>
-                                            <p:cond delay="0"/>
-                                          </p:stCondLst>
-                                        </p:cTn>
-                                        <p:tgtEl>
-                                          <p:spTgt spid="3">
-                                            <p:txEl>
-                                              <p:pRg st="2" end="2"/>
-                                            </p:txEl>
-                                          </p:spTgt>
-                                        </p:tgtEl>
-                                        <p:attrNameLst>
-                                          <p:attrName>style.visibility</p:attrName>
-                                        </p:attrNameLst>
-                                      </p:cBhvr>
-                                      <p:to>
-                                        <p:strVal val="visible"/>
-                                      </p:to>
-                                    </p:set>
-                                    <p:animEffect transition="in" filter="fade">
-                                      <p:cBhvr>
-                                        <p:cTn id="17" dur="250"/>
-                                        <p:tgtEl>
-                                          <p:spTgt spid="3">
-                                            <p:txEl>
-                                              <p:pRg st="2" end="2"/>
-                                            </p:txEl>
-                                          </p:spTgt>
-                                        </p:tgtEl>
-                                      </p:cBhvr>
-                                    </p:animEffect>
-                                  </p:childTnLst>
-                                </p:cTn>
-                              </p:par>
-                            </p:childTnLst>
-                          </p:cTn>
-                        </p:par>
-                      </p:childTnLst>
-                    </p:cTn>
-                  </p:par>
-                  <p:par>
-                    <p:cTn id="18" fill="hold">
-                      <p:stCondLst>
-                        <p:cond delay="indefinite"/>
-                      </p:stCondLst>
-                      <p:childTnLst>
-                        <p:par>
-                          <p:cTn id="19" fill="hold">
-                            <p:stCondLst>
-                              <p:cond delay="0"/>
-                            </p:stCondLst>
-                            <p:childTnLst>
-                              <p:par>
-                                <p:cTn id="20" presetID="10" presetClass="entr" presetSubtype="0" fill="hold" grpId="0" nodeType="clickEffect">
-                                  <p:stCondLst>
-                                    <p:cond delay="0"/>
-                                  </p:stCondLst>
-                                  <p:childTnLst>
-                                    <p:set>
-                                      <p:cBhvr>
-                                        <p:cTn id="21" dur="1" fill="hold">
-                                          <p:stCondLst>
-                                            <p:cond delay="0"/>
-                                          </p:stCondLst>
-                                        </p:cTn>
-                                        <p:tgtEl>
-                                          <p:spTgt spid="3">
-                                            <p:txEl>
-                                              <p:pRg st="3" end="3"/>
-                                            </p:txEl>
-                                          </p:spTgt>
-                                        </p:tgtEl>
-                                        <p:attrNameLst>
-                                          <p:attrName>style.visibility</p:attrName>
-                                        </p:attrNameLst>
-                                      </p:cBhvr>
-                                      <p:to>
-                                        <p:strVal val="visible"/>
-                                      </p:to>
-                                    </p:set>
-                                    <p:animEffect transition="in" filter="fade">
-                                      <p:cBhvr>
-                                        <p:cTn id="22" dur="250"/>
-                                        <p:tgtEl>
-                                          <p:spTgt spid="3">
-                                            <p:txEl>
-                                              <p:pRg st="3" end="3"/>
-                                            </p:txEl>
-                                          </p:spTgt>
-                                        </p:tgtEl>
-                                      </p:cBhvr>
-                                    </p:animEffect>
-                                  </p:childTnLst>
-                                </p:cTn>
-                              </p:par>
-                            </p:childTnLst>
-                          </p:cTn>
-                        </p:par>
-                      </p:childTnLst>
-                    </p:cTn>
-                  </p:par>
-                  <p:par>
-                    <p:cTn id="23" fill="hold">
-                      <p:stCondLst>
-                        <p:cond delay="indefinite"/>
-                      </p:stCondLst>
-                      <p:childTnLst>
-                        <p:par>
-                          <p:cTn id="24" fill="hold">
-                            <p:stCondLst>
-                              <p:cond delay="0"/>
-                            </p:stCondLst>
-                            <p:childTnLst>
-                              <p:par>
-                                <p:cTn id="25" presetID="10" presetClass="entr" presetSubtype="0" fill="hold" grpId="0" nodeType="clickEffect">
-                                  <p:stCondLst>
-                                    <p:cond delay="0"/>
-                                  </p:stCondLst>
-                                  <p:childTnLst>
-                                    <p:set>
-                                      <p:cBhvr>
-                                        <p:cTn id="26" dur="1" fill="hold">
-                                          <p:stCondLst>
-                                            <p:cond delay="0"/>
-                                          </p:stCondLst>
-                                        </p:cTn>
-                                        <p:tgtEl>
-                                          <p:spTgt spid="3">
-                                            <p:txEl>
-                                              <p:pRg st="4" end="4"/>
-                                            </p:txEl>
-                                          </p:spTgt>
-                                        </p:tgtEl>
-                                        <p:attrNameLst>
-                                          <p:attrName>style.visibility</p:attrName>
-                                        </p:attrNameLst>
-                                      </p:cBhvr>
-                                      <p:to>
-                                        <p:strVal val="visible"/>
-                                      </p:to>
-                                    </p:set>
-                                    <p:animEffect transition="in" filter="fade">
-                                      <p:cBhvr>
-                                        <p:cTn id="27" dur="250"/>
-                                        <p:tgtEl>
-                                          <p:spTgt spid="3">
-                                            <p:txEl>
-                                              <p:pRg st="4" end="4"/>
+                                              <p:pRg st="6" end="6"/>
                                             </p:txEl>
                                           </p:spTgt>
                                         </p:tgtEl>
@@ -12730,7 +12888,7 @@
           <a:p>
             <a:r>
               <a:rPr lang="en-US" dirty="0"/>
-              <a:t>docker-compose (VS 2017)</a:t>
+              <a:t>docker-compose</a:t>
             </a:r>
             <a:endParaRPr lang="de-AT" dirty="0"/>
           </a:p>
@@ -12738,10 +12896,71 @@
       </p:sp>
       <p:sp>
         <p:nvSpPr>
-          <p:cNvPr id="11" name="Textplatzhalter 10">
+          <p:cNvPr id="3" name="Inhaltsplatzhalter 2">
             <a:extLst>
               <a:ext uri="{FF2B5EF4-FFF2-40B4-BE49-F238E27FC236}">
-                <a16:creationId xmlns:a16="http://schemas.microsoft.com/office/drawing/2014/main" id="{750FB646-B367-4DA4-8776-F4F0B780E27E}"/>
+                <a16:creationId xmlns:a16="http://schemas.microsoft.com/office/drawing/2014/main" id="{F552AA47-5527-4CCE-BD85-CF63F9FAFCEC}"/>
+              </a:ext>
+            </a:extLst>
+          </p:cNvPr>
+          <p:cNvSpPr>
+            <a:spLocks noGrp="1"/>
+          </p:cNvSpPr>
+          <p:nvPr>
+            <p:ph idx="1"/>
+          </p:nvPr>
+        </p:nvSpPr>
+        <p:spPr/>
+        <p:txBody>
+          <a:bodyPr/>
+          <a:lstStyle/>
+          <a:p>
+            <a:r>
+              <a:rPr lang="de-AT" dirty="0"/>
+              <a:t>Die meisten Anwendungen bestehen nicht aus einem Container, sondern z.B. Backend, Frontend und Datenbank.</a:t>
+            </a:r>
+          </a:p>
+          <a:p>
+            <a:r>
+              <a:rPr lang="de-AT" dirty="0"/>
+              <a:t>Docker-Philosophie: Anwendung auf mehrere Container (Services) aufteilen</a:t>
+            </a:r>
+          </a:p>
+          <a:p>
+            <a:r>
+              <a:rPr lang="de-AT" i="1" dirty="0" err="1"/>
+              <a:t>docker-compose</a:t>
+            </a:r>
+            <a:r>
+              <a:rPr lang="de-AT" dirty="0"/>
+              <a:t> ist ein Werkzeug um diese Services gemeinsam zu verwalten</a:t>
+            </a:r>
+          </a:p>
+          <a:p>
+            <a:r>
+              <a:rPr lang="de-AT" dirty="0"/>
+              <a:t>Definition der Services mithilfe von YAML</a:t>
+            </a:r>
+          </a:p>
+          <a:p>
+            <a:r>
+              <a:rPr lang="en-US" dirty="0"/>
+              <a:t>S</a:t>
+            </a:r>
+            <a:r>
+              <a:rPr lang="de-AT" dirty="0" err="1"/>
+              <a:t>caling</a:t>
+            </a:r>
+            <a:endParaRPr lang="de-AT" dirty="0"/>
+          </a:p>
+        </p:txBody>
+      </p:sp>
+      <p:sp>
+        <p:nvSpPr>
+          <p:cNvPr id="4" name="Textplatzhalter 3">
+            <a:extLst>
+              <a:ext uri="{FF2B5EF4-FFF2-40B4-BE49-F238E27FC236}">
+                <a16:creationId xmlns:a16="http://schemas.microsoft.com/office/drawing/2014/main" id="{63ADCC78-889B-491B-B731-D657E743FE12}"/>
               </a:ext>
             </a:extLst>
           </p:cNvPr>
@@ -12765,6 +12984,440 @@
             <a:r>
               <a:rPr lang="en-US" dirty="0"/>
               <a:t>21</a:t>
+            </a:r>
+            <a:endParaRPr lang="de-AT" dirty="0"/>
+          </a:p>
+        </p:txBody>
+      </p:sp>
+    </p:spTree>
+    <p:extLst>
+      <p:ext uri="{BB962C8B-B14F-4D97-AF65-F5344CB8AC3E}">
+        <p14:creationId xmlns:p14="http://schemas.microsoft.com/office/powerpoint/2010/main" val="2973716296"/>
+      </p:ext>
+    </p:extLst>
+  </p:cSld>
+  <p:clrMapOvr>
+    <a:masterClrMapping/>
+  </p:clrMapOvr>
+  <p:transition spd="med">
+    <p:push dir="u"/>
+  </p:transition>
+  <p:timing>
+    <p:tnLst>
+      <p:par>
+        <p:cTn id="1" dur="indefinite" restart="never" nodeType="tmRoot">
+          <p:childTnLst>
+            <p:seq concurrent="1" nextAc="seek">
+              <p:cTn id="2" dur="indefinite" nodeType="mainSeq">
+                <p:childTnLst>
+                  <p:par>
+                    <p:cTn id="3" fill="hold">
+                      <p:stCondLst>
+                        <p:cond delay="indefinite"/>
+                      </p:stCondLst>
+                      <p:childTnLst>
+                        <p:par>
+                          <p:cTn id="4" fill="hold">
+                            <p:stCondLst>
+                              <p:cond delay="0"/>
+                            </p:stCondLst>
+                            <p:childTnLst>
+                              <p:par>
+                                <p:cTn id="5" presetID="10" presetClass="entr" presetSubtype="0" fill="hold" grpId="0" nodeType="clickEffect">
+                                  <p:stCondLst>
+                                    <p:cond delay="0"/>
+                                  </p:stCondLst>
+                                  <p:childTnLst>
+                                    <p:set>
+                                      <p:cBhvr>
+                                        <p:cTn id="6" dur="1" fill="hold">
+                                          <p:stCondLst>
+                                            <p:cond delay="0"/>
+                                          </p:stCondLst>
+                                        </p:cTn>
+                                        <p:tgtEl>
+                                          <p:spTgt spid="3">
+                                            <p:txEl>
+                                              <p:pRg st="0" end="0"/>
+                                            </p:txEl>
+                                          </p:spTgt>
+                                        </p:tgtEl>
+                                        <p:attrNameLst>
+                                          <p:attrName>style.visibility</p:attrName>
+                                        </p:attrNameLst>
+                                      </p:cBhvr>
+                                      <p:to>
+                                        <p:strVal val="visible"/>
+                                      </p:to>
+                                    </p:set>
+                                    <p:animEffect transition="in" filter="fade">
+                                      <p:cBhvr>
+                                        <p:cTn id="7" dur="250"/>
+                                        <p:tgtEl>
+                                          <p:spTgt spid="3">
+                                            <p:txEl>
+                                              <p:pRg st="0" end="0"/>
+                                            </p:txEl>
+                                          </p:spTgt>
+                                        </p:tgtEl>
+                                      </p:cBhvr>
+                                    </p:animEffect>
+                                  </p:childTnLst>
+                                </p:cTn>
+                              </p:par>
+                            </p:childTnLst>
+                          </p:cTn>
+                        </p:par>
+                      </p:childTnLst>
+                    </p:cTn>
+                  </p:par>
+                  <p:par>
+                    <p:cTn id="8" fill="hold">
+                      <p:stCondLst>
+                        <p:cond delay="indefinite"/>
+                      </p:stCondLst>
+                      <p:childTnLst>
+                        <p:par>
+                          <p:cTn id="9" fill="hold">
+                            <p:stCondLst>
+                              <p:cond delay="0"/>
+                            </p:stCondLst>
+                            <p:childTnLst>
+                              <p:par>
+                                <p:cTn id="10" presetID="10" presetClass="entr" presetSubtype="0" fill="hold" grpId="0" nodeType="clickEffect">
+                                  <p:stCondLst>
+                                    <p:cond delay="0"/>
+                                  </p:stCondLst>
+                                  <p:childTnLst>
+                                    <p:set>
+                                      <p:cBhvr>
+                                        <p:cTn id="11" dur="1" fill="hold">
+                                          <p:stCondLst>
+                                            <p:cond delay="0"/>
+                                          </p:stCondLst>
+                                        </p:cTn>
+                                        <p:tgtEl>
+                                          <p:spTgt spid="3">
+                                            <p:txEl>
+                                              <p:pRg st="1" end="1"/>
+                                            </p:txEl>
+                                          </p:spTgt>
+                                        </p:tgtEl>
+                                        <p:attrNameLst>
+                                          <p:attrName>style.visibility</p:attrName>
+                                        </p:attrNameLst>
+                                      </p:cBhvr>
+                                      <p:to>
+                                        <p:strVal val="visible"/>
+                                      </p:to>
+                                    </p:set>
+                                    <p:animEffect transition="in" filter="fade">
+                                      <p:cBhvr>
+                                        <p:cTn id="12" dur="250"/>
+                                        <p:tgtEl>
+                                          <p:spTgt spid="3">
+                                            <p:txEl>
+                                              <p:pRg st="1" end="1"/>
+                                            </p:txEl>
+                                          </p:spTgt>
+                                        </p:tgtEl>
+                                      </p:cBhvr>
+                                    </p:animEffect>
+                                  </p:childTnLst>
+                                </p:cTn>
+                              </p:par>
+                            </p:childTnLst>
+                          </p:cTn>
+                        </p:par>
+                      </p:childTnLst>
+                    </p:cTn>
+                  </p:par>
+                  <p:par>
+                    <p:cTn id="13" fill="hold">
+                      <p:stCondLst>
+                        <p:cond delay="indefinite"/>
+                      </p:stCondLst>
+                      <p:childTnLst>
+                        <p:par>
+                          <p:cTn id="14" fill="hold">
+                            <p:stCondLst>
+                              <p:cond delay="0"/>
+                            </p:stCondLst>
+                            <p:childTnLst>
+                              <p:par>
+                                <p:cTn id="15" presetID="10" presetClass="entr" presetSubtype="0" fill="hold" grpId="0" nodeType="clickEffect">
+                                  <p:stCondLst>
+                                    <p:cond delay="0"/>
+                                  </p:stCondLst>
+                                  <p:childTnLst>
+                                    <p:set>
+                                      <p:cBhvr>
+                                        <p:cTn id="16" dur="1" fill="hold">
+                                          <p:stCondLst>
+                                            <p:cond delay="0"/>
+                                          </p:stCondLst>
+                                        </p:cTn>
+                                        <p:tgtEl>
+                                          <p:spTgt spid="3">
+                                            <p:txEl>
+                                              <p:pRg st="2" end="2"/>
+                                            </p:txEl>
+                                          </p:spTgt>
+                                        </p:tgtEl>
+                                        <p:attrNameLst>
+                                          <p:attrName>style.visibility</p:attrName>
+                                        </p:attrNameLst>
+                                      </p:cBhvr>
+                                      <p:to>
+                                        <p:strVal val="visible"/>
+                                      </p:to>
+                                    </p:set>
+                                    <p:animEffect transition="in" filter="fade">
+                                      <p:cBhvr>
+                                        <p:cTn id="17" dur="250"/>
+                                        <p:tgtEl>
+                                          <p:spTgt spid="3">
+                                            <p:txEl>
+                                              <p:pRg st="2" end="2"/>
+                                            </p:txEl>
+                                          </p:spTgt>
+                                        </p:tgtEl>
+                                      </p:cBhvr>
+                                    </p:animEffect>
+                                  </p:childTnLst>
+                                </p:cTn>
+                              </p:par>
+                            </p:childTnLst>
+                          </p:cTn>
+                        </p:par>
+                      </p:childTnLst>
+                    </p:cTn>
+                  </p:par>
+                  <p:par>
+                    <p:cTn id="18" fill="hold">
+                      <p:stCondLst>
+                        <p:cond delay="indefinite"/>
+                      </p:stCondLst>
+                      <p:childTnLst>
+                        <p:par>
+                          <p:cTn id="19" fill="hold">
+                            <p:stCondLst>
+                              <p:cond delay="0"/>
+                            </p:stCondLst>
+                            <p:childTnLst>
+                              <p:par>
+                                <p:cTn id="20" presetID="10" presetClass="entr" presetSubtype="0" fill="hold" grpId="0" nodeType="clickEffect">
+                                  <p:stCondLst>
+                                    <p:cond delay="0"/>
+                                  </p:stCondLst>
+                                  <p:childTnLst>
+                                    <p:set>
+                                      <p:cBhvr>
+                                        <p:cTn id="21" dur="1" fill="hold">
+                                          <p:stCondLst>
+                                            <p:cond delay="0"/>
+                                          </p:stCondLst>
+                                        </p:cTn>
+                                        <p:tgtEl>
+                                          <p:spTgt spid="3">
+                                            <p:txEl>
+                                              <p:pRg st="3" end="3"/>
+                                            </p:txEl>
+                                          </p:spTgt>
+                                        </p:tgtEl>
+                                        <p:attrNameLst>
+                                          <p:attrName>style.visibility</p:attrName>
+                                        </p:attrNameLst>
+                                      </p:cBhvr>
+                                      <p:to>
+                                        <p:strVal val="visible"/>
+                                      </p:to>
+                                    </p:set>
+                                    <p:animEffect transition="in" filter="fade">
+                                      <p:cBhvr>
+                                        <p:cTn id="22" dur="250"/>
+                                        <p:tgtEl>
+                                          <p:spTgt spid="3">
+                                            <p:txEl>
+                                              <p:pRg st="3" end="3"/>
+                                            </p:txEl>
+                                          </p:spTgt>
+                                        </p:tgtEl>
+                                      </p:cBhvr>
+                                    </p:animEffect>
+                                  </p:childTnLst>
+                                </p:cTn>
+                              </p:par>
+                            </p:childTnLst>
+                          </p:cTn>
+                        </p:par>
+                      </p:childTnLst>
+                    </p:cTn>
+                  </p:par>
+                  <p:par>
+                    <p:cTn id="23" fill="hold">
+                      <p:stCondLst>
+                        <p:cond delay="indefinite"/>
+                      </p:stCondLst>
+                      <p:childTnLst>
+                        <p:par>
+                          <p:cTn id="24" fill="hold">
+                            <p:stCondLst>
+                              <p:cond delay="0"/>
+                            </p:stCondLst>
+                            <p:childTnLst>
+                              <p:par>
+                                <p:cTn id="25" presetID="10" presetClass="entr" presetSubtype="0" fill="hold" grpId="0" nodeType="clickEffect">
+                                  <p:stCondLst>
+                                    <p:cond delay="0"/>
+                                  </p:stCondLst>
+                                  <p:childTnLst>
+                                    <p:set>
+                                      <p:cBhvr>
+                                        <p:cTn id="26" dur="1" fill="hold">
+                                          <p:stCondLst>
+                                            <p:cond delay="0"/>
+                                          </p:stCondLst>
+                                        </p:cTn>
+                                        <p:tgtEl>
+                                          <p:spTgt spid="3">
+                                            <p:txEl>
+                                              <p:pRg st="4" end="4"/>
+                                            </p:txEl>
+                                          </p:spTgt>
+                                        </p:tgtEl>
+                                        <p:attrNameLst>
+                                          <p:attrName>style.visibility</p:attrName>
+                                        </p:attrNameLst>
+                                      </p:cBhvr>
+                                      <p:to>
+                                        <p:strVal val="visible"/>
+                                      </p:to>
+                                    </p:set>
+                                    <p:animEffect transition="in" filter="fade">
+                                      <p:cBhvr>
+                                        <p:cTn id="27" dur="250"/>
+                                        <p:tgtEl>
+                                          <p:spTgt spid="3">
+                                            <p:txEl>
+                                              <p:pRg st="4" end="4"/>
+                                            </p:txEl>
+                                          </p:spTgt>
+                                        </p:tgtEl>
+                                      </p:cBhvr>
+                                    </p:animEffect>
+                                  </p:childTnLst>
+                                </p:cTn>
+                              </p:par>
+                            </p:childTnLst>
+                          </p:cTn>
+                        </p:par>
+                      </p:childTnLst>
+                    </p:cTn>
+                  </p:par>
+                </p:childTnLst>
+              </p:cTn>
+              <p:prevCondLst>
+                <p:cond evt="onPrev" delay="0">
+                  <p:tgtEl>
+                    <p:sldTgt/>
+                  </p:tgtEl>
+                </p:cond>
+              </p:prevCondLst>
+              <p:nextCondLst>
+                <p:cond evt="onNext" delay="0">
+                  <p:tgtEl>
+                    <p:sldTgt/>
+                  </p:tgtEl>
+                </p:cond>
+              </p:nextCondLst>
+            </p:seq>
+          </p:childTnLst>
+        </p:cTn>
+      </p:par>
+    </p:tnLst>
+    <p:bldLst>
+      <p:bldP spid="3" grpId="0" build="p"/>
+    </p:bldLst>
+  </p:timing>
+</p:sld>
+</file>
+
+<file path=ppt/slides/slide28.xml><?xml version="1.0" encoding="utf-8"?>
+<p:sld xmlns:a="http://schemas.openxmlformats.org/drawingml/2006/main" xmlns:r="http://schemas.openxmlformats.org/officeDocument/2006/relationships" xmlns:p="http://schemas.openxmlformats.org/presentationml/2006/main">
+  <p:cSld>
+    <p:spTree>
+      <p:nvGrpSpPr>
+        <p:cNvPr id="1" name=""/>
+        <p:cNvGrpSpPr/>
+        <p:nvPr/>
+      </p:nvGrpSpPr>
+      <p:grpSpPr>
+        <a:xfrm>
+          <a:off x="0" y="0"/>
+          <a:ext cx="0" cy="0"/>
+          <a:chOff x="0" y="0"/>
+          <a:chExt cx="0" cy="0"/>
+        </a:xfrm>
+      </p:grpSpPr>
+      <p:sp>
+        <p:nvSpPr>
+          <p:cNvPr id="2" name="Titel 1">
+            <a:extLst>
+              <a:ext uri="{FF2B5EF4-FFF2-40B4-BE49-F238E27FC236}">
+                <a16:creationId xmlns:a16="http://schemas.microsoft.com/office/drawing/2014/main" id="{F23F65D7-723D-4DE7-B010-8FF3F5914F80}"/>
+              </a:ext>
+            </a:extLst>
+          </p:cNvPr>
+          <p:cNvSpPr>
+            <a:spLocks noGrp="1"/>
+          </p:cNvSpPr>
+          <p:nvPr>
+            <p:ph type="title"/>
+          </p:nvPr>
+        </p:nvSpPr>
+        <p:spPr/>
+        <p:txBody>
+          <a:bodyPr/>
+          <a:lstStyle/>
+          <a:p>
+            <a:r>
+              <a:rPr lang="en-US" dirty="0"/>
+              <a:t>docker-compose (VS 2017)</a:t>
+            </a:r>
+            <a:endParaRPr lang="de-AT" dirty="0"/>
+          </a:p>
+        </p:txBody>
+      </p:sp>
+      <p:sp>
+        <p:nvSpPr>
+          <p:cNvPr id="11" name="Textplatzhalter 10">
+            <a:extLst>
+              <a:ext uri="{FF2B5EF4-FFF2-40B4-BE49-F238E27FC236}">
+                <a16:creationId xmlns:a16="http://schemas.microsoft.com/office/drawing/2014/main" id="{750FB646-B367-4DA4-8776-F4F0B780E27E}"/>
+              </a:ext>
+            </a:extLst>
+          </p:cNvPr>
+          <p:cNvSpPr>
+            <a:spLocks noGrp="1"/>
+          </p:cNvSpPr>
+          <p:nvPr>
+            <p:ph type="body" sz="quarter" idx="13"/>
+          </p:nvPr>
+        </p:nvSpPr>
+        <p:spPr>
+          <a:xfrm>
+            <a:off x="9853519" y="6769166"/>
+            <a:ext cx="460383" cy="354071"/>
+          </a:xfrm>
+        </p:spPr>
+        <p:txBody>
+          <a:bodyPr/>
+          <a:lstStyle/>
+          <a:p>
+            <a:r>
+              <a:rPr lang="en-US" dirty="0"/>
+              <a:t>22</a:t>
             </a:r>
             <a:endParaRPr lang="de-AT" dirty="0"/>
           </a:p>
@@ -12822,68 +13475,6 @@
 </p:sld>
 </file>
 
-<file path=ppt/slides/slide28.xml><?xml version="1.0" encoding="utf-8"?>
-<p:sld xmlns:a="http://schemas.openxmlformats.org/drawingml/2006/main" xmlns:r="http://schemas.openxmlformats.org/officeDocument/2006/relationships" xmlns:p="http://schemas.openxmlformats.org/presentationml/2006/main">
-  <p:cSld>
-    <p:spTree>
-      <p:nvGrpSpPr>
-        <p:cNvPr id="1" name=""/>
-        <p:cNvGrpSpPr/>
-        <p:nvPr/>
-      </p:nvGrpSpPr>
-      <p:grpSpPr>
-        <a:xfrm>
-          <a:off x="0" y="0"/>
-          <a:ext cx="0" cy="0"/>
-          <a:chOff x="0" y="0"/>
-          <a:chExt cx="0" cy="0"/>
-        </a:xfrm>
-      </p:grpSpPr>
-      <p:sp>
-        <p:nvSpPr>
-          <p:cNvPr id="2" name="Titel 1">
-            <a:extLst>
-              <a:ext uri="{FF2B5EF4-FFF2-40B4-BE49-F238E27FC236}">
-                <a16:creationId xmlns:a16="http://schemas.microsoft.com/office/drawing/2014/main" id="{EA68569E-5353-4802-A651-EF59D53F72DA}"/>
-              </a:ext>
-            </a:extLst>
-          </p:cNvPr>
-          <p:cNvSpPr>
-            <a:spLocks noGrp="1"/>
-          </p:cNvSpPr>
-          <p:nvPr>
-            <p:ph type="title"/>
-          </p:nvPr>
-        </p:nvSpPr>
-        <p:spPr/>
-        <p:txBody>
-          <a:bodyPr/>
-          <a:lstStyle/>
-          <a:p>
-            <a:r>
-              <a:rPr lang="en-US" dirty="0"/>
-              <a:t>docker-compose</a:t>
-            </a:r>
-            <a:endParaRPr lang="de-AT" dirty="0"/>
-          </a:p>
-        </p:txBody>
-      </p:sp>
-    </p:spTree>
-    <p:extLst>
-      <p:ext uri="{BB962C8B-B14F-4D97-AF65-F5344CB8AC3E}">
-        <p14:creationId xmlns:p14="http://schemas.microsoft.com/office/powerpoint/2010/main" val="1595676802"/>
-      </p:ext>
-    </p:extLst>
-  </p:cSld>
-  <p:clrMapOvr>
-    <a:masterClrMapping/>
-  </p:clrMapOvr>
-  <p:transition spd="med">
-    <p:push dir="u"/>
-  </p:transition>
-</p:sld>
-</file>
-
 <file path=ppt/slides/slide29.xml><?xml version="1.0" encoding="utf-8"?>
 <p:sld xmlns:a="http://schemas.openxmlformats.org/drawingml/2006/main" xmlns:r="http://schemas.openxmlformats.org/officeDocument/2006/relationships" xmlns:p="http://schemas.openxmlformats.org/presentationml/2006/main">
   <p:cSld>
@@ -12906,7 +13497,7 @@
           <p:cNvPr id="2" name="Titel 1">
             <a:extLst>
               <a:ext uri="{FF2B5EF4-FFF2-40B4-BE49-F238E27FC236}">
-                <a16:creationId xmlns:a16="http://schemas.microsoft.com/office/drawing/2014/main" id="{C28888E0-89DC-4161-BF60-4B868EBF80E5}"/>
+                <a16:creationId xmlns:a16="http://schemas.microsoft.com/office/drawing/2014/main" id="{EA68569E-5353-4802-A651-EF59D53F72DA}"/>
               </a:ext>
             </a:extLst>
           </p:cNvPr>
@@ -12923,247 +13514,17 @@
           <a:lstStyle/>
           <a:p>
             <a:r>
-              <a:rPr lang="en-US" dirty="0" err="1"/>
-              <a:t>Datenbanken</a:t>
-            </a:r>
-            <a:r>
               <a:rPr lang="en-US" dirty="0"/>
-              <a:t> </a:t>
-            </a:r>
-            <a:r>
-              <a:rPr lang="en-US" dirty="0" err="1"/>
-              <a:t>im</a:t>
-            </a:r>
-            <a:r>
-              <a:rPr lang="en-US" dirty="0"/>
-              <a:t> Container</a:t>
+              <a:t>docker-compose</a:t>
             </a:r>
             <a:endParaRPr lang="de-AT" dirty="0"/>
-          </a:p>
-        </p:txBody>
-      </p:sp>
-      <p:sp>
-        <p:nvSpPr>
-          <p:cNvPr id="3" name="Inhaltsplatzhalter 2">
-            <a:extLst>
-              <a:ext uri="{FF2B5EF4-FFF2-40B4-BE49-F238E27FC236}">
-                <a16:creationId xmlns:a16="http://schemas.microsoft.com/office/drawing/2014/main" id="{AB7F1342-CA16-422B-9DDB-042E3544816C}"/>
-              </a:ext>
-            </a:extLst>
-          </p:cNvPr>
-          <p:cNvSpPr>
-            <a:spLocks noGrp="1"/>
-          </p:cNvSpPr>
-          <p:nvPr>
-            <p:ph idx="1"/>
-          </p:nvPr>
-        </p:nvSpPr>
-        <p:spPr/>
-        <p:txBody>
-          <a:bodyPr>
-            <a:normAutofit/>
-          </a:bodyPr>
-          <a:lstStyle/>
-          <a:p>
-            <a:r>
-              <a:rPr lang="de-AT" dirty="0"/>
-              <a:t>Datenbanken in Docker haben einen besonderen Status</a:t>
-            </a:r>
-          </a:p>
-          <a:p>
-            <a:r>
-              <a:rPr lang="de-AT" dirty="0"/>
-              <a:t>da Container flüchtig/zustandslos sind, können sie per se keine Daten speichern</a:t>
-            </a:r>
-          </a:p>
-          <a:p>
-            <a:r>
-              <a:rPr lang="de-AT" dirty="0"/>
-              <a:t>Lösung des Problems: </a:t>
-            </a:r>
-            <a:r>
-              <a:rPr lang="de-AT" i="1" dirty="0"/>
-              <a:t>Docker </a:t>
-            </a:r>
-            <a:r>
-              <a:rPr lang="de-AT" i="1" dirty="0" err="1"/>
-              <a:t>Volumes</a:t>
-            </a:r>
-            <a:r>
-              <a:rPr lang="de-AT" dirty="0"/>
-              <a:t> und den DB-Container als reines Service sehen</a:t>
-            </a:r>
-            <a:endParaRPr lang="de-AT" i="1" dirty="0"/>
-          </a:p>
-        </p:txBody>
-      </p:sp>
-      <p:sp>
-        <p:nvSpPr>
-          <p:cNvPr id="5" name="Textplatzhalter 4">
-            <a:extLst>
-              <a:ext uri="{FF2B5EF4-FFF2-40B4-BE49-F238E27FC236}">
-                <a16:creationId xmlns:a16="http://schemas.microsoft.com/office/drawing/2014/main" id="{3ED932E3-9CFB-4E51-A02F-5EF2323B6643}"/>
-              </a:ext>
-            </a:extLst>
-          </p:cNvPr>
-          <p:cNvSpPr>
-            <a:spLocks noGrp="1"/>
-          </p:cNvSpPr>
-          <p:nvPr>
-            <p:ph type="body" sz="quarter" idx="13"/>
-          </p:nvPr>
-        </p:nvSpPr>
-        <p:spPr>
-          <a:xfrm>
-            <a:off x="9853519" y="6769166"/>
-            <a:ext cx="460383" cy="354071"/>
-          </a:xfrm>
-        </p:spPr>
-        <p:txBody>
-          <a:bodyPr/>
-          <a:lstStyle/>
-          <a:p>
-            <a:r>
-              <a:rPr lang="en-US" dirty="0"/>
-              <a:t>22</a:t>
-            </a:r>
-            <a:endParaRPr lang="de-AT" dirty="0"/>
-          </a:p>
-        </p:txBody>
-      </p:sp>
-      <p:sp>
-        <p:nvSpPr>
-          <p:cNvPr id="4" name="Rechteck 3">
-            <a:extLst>
-              <a:ext uri="{FF2B5EF4-FFF2-40B4-BE49-F238E27FC236}">
-                <a16:creationId xmlns:a16="http://schemas.microsoft.com/office/drawing/2014/main" id="{19798999-4FC1-4DF8-B683-90073F809158}"/>
-              </a:ext>
-            </a:extLst>
-          </p:cNvPr>
-          <p:cNvSpPr/>
-          <p:nvPr/>
-        </p:nvSpPr>
-        <p:spPr>
-          <a:xfrm>
-            <a:off x="989063" y="4993241"/>
-            <a:ext cx="7250811" cy="1631216"/>
-          </a:xfrm>
-          <a:prstGeom prst="rect">
-            <a:avLst/>
-          </a:prstGeom>
-        </p:spPr>
-        <p:txBody>
-          <a:bodyPr wrap="square">
-            <a:spAutoFit/>
-          </a:bodyPr>
-          <a:lstStyle/>
-          <a:p>
-            <a:r>
-              <a:rPr lang="en-US" sz="2000" dirty="0">
-                <a:solidFill>
-                  <a:srgbClr val="242729"/>
-                </a:solidFill>
-                <a:latin typeface="Fira Code" panose="020B0509050000020004" pitchFamily="49" charset="0"/>
-                <a:ea typeface="Fira Code" panose="020B0509050000020004" pitchFamily="49" charset="0"/>
-              </a:rPr>
-              <a:t>docker volume create --name </a:t>
-            </a:r>
-            <a:r>
-              <a:rPr lang="en-US" sz="2000" dirty="0" err="1">
-                <a:solidFill>
-                  <a:srgbClr val="242729"/>
-                </a:solidFill>
-                <a:latin typeface="Fira Code" panose="020B0509050000020004" pitchFamily="49" charset="0"/>
-                <a:ea typeface="Fira Code" panose="020B0509050000020004" pitchFamily="49" charset="0"/>
-              </a:rPr>
-              <a:t>db_data</a:t>
-            </a:r>
-            <a:endParaRPr lang="en-US" sz="2000" dirty="0">
-              <a:solidFill>
-                <a:srgbClr val="242729"/>
-              </a:solidFill>
-              <a:latin typeface="Fira Code" panose="020B0509050000020004" pitchFamily="49" charset="0"/>
-              <a:ea typeface="Fira Code" panose="020B0509050000020004" pitchFamily="49" charset="0"/>
-            </a:endParaRPr>
-          </a:p>
-          <a:p>
-            <a:r>
-              <a:rPr lang="en-US" sz="2000" dirty="0">
-                <a:solidFill>
-                  <a:srgbClr val="242729"/>
-                </a:solidFill>
-                <a:latin typeface="Fira Code" panose="020B0509050000020004" pitchFamily="49" charset="0"/>
-                <a:ea typeface="Fira Code" panose="020B0509050000020004" pitchFamily="49" charset="0"/>
-              </a:rPr>
-              <a:t>docker run</a:t>
-            </a:r>
-          </a:p>
-          <a:p>
-            <a:r>
-              <a:rPr lang="en-US" sz="2000" dirty="0">
-                <a:solidFill>
-                  <a:srgbClr val="242729"/>
-                </a:solidFill>
-                <a:latin typeface="Fira Code" panose="020B0509050000020004" pitchFamily="49" charset="0"/>
-                <a:ea typeface="Fira Code" panose="020B0509050000020004" pitchFamily="49" charset="0"/>
-              </a:rPr>
-              <a:t>	-d</a:t>
-            </a:r>
-          </a:p>
-          <a:p>
-            <a:r>
-              <a:rPr lang="en-US" sz="2000" dirty="0">
-                <a:solidFill>
-                  <a:srgbClr val="242729"/>
-                </a:solidFill>
-                <a:latin typeface="Fira Code" panose="020B0509050000020004" pitchFamily="49" charset="0"/>
-                <a:ea typeface="Fira Code" panose="020B0509050000020004" pitchFamily="49" charset="0"/>
-              </a:rPr>
-              <a:t>	-v </a:t>
-            </a:r>
-            <a:r>
-              <a:rPr lang="en-US" sz="2000" dirty="0" err="1">
-                <a:solidFill>
-                  <a:srgbClr val="242729"/>
-                </a:solidFill>
-                <a:latin typeface="Fira Code" panose="020B0509050000020004" pitchFamily="49" charset="0"/>
-                <a:ea typeface="Fira Code" panose="020B0509050000020004" pitchFamily="49" charset="0"/>
-              </a:rPr>
-              <a:t>db_data</a:t>
-            </a:r>
-            <a:r>
-              <a:rPr lang="en-US" sz="2000" dirty="0">
-                <a:solidFill>
-                  <a:srgbClr val="242729"/>
-                </a:solidFill>
-                <a:latin typeface="Fira Code" panose="020B0509050000020004" pitchFamily="49" charset="0"/>
-                <a:ea typeface="Fira Code" panose="020B0509050000020004" pitchFamily="49" charset="0"/>
-              </a:rPr>
-              <a:t>:/container/path/for/volume</a:t>
-            </a:r>
-          </a:p>
-          <a:p>
-            <a:r>
-              <a:rPr lang="en-US" sz="2000" dirty="0">
-                <a:solidFill>
-                  <a:srgbClr val="242729"/>
-                </a:solidFill>
-                <a:latin typeface="Fira Code" panose="020B0509050000020004" pitchFamily="49" charset="0"/>
-                <a:ea typeface="Fira Code" panose="020B0509050000020004" pitchFamily="49" charset="0"/>
-              </a:rPr>
-              <a:t>	&lt;container-image&gt; &lt;my-startup-command&gt;</a:t>
-            </a:r>
-            <a:endParaRPr lang="de-AT" sz="2000" dirty="0">
-              <a:latin typeface="Fira Code" panose="020B0509050000020004" pitchFamily="49" charset="0"/>
-              <a:ea typeface="Fira Code" panose="020B0509050000020004" pitchFamily="49" charset="0"/>
-            </a:endParaRPr>
           </a:p>
         </p:txBody>
       </p:sp>
     </p:spTree>
     <p:extLst>
       <p:ext uri="{BB962C8B-B14F-4D97-AF65-F5344CB8AC3E}">
-        <p14:creationId xmlns:p14="http://schemas.microsoft.com/office/powerpoint/2010/main" val="1391348893"/>
+        <p14:creationId xmlns:p14="http://schemas.microsoft.com/office/powerpoint/2010/main" val="1595676802"/>
       </p:ext>
     </p:extLst>
   </p:cSld>
@@ -13173,276 +13534,6 @@
   <p:transition spd="med">
     <p:push dir="u"/>
   </p:transition>
-  <p:timing>
-    <p:tnLst>
-      <p:par>
-        <p:cTn id="1" dur="indefinite" restart="never" nodeType="tmRoot">
-          <p:childTnLst>
-            <p:seq concurrent="1" nextAc="seek">
-              <p:cTn id="2" dur="indefinite" nodeType="mainSeq">
-                <p:childTnLst>
-                  <p:par>
-                    <p:cTn id="3" fill="hold">
-                      <p:stCondLst>
-                        <p:cond delay="indefinite"/>
-                      </p:stCondLst>
-                      <p:childTnLst>
-                        <p:par>
-                          <p:cTn id="4" fill="hold">
-                            <p:stCondLst>
-                              <p:cond delay="0"/>
-                            </p:stCondLst>
-                            <p:childTnLst>
-                              <p:par>
-                                <p:cTn id="5" presetID="10" presetClass="entr" presetSubtype="0" fill="hold" grpId="0" nodeType="clickEffect">
-                                  <p:stCondLst>
-                                    <p:cond delay="0"/>
-                                  </p:stCondLst>
-                                  <p:childTnLst>
-                                    <p:set>
-                                      <p:cBhvr>
-                                        <p:cTn id="6" dur="1" fill="hold">
-                                          <p:stCondLst>
-                                            <p:cond delay="0"/>
-                                          </p:stCondLst>
-                                        </p:cTn>
-                                        <p:tgtEl>
-                                          <p:spTgt spid="3">
-                                            <p:txEl>
-                                              <p:pRg st="0" end="0"/>
-                                            </p:txEl>
-                                          </p:spTgt>
-                                        </p:tgtEl>
-                                        <p:attrNameLst>
-                                          <p:attrName>style.visibility</p:attrName>
-                                        </p:attrNameLst>
-                                      </p:cBhvr>
-                                      <p:to>
-                                        <p:strVal val="visible"/>
-                                      </p:to>
-                                    </p:set>
-                                    <p:animEffect transition="in" filter="fade">
-                                      <p:cBhvr>
-                                        <p:cTn id="7" dur="250"/>
-                                        <p:tgtEl>
-                                          <p:spTgt spid="3">
-                                            <p:txEl>
-                                              <p:pRg st="0" end="0"/>
-                                            </p:txEl>
-                                          </p:spTgt>
-                                        </p:tgtEl>
-                                      </p:cBhvr>
-                                    </p:animEffect>
-                                  </p:childTnLst>
-                                </p:cTn>
-                              </p:par>
-                            </p:childTnLst>
-                          </p:cTn>
-                        </p:par>
-                      </p:childTnLst>
-                    </p:cTn>
-                  </p:par>
-                  <p:par>
-                    <p:cTn id="8" fill="hold">
-                      <p:stCondLst>
-                        <p:cond delay="indefinite"/>
-                      </p:stCondLst>
-                      <p:childTnLst>
-                        <p:par>
-                          <p:cTn id="9" fill="hold">
-                            <p:stCondLst>
-                              <p:cond delay="0"/>
-                            </p:stCondLst>
-                            <p:childTnLst>
-                              <p:par>
-                                <p:cTn id="10" presetID="10" presetClass="entr" presetSubtype="0" fill="hold" grpId="0" nodeType="clickEffect">
-                                  <p:stCondLst>
-                                    <p:cond delay="0"/>
-                                  </p:stCondLst>
-                                  <p:childTnLst>
-                                    <p:set>
-                                      <p:cBhvr>
-                                        <p:cTn id="11" dur="1" fill="hold">
-                                          <p:stCondLst>
-                                            <p:cond delay="0"/>
-                                          </p:stCondLst>
-                                        </p:cTn>
-                                        <p:tgtEl>
-                                          <p:spTgt spid="3">
-                                            <p:txEl>
-                                              <p:pRg st="1" end="1"/>
-                                            </p:txEl>
-                                          </p:spTgt>
-                                        </p:tgtEl>
-                                        <p:attrNameLst>
-                                          <p:attrName>style.visibility</p:attrName>
-                                        </p:attrNameLst>
-                                      </p:cBhvr>
-                                      <p:to>
-                                        <p:strVal val="visible"/>
-                                      </p:to>
-                                    </p:set>
-                                    <p:animEffect transition="in" filter="fade">
-                                      <p:cBhvr>
-                                        <p:cTn id="12" dur="250"/>
-                                        <p:tgtEl>
-                                          <p:spTgt spid="3">
-                                            <p:txEl>
-                                              <p:pRg st="1" end="1"/>
-                                            </p:txEl>
-                                          </p:spTgt>
-                                        </p:tgtEl>
-                                      </p:cBhvr>
-                                    </p:animEffect>
-                                  </p:childTnLst>
-                                </p:cTn>
-                              </p:par>
-                            </p:childTnLst>
-                          </p:cTn>
-                        </p:par>
-                      </p:childTnLst>
-                    </p:cTn>
-                  </p:par>
-                  <p:par>
-                    <p:cTn id="13" fill="hold">
-                      <p:stCondLst>
-                        <p:cond delay="indefinite"/>
-                      </p:stCondLst>
-                      <p:childTnLst>
-                        <p:par>
-                          <p:cTn id="14" fill="hold">
-                            <p:stCondLst>
-                              <p:cond delay="0"/>
-                            </p:stCondLst>
-                            <p:childTnLst>
-                              <p:par>
-                                <p:cTn id="15" presetID="10" presetClass="entr" presetSubtype="0" fill="hold" grpId="0" nodeType="clickEffect">
-                                  <p:stCondLst>
-                                    <p:cond delay="0"/>
-                                  </p:stCondLst>
-                                  <p:childTnLst>
-                                    <p:set>
-                                      <p:cBhvr>
-                                        <p:cTn id="16" dur="1" fill="hold">
-                                          <p:stCondLst>
-                                            <p:cond delay="0"/>
-                                          </p:stCondLst>
-                                        </p:cTn>
-                                        <p:tgtEl>
-                                          <p:spTgt spid="3">
-                                            <p:txEl>
-                                              <p:pRg st="2" end="2"/>
-                                            </p:txEl>
-                                          </p:spTgt>
-                                        </p:tgtEl>
-                                        <p:attrNameLst>
-                                          <p:attrName>style.visibility</p:attrName>
-                                        </p:attrNameLst>
-                                      </p:cBhvr>
-                                      <p:to>
-                                        <p:strVal val="visible"/>
-                                      </p:to>
-                                    </p:set>
-                                    <p:animEffect transition="in" filter="fade">
-                                      <p:cBhvr>
-                                        <p:cTn id="17" dur="250"/>
-                                        <p:tgtEl>
-                                          <p:spTgt spid="3">
-                                            <p:txEl>
-                                              <p:pRg st="2" end="2"/>
-                                            </p:txEl>
-                                          </p:spTgt>
-                                        </p:tgtEl>
-                                      </p:cBhvr>
-                                    </p:animEffect>
-                                  </p:childTnLst>
-                                </p:cTn>
-                              </p:par>
-                            </p:childTnLst>
-                          </p:cTn>
-                        </p:par>
-                      </p:childTnLst>
-                    </p:cTn>
-                  </p:par>
-                  <p:par>
-                    <p:cTn id="18" fill="hold">
-                      <p:stCondLst>
-                        <p:cond delay="indefinite"/>
-                      </p:stCondLst>
-                      <p:childTnLst>
-                        <p:par>
-                          <p:cTn id="19" fill="hold">
-                            <p:stCondLst>
-                              <p:cond delay="0"/>
-                            </p:stCondLst>
-                            <p:childTnLst>
-                              <p:par>
-                                <p:cTn id="20" presetID="10" presetClass="entr" presetSubtype="0" fill="hold" grpId="0" nodeType="clickEffect">
-                                  <p:stCondLst>
-                                    <p:cond delay="0"/>
-                                  </p:stCondLst>
-                                  <p:childTnLst>
-                                    <p:set>
-                                      <p:cBhvr>
-                                        <p:cTn id="21" dur="1" fill="hold">
-                                          <p:stCondLst>
-                                            <p:cond delay="0"/>
-                                          </p:stCondLst>
-                                        </p:cTn>
-                                        <p:tgtEl>
-                                          <p:spTgt spid="4"/>
-                                        </p:tgtEl>
-                                        <p:attrNameLst>
-                                          <p:attrName>style.visibility</p:attrName>
-                                        </p:attrNameLst>
-                                      </p:cBhvr>
-                                      <p:to>
-                                        <p:strVal val="visible"/>
-                                      </p:to>
-                                    </p:set>
-                                    <p:animEffect transition="in" filter="fade">
-                                      <p:cBhvr>
-                                        <p:cTn id="22" dur="250"/>
-                                        <p:tgtEl>
-                                          <p:spTgt spid="4"/>
-                                        </p:tgtEl>
-                                      </p:cBhvr>
-                                    </p:animEffect>
-                                  </p:childTnLst>
-                                </p:cTn>
-                              </p:par>
-                            </p:childTnLst>
-                          </p:cTn>
-                        </p:par>
-                      </p:childTnLst>
-                    </p:cTn>
-                  </p:par>
-                </p:childTnLst>
-              </p:cTn>
-              <p:prevCondLst>
-                <p:cond evt="onPrev" delay="0">
-                  <p:tgtEl>
-                    <p:sldTgt/>
-                  </p:tgtEl>
-                </p:cond>
-              </p:prevCondLst>
-              <p:nextCondLst>
-                <p:cond evt="onNext" delay="0">
-                  <p:tgtEl>
-                    <p:sldTgt/>
-                  </p:tgtEl>
-                </p:cond>
-              </p:nextCondLst>
-            </p:seq>
-          </p:childTnLst>
-        </p:cTn>
-      </p:par>
-    </p:tnLst>
-    <p:bldLst>
-      <p:bldP spid="3" grpId="0" build="p"/>
-      <p:bldP spid="4" grpId="0"/>
-    </p:bldLst>
-  </p:timing>
 </p:sld>
 </file>
 
@@ -14390,7 +14481,7 @@
           <p:cNvPr id="2" name="Titel 1">
             <a:extLst>
               <a:ext uri="{FF2B5EF4-FFF2-40B4-BE49-F238E27FC236}">
-                <a16:creationId xmlns:a16="http://schemas.microsoft.com/office/drawing/2014/main" id="{DD4DB779-5E78-41DA-8893-8A095D0BCE26}"/>
+                <a16:creationId xmlns:a16="http://schemas.microsoft.com/office/drawing/2014/main" id="{C28888E0-89DC-4161-BF60-4B868EBF80E5}"/>
               </a:ext>
             </a:extLst>
           </p:cNvPr>
@@ -14407,8 +14498,12 @@
           <a:lstStyle/>
           <a:p>
             <a:r>
+              <a:rPr lang="en-US" dirty="0" err="1"/>
+              <a:t>Datenbanken</a:t>
+            </a:r>
+            <a:r>
               <a:rPr lang="en-US" dirty="0"/>
-              <a:t>SQL Server </a:t>
+              <a:t> </a:t>
             </a:r>
             <a:r>
               <a:rPr lang="en-US" dirty="0" err="1"/>
@@ -14427,7 +14522,7 @@
           <p:cNvPr id="3" name="Inhaltsplatzhalter 2">
             <a:extLst>
               <a:ext uri="{FF2B5EF4-FFF2-40B4-BE49-F238E27FC236}">
-                <a16:creationId xmlns:a16="http://schemas.microsoft.com/office/drawing/2014/main" id="{C22BA232-BF18-48B3-A8BE-02B0915CF269}"/>
+                <a16:creationId xmlns:a16="http://schemas.microsoft.com/office/drawing/2014/main" id="{AB7F1342-CA16-422B-9DDB-042E3544816C}"/>
               </a:ext>
             </a:extLst>
           </p:cNvPr>
@@ -14440,26 +14535,40 @@
         </p:nvSpPr>
         <p:spPr/>
         <p:txBody>
-          <a:bodyPr/>
+          <a:bodyPr>
+            <a:normAutofit/>
+          </a:bodyPr>
           <a:lstStyle/>
           <a:p>
             <a:r>
               <a:rPr lang="de-AT" dirty="0"/>
-              <a:t>verfügbar als Linux-Container: </a:t>
-            </a:r>
-            <a:r>
-              <a:rPr lang="de-AT" dirty="0">
-                <a:hlinkClick r:id="rId3"/>
-              </a:rPr>
-              <a:t>https://hub.docker.com/r/microsoft/mssql-server-linux/</a:t>
-            </a:r>
-            <a:endParaRPr lang="de-AT" dirty="0"/>
+              <a:t>Datenbanken in Docker haben einen besonderen Status</a:t>
+            </a:r>
           </a:p>
           <a:p>
             <a:r>
               <a:rPr lang="de-AT" dirty="0"/>
-              <a:t>Achtung: mindestens 2GB RAM zuweisen!</a:t>
-            </a:r>
+              <a:t>da Container flüchtig/zustandslos sind, können sie per se keine Daten speichern</a:t>
+            </a:r>
+          </a:p>
+          <a:p>
+            <a:r>
+              <a:rPr lang="de-AT" dirty="0"/>
+              <a:t>Lösung des Problems: </a:t>
+            </a:r>
+            <a:r>
+              <a:rPr lang="de-AT" i="1" dirty="0"/>
+              <a:t>Docker </a:t>
+            </a:r>
+            <a:r>
+              <a:rPr lang="de-AT" i="1" dirty="0" err="1"/>
+              <a:t>Volumes</a:t>
+            </a:r>
+            <a:r>
+              <a:rPr lang="de-AT" dirty="0"/>
+              <a:t> und den DB-Container als reines Service sehen</a:t>
+            </a:r>
+            <a:endParaRPr lang="de-AT" i="1" dirty="0"/>
           </a:p>
         </p:txBody>
       </p:sp>
@@ -14468,7 +14577,7 @@
           <p:cNvPr id="5" name="Textplatzhalter 4">
             <a:extLst>
               <a:ext uri="{FF2B5EF4-FFF2-40B4-BE49-F238E27FC236}">
-                <a16:creationId xmlns:a16="http://schemas.microsoft.com/office/drawing/2014/main" id="{B6DED608-5BFB-430F-902D-C663A8DC6510}"/>
+                <a16:creationId xmlns:a16="http://schemas.microsoft.com/office/drawing/2014/main" id="{3ED932E3-9CFB-4E51-A02F-5EF2323B6643}"/>
               </a:ext>
             </a:extLst>
           </p:cNvPr>
@@ -14502,7 +14611,7 @@
           <p:cNvPr id="4" name="Rechteck 3">
             <a:extLst>
               <a:ext uri="{FF2B5EF4-FFF2-40B4-BE49-F238E27FC236}">
-                <a16:creationId xmlns:a16="http://schemas.microsoft.com/office/drawing/2014/main" id="{7A20EC9F-C9E8-4D1B-A5BE-80EA481A6BEE}"/>
+                <a16:creationId xmlns:a16="http://schemas.microsoft.com/office/drawing/2014/main" id="{19798999-4FC1-4DF8-B683-90073F809158}"/>
               </a:ext>
             </a:extLst>
           </p:cNvPr>
@@ -14511,8 +14620,8 @@
         </p:nvSpPr>
         <p:spPr>
           <a:xfrm>
-            <a:off x="984554" y="4117750"/>
-            <a:ext cx="7090934" cy="1938992"/>
+            <a:off x="989063" y="4993241"/>
+            <a:ext cx="7250811" cy="1631216"/>
           </a:xfrm>
           <a:prstGeom prst="rect">
             <a:avLst/>
@@ -14525,48 +14634,50 @@
           <a:lstStyle/>
           <a:p>
             <a:r>
-              <a:rPr lang="de-AT" sz="2000" dirty="0" err="1">
+              <a:rPr lang="en-US" sz="2000" dirty="0">
                 <a:solidFill>
-                  <a:srgbClr val="333333"/>
+                  <a:srgbClr val="242729"/>
                 </a:solidFill>
                 <a:latin typeface="Fira Code" panose="020B0509050000020004" pitchFamily="49" charset="0"/>
                 <a:ea typeface="Fira Code" panose="020B0509050000020004" pitchFamily="49" charset="0"/>
               </a:rPr>
-              <a:t>docker</a:t>
-            </a:r>
-            <a:r>
-              <a:rPr lang="de-AT" sz="2000" dirty="0">
+              <a:t>docker volume create --name </a:t>
+            </a:r>
+            <a:r>
+              <a:rPr lang="en-US" sz="2000" dirty="0" err="1">
                 <a:solidFill>
-                  <a:srgbClr val="333333"/>
+                  <a:srgbClr val="242729"/>
                 </a:solidFill>
                 <a:latin typeface="Fira Code" panose="020B0509050000020004" pitchFamily="49" charset="0"/>
                 <a:ea typeface="Fira Code" panose="020B0509050000020004" pitchFamily="49" charset="0"/>
               </a:rPr>
-              <a:t> </a:t>
-            </a:r>
-            <a:r>
-              <a:rPr lang="de-AT" sz="2000" dirty="0" err="1">
+              <a:t>db_data</a:t>
+            </a:r>
+            <a:endParaRPr lang="en-US" sz="2000" dirty="0">
+              <a:solidFill>
+                <a:srgbClr val="242729"/>
+              </a:solidFill>
+              <a:latin typeface="Fira Code" panose="020B0509050000020004" pitchFamily="49" charset="0"/>
+              <a:ea typeface="Fira Code" panose="020B0509050000020004" pitchFamily="49" charset="0"/>
+            </a:endParaRPr>
+          </a:p>
+          <a:p>
+            <a:r>
+              <a:rPr lang="en-US" sz="2000" dirty="0">
                 <a:solidFill>
-                  <a:srgbClr val="333333"/>
+                  <a:srgbClr val="242729"/>
                 </a:solidFill>
                 <a:latin typeface="Fira Code" panose="020B0509050000020004" pitchFamily="49" charset="0"/>
                 <a:ea typeface="Fira Code" panose="020B0509050000020004" pitchFamily="49" charset="0"/>
               </a:rPr>
-              <a:t>run</a:t>
-            </a:r>
-            <a:endParaRPr lang="de-AT" sz="2000" dirty="0">
-              <a:solidFill>
-                <a:srgbClr val="333333"/>
-              </a:solidFill>
-              <a:latin typeface="Fira Code" panose="020B0509050000020004" pitchFamily="49" charset="0"/>
-              <a:ea typeface="Fira Code" panose="020B0509050000020004" pitchFamily="49" charset="0"/>
-            </a:endParaRPr>
-          </a:p>
-          <a:p>
-            <a:r>
-              <a:rPr lang="de-AT" sz="2000" dirty="0">
+              <a:t>docker run</a:t>
+            </a:r>
+          </a:p>
+          <a:p>
+            <a:r>
+              <a:rPr lang="en-US" sz="2000" dirty="0">
                 <a:solidFill>
-                  <a:srgbClr val="333333"/>
+                  <a:srgbClr val="242729"/>
                 </a:solidFill>
                 <a:latin typeface="Fira Code" panose="020B0509050000020004" pitchFamily="49" charset="0"/>
                 <a:ea typeface="Fira Code" panose="020B0509050000020004" pitchFamily="49" charset="0"/>
@@ -14576,110 +14687,46 @@
           </a:p>
           <a:p>
             <a:r>
-              <a:rPr lang="de-AT" sz="2000" dirty="0">
+              <a:rPr lang="en-US" sz="2000" dirty="0">
                 <a:solidFill>
-                  <a:srgbClr val="333333"/>
+                  <a:srgbClr val="242729"/>
                 </a:solidFill>
                 <a:latin typeface="Fira Code" panose="020B0509050000020004" pitchFamily="49" charset="0"/>
                 <a:ea typeface="Fira Code" panose="020B0509050000020004" pitchFamily="49" charset="0"/>
               </a:rPr>
-              <a:t>	-e 'ACCEPT_EULA=Y‘</a:t>
-            </a:r>
-          </a:p>
-          <a:p>
-            <a:r>
-              <a:rPr lang="de-AT" sz="2000" dirty="0">
+              <a:t>	-v </a:t>
+            </a:r>
+            <a:r>
+              <a:rPr lang="en-US" sz="2000" dirty="0" err="1">
                 <a:solidFill>
-                  <a:srgbClr val="333333"/>
+                  <a:srgbClr val="242729"/>
                 </a:solidFill>
                 <a:latin typeface="Fira Code" panose="020B0509050000020004" pitchFamily="49" charset="0"/>
                 <a:ea typeface="Fira Code" panose="020B0509050000020004" pitchFamily="49" charset="0"/>
               </a:rPr>
-              <a:t>	-e 'SA_PASSWORD=&lt;</a:t>
-            </a:r>
-            <a:r>
-              <a:rPr lang="de-AT" sz="2000" dirty="0" err="1">
+              <a:t>db_data</a:t>
+            </a:r>
+            <a:r>
+              <a:rPr lang="en-US" sz="2000" dirty="0">
                 <a:solidFill>
-                  <a:srgbClr val="333333"/>
+                  <a:srgbClr val="242729"/>
                 </a:solidFill>
                 <a:latin typeface="Fira Code" panose="020B0509050000020004" pitchFamily="49" charset="0"/>
                 <a:ea typeface="Fira Code" panose="020B0509050000020004" pitchFamily="49" charset="0"/>
               </a:rPr>
-              <a:t>password</a:t>
-            </a:r>
-            <a:r>
-              <a:rPr lang="de-AT" sz="2000" dirty="0">
+              <a:t>:/container/path/for/volume</a:t>
+            </a:r>
+          </a:p>
+          <a:p>
+            <a:r>
+              <a:rPr lang="en-US" sz="2000" dirty="0">
                 <a:solidFill>
-                  <a:srgbClr val="333333"/>
+                  <a:srgbClr val="242729"/>
                 </a:solidFill>
                 <a:latin typeface="Fira Code" panose="020B0509050000020004" pitchFamily="49" charset="0"/>
                 <a:ea typeface="Fira Code" panose="020B0509050000020004" pitchFamily="49" charset="0"/>
               </a:rPr>
-              <a:t>&gt;‘</a:t>
-            </a:r>
-          </a:p>
-          <a:p>
-            <a:r>
-              <a:rPr lang="de-AT" sz="2000" dirty="0">
-                <a:solidFill>
-                  <a:srgbClr val="333333"/>
-                </a:solidFill>
-                <a:latin typeface="Fira Code" panose="020B0509050000020004" pitchFamily="49" charset="0"/>
-                <a:ea typeface="Fira Code" panose="020B0509050000020004" pitchFamily="49" charset="0"/>
-              </a:rPr>
-              <a:t>	-p 1433:1433</a:t>
-            </a:r>
-          </a:p>
-          <a:p>
-            <a:r>
-              <a:rPr lang="de-AT" sz="2000" dirty="0">
-                <a:solidFill>
-                  <a:srgbClr val="333333"/>
-                </a:solidFill>
-                <a:latin typeface="Fira Code" panose="020B0509050000020004" pitchFamily="49" charset="0"/>
-                <a:ea typeface="Fira Code" panose="020B0509050000020004" pitchFamily="49" charset="0"/>
-              </a:rPr>
-              <a:t>	</a:t>
-            </a:r>
-            <a:r>
-              <a:rPr lang="de-AT" sz="2000" dirty="0" err="1">
-                <a:solidFill>
-                  <a:srgbClr val="333333"/>
-                </a:solidFill>
-                <a:latin typeface="Fira Code" panose="020B0509050000020004" pitchFamily="49" charset="0"/>
-                <a:ea typeface="Fira Code" panose="020B0509050000020004" pitchFamily="49" charset="0"/>
-              </a:rPr>
-              <a:t>microsoft</a:t>
-            </a:r>
-            <a:r>
-              <a:rPr lang="de-AT" sz="2000" dirty="0">
-                <a:solidFill>
-                  <a:srgbClr val="333333"/>
-                </a:solidFill>
-                <a:latin typeface="Fira Code" panose="020B0509050000020004" pitchFamily="49" charset="0"/>
-                <a:ea typeface="Fira Code" panose="020B0509050000020004" pitchFamily="49" charset="0"/>
-              </a:rPr>
-              <a:t>/</a:t>
-            </a:r>
-            <a:r>
-              <a:rPr lang="de-AT" sz="2000" dirty="0" err="1">
-                <a:solidFill>
-                  <a:srgbClr val="333333"/>
-                </a:solidFill>
-                <a:latin typeface="Fira Code" panose="020B0509050000020004" pitchFamily="49" charset="0"/>
-                <a:ea typeface="Fira Code" panose="020B0509050000020004" pitchFamily="49" charset="0"/>
-              </a:rPr>
-              <a:t>mssql</a:t>
-            </a:r>
-            <a:r>
-              <a:rPr lang="de-AT" sz="2000" dirty="0">
-                <a:solidFill>
-                  <a:srgbClr val="333333"/>
-                </a:solidFill>
-                <a:latin typeface="Fira Code" panose="020B0509050000020004" pitchFamily="49" charset="0"/>
-                <a:ea typeface="Fira Code" panose="020B0509050000020004" pitchFamily="49" charset="0"/>
-              </a:rPr>
-              <a:t>-server-linux</a:t>
+              <a:t>	&lt;container-image&gt; &lt;my-startup-command&gt;</a:t>
             </a:r>
             <a:endParaRPr lang="de-AT" sz="2000" dirty="0">
               <a:latin typeface="Fira Code" panose="020B0509050000020004" pitchFamily="49" charset="0"/>
@@ -14691,7 +14738,7 @@
     </p:spTree>
     <p:extLst>
       <p:ext uri="{BB962C8B-B14F-4D97-AF65-F5344CB8AC3E}">
-        <p14:creationId xmlns:p14="http://schemas.microsoft.com/office/powerpoint/2010/main" val="1842695246"/>
+        <p14:creationId xmlns:p14="http://schemas.microsoft.com/office/powerpoint/2010/main" val="1391348893"/>
       </p:ext>
     </p:extLst>
   </p:cSld>
@@ -14857,7 +14904,11 @@
                                           </p:stCondLst>
                                         </p:cTn>
                                         <p:tgtEl>
-                                          <p:spTgt spid="4"/>
+                                          <p:spTgt spid="3">
+                                            <p:txEl>
+                                              <p:pRg st="2" end="2"/>
+                                            </p:txEl>
+                                          </p:spTgt>
                                         </p:tgtEl>
                                         <p:attrNameLst>
                                           <p:attrName>style.visibility</p:attrName>
@@ -14870,6 +14921,63 @@
                                     <p:animEffect transition="in" filter="fade">
                                       <p:cBhvr>
                                         <p:cTn id="17" dur="250"/>
+                                        <p:tgtEl>
+                                          <p:spTgt spid="3">
+                                            <p:txEl>
+                                              <p:pRg st="2" end="2"/>
+                                            </p:txEl>
+                                          </p:spTgt>
+                                        </p:tgtEl>
+                                      </p:cBhvr>
+                                    </p:animEffect>
+                                  </p:childTnLst>
+                                </p:cTn>
+                              </p:par>
+                            </p:childTnLst>
+                          </p:cTn>
+                        </p:par>
+                      </p:childTnLst>
+                    </p:cTn>
+                  </p:par>
+                  <p:par>
+                    <p:cTn id="18" fill="hold">
+                      <p:stCondLst>
+                        <p:cond delay="indefinite"/>
+                      </p:stCondLst>
+                      <p:childTnLst>
+                        <p:par>
+                          <p:cTn id="19" fill="hold">
+                            <p:stCondLst>
+                              <p:cond delay="0"/>
+                            </p:stCondLst>
+                            <p:childTnLst>
+                              <p:par>
+                                <p:cTn id="20" presetID="10" presetClass="entr" presetSubtype="0" fill="hold" grpId="0" nodeType="clickEffect">
+                                  <p:stCondLst>
+                                    <p:cond delay="0"/>
+                                  </p:stCondLst>
+                                  <p:childTnLst>
+                                    <p:set>
+                                      <p:cBhvr>
+                                        <p:cTn id="21" dur="1" fill="hold">
+                                          <p:stCondLst>
+                                            <p:cond delay="0"/>
+                                          </p:stCondLst>
+                                        </p:cTn>
+                                        <p:tgtEl>
+                                          <p:spTgt spid="4"/>
+                                        </p:tgtEl>
+                                        <p:attrNameLst>
+                                          <p:attrName>style.visibility</p:attrName>
+                                        </p:attrNameLst>
+                                      </p:cBhvr>
+                                      <p:to>
+                                        <p:strVal val="visible"/>
+                                      </p:to>
+                                    </p:set>
+                                    <p:animEffect transition="in" filter="fade">
+                                      <p:cBhvr>
+                                        <p:cTn id="22" dur="250"/>
                                         <p:tgtEl>
                                           <p:spTgt spid="4"/>
                                         </p:tgtEl>
@@ -14935,7 +15043,7 @@
           <p:cNvPr id="2" name="Titel 1">
             <a:extLst>
               <a:ext uri="{FF2B5EF4-FFF2-40B4-BE49-F238E27FC236}">
-                <a16:creationId xmlns:a16="http://schemas.microsoft.com/office/drawing/2014/main" id="{55550D51-02E3-482A-A65E-64408538A51E}"/>
+                <a16:creationId xmlns:a16="http://schemas.microsoft.com/office/drawing/2014/main" id="{DD4DB779-5E78-41DA-8893-8A095D0BCE26}"/>
               </a:ext>
             </a:extLst>
           </p:cNvPr>
@@ -14952,68 +15060,27 @@
           <a:lstStyle/>
           <a:p>
             <a:r>
+              <a:rPr lang="en-US" dirty="0"/>
+              <a:t>SQL Server </a:t>
+            </a:r>
+            <a:r>
               <a:rPr lang="en-US" dirty="0" err="1"/>
-              <a:t>microsoft</a:t>
+              <a:t>im</a:t>
             </a:r>
             <a:r>
               <a:rPr lang="en-US" dirty="0"/>
-              <a:t>/</a:t>
-            </a:r>
-            <a:r>
-              <a:rPr lang="en-US" dirty="0" err="1"/>
-              <a:t>mssql</a:t>
-            </a:r>
-            <a:r>
-              <a:rPr lang="en-US" dirty="0"/>
-              <a:t>-server-</a:t>
-            </a:r>
-            <a:r>
-              <a:rPr lang="en-US" dirty="0" err="1"/>
-              <a:t>linux</a:t>
+              <a:t> Container</a:t>
             </a:r>
             <a:endParaRPr lang="de-AT" dirty="0"/>
           </a:p>
         </p:txBody>
       </p:sp>
-    </p:spTree>
-    <p:extLst>
-      <p:ext uri="{BB962C8B-B14F-4D97-AF65-F5344CB8AC3E}">
-        <p14:creationId xmlns:p14="http://schemas.microsoft.com/office/powerpoint/2010/main" val="3565549887"/>
-      </p:ext>
-    </p:extLst>
-  </p:cSld>
-  <p:clrMapOvr>
-    <a:masterClrMapping/>
-  </p:clrMapOvr>
-  <p:transition spd="med">
-    <p:push dir="u"/>
-  </p:transition>
-</p:sld>
-</file>
-
-<file path=ppt/slides/slide32.xml><?xml version="1.0" encoding="utf-8"?>
-<p:sld xmlns:a="http://schemas.openxmlformats.org/drawingml/2006/main" xmlns:r="http://schemas.openxmlformats.org/officeDocument/2006/relationships" xmlns:p="http://schemas.openxmlformats.org/presentationml/2006/main">
-  <p:cSld>
-    <p:spTree>
-      <p:nvGrpSpPr>
-        <p:cNvPr id="1" name=""/>
-        <p:cNvGrpSpPr/>
-        <p:nvPr/>
-      </p:nvGrpSpPr>
-      <p:grpSpPr>
-        <a:xfrm>
-          <a:off x="0" y="0"/>
-          <a:ext cx="0" cy="0"/>
-          <a:chOff x="0" y="0"/>
-          <a:chExt cx="0" cy="0"/>
-        </a:xfrm>
-      </p:grpSpPr>
-      <p:sp>
-        <p:nvSpPr>
-          <p:cNvPr id="2" name="Titel 1">
+      <p:sp>
+        <p:nvSpPr>
+          <p:cNvPr id="3" name="Inhaltsplatzhalter 2">
             <a:extLst>
               <a:ext uri="{FF2B5EF4-FFF2-40B4-BE49-F238E27FC236}">
-                <a16:creationId xmlns:a16="http://schemas.microsoft.com/office/drawing/2014/main" id="{C93FC16A-0056-4691-A8AD-550A3BFB7F84}"/>
+                <a16:creationId xmlns:a16="http://schemas.microsoft.com/office/drawing/2014/main" id="{C22BA232-BF18-48B3-A8BE-02B0915CF269}"/>
               </a:ext>
             </a:extLst>
           </p:cNvPr>
@@ -15021,7 +15088,7 @@
             <a:spLocks noGrp="1"/>
           </p:cNvSpPr>
           <p:nvPr>
-            <p:ph type="title"/>
+            <p:ph idx="1"/>
           </p:nvPr>
         </p:nvSpPr>
         <p:spPr/>
@@ -15030,172 +15097,31 @@
           <a:lstStyle/>
           <a:p>
             <a:r>
-              <a:rPr lang="en-US" dirty="0"/>
-              <a:t>posh-docker (Autocomplete)</a:t>
+              <a:rPr lang="de-AT" dirty="0"/>
+              <a:t>verfügbar als Linux-Container: </a:t>
+            </a:r>
+            <a:r>
+              <a:rPr lang="de-AT" dirty="0">
+                <a:hlinkClick r:id="rId3"/>
+              </a:rPr>
+              <a:t>https://hub.docker.com/r/microsoft/mssql-server-linux/</a:t>
             </a:r>
             <a:endParaRPr lang="de-AT" dirty="0"/>
           </a:p>
+          <a:p>
+            <a:r>
+              <a:rPr lang="de-AT" dirty="0"/>
+              <a:t>Achtung: mindestens 2GB RAM zuweisen!</a:t>
+            </a:r>
+          </a:p>
         </p:txBody>
       </p:sp>
-    </p:spTree>
-    <p:extLst>
-      <p:ext uri="{BB962C8B-B14F-4D97-AF65-F5344CB8AC3E}">
-        <p14:creationId xmlns:p14="http://schemas.microsoft.com/office/powerpoint/2010/main" val="2211710727"/>
-      </p:ext>
-    </p:extLst>
-  </p:cSld>
-  <p:clrMapOvr>
-    <a:masterClrMapping/>
-  </p:clrMapOvr>
-  <p:transition spd="med">
-    <p:push dir="u"/>
-  </p:transition>
-</p:sld>
-</file>
-
-<file path=ppt/slides/slide33.xml><?xml version="1.0" encoding="utf-8"?>
-<p:sld xmlns:a="http://schemas.openxmlformats.org/drawingml/2006/main" xmlns:r="http://schemas.openxmlformats.org/officeDocument/2006/relationships" xmlns:p="http://schemas.openxmlformats.org/presentationml/2006/main">
-  <p:cSld>
-    <p:spTree>
-      <p:nvGrpSpPr>
-        <p:cNvPr id="1" name=""/>
-        <p:cNvGrpSpPr/>
-        <p:nvPr/>
-      </p:nvGrpSpPr>
-      <p:grpSpPr>
-        <a:xfrm>
-          <a:off x="0" y="0"/>
-          <a:ext cx="0" cy="0"/>
-          <a:chOff x="0" y="0"/>
-          <a:chExt cx="0" cy="0"/>
-        </a:xfrm>
-      </p:grpSpPr>
-      <p:sp>
-        <p:nvSpPr>
-          <p:cNvPr id="2" name="Titel 1">
+      <p:sp>
+        <p:nvSpPr>
+          <p:cNvPr id="5" name="Textplatzhalter 4">
             <a:extLst>
               <a:ext uri="{FF2B5EF4-FFF2-40B4-BE49-F238E27FC236}">
-                <a16:creationId xmlns:a16="http://schemas.microsoft.com/office/drawing/2014/main" id="{191B2DF5-FB7B-4BEA-98CE-F21809BA80DE}"/>
-              </a:ext>
-            </a:extLst>
-          </p:cNvPr>
-          <p:cNvSpPr>
-            <a:spLocks noGrp="1"/>
-          </p:cNvSpPr>
-          <p:nvPr>
-            <p:ph type="title"/>
-          </p:nvPr>
-        </p:nvSpPr>
-        <p:spPr/>
-        <p:txBody>
-          <a:bodyPr/>
-          <a:lstStyle/>
-          <a:p>
-            <a:r>
-              <a:rPr lang="de-AT" dirty="0"/>
-              <a:t>Persönliche Tipps/Infos</a:t>
-            </a:r>
-          </a:p>
-        </p:txBody>
-      </p:sp>
-      <p:sp>
-        <p:nvSpPr>
-          <p:cNvPr id="3" name="Inhaltsplatzhalter 2">
-            <a:extLst>
-              <a:ext uri="{FF2B5EF4-FFF2-40B4-BE49-F238E27FC236}">
-                <a16:creationId xmlns:a16="http://schemas.microsoft.com/office/drawing/2014/main" id="{EB13BD13-8116-47ED-B5CD-B79D99BEF023}"/>
-              </a:ext>
-            </a:extLst>
-          </p:cNvPr>
-          <p:cNvSpPr>
-            <a:spLocks noGrp="1"/>
-          </p:cNvSpPr>
-          <p:nvPr>
-            <p:ph idx="1"/>
-          </p:nvPr>
-        </p:nvSpPr>
-        <p:spPr/>
-        <p:txBody>
-          <a:bodyPr>
-            <a:normAutofit lnSpcReduction="10000"/>
-          </a:bodyPr>
-          <a:lstStyle/>
-          <a:p>
-            <a:r>
-              <a:rPr lang="de-AT" dirty="0"/>
-              <a:t>Aufpassen bei Docker Updates</a:t>
-            </a:r>
-          </a:p>
-          <a:p>
-            <a:pPr lvl="1"/>
-            <a:r>
-              <a:rPr lang="de-AT" dirty="0"/>
-              <a:t>ist mittlerweile allerdings wesentlich besser</a:t>
-            </a:r>
-          </a:p>
-          <a:p>
-            <a:r>
-              <a:rPr lang="de-AT" i="1" dirty="0" err="1"/>
-              <a:t>Shared</a:t>
-            </a:r>
-            <a:r>
-              <a:rPr lang="de-AT" i="1" dirty="0"/>
-              <a:t> Drives</a:t>
-            </a:r>
-            <a:r>
-              <a:rPr lang="de-AT" dirty="0"/>
-              <a:t> nicht vergessen freizugeben</a:t>
-            </a:r>
-          </a:p>
-          <a:p>
-            <a:r>
-              <a:rPr lang="de-AT" dirty="0"/>
-              <a:t>Aufpassen bei Netzwerkinterfaces im Container (</a:t>
-            </a:r>
-            <a:r>
-              <a:rPr lang="de-AT" sz="2400" dirty="0">
-                <a:latin typeface="Fira Code" panose="020B0509050000020004" pitchFamily="49" charset="0"/>
-                <a:ea typeface="Fira Code" panose="020B0509050000020004" pitchFamily="49" charset="0"/>
-              </a:rPr>
-              <a:t>0.0.0.0</a:t>
-            </a:r>
-            <a:r>
-              <a:rPr lang="de-AT" dirty="0"/>
-              <a:t>)</a:t>
-            </a:r>
-          </a:p>
-          <a:p>
-            <a:r>
-              <a:rPr lang="de-AT" dirty="0"/>
-              <a:t>File-Watches funktionieren (noch) nicht</a:t>
-            </a:r>
-          </a:p>
-          <a:p>
-            <a:r>
-              <a:rPr lang="de-AT" dirty="0"/>
-              <a:t>Container eignen sich leider nicht/nur schwer um zeitzonenabhängiges Verhalten zu testen</a:t>
-            </a:r>
-          </a:p>
-          <a:p>
-            <a:r>
-              <a:rPr lang="de-AT" dirty="0"/>
-              <a:t>saubere Benennung mit Tags ist sehr wichtig</a:t>
-            </a:r>
-          </a:p>
-          <a:p>
-            <a:r>
-              <a:rPr lang="de-AT" dirty="0"/>
-              <a:t>Benutzer in Containern</a:t>
-            </a:r>
-          </a:p>
-        </p:txBody>
-      </p:sp>
-      <p:sp>
-        <p:nvSpPr>
-          <p:cNvPr id="4" name="Textplatzhalter 3">
-            <a:extLst>
-              <a:ext uri="{FF2B5EF4-FFF2-40B4-BE49-F238E27FC236}">
-                <a16:creationId xmlns:a16="http://schemas.microsoft.com/office/drawing/2014/main" id="{FF568BD7-AF10-4A48-BD6D-5EFA26FF8EB9}"/>
+                <a16:creationId xmlns:a16="http://schemas.microsoft.com/office/drawing/2014/main" id="{B6DED608-5BFB-430F-902D-C663A8DC6510}"/>
               </a:ext>
             </a:extLst>
           </p:cNvPr>
@@ -15224,10 +15150,201 @@
           </a:p>
         </p:txBody>
       </p:sp>
+      <p:sp>
+        <p:nvSpPr>
+          <p:cNvPr id="4" name="Rechteck 3">
+            <a:extLst>
+              <a:ext uri="{FF2B5EF4-FFF2-40B4-BE49-F238E27FC236}">
+                <a16:creationId xmlns:a16="http://schemas.microsoft.com/office/drawing/2014/main" id="{7A20EC9F-C9E8-4D1B-A5BE-80EA481A6BEE}"/>
+              </a:ext>
+            </a:extLst>
+          </p:cNvPr>
+          <p:cNvSpPr/>
+          <p:nvPr/>
+        </p:nvSpPr>
+        <p:spPr>
+          <a:xfrm>
+            <a:off x="984554" y="4117750"/>
+            <a:ext cx="7090934" cy="1938992"/>
+          </a:xfrm>
+          <a:prstGeom prst="rect">
+            <a:avLst/>
+          </a:prstGeom>
+        </p:spPr>
+        <p:txBody>
+          <a:bodyPr wrap="square">
+            <a:spAutoFit/>
+          </a:bodyPr>
+          <a:lstStyle/>
+          <a:p>
+            <a:r>
+              <a:rPr lang="de-AT" sz="2000" dirty="0" err="1">
+                <a:solidFill>
+                  <a:srgbClr val="333333"/>
+                </a:solidFill>
+                <a:latin typeface="Fira Code" panose="020B0509050000020004" pitchFamily="49" charset="0"/>
+                <a:ea typeface="Fira Code" panose="020B0509050000020004" pitchFamily="49" charset="0"/>
+              </a:rPr>
+              <a:t>docker</a:t>
+            </a:r>
+            <a:r>
+              <a:rPr lang="de-AT" sz="2000" dirty="0">
+                <a:solidFill>
+                  <a:srgbClr val="333333"/>
+                </a:solidFill>
+                <a:latin typeface="Fira Code" panose="020B0509050000020004" pitchFamily="49" charset="0"/>
+                <a:ea typeface="Fira Code" panose="020B0509050000020004" pitchFamily="49" charset="0"/>
+              </a:rPr>
+              <a:t> </a:t>
+            </a:r>
+            <a:r>
+              <a:rPr lang="de-AT" sz="2000" dirty="0" err="1">
+                <a:solidFill>
+                  <a:srgbClr val="333333"/>
+                </a:solidFill>
+                <a:latin typeface="Fira Code" panose="020B0509050000020004" pitchFamily="49" charset="0"/>
+                <a:ea typeface="Fira Code" panose="020B0509050000020004" pitchFamily="49" charset="0"/>
+              </a:rPr>
+              <a:t>run</a:t>
+            </a:r>
+            <a:endParaRPr lang="de-AT" sz="2000" dirty="0">
+              <a:solidFill>
+                <a:srgbClr val="333333"/>
+              </a:solidFill>
+              <a:latin typeface="Fira Code" panose="020B0509050000020004" pitchFamily="49" charset="0"/>
+              <a:ea typeface="Fira Code" panose="020B0509050000020004" pitchFamily="49" charset="0"/>
+            </a:endParaRPr>
+          </a:p>
+          <a:p>
+            <a:r>
+              <a:rPr lang="de-AT" sz="2000" dirty="0">
+                <a:solidFill>
+                  <a:srgbClr val="333333"/>
+                </a:solidFill>
+                <a:latin typeface="Fira Code" panose="020B0509050000020004" pitchFamily="49" charset="0"/>
+                <a:ea typeface="Fira Code" panose="020B0509050000020004" pitchFamily="49" charset="0"/>
+              </a:rPr>
+              <a:t>	-d</a:t>
+            </a:r>
+          </a:p>
+          <a:p>
+            <a:r>
+              <a:rPr lang="de-AT" sz="2000" dirty="0">
+                <a:solidFill>
+                  <a:srgbClr val="333333"/>
+                </a:solidFill>
+                <a:latin typeface="Fira Code" panose="020B0509050000020004" pitchFamily="49" charset="0"/>
+                <a:ea typeface="Fira Code" panose="020B0509050000020004" pitchFamily="49" charset="0"/>
+              </a:rPr>
+              <a:t>	-e 'ACCEPT_EULA=Y‘</a:t>
+            </a:r>
+          </a:p>
+          <a:p>
+            <a:r>
+              <a:rPr lang="de-AT" sz="2000" dirty="0">
+                <a:solidFill>
+                  <a:srgbClr val="333333"/>
+                </a:solidFill>
+                <a:latin typeface="Fira Code" panose="020B0509050000020004" pitchFamily="49" charset="0"/>
+                <a:ea typeface="Fira Code" panose="020B0509050000020004" pitchFamily="49" charset="0"/>
+              </a:rPr>
+              <a:t>	-e 'SA_PASSWORD=&lt;</a:t>
+            </a:r>
+            <a:r>
+              <a:rPr lang="de-AT" sz="2000" dirty="0" err="1">
+                <a:solidFill>
+                  <a:srgbClr val="333333"/>
+                </a:solidFill>
+                <a:latin typeface="Fira Code" panose="020B0509050000020004" pitchFamily="49" charset="0"/>
+                <a:ea typeface="Fira Code" panose="020B0509050000020004" pitchFamily="49" charset="0"/>
+              </a:rPr>
+              <a:t>password</a:t>
+            </a:r>
+            <a:r>
+              <a:rPr lang="de-AT" sz="2000" dirty="0">
+                <a:solidFill>
+                  <a:srgbClr val="333333"/>
+                </a:solidFill>
+                <a:latin typeface="Fira Code" panose="020B0509050000020004" pitchFamily="49" charset="0"/>
+                <a:ea typeface="Fira Code" panose="020B0509050000020004" pitchFamily="49" charset="0"/>
+              </a:rPr>
+              <a:t>&gt;‘</a:t>
+            </a:r>
+          </a:p>
+          <a:p>
+            <a:r>
+              <a:rPr lang="de-AT" sz="2000" dirty="0">
+                <a:solidFill>
+                  <a:srgbClr val="333333"/>
+                </a:solidFill>
+                <a:latin typeface="Fira Code" panose="020B0509050000020004" pitchFamily="49" charset="0"/>
+                <a:ea typeface="Fira Code" panose="020B0509050000020004" pitchFamily="49" charset="0"/>
+              </a:rPr>
+              <a:t>	-p 1433:1433</a:t>
+            </a:r>
+          </a:p>
+          <a:p>
+            <a:r>
+              <a:rPr lang="de-AT" sz="2000" dirty="0">
+                <a:solidFill>
+                  <a:srgbClr val="333333"/>
+                </a:solidFill>
+                <a:latin typeface="Fira Code" panose="020B0509050000020004" pitchFamily="49" charset="0"/>
+                <a:ea typeface="Fira Code" panose="020B0509050000020004" pitchFamily="49" charset="0"/>
+              </a:rPr>
+              <a:t>	</a:t>
+            </a:r>
+            <a:r>
+              <a:rPr lang="de-AT" sz="2000" dirty="0" err="1">
+                <a:solidFill>
+                  <a:srgbClr val="333333"/>
+                </a:solidFill>
+                <a:latin typeface="Fira Code" panose="020B0509050000020004" pitchFamily="49" charset="0"/>
+                <a:ea typeface="Fira Code" panose="020B0509050000020004" pitchFamily="49" charset="0"/>
+              </a:rPr>
+              <a:t>microsoft</a:t>
+            </a:r>
+            <a:r>
+              <a:rPr lang="de-AT" sz="2000" dirty="0">
+                <a:solidFill>
+                  <a:srgbClr val="333333"/>
+                </a:solidFill>
+                <a:latin typeface="Fira Code" panose="020B0509050000020004" pitchFamily="49" charset="0"/>
+                <a:ea typeface="Fira Code" panose="020B0509050000020004" pitchFamily="49" charset="0"/>
+              </a:rPr>
+              <a:t>/</a:t>
+            </a:r>
+            <a:r>
+              <a:rPr lang="de-AT" sz="2000" dirty="0" err="1">
+                <a:solidFill>
+                  <a:srgbClr val="333333"/>
+                </a:solidFill>
+                <a:latin typeface="Fira Code" panose="020B0509050000020004" pitchFamily="49" charset="0"/>
+                <a:ea typeface="Fira Code" panose="020B0509050000020004" pitchFamily="49" charset="0"/>
+              </a:rPr>
+              <a:t>mssql</a:t>
+            </a:r>
+            <a:r>
+              <a:rPr lang="de-AT" sz="2000" dirty="0">
+                <a:solidFill>
+                  <a:srgbClr val="333333"/>
+                </a:solidFill>
+                <a:latin typeface="Fira Code" panose="020B0509050000020004" pitchFamily="49" charset="0"/>
+                <a:ea typeface="Fira Code" panose="020B0509050000020004" pitchFamily="49" charset="0"/>
+              </a:rPr>
+              <a:t>-server-linux</a:t>
+            </a:r>
+            <a:endParaRPr lang="de-AT" sz="2000" dirty="0">
+              <a:latin typeface="Fira Code" panose="020B0509050000020004" pitchFamily="49" charset="0"/>
+              <a:ea typeface="Fira Code" panose="020B0509050000020004" pitchFamily="49" charset="0"/>
+            </a:endParaRPr>
+          </a:p>
+        </p:txBody>
+      </p:sp>
     </p:spTree>
     <p:extLst>
       <p:ext uri="{BB962C8B-B14F-4D97-AF65-F5344CB8AC3E}">
-        <p14:creationId xmlns:p14="http://schemas.microsoft.com/office/powerpoint/2010/main" val="336536112"/>
+        <p14:creationId xmlns:p14="http://schemas.microsoft.com/office/powerpoint/2010/main" val="1842695246"/>
       </p:ext>
     </p:extLst>
   </p:cSld>
@@ -15300,15 +15417,33 @@
                                   </p:childTnLst>
                                 </p:cTn>
                               </p:par>
+                            </p:childTnLst>
+                          </p:cTn>
+                        </p:par>
+                      </p:childTnLst>
+                    </p:cTn>
+                  </p:par>
+                  <p:par>
+                    <p:cTn id="8" fill="hold">
+                      <p:stCondLst>
+                        <p:cond delay="indefinite"/>
+                      </p:stCondLst>
+                      <p:childTnLst>
+                        <p:par>
+                          <p:cTn id="9" fill="hold">
+                            <p:stCondLst>
+                              <p:cond delay="0"/>
+                            </p:stCondLst>
+                            <p:childTnLst>
                               <p:par>
-                                <p:cTn id="8" presetID="10" presetClass="entr" presetSubtype="0" fill="hold" grpId="0" nodeType="withEffect">
+                                <p:cTn id="10" presetID="10" presetClass="entr" presetSubtype="0" fill="hold" grpId="0" nodeType="clickEffect">
                                   <p:stCondLst>
                                     <p:cond delay="0"/>
                                   </p:stCondLst>
                                   <p:childTnLst>
                                     <p:set>
                                       <p:cBhvr>
-                                        <p:cTn id="9" dur="1" fill="hold">
+                                        <p:cTn id="11" dur="1" fill="hold">
                                           <p:stCondLst>
                                             <p:cond delay="0"/>
                                           </p:stCondLst>
@@ -15330,7 +15465,7 @@
                                     </p:set>
                                     <p:animEffect transition="in" filter="fade">
                                       <p:cBhvr>
-                                        <p:cTn id="10" dur="250"/>
+                                        <p:cTn id="12" dur="250"/>
                                         <p:tgtEl>
                                           <p:spTgt spid="3">
                                             <p:txEl>
@@ -15350,36 +15485,32 @@
                     </p:cTn>
                   </p:par>
                   <p:par>
-                    <p:cTn id="11" fill="hold">
+                    <p:cTn id="13" fill="hold">
                       <p:stCondLst>
                         <p:cond delay="indefinite"/>
                       </p:stCondLst>
                       <p:childTnLst>
                         <p:par>
-                          <p:cTn id="12" fill="hold">
+                          <p:cTn id="14" fill="hold">
                             <p:stCondLst>
                               <p:cond delay="0"/>
                             </p:stCondLst>
                             <p:childTnLst>
                               <p:par>
-                                <p:cTn id="13" presetID="10" presetClass="entr" presetSubtype="0" fill="hold" grpId="0" nodeType="clickEffect">
+                                <p:cTn id="15" presetID="10" presetClass="entr" presetSubtype="0" fill="hold" grpId="0" nodeType="clickEffect">
                                   <p:stCondLst>
                                     <p:cond delay="0"/>
                                   </p:stCondLst>
                                   <p:childTnLst>
                                     <p:set>
                                       <p:cBhvr>
-                                        <p:cTn id="14" dur="1" fill="hold">
+                                        <p:cTn id="16" dur="1" fill="hold">
                                           <p:stCondLst>
                                             <p:cond delay="0"/>
                                           </p:stCondLst>
                                         </p:cTn>
                                         <p:tgtEl>
-                                          <p:spTgt spid="3">
-                                            <p:txEl>
-                                              <p:pRg st="2" end="2"/>
-                                            </p:txEl>
-                                          </p:spTgt>
+                                          <p:spTgt spid="4"/>
                                         </p:tgtEl>
                                         <p:attrNameLst>
                                           <p:attrName>style.visibility</p:attrName>
@@ -15391,318 +15522,9 @@
                                     </p:set>
                                     <p:animEffect transition="in" filter="fade">
                                       <p:cBhvr>
-                                        <p:cTn id="15" dur="250"/>
-                                        <p:tgtEl>
-                                          <p:spTgt spid="3">
-                                            <p:txEl>
-                                              <p:pRg st="2" end="2"/>
-                                            </p:txEl>
-                                          </p:spTgt>
-                                        </p:tgtEl>
-                                      </p:cBhvr>
-                                    </p:animEffect>
-                                  </p:childTnLst>
-                                </p:cTn>
-                              </p:par>
-                            </p:childTnLst>
-                          </p:cTn>
-                        </p:par>
-                      </p:childTnLst>
-                    </p:cTn>
-                  </p:par>
-                  <p:par>
-                    <p:cTn id="16" fill="hold">
-                      <p:stCondLst>
-                        <p:cond delay="indefinite"/>
-                      </p:stCondLst>
-                      <p:childTnLst>
-                        <p:par>
-                          <p:cTn id="17" fill="hold">
-                            <p:stCondLst>
-                              <p:cond delay="0"/>
-                            </p:stCondLst>
-                            <p:childTnLst>
-                              <p:par>
-                                <p:cTn id="18" presetID="10" presetClass="entr" presetSubtype="0" fill="hold" grpId="0" nodeType="clickEffect">
-                                  <p:stCondLst>
-                                    <p:cond delay="0"/>
-                                  </p:stCondLst>
-                                  <p:childTnLst>
-                                    <p:set>
-                                      <p:cBhvr>
-                                        <p:cTn id="19" dur="1" fill="hold">
-                                          <p:stCondLst>
-                                            <p:cond delay="0"/>
-                                          </p:stCondLst>
-                                        </p:cTn>
-                                        <p:tgtEl>
-                                          <p:spTgt spid="3">
-                                            <p:txEl>
-                                              <p:pRg st="3" end="3"/>
-                                            </p:txEl>
-                                          </p:spTgt>
-                                        </p:tgtEl>
-                                        <p:attrNameLst>
-                                          <p:attrName>style.visibility</p:attrName>
-                                        </p:attrNameLst>
-                                      </p:cBhvr>
-                                      <p:to>
-                                        <p:strVal val="visible"/>
-                                      </p:to>
-                                    </p:set>
-                                    <p:animEffect transition="in" filter="fade">
-                                      <p:cBhvr>
-                                        <p:cTn id="20" dur="250"/>
-                                        <p:tgtEl>
-                                          <p:spTgt spid="3">
-                                            <p:txEl>
-                                              <p:pRg st="3" end="3"/>
-                                            </p:txEl>
-                                          </p:spTgt>
-                                        </p:tgtEl>
-                                      </p:cBhvr>
-                                    </p:animEffect>
-                                  </p:childTnLst>
-                                </p:cTn>
-                              </p:par>
-                            </p:childTnLst>
-                          </p:cTn>
-                        </p:par>
-                      </p:childTnLst>
-                    </p:cTn>
-                  </p:par>
-                  <p:par>
-                    <p:cTn id="21" fill="hold">
-                      <p:stCondLst>
-                        <p:cond delay="indefinite"/>
-                      </p:stCondLst>
-                      <p:childTnLst>
-                        <p:par>
-                          <p:cTn id="22" fill="hold">
-                            <p:stCondLst>
-                              <p:cond delay="0"/>
-                            </p:stCondLst>
-                            <p:childTnLst>
-                              <p:par>
-                                <p:cTn id="23" presetID="10" presetClass="entr" presetSubtype="0" fill="hold" grpId="0" nodeType="clickEffect">
-                                  <p:stCondLst>
-                                    <p:cond delay="0"/>
-                                  </p:stCondLst>
-                                  <p:childTnLst>
-                                    <p:set>
-                                      <p:cBhvr>
-                                        <p:cTn id="24" dur="1" fill="hold">
-                                          <p:stCondLst>
-                                            <p:cond delay="0"/>
-                                          </p:stCondLst>
-                                        </p:cTn>
-                                        <p:tgtEl>
-                                          <p:spTgt spid="3">
-                                            <p:txEl>
-                                              <p:pRg st="4" end="4"/>
-                                            </p:txEl>
-                                          </p:spTgt>
-                                        </p:tgtEl>
-                                        <p:attrNameLst>
-                                          <p:attrName>style.visibility</p:attrName>
-                                        </p:attrNameLst>
-                                      </p:cBhvr>
-                                      <p:to>
-                                        <p:strVal val="visible"/>
-                                      </p:to>
-                                    </p:set>
-                                    <p:animEffect transition="in" filter="fade">
-                                      <p:cBhvr>
-                                        <p:cTn id="25" dur="250"/>
-                                        <p:tgtEl>
-                                          <p:spTgt spid="3">
-                                            <p:txEl>
-                                              <p:pRg st="4" end="4"/>
-                                            </p:txEl>
-                                          </p:spTgt>
-                                        </p:tgtEl>
-                                      </p:cBhvr>
-                                    </p:animEffect>
-                                  </p:childTnLst>
-                                </p:cTn>
-                              </p:par>
-                            </p:childTnLst>
-                          </p:cTn>
-                        </p:par>
-                      </p:childTnLst>
-                    </p:cTn>
-                  </p:par>
-                  <p:par>
-                    <p:cTn id="26" fill="hold">
-                      <p:stCondLst>
-                        <p:cond delay="indefinite"/>
-                      </p:stCondLst>
-                      <p:childTnLst>
-                        <p:par>
-                          <p:cTn id="27" fill="hold">
-                            <p:stCondLst>
-                              <p:cond delay="0"/>
-                            </p:stCondLst>
-                            <p:childTnLst>
-                              <p:par>
-                                <p:cTn id="28" presetID="10" presetClass="entr" presetSubtype="0" fill="hold" grpId="0" nodeType="clickEffect">
-                                  <p:stCondLst>
-                                    <p:cond delay="0"/>
-                                  </p:stCondLst>
-                                  <p:childTnLst>
-                                    <p:set>
-                                      <p:cBhvr>
-                                        <p:cTn id="29" dur="1" fill="hold">
-                                          <p:stCondLst>
-                                            <p:cond delay="0"/>
-                                          </p:stCondLst>
-                                        </p:cTn>
-                                        <p:tgtEl>
-                                          <p:spTgt spid="3">
-                                            <p:txEl>
-                                              <p:pRg st="5" end="5"/>
-                                            </p:txEl>
-                                          </p:spTgt>
-                                        </p:tgtEl>
-                                        <p:attrNameLst>
-                                          <p:attrName>style.visibility</p:attrName>
-                                        </p:attrNameLst>
-                                      </p:cBhvr>
-                                      <p:to>
-                                        <p:strVal val="visible"/>
-                                      </p:to>
-                                    </p:set>
-                                    <p:animEffect transition="in" filter="fade">
-                                      <p:cBhvr>
-                                        <p:cTn id="30" dur="250"/>
-                                        <p:tgtEl>
-                                          <p:spTgt spid="3">
-                                            <p:txEl>
-                                              <p:pRg st="5" end="5"/>
-                                            </p:txEl>
-                                          </p:spTgt>
-                                        </p:tgtEl>
-                                      </p:cBhvr>
-                                    </p:animEffect>
-                                  </p:childTnLst>
-                                </p:cTn>
-                              </p:par>
-                            </p:childTnLst>
-                          </p:cTn>
-                        </p:par>
-                      </p:childTnLst>
-                    </p:cTn>
-                  </p:par>
-                  <p:par>
-                    <p:cTn id="31" fill="hold">
-                      <p:stCondLst>
-                        <p:cond delay="indefinite"/>
-                      </p:stCondLst>
-                      <p:childTnLst>
-                        <p:par>
-                          <p:cTn id="32" fill="hold">
-                            <p:stCondLst>
-                              <p:cond delay="0"/>
-                            </p:stCondLst>
-                            <p:childTnLst>
-                              <p:par>
-                                <p:cTn id="33" presetID="10" presetClass="entr" presetSubtype="0" fill="hold" grpId="0" nodeType="clickEffect">
-                                  <p:stCondLst>
-                                    <p:cond delay="0"/>
-                                  </p:stCondLst>
-                                  <p:childTnLst>
-                                    <p:set>
-                                      <p:cBhvr>
-                                        <p:cTn id="34" dur="1" fill="hold">
-                                          <p:stCondLst>
-                                            <p:cond delay="0"/>
-                                          </p:stCondLst>
-                                        </p:cTn>
-                                        <p:tgtEl>
-                                          <p:spTgt spid="3">
-                                            <p:txEl>
-                                              <p:pRg st="6" end="6"/>
-                                            </p:txEl>
-                                          </p:spTgt>
-                                        </p:tgtEl>
-                                        <p:attrNameLst>
-                                          <p:attrName>style.visibility</p:attrName>
-                                        </p:attrNameLst>
-                                      </p:cBhvr>
-                                      <p:to>
-                                        <p:strVal val="visible"/>
-                                      </p:to>
-                                    </p:set>
-                                    <p:animEffect transition="in" filter="fade">
-                                      <p:cBhvr>
-                                        <p:cTn id="35" dur="250"/>
-                                        <p:tgtEl>
-                                          <p:spTgt spid="3">
-                                            <p:txEl>
-                                              <p:pRg st="6" end="6"/>
-                                            </p:txEl>
-                                          </p:spTgt>
-                                        </p:tgtEl>
-                                      </p:cBhvr>
-                                    </p:animEffect>
-                                  </p:childTnLst>
-                                </p:cTn>
-                              </p:par>
-                            </p:childTnLst>
-                          </p:cTn>
-                        </p:par>
-                      </p:childTnLst>
-                    </p:cTn>
-                  </p:par>
-                  <p:par>
-                    <p:cTn id="36" fill="hold">
-                      <p:stCondLst>
-                        <p:cond delay="indefinite"/>
-                      </p:stCondLst>
-                      <p:childTnLst>
-                        <p:par>
-                          <p:cTn id="37" fill="hold">
-                            <p:stCondLst>
-                              <p:cond delay="0"/>
-                            </p:stCondLst>
-                            <p:childTnLst>
-                              <p:par>
-                                <p:cTn id="38" presetID="10" presetClass="entr" presetSubtype="0" fill="hold" grpId="0" nodeType="clickEffect">
-                                  <p:stCondLst>
-                                    <p:cond delay="0"/>
-                                  </p:stCondLst>
-                                  <p:childTnLst>
-                                    <p:set>
-                                      <p:cBhvr>
-                                        <p:cTn id="39" dur="1" fill="hold">
-                                          <p:stCondLst>
-                                            <p:cond delay="0"/>
-                                          </p:stCondLst>
-                                        </p:cTn>
-                                        <p:tgtEl>
-                                          <p:spTgt spid="3">
-                                            <p:txEl>
-                                              <p:pRg st="7" end="7"/>
-                                            </p:txEl>
-                                          </p:spTgt>
-                                        </p:tgtEl>
-                                        <p:attrNameLst>
-                                          <p:attrName>style.visibility</p:attrName>
-                                        </p:attrNameLst>
-                                      </p:cBhvr>
-                                      <p:to>
-                                        <p:strVal val="visible"/>
-                                      </p:to>
-                                    </p:set>
-                                    <p:animEffect transition="in" filter="fade">
-                                      <p:cBhvr>
-                                        <p:cTn id="40" dur="250"/>
-                                        <p:tgtEl>
-                                          <p:spTgt spid="3">
-                                            <p:txEl>
-                                              <p:pRg st="7" end="7"/>
-                                            </p:txEl>
-                                          </p:spTgt>
+                                        <p:cTn id="17" dur="250"/>
+                                        <p:tgtEl>
+                                          <p:spTgt spid="4"/>
                                         </p:tgtEl>
                                       </p:cBhvr>
                                     </p:animEffect>
@@ -15738,8 +15560,149 @@
     </p:tnLst>
     <p:bldLst>
       <p:bldP spid="3" grpId="0" build="p"/>
+      <p:bldP spid="4" grpId="0"/>
     </p:bldLst>
   </p:timing>
+</p:sld>
+</file>
+
+<file path=ppt/slides/slide32.xml><?xml version="1.0" encoding="utf-8"?>
+<p:sld xmlns:a="http://schemas.openxmlformats.org/drawingml/2006/main" xmlns:r="http://schemas.openxmlformats.org/officeDocument/2006/relationships" xmlns:p="http://schemas.openxmlformats.org/presentationml/2006/main">
+  <p:cSld>
+    <p:spTree>
+      <p:nvGrpSpPr>
+        <p:cNvPr id="1" name=""/>
+        <p:cNvGrpSpPr/>
+        <p:nvPr/>
+      </p:nvGrpSpPr>
+      <p:grpSpPr>
+        <a:xfrm>
+          <a:off x="0" y="0"/>
+          <a:ext cx="0" cy="0"/>
+          <a:chOff x="0" y="0"/>
+          <a:chExt cx="0" cy="0"/>
+        </a:xfrm>
+      </p:grpSpPr>
+      <p:sp>
+        <p:nvSpPr>
+          <p:cNvPr id="2" name="Titel 1">
+            <a:extLst>
+              <a:ext uri="{FF2B5EF4-FFF2-40B4-BE49-F238E27FC236}">
+                <a16:creationId xmlns:a16="http://schemas.microsoft.com/office/drawing/2014/main" id="{55550D51-02E3-482A-A65E-64408538A51E}"/>
+              </a:ext>
+            </a:extLst>
+          </p:cNvPr>
+          <p:cNvSpPr>
+            <a:spLocks noGrp="1"/>
+          </p:cNvSpPr>
+          <p:nvPr>
+            <p:ph type="title"/>
+          </p:nvPr>
+        </p:nvSpPr>
+        <p:spPr/>
+        <p:txBody>
+          <a:bodyPr/>
+          <a:lstStyle/>
+          <a:p>
+            <a:r>
+              <a:rPr lang="en-US" dirty="0" err="1"/>
+              <a:t>microsoft</a:t>
+            </a:r>
+            <a:r>
+              <a:rPr lang="en-US" dirty="0"/>
+              <a:t>/</a:t>
+            </a:r>
+            <a:r>
+              <a:rPr lang="en-US" dirty="0" err="1"/>
+              <a:t>mssql</a:t>
+            </a:r>
+            <a:r>
+              <a:rPr lang="en-US" dirty="0"/>
+              <a:t>-server-</a:t>
+            </a:r>
+            <a:r>
+              <a:rPr lang="en-US" dirty="0" err="1"/>
+              <a:t>linux</a:t>
+            </a:r>
+            <a:endParaRPr lang="de-AT" dirty="0"/>
+          </a:p>
+        </p:txBody>
+      </p:sp>
+    </p:spTree>
+    <p:extLst>
+      <p:ext uri="{BB962C8B-B14F-4D97-AF65-F5344CB8AC3E}">
+        <p14:creationId xmlns:p14="http://schemas.microsoft.com/office/powerpoint/2010/main" val="3565549887"/>
+      </p:ext>
+    </p:extLst>
+  </p:cSld>
+  <p:clrMapOvr>
+    <a:masterClrMapping/>
+  </p:clrMapOvr>
+  <p:transition spd="med">
+    <p:push dir="u"/>
+  </p:transition>
+</p:sld>
+</file>
+
+<file path=ppt/slides/slide33.xml><?xml version="1.0" encoding="utf-8"?>
+<p:sld xmlns:a="http://schemas.openxmlformats.org/drawingml/2006/main" xmlns:r="http://schemas.openxmlformats.org/officeDocument/2006/relationships" xmlns:p="http://schemas.openxmlformats.org/presentationml/2006/main">
+  <p:cSld>
+    <p:spTree>
+      <p:nvGrpSpPr>
+        <p:cNvPr id="1" name=""/>
+        <p:cNvGrpSpPr/>
+        <p:nvPr/>
+      </p:nvGrpSpPr>
+      <p:grpSpPr>
+        <a:xfrm>
+          <a:off x="0" y="0"/>
+          <a:ext cx="0" cy="0"/>
+          <a:chOff x="0" y="0"/>
+          <a:chExt cx="0" cy="0"/>
+        </a:xfrm>
+      </p:grpSpPr>
+      <p:sp>
+        <p:nvSpPr>
+          <p:cNvPr id="2" name="Titel 1">
+            <a:extLst>
+              <a:ext uri="{FF2B5EF4-FFF2-40B4-BE49-F238E27FC236}">
+                <a16:creationId xmlns:a16="http://schemas.microsoft.com/office/drawing/2014/main" id="{C93FC16A-0056-4691-A8AD-550A3BFB7F84}"/>
+              </a:ext>
+            </a:extLst>
+          </p:cNvPr>
+          <p:cNvSpPr>
+            <a:spLocks noGrp="1"/>
+          </p:cNvSpPr>
+          <p:nvPr>
+            <p:ph type="title"/>
+          </p:nvPr>
+        </p:nvSpPr>
+        <p:spPr/>
+        <p:txBody>
+          <a:bodyPr/>
+          <a:lstStyle/>
+          <a:p>
+            <a:r>
+              <a:rPr lang="en-US" dirty="0"/>
+              <a:t>posh-docker (Autocomplete)</a:t>
+            </a:r>
+            <a:endParaRPr lang="de-AT" dirty="0"/>
+          </a:p>
+        </p:txBody>
+      </p:sp>
+    </p:spTree>
+    <p:extLst>
+      <p:ext uri="{BB962C8B-B14F-4D97-AF65-F5344CB8AC3E}">
+        <p14:creationId xmlns:p14="http://schemas.microsoft.com/office/powerpoint/2010/main" val="2211710727"/>
+      </p:ext>
+    </p:extLst>
+  </p:cSld>
+  <p:clrMapOvr>
+    <a:masterClrMapping/>
+  </p:clrMapOvr>
+  <p:transition spd="med">
+    <p:push dir="u"/>
+  </p:transition>
 </p:sld>
 </file>
 
@@ -16419,7 +16382,7 @@
           <p:cNvPr id="2" name="Titel 1">
             <a:extLst>
               <a:ext uri="{FF2B5EF4-FFF2-40B4-BE49-F238E27FC236}">
-                <a16:creationId xmlns:a16="http://schemas.microsoft.com/office/drawing/2014/main" id="{5E2FF424-FD30-4C74-B991-81598ACB7387}"/>
+                <a16:creationId xmlns:a16="http://schemas.microsoft.com/office/drawing/2014/main" id="{4181C2B7-9A1C-4EDC-B4D8-4225FA19F77F}"/>
               </a:ext>
             </a:extLst>
           </p:cNvPr>
@@ -16432,12 +16395,14 @@
         </p:nvSpPr>
         <p:spPr/>
         <p:txBody>
-          <a:bodyPr/>
+          <a:bodyPr>
+            <a:normAutofit fontScale="90000"/>
+          </a:bodyPr>
           <a:lstStyle/>
           <a:p>
             <a:r>
               <a:rPr lang="de-AT" dirty="0"/>
-              <a:t>Verwalten von vielen Containern</a:t>
+              <a:t>Weitere Anwendungsmöglichkeiten für Softwareentwickler</a:t>
             </a:r>
           </a:p>
         </p:txBody>
@@ -16447,7 +16412,7 @@
           <p:cNvPr id="3" name="Inhaltsplatzhalter 2">
             <a:extLst>
               <a:ext uri="{FF2B5EF4-FFF2-40B4-BE49-F238E27FC236}">
-                <a16:creationId xmlns:a16="http://schemas.microsoft.com/office/drawing/2014/main" id="{B3653710-6D80-45FB-BD80-384CCFB71302}"/>
+                <a16:creationId xmlns:a16="http://schemas.microsoft.com/office/drawing/2014/main" id="{FAEAB867-41DF-4962-8B38-CCDA0F4220E3}"/>
               </a:ext>
             </a:extLst>
           </p:cNvPr>
@@ -16460,53 +16425,78 @@
         </p:nvSpPr>
         <p:spPr/>
         <p:txBody>
-          <a:bodyPr/>
+          <a:bodyPr>
+            <a:normAutofit lnSpcReduction="10000"/>
+          </a:bodyPr>
           <a:lstStyle/>
           <a:p>
             <a:r>
               <a:rPr lang="de-AT" dirty="0"/>
-              <a:t>Einzelne Container lassen sich leicht verwalten, doch wie geht man mit einer Vielzahl von Containern um?</a:t>
+              <a:t>Softwareevaluierung</a:t>
             </a:r>
           </a:p>
           <a:p>
             <a:r>
               <a:rPr lang="de-AT" dirty="0"/>
-              <a:t>Orchestrierungssysteme</a:t>
+              <a:t>Plattformunabhängige CLI-Anwendungen</a:t>
+            </a:r>
+          </a:p>
+          <a:p>
+            <a:r>
+              <a:rPr lang="de-AT" dirty="0"/>
+              <a:t>Containerbasierte Integrationstests</a:t>
+            </a:r>
+          </a:p>
+          <a:p>
+            <a:r>
+              <a:rPr lang="de-AT" dirty="0"/>
+              <a:t>Plattformübergreifende Übersetzung</a:t>
+            </a:r>
+          </a:p>
+          <a:p>
+            <a:r>
+              <a:rPr lang="de-AT" dirty="0"/>
+              <a:t>IDE in a Container</a:t>
+            </a:r>
+          </a:p>
+          <a:p>
+            <a:r>
+              <a:rPr lang="de-AT" dirty="0"/>
+              <a:t>Deterministische </a:t>
+            </a:r>
+            <a:r>
+              <a:rPr lang="de-AT" dirty="0" err="1"/>
+              <a:t>Build</a:t>
+            </a:r>
+            <a:r>
+              <a:rPr lang="de-AT" dirty="0"/>
+              <a:t>-Systeme</a:t>
             </a:r>
           </a:p>
           <a:p>
             <a:pPr lvl="1"/>
             <a:r>
+              <a:rPr lang="de-AT" dirty="0">
+                <a:hlinkClick r:id="rId3"/>
+              </a:rPr>
+              <a:t>https://github.com/softawaregmbh/docker-webdev</a:t>
+            </a:r>
+            <a:endParaRPr lang="de-AT" dirty="0"/>
+          </a:p>
+          <a:p>
+            <a:pPr lvl="1"/>
+            <a:endParaRPr lang="en-US" dirty="0"/>
+          </a:p>
+          <a:p>
+            <a:r>
               <a:rPr lang="de-AT" dirty="0"/>
-              <a:t>Docker </a:t>
-            </a:r>
-            <a:r>
-              <a:rPr lang="de-AT" dirty="0" err="1"/>
-              <a:t>Swarm</a:t>
+              <a:t>Produktivsysteme</a:t>
+            </a:r>
+            <a:r>
+              <a:rPr lang="en-US" dirty="0"/>
+              <a:t> (Swarm, Kubernetes, …)</a:t>
             </a:r>
             <a:endParaRPr lang="de-AT" dirty="0"/>
-          </a:p>
-          <a:p>
-            <a:pPr lvl="1"/>
-            <a:r>
-              <a:rPr lang="de-AT" dirty="0" err="1"/>
-              <a:t>Kubernetes</a:t>
-            </a:r>
-            <a:endParaRPr lang="de-AT" dirty="0"/>
-          </a:p>
-          <a:p>
-            <a:pPr lvl="1"/>
-            <a:r>
-              <a:rPr lang="de-AT" dirty="0"/>
-              <a:t>DC/OS</a:t>
-            </a:r>
-          </a:p>
-          <a:p>
-            <a:pPr lvl="1"/>
-            <a:r>
-              <a:rPr lang="de-AT" dirty="0"/>
-              <a:t>Rancher</a:t>
-            </a:r>
           </a:p>
         </p:txBody>
       </p:sp>
@@ -16515,7 +16505,7 @@
           <p:cNvPr id="4" name="Textplatzhalter 3">
             <a:extLst>
               <a:ext uri="{FF2B5EF4-FFF2-40B4-BE49-F238E27FC236}">
-                <a16:creationId xmlns:a16="http://schemas.microsoft.com/office/drawing/2014/main" id="{9002BF9E-F8DC-4A93-AD65-1BAA4D26516E}"/>
+                <a16:creationId xmlns:a16="http://schemas.microsoft.com/office/drawing/2014/main" id="{6D6258A0-1E62-4E9F-8F65-D3B6773BB940}"/>
               </a:ext>
             </a:extLst>
           </p:cNvPr>
@@ -16544,503 +16534,57 @@
           </a:p>
         </p:txBody>
       </p:sp>
-    </p:spTree>
-    <p:extLst>
-      <p:ext uri="{BB962C8B-B14F-4D97-AF65-F5344CB8AC3E}">
-        <p14:creationId xmlns:p14="http://schemas.microsoft.com/office/powerpoint/2010/main" val="582821112"/>
-      </p:ext>
-    </p:extLst>
-  </p:cSld>
-  <p:clrMapOvr>
-    <a:masterClrMapping/>
-  </p:clrMapOvr>
-  <p:transition spd="med">
-    <p:push dir="u"/>
-  </p:transition>
-  <p:timing>
-    <p:tnLst>
-      <p:par>
-        <p:cTn id="1" dur="indefinite" restart="never" nodeType="tmRoot">
-          <p:childTnLst>
-            <p:seq concurrent="1" nextAc="seek">
-              <p:cTn id="2" dur="indefinite" nodeType="mainSeq">
-                <p:childTnLst>
-                  <p:par>
-                    <p:cTn id="3" fill="hold">
-                      <p:stCondLst>
-                        <p:cond delay="indefinite"/>
-                      </p:stCondLst>
-                      <p:childTnLst>
-                        <p:par>
-                          <p:cTn id="4" fill="hold">
-                            <p:stCondLst>
-                              <p:cond delay="0"/>
-                            </p:stCondLst>
-                            <p:childTnLst>
-                              <p:par>
-                                <p:cTn id="5" presetID="10" presetClass="entr" presetSubtype="0" fill="hold" grpId="0" nodeType="clickEffect">
-                                  <p:stCondLst>
-                                    <p:cond delay="0"/>
-                                  </p:stCondLst>
-                                  <p:childTnLst>
-                                    <p:set>
-                                      <p:cBhvr>
-                                        <p:cTn id="6" dur="1" fill="hold">
-                                          <p:stCondLst>
-                                            <p:cond delay="0"/>
-                                          </p:stCondLst>
-                                        </p:cTn>
-                                        <p:tgtEl>
-                                          <p:spTgt spid="3">
-                                            <p:txEl>
-                                              <p:pRg st="0" end="0"/>
-                                            </p:txEl>
-                                          </p:spTgt>
-                                        </p:tgtEl>
-                                        <p:attrNameLst>
-                                          <p:attrName>style.visibility</p:attrName>
-                                        </p:attrNameLst>
-                                      </p:cBhvr>
-                                      <p:to>
-                                        <p:strVal val="visible"/>
-                                      </p:to>
-                                    </p:set>
-                                    <p:animEffect transition="in" filter="fade">
-                                      <p:cBhvr>
-                                        <p:cTn id="7" dur="250"/>
-                                        <p:tgtEl>
-                                          <p:spTgt spid="3">
-                                            <p:txEl>
-                                              <p:pRg st="0" end="0"/>
-                                            </p:txEl>
-                                          </p:spTgt>
-                                        </p:tgtEl>
-                                      </p:cBhvr>
-                                    </p:animEffect>
-                                  </p:childTnLst>
-                                </p:cTn>
-                              </p:par>
-                            </p:childTnLst>
-                          </p:cTn>
-                        </p:par>
-                      </p:childTnLst>
-                    </p:cTn>
-                  </p:par>
-                  <p:par>
-                    <p:cTn id="8" fill="hold">
-                      <p:stCondLst>
-                        <p:cond delay="indefinite"/>
-                      </p:stCondLst>
-                      <p:childTnLst>
-                        <p:par>
-                          <p:cTn id="9" fill="hold">
-                            <p:stCondLst>
-                              <p:cond delay="0"/>
-                            </p:stCondLst>
-                            <p:childTnLst>
-                              <p:par>
-                                <p:cTn id="10" presetID="10" presetClass="entr" presetSubtype="0" fill="hold" grpId="0" nodeType="clickEffect">
-                                  <p:stCondLst>
-                                    <p:cond delay="0"/>
-                                  </p:stCondLst>
-                                  <p:childTnLst>
-                                    <p:set>
-                                      <p:cBhvr>
-                                        <p:cTn id="11" dur="1" fill="hold">
-                                          <p:stCondLst>
-                                            <p:cond delay="0"/>
-                                          </p:stCondLst>
-                                        </p:cTn>
-                                        <p:tgtEl>
-                                          <p:spTgt spid="3">
-                                            <p:txEl>
-                                              <p:pRg st="1" end="1"/>
-                                            </p:txEl>
-                                          </p:spTgt>
-                                        </p:tgtEl>
-                                        <p:attrNameLst>
-                                          <p:attrName>style.visibility</p:attrName>
-                                        </p:attrNameLst>
-                                      </p:cBhvr>
-                                      <p:to>
-                                        <p:strVal val="visible"/>
-                                      </p:to>
-                                    </p:set>
-                                    <p:animEffect transition="in" filter="fade">
-                                      <p:cBhvr>
-                                        <p:cTn id="12" dur="250"/>
-                                        <p:tgtEl>
-                                          <p:spTgt spid="3">
-                                            <p:txEl>
-                                              <p:pRg st="1" end="1"/>
-                                            </p:txEl>
-                                          </p:spTgt>
-                                        </p:tgtEl>
-                                      </p:cBhvr>
-                                    </p:animEffect>
-                                  </p:childTnLst>
-                                </p:cTn>
-                              </p:par>
-                              <p:par>
-                                <p:cTn id="13" presetID="10" presetClass="entr" presetSubtype="0" fill="hold" grpId="0" nodeType="withEffect">
-                                  <p:stCondLst>
-                                    <p:cond delay="0"/>
-                                  </p:stCondLst>
-                                  <p:childTnLst>
-                                    <p:set>
-                                      <p:cBhvr>
-                                        <p:cTn id="14" dur="1" fill="hold">
-                                          <p:stCondLst>
-                                            <p:cond delay="0"/>
-                                          </p:stCondLst>
-                                        </p:cTn>
-                                        <p:tgtEl>
-                                          <p:spTgt spid="3">
-                                            <p:txEl>
-                                              <p:pRg st="2" end="2"/>
-                                            </p:txEl>
-                                          </p:spTgt>
-                                        </p:tgtEl>
-                                        <p:attrNameLst>
-                                          <p:attrName>style.visibility</p:attrName>
-                                        </p:attrNameLst>
-                                      </p:cBhvr>
-                                      <p:to>
-                                        <p:strVal val="visible"/>
-                                      </p:to>
-                                    </p:set>
-                                    <p:animEffect transition="in" filter="fade">
-                                      <p:cBhvr>
-                                        <p:cTn id="15" dur="250"/>
-                                        <p:tgtEl>
-                                          <p:spTgt spid="3">
-                                            <p:txEl>
-                                              <p:pRg st="2" end="2"/>
-                                            </p:txEl>
-                                          </p:spTgt>
-                                        </p:tgtEl>
-                                      </p:cBhvr>
-                                    </p:animEffect>
-                                  </p:childTnLst>
-                                </p:cTn>
-                              </p:par>
-                              <p:par>
-                                <p:cTn id="16" presetID="10" presetClass="entr" presetSubtype="0" fill="hold" grpId="0" nodeType="withEffect">
-                                  <p:stCondLst>
-                                    <p:cond delay="0"/>
-                                  </p:stCondLst>
-                                  <p:childTnLst>
-                                    <p:set>
-                                      <p:cBhvr>
-                                        <p:cTn id="17" dur="1" fill="hold">
-                                          <p:stCondLst>
-                                            <p:cond delay="0"/>
-                                          </p:stCondLst>
-                                        </p:cTn>
-                                        <p:tgtEl>
-                                          <p:spTgt spid="3">
-                                            <p:txEl>
-                                              <p:pRg st="3" end="3"/>
-                                            </p:txEl>
-                                          </p:spTgt>
-                                        </p:tgtEl>
-                                        <p:attrNameLst>
-                                          <p:attrName>style.visibility</p:attrName>
-                                        </p:attrNameLst>
-                                      </p:cBhvr>
-                                      <p:to>
-                                        <p:strVal val="visible"/>
-                                      </p:to>
-                                    </p:set>
-                                    <p:animEffect transition="in" filter="fade">
-                                      <p:cBhvr>
-                                        <p:cTn id="18" dur="250"/>
-                                        <p:tgtEl>
-                                          <p:spTgt spid="3">
-                                            <p:txEl>
-                                              <p:pRg st="3" end="3"/>
-                                            </p:txEl>
-                                          </p:spTgt>
-                                        </p:tgtEl>
-                                      </p:cBhvr>
-                                    </p:animEffect>
-                                  </p:childTnLst>
-                                </p:cTn>
-                              </p:par>
-                              <p:par>
-                                <p:cTn id="19" presetID="10" presetClass="entr" presetSubtype="0" fill="hold" grpId="0" nodeType="withEffect">
-                                  <p:stCondLst>
-                                    <p:cond delay="0"/>
-                                  </p:stCondLst>
-                                  <p:childTnLst>
-                                    <p:set>
-                                      <p:cBhvr>
-                                        <p:cTn id="20" dur="1" fill="hold">
-                                          <p:stCondLst>
-                                            <p:cond delay="0"/>
-                                          </p:stCondLst>
-                                        </p:cTn>
-                                        <p:tgtEl>
-                                          <p:spTgt spid="3">
-                                            <p:txEl>
-                                              <p:pRg st="4" end="4"/>
-                                            </p:txEl>
-                                          </p:spTgt>
-                                        </p:tgtEl>
-                                        <p:attrNameLst>
-                                          <p:attrName>style.visibility</p:attrName>
-                                        </p:attrNameLst>
-                                      </p:cBhvr>
-                                      <p:to>
-                                        <p:strVal val="visible"/>
-                                      </p:to>
-                                    </p:set>
-                                    <p:animEffect transition="in" filter="fade">
-                                      <p:cBhvr>
-                                        <p:cTn id="21" dur="250"/>
-                                        <p:tgtEl>
-                                          <p:spTgt spid="3">
-                                            <p:txEl>
-                                              <p:pRg st="4" end="4"/>
-                                            </p:txEl>
-                                          </p:spTgt>
-                                        </p:tgtEl>
-                                      </p:cBhvr>
-                                    </p:animEffect>
-                                  </p:childTnLst>
-                                </p:cTn>
-                              </p:par>
-                              <p:par>
-                                <p:cTn id="22" presetID="10" presetClass="entr" presetSubtype="0" fill="hold" grpId="0" nodeType="withEffect">
-                                  <p:stCondLst>
-                                    <p:cond delay="0"/>
-                                  </p:stCondLst>
-                                  <p:childTnLst>
-                                    <p:set>
-                                      <p:cBhvr>
-                                        <p:cTn id="23" dur="1" fill="hold">
-                                          <p:stCondLst>
-                                            <p:cond delay="0"/>
-                                          </p:stCondLst>
-                                        </p:cTn>
-                                        <p:tgtEl>
-                                          <p:spTgt spid="3">
-                                            <p:txEl>
-                                              <p:pRg st="5" end="5"/>
-                                            </p:txEl>
-                                          </p:spTgt>
-                                        </p:tgtEl>
-                                        <p:attrNameLst>
-                                          <p:attrName>style.visibility</p:attrName>
-                                        </p:attrNameLst>
-                                      </p:cBhvr>
-                                      <p:to>
-                                        <p:strVal val="visible"/>
-                                      </p:to>
-                                    </p:set>
-                                    <p:animEffect transition="in" filter="fade">
-                                      <p:cBhvr>
-                                        <p:cTn id="24" dur="250"/>
-                                        <p:tgtEl>
-                                          <p:spTgt spid="3">
-                                            <p:txEl>
-                                              <p:pRg st="5" end="5"/>
-                                            </p:txEl>
-                                          </p:spTgt>
-                                        </p:tgtEl>
-                                      </p:cBhvr>
-                                    </p:animEffect>
-                                  </p:childTnLst>
-                                </p:cTn>
-                              </p:par>
-                            </p:childTnLst>
-                          </p:cTn>
-                        </p:par>
-                      </p:childTnLst>
-                    </p:cTn>
-                  </p:par>
-                </p:childTnLst>
-              </p:cTn>
-              <p:prevCondLst>
-                <p:cond evt="onPrev" delay="0">
-                  <p:tgtEl>
-                    <p:sldTgt/>
-                  </p:tgtEl>
-                </p:cond>
-              </p:prevCondLst>
-              <p:nextCondLst>
-                <p:cond evt="onNext" delay="0">
-                  <p:tgtEl>
-                    <p:sldTgt/>
-                  </p:tgtEl>
-                </p:cond>
-              </p:nextCondLst>
-            </p:seq>
-          </p:childTnLst>
-        </p:cTn>
-      </p:par>
-    </p:tnLst>
-    <p:bldLst>
-      <p:bldP spid="3" grpId="0" build="p"/>
-    </p:bldLst>
-  </p:timing>
-</p:sld>
-</file>
-
-<file path=ppt/slides/slide36.xml><?xml version="1.0" encoding="utf-8"?>
-<p:sld xmlns:a="http://schemas.openxmlformats.org/drawingml/2006/main" xmlns:r="http://schemas.openxmlformats.org/officeDocument/2006/relationships" xmlns:p="http://schemas.openxmlformats.org/presentationml/2006/main">
-  <p:cSld>
-    <p:spTree>
-      <p:nvGrpSpPr>
-        <p:cNvPr id="1" name=""/>
-        <p:cNvGrpSpPr/>
-        <p:nvPr/>
-      </p:nvGrpSpPr>
-      <p:grpSpPr>
-        <a:xfrm>
-          <a:off x="0" y="0"/>
-          <a:ext cx="0" cy="0"/>
-          <a:chOff x="0" y="0"/>
-          <a:chExt cx="0" cy="0"/>
-        </a:xfrm>
-      </p:grpSpPr>
-      <p:sp>
-        <p:nvSpPr>
-          <p:cNvPr id="2" name="Titel 1">
+      <p:sp>
+        <p:nvSpPr>
+          <p:cNvPr id="7" name="Rechteck 6">
             <a:extLst>
               <a:ext uri="{FF2B5EF4-FFF2-40B4-BE49-F238E27FC236}">
-                <a16:creationId xmlns:a16="http://schemas.microsoft.com/office/drawing/2014/main" id="{4181C2B7-9A1C-4EDC-B4D8-4225FA19F77F}"/>
+                <a16:creationId xmlns:a16="http://schemas.microsoft.com/office/drawing/2014/main" id="{199AB0FA-460E-4A7B-BD75-D30B1A289F21}"/>
               </a:ext>
             </a:extLst>
           </p:cNvPr>
-          <p:cNvSpPr>
-            <a:spLocks noGrp="1"/>
-          </p:cNvSpPr>
-          <p:nvPr>
-            <p:ph type="title"/>
-          </p:nvPr>
-        </p:nvSpPr>
-        <p:spPr/>
-        <p:txBody>
-          <a:bodyPr>
-            <a:normAutofit fontScale="90000"/>
-          </a:bodyPr>
-          <a:lstStyle/>
-          <a:p>
-            <a:r>
-              <a:rPr lang="de-AT" dirty="0"/>
-              <a:t>Weitere Anwendungsmöglichkeiten für Softwareentwickler</a:t>
-            </a:r>
-          </a:p>
-        </p:txBody>
-      </p:sp>
-      <p:sp>
-        <p:nvSpPr>
-          <p:cNvPr id="3" name="Inhaltsplatzhalter 2">
-            <a:extLst>
-              <a:ext uri="{FF2B5EF4-FFF2-40B4-BE49-F238E27FC236}">
-                <a16:creationId xmlns:a16="http://schemas.microsoft.com/office/drawing/2014/main" id="{FAEAB867-41DF-4962-8B38-CCDA0F4220E3}"/>
-              </a:ext>
-            </a:extLst>
-          </p:cNvPr>
-          <p:cNvSpPr>
-            <a:spLocks noGrp="1"/>
-          </p:cNvSpPr>
-          <p:nvPr>
-            <p:ph idx="1"/>
-          </p:nvPr>
-        </p:nvSpPr>
-        <p:spPr/>
-        <p:txBody>
-          <a:bodyPr/>
-          <a:lstStyle/>
-          <a:p>
-            <a:r>
-              <a:rPr lang="de-AT" dirty="0"/>
-              <a:t>Softwareevaluierung</a:t>
-            </a:r>
-          </a:p>
-          <a:p>
-            <a:r>
-              <a:rPr lang="de-AT" dirty="0"/>
-              <a:t>Plattformunabhängige CLI-Anwendungen</a:t>
-            </a:r>
-          </a:p>
-          <a:p>
-            <a:r>
-              <a:rPr lang="de-AT" dirty="0"/>
-              <a:t>Containerbasierte Integrationstests</a:t>
-            </a:r>
-          </a:p>
-          <a:p>
-            <a:r>
-              <a:rPr lang="de-AT" dirty="0"/>
-              <a:t>Plattformübergreifende Übersetzung</a:t>
-            </a:r>
-          </a:p>
-          <a:p>
-            <a:r>
-              <a:rPr lang="de-AT" dirty="0"/>
-              <a:t>IDE in a Container</a:t>
-            </a:r>
-          </a:p>
-          <a:p>
-            <a:r>
-              <a:rPr lang="de-AT" dirty="0"/>
-              <a:t>Deterministische </a:t>
-            </a:r>
-            <a:r>
-              <a:rPr lang="de-AT" dirty="0" err="1"/>
-              <a:t>Build</a:t>
-            </a:r>
-            <a:r>
-              <a:rPr lang="de-AT" dirty="0"/>
-              <a:t>-Systeme</a:t>
-            </a:r>
-          </a:p>
-          <a:p>
-            <a:pPr lvl="1"/>
-            <a:r>
-              <a:rPr lang="de-AT" dirty="0">
-                <a:hlinkClick r:id="rId3"/>
-              </a:rPr>
-              <a:t>https://github.com/softawaregmbh/docker-webdev</a:t>
-            </a:r>
-            <a:endParaRPr lang="de-AT" dirty="0"/>
-          </a:p>
-        </p:txBody>
-      </p:sp>
-      <p:sp>
-        <p:nvSpPr>
-          <p:cNvPr id="4" name="Textplatzhalter 3">
-            <a:extLst>
-              <a:ext uri="{FF2B5EF4-FFF2-40B4-BE49-F238E27FC236}">
-                <a16:creationId xmlns:a16="http://schemas.microsoft.com/office/drawing/2014/main" id="{6D6258A0-1E62-4E9F-8F65-D3B6773BB940}"/>
-              </a:ext>
-            </a:extLst>
-          </p:cNvPr>
-          <p:cNvSpPr>
-            <a:spLocks noGrp="1"/>
-          </p:cNvSpPr>
-          <p:nvPr>
-            <p:ph type="body" sz="quarter" idx="13"/>
-          </p:nvPr>
+          <p:cNvSpPr/>
+          <p:nvPr/>
         </p:nvSpPr>
         <p:spPr>
           <a:xfrm>
-            <a:off x="9853519" y="6769166"/>
-            <a:ext cx="460383" cy="354071"/>
+            <a:off x="742484" y="1079066"/>
+            <a:ext cx="5658316" cy="552634"/>
           </a:xfrm>
+          <a:prstGeom prst="rect">
+            <a:avLst/>
+          </a:prstGeom>
+          <a:solidFill>
+            <a:srgbClr val="FFFFFF">
+              <a:alpha val="78000"/>
+            </a:srgbClr>
+          </a:solidFill>
+          <a:ln>
+            <a:noFill/>
+          </a:ln>
         </p:spPr>
+        <p:style>
+          <a:lnRef idx="2">
+            <a:schemeClr val="accent1">
+              <a:shade val="50000"/>
+            </a:schemeClr>
+          </a:lnRef>
+          <a:fillRef idx="1">
+            <a:schemeClr val="accent1"/>
+          </a:fillRef>
+          <a:effectRef idx="0">
+            <a:schemeClr val="accent1"/>
+          </a:effectRef>
+          <a:fontRef idx="minor">
+            <a:schemeClr val="lt1"/>
+          </a:fontRef>
+        </p:style>
         <p:txBody>
-          <a:bodyPr/>
+          <a:bodyPr rtlCol="0" anchor="ctr"/>
           <a:lstStyle/>
           <a:p>
-            <a:r>
-              <a:rPr lang="en-US" dirty="0"/>
-              <a:t>27</a:t>
-            </a:r>
-            <a:endParaRPr lang="de-AT" dirty="0"/>
+            <a:pPr algn="ctr"/>
+            <a:endParaRPr lang="de-AT"/>
           </a:p>
         </p:txBody>
       </p:sp>
@@ -17460,6 +17004,811 @@
                                           <p:spTgt spid="3">
                                             <p:txEl>
                                               <p:pRg st="6" end="6"/>
+                                            </p:txEl>
+                                          </p:spTgt>
+                                        </p:tgtEl>
+                                      </p:cBhvr>
+                                    </p:animEffect>
+                                  </p:childTnLst>
+                                </p:cTn>
+                              </p:par>
+                            </p:childTnLst>
+                          </p:cTn>
+                        </p:par>
+                      </p:childTnLst>
+                    </p:cTn>
+                  </p:par>
+                  <p:par>
+                    <p:cTn id="36" fill="hold">
+                      <p:stCondLst>
+                        <p:cond delay="indefinite"/>
+                      </p:stCondLst>
+                      <p:childTnLst>
+                        <p:par>
+                          <p:cTn id="37" fill="hold">
+                            <p:stCondLst>
+                              <p:cond delay="0"/>
+                            </p:stCondLst>
+                            <p:childTnLst>
+                              <p:par>
+                                <p:cTn id="38" presetID="10" presetClass="entr" presetSubtype="0" fill="hold" grpId="0" nodeType="clickEffect">
+                                  <p:stCondLst>
+                                    <p:cond delay="0"/>
+                                  </p:stCondLst>
+                                  <p:childTnLst>
+                                    <p:set>
+                                      <p:cBhvr>
+                                        <p:cTn id="39" dur="1" fill="hold">
+                                          <p:stCondLst>
+                                            <p:cond delay="0"/>
+                                          </p:stCondLst>
+                                        </p:cTn>
+                                        <p:tgtEl>
+                                          <p:spTgt spid="7"/>
+                                        </p:tgtEl>
+                                        <p:attrNameLst>
+                                          <p:attrName>style.visibility</p:attrName>
+                                        </p:attrNameLst>
+                                      </p:cBhvr>
+                                      <p:to>
+                                        <p:strVal val="visible"/>
+                                      </p:to>
+                                    </p:set>
+                                    <p:animEffect transition="in" filter="fade">
+                                      <p:cBhvr>
+                                        <p:cTn id="40" dur="500"/>
+                                        <p:tgtEl>
+                                          <p:spTgt spid="7"/>
+                                        </p:tgtEl>
+                                      </p:cBhvr>
+                                    </p:animEffect>
+                                  </p:childTnLst>
+                                </p:cTn>
+                              </p:par>
+                            </p:childTnLst>
+                          </p:cTn>
+                        </p:par>
+                      </p:childTnLst>
+                    </p:cTn>
+                  </p:par>
+                  <p:par>
+                    <p:cTn id="41" fill="hold">
+                      <p:stCondLst>
+                        <p:cond delay="indefinite"/>
+                      </p:stCondLst>
+                      <p:childTnLst>
+                        <p:par>
+                          <p:cTn id="42" fill="hold">
+                            <p:stCondLst>
+                              <p:cond delay="0"/>
+                            </p:stCondLst>
+                            <p:childTnLst>
+                              <p:par>
+                                <p:cTn id="43" presetID="10" presetClass="entr" presetSubtype="0" fill="hold" grpId="0" nodeType="clickEffect">
+                                  <p:stCondLst>
+                                    <p:cond delay="0"/>
+                                  </p:stCondLst>
+                                  <p:childTnLst>
+                                    <p:set>
+                                      <p:cBhvr>
+                                        <p:cTn id="44" dur="1" fill="hold">
+                                          <p:stCondLst>
+                                            <p:cond delay="0"/>
+                                          </p:stCondLst>
+                                        </p:cTn>
+                                        <p:tgtEl>
+                                          <p:spTgt spid="3">
+                                            <p:txEl>
+                                              <p:pRg st="8" end="8"/>
+                                            </p:txEl>
+                                          </p:spTgt>
+                                        </p:tgtEl>
+                                        <p:attrNameLst>
+                                          <p:attrName>style.visibility</p:attrName>
+                                        </p:attrNameLst>
+                                      </p:cBhvr>
+                                      <p:to>
+                                        <p:strVal val="visible"/>
+                                      </p:to>
+                                    </p:set>
+                                    <p:animEffect transition="in" filter="fade">
+                                      <p:cBhvr>
+                                        <p:cTn id="45" dur="250"/>
+                                        <p:tgtEl>
+                                          <p:spTgt spid="3">
+                                            <p:txEl>
+                                              <p:pRg st="8" end="8"/>
+                                            </p:txEl>
+                                          </p:spTgt>
+                                        </p:tgtEl>
+                                      </p:cBhvr>
+                                    </p:animEffect>
+                                  </p:childTnLst>
+                                </p:cTn>
+                              </p:par>
+                            </p:childTnLst>
+                          </p:cTn>
+                        </p:par>
+                      </p:childTnLst>
+                    </p:cTn>
+                  </p:par>
+                </p:childTnLst>
+              </p:cTn>
+              <p:prevCondLst>
+                <p:cond evt="onPrev" delay="0">
+                  <p:tgtEl>
+                    <p:sldTgt/>
+                  </p:tgtEl>
+                </p:cond>
+              </p:prevCondLst>
+              <p:nextCondLst>
+                <p:cond evt="onNext" delay="0">
+                  <p:tgtEl>
+                    <p:sldTgt/>
+                  </p:tgtEl>
+                </p:cond>
+              </p:nextCondLst>
+            </p:seq>
+          </p:childTnLst>
+        </p:cTn>
+      </p:par>
+    </p:tnLst>
+    <p:bldLst>
+      <p:bldP spid="3" grpId="0" uiExpand="1" build="p"/>
+      <p:bldP spid="7" grpId="0" animBg="1"/>
+    </p:bldLst>
+  </p:timing>
+</p:sld>
+</file>
+
+<file path=ppt/slides/slide36.xml><?xml version="1.0" encoding="utf-8"?>
+<p:sld xmlns:a="http://schemas.openxmlformats.org/drawingml/2006/main" xmlns:r="http://schemas.openxmlformats.org/officeDocument/2006/relationships" xmlns:p="http://schemas.openxmlformats.org/presentationml/2006/main">
+  <p:cSld>
+    <p:spTree>
+      <p:nvGrpSpPr>
+        <p:cNvPr id="1" name=""/>
+        <p:cNvGrpSpPr/>
+        <p:nvPr/>
+      </p:nvGrpSpPr>
+      <p:grpSpPr>
+        <a:xfrm>
+          <a:off x="0" y="0"/>
+          <a:ext cx="0" cy="0"/>
+          <a:chOff x="0" y="0"/>
+          <a:chExt cx="0" cy="0"/>
+        </a:xfrm>
+      </p:grpSpPr>
+      <p:sp>
+        <p:nvSpPr>
+          <p:cNvPr id="2" name="Titel 1">
+            <a:extLst>
+              <a:ext uri="{FF2B5EF4-FFF2-40B4-BE49-F238E27FC236}">
+                <a16:creationId xmlns:a16="http://schemas.microsoft.com/office/drawing/2014/main" id="{191B2DF5-FB7B-4BEA-98CE-F21809BA80DE}"/>
+              </a:ext>
+            </a:extLst>
+          </p:cNvPr>
+          <p:cNvSpPr>
+            <a:spLocks noGrp="1"/>
+          </p:cNvSpPr>
+          <p:nvPr>
+            <p:ph type="title"/>
+          </p:nvPr>
+        </p:nvSpPr>
+        <p:spPr/>
+        <p:txBody>
+          <a:bodyPr/>
+          <a:lstStyle/>
+          <a:p>
+            <a:r>
+              <a:rPr lang="de-AT" dirty="0"/>
+              <a:t>Persönliche Tipps/Infos</a:t>
+            </a:r>
+          </a:p>
+        </p:txBody>
+      </p:sp>
+      <p:sp>
+        <p:nvSpPr>
+          <p:cNvPr id="3" name="Inhaltsplatzhalter 2">
+            <a:extLst>
+              <a:ext uri="{FF2B5EF4-FFF2-40B4-BE49-F238E27FC236}">
+                <a16:creationId xmlns:a16="http://schemas.microsoft.com/office/drawing/2014/main" id="{EB13BD13-8116-47ED-B5CD-B79D99BEF023}"/>
+              </a:ext>
+            </a:extLst>
+          </p:cNvPr>
+          <p:cNvSpPr>
+            <a:spLocks noGrp="1"/>
+          </p:cNvSpPr>
+          <p:nvPr>
+            <p:ph idx="1"/>
+          </p:nvPr>
+        </p:nvSpPr>
+        <p:spPr/>
+        <p:txBody>
+          <a:bodyPr>
+            <a:normAutofit lnSpcReduction="10000"/>
+          </a:bodyPr>
+          <a:lstStyle/>
+          <a:p>
+            <a:r>
+              <a:rPr lang="de-AT" dirty="0"/>
+              <a:t>Aufpassen bei Docker Updates</a:t>
+            </a:r>
+          </a:p>
+          <a:p>
+            <a:pPr lvl="1"/>
+            <a:r>
+              <a:rPr lang="de-AT" dirty="0"/>
+              <a:t>ist mittlerweile allerdings wesentlich besser</a:t>
+            </a:r>
+          </a:p>
+          <a:p>
+            <a:r>
+              <a:rPr lang="de-AT" i="1" dirty="0" err="1"/>
+              <a:t>Shared</a:t>
+            </a:r>
+            <a:r>
+              <a:rPr lang="de-AT" i="1" dirty="0"/>
+              <a:t> Drives</a:t>
+            </a:r>
+            <a:r>
+              <a:rPr lang="de-AT" dirty="0"/>
+              <a:t> nicht vergessen freizugeben</a:t>
+            </a:r>
+          </a:p>
+          <a:p>
+            <a:r>
+              <a:rPr lang="de-AT" dirty="0"/>
+              <a:t>Aufpassen bei Netzwerkinterfaces im Container (</a:t>
+            </a:r>
+            <a:r>
+              <a:rPr lang="de-AT" sz="2400" dirty="0">
+                <a:latin typeface="Fira Code" panose="020B0509050000020004" pitchFamily="49" charset="0"/>
+                <a:ea typeface="Fira Code" panose="020B0509050000020004" pitchFamily="49" charset="0"/>
+              </a:rPr>
+              <a:t>0.0.0.0</a:t>
+            </a:r>
+            <a:r>
+              <a:rPr lang="de-AT" dirty="0"/>
+              <a:t>)</a:t>
+            </a:r>
+          </a:p>
+          <a:p>
+            <a:r>
+              <a:rPr lang="de-AT" dirty="0"/>
+              <a:t>File-Watches funktionieren (noch) nicht</a:t>
+            </a:r>
+          </a:p>
+          <a:p>
+            <a:r>
+              <a:rPr lang="de-AT" dirty="0"/>
+              <a:t>Container eignen sich leider nicht/nur schwer um zeitzonenabhängiges Verhalten zu testen</a:t>
+            </a:r>
+          </a:p>
+          <a:p>
+            <a:r>
+              <a:rPr lang="de-AT" dirty="0"/>
+              <a:t>saubere Benennung mit Tags ist sehr wichtig</a:t>
+            </a:r>
+          </a:p>
+          <a:p>
+            <a:r>
+              <a:rPr lang="de-AT" dirty="0"/>
+              <a:t>Benutzer in Containern</a:t>
+            </a:r>
+          </a:p>
+        </p:txBody>
+      </p:sp>
+      <p:sp>
+        <p:nvSpPr>
+          <p:cNvPr id="4" name="Textplatzhalter 3">
+            <a:extLst>
+              <a:ext uri="{FF2B5EF4-FFF2-40B4-BE49-F238E27FC236}">
+                <a16:creationId xmlns:a16="http://schemas.microsoft.com/office/drawing/2014/main" id="{FF568BD7-AF10-4A48-BD6D-5EFA26FF8EB9}"/>
+              </a:ext>
+            </a:extLst>
+          </p:cNvPr>
+          <p:cNvSpPr>
+            <a:spLocks noGrp="1"/>
+          </p:cNvSpPr>
+          <p:nvPr>
+            <p:ph type="body" sz="quarter" idx="13"/>
+          </p:nvPr>
+        </p:nvSpPr>
+        <p:spPr>
+          <a:xfrm>
+            <a:off x="9853519" y="6769166"/>
+            <a:ext cx="460383" cy="354071"/>
+          </a:xfrm>
+        </p:spPr>
+        <p:txBody>
+          <a:bodyPr/>
+          <a:lstStyle/>
+          <a:p>
+            <a:r>
+              <a:rPr lang="en-US" dirty="0"/>
+              <a:t>27</a:t>
+            </a:r>
+            <a:endParaRPr lang="de-AT" dirty="0"/>
+          </a:p>
+        </p:txBody>
+      </p:sp>
+    </p:spTree>
+    <p:extLst>
+      <p:ext uri="{BB962C8B-B14F-4D97-AF65-F5344CB8AC3E}">
+        <p14:creationId xmlns:p14="http://schemas.microsoft.com/office/powerpoint/2010/main" val="336536112"/>
+      </p:ext>
+    </p:extLst>
+  </p:cSld>
+  <p:clrMapOvr>
+    <a:masterClrMapping/>
+  </p:clrMapOvr>
+  <p:transition spd="med">
+    <p:push dir="u"/>
+  </p:transition>
+  <p:timing>
+    <p:tnLst>
+      <p:par>
+        <p:cTn id="1" dur="indefinite" restart="never" nodeType="tmRoot">
+          <p:childTnLst>
+            <p:seq concurrent="1" nextAc="seek">
+              <p:cTn id="2" dur="indefinite" nodeType="mainSeq">
+                <p:childTnLst>
+                  <p:par>
+                    <p:cTn id="3" fill="hold">
+                      <p:stCondLst>
+                        <p:cond delay="indefinite"/>
+                      </p:stCondLst>
+                      <p:childTnLst>
+                        <p:par>
+                          <p:cTn id="4" fill="hold">
+                            <p:stCondLst>
+                              <p:cond delay="0"/>
+                            </p:stCondLst>
+                            <p:childTnLst>
+                              <p:par>
+                                <p:cTn id="5" presetID="10" presetClass="entr" presetSubtype="0" fill="hold" grpId="0" nodeType="clickEffect">
+                                  <p:stCondLst>
+                                    <p:cond delay="0"/>
+                                  </p:stCondLst>
+                                  <p:childTnLst>
+                                    <p:set>
+                                      <p:cBhvr>
+                                        <p:cTn id="6" dur="1" fill="hold">
+                                          <p:stCondLst>
+                                            <p:cond delay="0"/>
+                                          </p:stCondLst>
+                                        </p:cTn>
+                                        <p:tgtEl>
+                                          <p:spTgt spid="3">
+                                            <p:txEl>
+                                              <p:pRg st="0" end="0"/>
+                                            </p:txEl>
+                                          </p:spTgt>
+                                        </p:tgtEl>
+                                        <p:attrNameLst>
+                                          <p:attrName>style.visibility</p:attrName>
+                                        </p:attrNameLst>
+                                      </p:cBhvr>
+                                      <p:to>
+                                        <p:strVal val="visible"/>
+                                      </p:to>
+                                    </p:set>
+                                    <p:animEffect transition="in" filter="fade">
+                                      <p:cBhvr>
+                                        <p:cTn id="7" dur="250"/>
+                                        <p:tgtEl>
+                                          <p:spTgt spid="3">
+                                            <p:txEl>
+                                              <p:pRg st="0" end="0"/>
+                                            </p:txEl>
+                                          </p:spTgt>
+                                        </p:tgtEl>
+                                      </p:cBhvr>
+                                    </p:animEffect>
+                                  </p:childTnLst>
+                                </p:cTn>
+                              </p:par>
+                              <p:par>
+                                <p:cTn id="8" presetID="10" presetClass="entr" presetSubtype="0" fill="hold" grpId="0" nodeType="withEffect">
+                                  <p:stCondLst>
+                                    <p:cond delay="0"/>
+                                  </p:stCondLst>
+                                  <p:childTnLst>
+                                    <p:set>
+                                      <p:cBhvr>
+                                        <p:cTn id="9" dur="1" fill="hold">
+                                          <p:stCondLst>
+                                            <p:cond delay="0"/>
+                                          </p:stCondLst>
+                                        </p:cTn>
+                                        <p:tgtEl>
+                                          <p:spTgt spid="3">
+                                            <p:txEl>
+                                              <p:pRg st="1" end="1"/>
+                                            </p:txEl>
+                                          </p:spTgt>
+                                        </p:tgtEl>
+                                        <p:attrNameLst>
+                                          <p:attrName>style.visibility</p:attrName>
+                                        </p:attrNameLst>
+                                      </p:cBhvr>
+                                      <p:to>
+                                        <p:strVal val="visible"/>
+                                      </p:to>
+                                    </p:set>
+                                    <p:animEffect transition="in" filter="fade">
+                                      <p:cBhvr>
+                                        <p:cTn id="10" dur="250"/>
+                                        <p:tgtEl>
+                                          <p:spTgt spid="3">
+                                            <p:txEl>
+                                              <p:pRg st="1" end="1"/>
+                                            </p:txEl>
+                                          </p:spTgt>
+                                        </p:tgtEl>
+                                      </p:cBhvr>
+                                    </p:animEffect>
+                                  </p:childTnLst>
+                                </p:cTn>
+                              </p:par>
+                            </p:childTnLst>
+                          </p:cTn>
+                        </p:par>
+                      </p:childTnLst>
+                    </p:cTn>
+                  </p:par>
+                  <p:par>
+                    <p:cTn id="11" fill="hold">
+                      <p:stCondLst>
+                        <p:cond delay="indefinite"/>
+                      </p:stCondLst>
+                      <p:childTnLst>
+                        <p:par>
+                          <p:cTn id="12" fill="hold">
+                            <p:stCondLst>
+                              <p:cond delay="0"/>
+                            </p:stCondLst>
+                            <p:childTnLst>
+                              <p:par>
+                                <p:cTn id="13" presetID="10" presetClass="entr" presetSubtype="0" fill="hold" grpId="0" nodeType="clickEffect">
+                                  <p:stCondLst>
+                                    <p:cond delay="0"/>
+                                  </p:stCondLst>
+                                  <p:childTnLst>
+                                    <p:set>
+                                      <p:cBhvr>
+                                        <p:cTn id="14" dur="1" fill="hold">
+                                          <p:stCondLst>
+                                            <p:cond delay="0"/>
+                                          </p:stCondLst>
+                                        </p:cTn>
+                                        <p:tgtEl>
+                                          <p:spTgt spid="3">
+                                            <p:txEl>
+                                              <p:pRg st="2" end="2"/>
+                                            </p:txEl>
+                                          </p:spTgt>
+                                        </p:tgtEl>
+                                        <p:attrNameLst>
+                                          <p:attrName>style.visibility</p:attrName>
+                                        </p:attrNameLst>
+                                      </p:cBhvr>
+                                      <p:to>
+                                        <p:strVal val="visible"/>
+                                      </p:to>
+                                    </p:set>
+                                    <p:animEffect transition="in" filter="fade">
+                                      <p:cBhvr>
+                                        <p:cTn id="15" dur="250"/>
+                                        <p:tgtEl>
+                                          <p:spTgt spid="3">
+                                            <p:txEl>
+                                              <p:pRg st="2" end="2"/>
+                                            </p:txEl>
+                                          </p:spTgt>
+                                        </p:tgtEl>
+                                      </p:cBhvr>
+                                    </p:animEffect>
+                                  </p:childTnLst>
+                                </p:cTn>
+                              </p:par>
+                            </p:childTnLst>
+                          </p:cTn>
+                        </p:par>
+                      </p:childTnLst>
+                    </p:cTn>
+                  </p:par>
+                  <p:par>
+                    <p:cTn id="16" fill="hold">
+                      <p:stCondLst>
+                        <p:cond delay="indefinite"/>
+                      </p:stCondLst>
+                      <p:childTnLst>
+                        <p:par>
+                          <p:cTn id="17" fill="hold">
+                            <p:stCondLst>
+                              <p:cond delay="0"/>
+                            </p:stCondLst>
+                            <p:childTnLst>
+                              <p:par>
+                                <p:cTn id="18" presetID="10" presetClass="entr" presetSubtype="0" fill="hold" grpId="0" nodeType="clickEffect">
+                                  <p:stCondLst>
+                                    <p:cond delay="0"/>
+                                  </p:stCondLst>
+                                  <p:childTnLst>
+                                    <p:set>
+                                      <p:cBhvr>
+                                        <p:cTn id="19" dur="1" fill="hold">
+                                          <p:stCondLst>
+                                            <p:cond delay="0"/>
+                                          </p:stCondLst>
+                                        </p:cTn>
+                                        <p:tgtEl>
+                                          <p:spTgt spid="3">
+                                            <p:txEl>
+                                              <p:pRg st="3" end="3"/>
+                                            </p:txEl>
+                                          </p:spTgt>
+                                        </p:tgtEl>
+                                        <p:attrNameLst>
+                                          <p:attrName>style.visibility</p:attrName>
+                                        </p:attrNameLst>
+                                      </p:cBhvr>
+                                      <p:to>
+                                        <p:strVal val="visible"/>
+                                      </p:to>
+                                    </p:set>
+                                    <p:animEffect transition="in" filter="fade">
+                                      <p:cBhvr>
+                                        <p:cTn id="20" dur="250"/>
+                                        <p:tgtEl>
+                                          <p:spTgt spid="3">
+                                            <p:txEl>
+                                              <p:pRg st="3" end="3"/>
+                                            </p:txEl>
+                                          </p:spTgt>
+                                        </p:tgtEl>
+                                      </p:cBhvr>
+                                    </p:animEffect>
+                                  </p:childTnLst>
+                                </p:cTn>
+                              </p:par>
+                            </p:childTnLst>
+                          </p:cTn>
+                        </p:par>
+                      </p:childTnLst>
+                    </p:cTn>
+                  </p:par>
+                  <p:par>
+                    <p:cTn id="21" fill="hold">
+                      <p:stCondLst>
+                        <p:cond delay="indefinite"/>
+                      </p:stCondLst>
+                      <p:childTnLst>
+                        <p:par>
+                          <p:cTn id="22" fill="hold">
+                            <p:stCondLst>
+                              <p:cond delay="0"/>
+                            </p:stCondLst>
+                            <p:childTnLst>
+                              <p:par>
+                                <p:cTn id="23" presetID="10" presetClass="entr" presetSubtype="0" fill="hold" grpId="0" nodeType="clickEffect">
+                                  <p:stCondLst>
+                                    <p:cond delay="0"/>
+                                  </p:stCondLst>
+                                  <p:childTnLst>
+                                    <p:set>
+                                      <p:cBhvr>
+                                        <p:cTn id="24" dur="1" fill="hold">
+                                          <p:stCondLst>
+                                            <p:cond delay="0"/>
+                                          </p:stCondLst>
+                                        </p:cTn>
+                                        <p:tgtEl>
+                                          <p:spTgt spid="3">
+                                            <p:txEl>
+                                              <p:pRg st="4" end="4"/>
+                                            </p:txEl>
+                                          </p:spTgt>
+                                        </p:tgtEl>
+                                        <p:attrNameLst>
+                                          <p:attrName>style.visibility</p:attrName>
+                                        </p:attrNameLst>
+                                      </p:cBhvr>
+                                      <p:to>
+                                        <p:strVal val="visible"/>
+                                      </p:to>
+                                    </p:set>
+                                    <p:animEffect transition="in" filter="fade">
+                                      <p:cBhvr>
+                                        <p:cTn id="25" dur="250"/>
+                                        <p:tgtEl>
+                                          <p:spTgt spid="3">
+                                            <p:txEl>
+                                              <p:pRg st="4" end="4"/>
+                                            </p:txEl>
+                                          </p:spTgt>
+                                        </p:tgtEl>
+                                      </p:cBhvr>
+                                    </p:animEffect>
+                                  </p:childTnLst>
+                                </p:cTn>
+                              </p:par>
+                            </p:childTnLst>
+                          </p:cTn>
+                        </p:par>
+                      </p:childTnLst>
+                    </p:cTn>
+                  </p:par>
+                  <p:par>
+                    <p:cTn id="26" fill="hold">
+                      <p:stCondLst>
+                        <p:cond delay="indefinite"/>
+                      </p:stCondLst>
+                      <p:childTnLst>
+                        <p:par>
+                          <p:cTn id="27" fill="hold">
+                            <p:stCondLst>
+                              <p:cond delay="0"/>
+                            </p:stCondLst>
+                            <p:childTnLst>
+                              <p:par>
+                                <p:cTn id="28" presetID="10" presetClass="entr" presetSubtype="0" fill="hold" grpId="0" nodeType="clickEffect">
+                                  <p:stCondLst>
+                                    <p:cond delay="0"/>
+                                  </p:stCondLst>
+                                  <p:childTnLst>
+                                    <p:set>
+                                      <p:cBhvr>
+                                        <p:cTn id="29" dur="1" fill="hold">
+                                          <p:stCondLst>
+                                            <p:cond delay="0"/>
+                                          </p:stCondLst>
+                                        </p:cTn>
+                                        <p:tgtEl>
+                                          <p:spTgt spid="3">
+                                            <p:txEl>
+                                              <p:pRg st="5" end="5"/>
+                                            </p:txEl>
+                                          </p:spTgt>
+                                        </p:tgtEl>
+                                        <p:attrNameLst>
+                                          <p:attrName>style.visibility</p:attrName>
+                                        </p:attrNameLst>
+                                      </p:cBhvr>
+                                      <p:to>
+                                        <p:strVal val="visible"/>
+                                      </p:to>
+                                    </p:set>
+                                    <p:animEffect transition="in" filter="fade">
+                                      <p:cBhvr>
+                                        <p:cTn id="30" dur="250"/>
+                                        <p:tgtEl>
+                                          <p:spTgt spid="3">
+                                            <p:txEl>
+                                              <p:pRg st="5" end="5"/>
+                                            </p:txEl>
+                                          </p:spTgt>
+                                        </p:tgtEl>
+                                      </p:cBhvr>
+                                    </p:animEffect>
+                                  </p:childTnLst>
+                                </p:cTn>
+                              </p:par>
+                            </p:childTnLst>
+                          </p:cTn>
+                        </p:par>
+                      </p:childTnLst>
+                    </p:cTn>
+                  </p:par>
+                  <p:par>
+                    <p:cTn id="31" fill="hold">
+                      <p:stCondLst>
+                        <p:cond delay="indefinite"/>
+                      </p:stCondLst>
+                      <p:childTnLst>
+                        <p:par>
+                          <p:cTn id="32" fill="hold">
+                            <p:stCondLst>
+                              <p:cond delay="0"/>
+                            </p:stCondLst>
+                            <p:childTnLst>
+                              <p:par>
+                                <p:cTn id="33" presetID="10" presetClass="entr" presetSubtype="0" fill="hold" grpId="0" nodeType="clickEffect">
+                                  <p:stCondLst>
+                                    <p:cond delay="0"/>
+                                  </p:stCondLst>
+                                  <p:childTnLst>
+                                    <p:set>
+                                      <p:cBhvr>
+                                        <p:cTn id="34" dur="1" fill="hold">
+                                          <p:stCondLst>
+                                            <p:cond delay="0"/>
+                                          </p:stCondLst>
+                                        </p:cTn>
+                                        <p:tgtEl>
+                                          <p:spTgt spid="3">
+                                            <p:txEl>
+                                              <p:pRg st="6" end="6"/>
+                                            </p:txEl>
+                                          </p:spTgt>
+                                        </p:tgtEl>
+                                        <p:attrNameLst>
+                                          <p:attrName>style.visibility</p:attrName>
+                                        </p:attrNameLst>
+                                      </p:cBhvr>
+                                      <p:to>
+                                        <p:strVal val="visible"/>
+                                      </p:to>
+                                    </p:set>
+                                    <p:animEffect transition="in" filter="fade">
+                                      <p:cBhvr>
+                                        <p:cTn id="35" dur="250"/>
+                                        <p:tgtEl>
+                                          <p:spTgt spid="3">
+                                            <p:txEl>
+                                              <p:pRg st="6" end="6"/>
+                                            </p:txEl>
+                                          </p:spTgt>
+                                        </p:tgtEl>
+                                      </p:cBhvr>
+                                    </p:animEffect>
+                                  </p:childTnLst>
+                                </p:cTn>
+                              </p:par>
+                            </p:childTnLst>
+                          </p:cTn>
+                        </p:par>
+                      </p:childTnLst>
+                    </p:cTn>
+                  </p:par>
+                  <p:par>
+                    <p:cTn id="36" fill="hold">
+                      <p:stCondLst>
+                        <p:cond delay="indefinite"/>
+                      </p:stCondLst>
+                      <p:childTnLst>
+                        <p:par>
+                          <p:cTn id="37" fill="hold">
+                            <p:stCondLst>
+                              <p:cond delay="0"/>
+                            </p:stCondLst>
+                            <p:childTnLst>
+                              <p:par>
+                                <p:cTn id="38" presetID="10" presetClass="entr" presetSubtype="0" fill="hold" grpId="0" nodeType="clickEffect">
+                                  <p:stCondLst>
+                                    <p:cond delay="0"/>
+                                  </p:stCondLst>
+                                  <p:childTnLst>
+                                    <p:set>
+                                      <p:cBhvr>
+                                        <p:cTn id="39" dur="1" fill="hold">
+                                          <p:stCondLst>
+                                            <p:cond delay="0"/>
+                                          </p:stCondLst>
+                                        </p:cTn>
+                                        <p:tgtEl>
+                                          <p:spTgt spid="3">
+                                            <p:txEl>
+                                              <p:pRg st="7" end="7"/>
+                                            </p:txEl>
+                                          </p:spTgt>
+                                        </p:tgtEl>
+                                        <p:attrNameLst>
+                                          <p:attrName>style.visibility</p:attrName>
+                                        </p:attrNameLst>
+                                      </p:cBhvr>
+                                      <p:to>
+                                        <p:strVal val="visible"/>
+                                      </p:to>
+                                    </p:set>
+                                    <p:animEffect transition="in" filter="fade">
+                                      <p:cBhvr>
+                                        <p:cTn id="40" dur="250"/>
+                                        <p:tgtEl>
+                                          <p:spTgt spid="3">
+                                            <p:txEl>
+                                              <p:pRg st="7" end="7"/>
                                             </p:txEl>
                                           </p:spTgt>
                                         </p:tgtEl>
@@ -18411,7 +18760,7 @@
           <p:cNvPr id="2" name="Titel 1">
             <a:extLst>
               <a:ext uri="{FF2B5EF4-FFF2-40B4-BE49-F238E27FC236}">
-                <a16:creationId xmlns:a16="http://schemas.microsoft.com/office/drawing/2014/main" id="{A5E2BFE4-B163-4E87-B413-9C217C864D0E}"/>
+                <a16:creationId xmlns:a16="http://schemas.microsoft.com/office/drawing/2014/main" id="{20B5342C-88E8-4449-ABEB-1678E4ACAB93}"/>
               </a:ext>
             </a:extLst>
           </p:cNvPr>
@@ -18422,36 +18771,148 @@
             <p:ph type="title"/>
           </p:nvPr>
         </p:nvSpPr>
-        <p:spPr>
-          <a:xfrm>
-            <a:off x="742483" y="2903889"/>
-            <a:ext cx="9314796" cy="1391534"/>
-          </a:xfrm>
-        </p:spPr>
+        <p:spPr/>
         <p:txBody>
-          <a:bodyPr>
-            <a:normAutofit/>
-          </a:bodyPr>
+          <a:bodyPr/>
           <a:lstStyle/>
           <a:p>
-            <a:pPr algn="ctr"/>
-            <a:r>
-              <a:rPr lang="de-AT" sz="7200" dirty="0">
+            <a:r>
+              <a:rPr lang="de-AT" dirty="0"/>
+              <a:t>Begriffsdefinitionen</a:t>
+            </a:r>
+            <a:br>
+              <a:rPr lang="de-AT" dirty="0"/>
+            </a:br>
+            <a:r>
+              <a:rPr lang="de-AT" sz="3600" dirty="0">
                 <a:solidFill>
-                  <a:schemeClr val="accent4"/>
+                  <a:schemeClr val="tx1">
+                    <a:lumMod val="60000"/>
+                    <a:lumOff val="40000"/>
+                  </a:schemeClr>
                 </a:solidFill>
               </a:rPr>
-              <a:t>Virtualisierung</a:t>
-            </a:r>
+              <a:t>(Henne-Ei-Problem)</a:t>
+            </a:r>
+            <a:endParaRPr lang="de-AT" dirty="0">
+              <a:solidFill>
+                <a:schemeClr val="tx1">
+                  <a:lumMod val="60000"/>
+                  <a:lumOff val="40000"/>
+                </a:schemeClr>
+              </a:solidFill>
+            </a:endParaRPr>
           </a:p>
         </p:txBody>
       </p:sp>
       <p:sp>
         <p:nvSpPr>
-          <p:cNvPr id="6" name="Textplatzhalter 5">
+          <p:cNvPr id="3" name="Inhaltsplatzhalter 2">
             <a:extLst>
               <a:ext uri="{FF2B5EF4-FFF2-40B4-BE49-F238E27FC236}">
-                <a16:creationId xmlns:a16="http://schemas.microsoft.com/office/drawing/2014/main" id="{80F94615-2F8F-446A-8108-D153B2ED38F3}"/>
+                <a16:creationId xmlns:a16="http://schemas.microsoft.com/office/drawing/2014/main" id="{06550A8B-D4E0-4A02-B7B4-01E5A886913F}"/>
+              </a:ext>
+            </a:extLst>
+          </p:cNvPr>
+          <p:cNvSpPr>
+            <a:spLocks noGrp="1"/>
+          </p:cNvSpPr>
+          <p:nvPr>
+            <p:ph idx="1"/>
+          </p:nvPr>
+        </p:nvSpPr>
+        <p:spPr/>
+        <p:txBody>
+          <a:bodyPr/>
+          <a:lstStyle/>
+          <a:p>
+            <a:pPr marL="0" indent="0">
+              <a:buNone/>
+            </a:pPr>
+            <a:r>
+              <a:rPr lang="de-AT" i="1" dirty="0"/>
+              <a:t>Virtualisierung</a:t>
+            </a:r>
+          </a:p>
+          <a:p>
+            <a:pPr marL="479969" lvl="1" indent="0">
+              <a:buNone/>
+            </a:pPr>
+            <a:r>
+              <a:rPr lang="de-AT" dirty="0"/>
+              <a:t>„Erstellens einer simulierten </a:t>
+            </a:r>
+            <a:r>
+              <a:rPr lang="de-AT" dirty="0" err="1"/>
+              <a:t>Computingumgebung</a:t>
+            </a:r>
+            <a:r>
+              <a:rPr lang="de-AT" dirty="0"/>
+              <a:t> statt einer physischen Version”</a:t>
+            </a:r>
+          </a:p>
+          <a:p>
+            <a:pPr marL="0" indent="0">
+              <a:buNone/>
+            </a:pPr>
+            <a:r>
+              <a:rPr lang="de-AT" i="1" dirty="0"/>
+              <a:t>Image</a:t>
+            </a:r>
+          </a:p>
+          <a:p>
+            <a:pPr marL="479969" lvl="1" indent="0">
+              <a:buNone/>
+            </a:pPr>
+            <a:r>
+              <a:rPr lang="de-AT" dirty="0"/>
+              <a:t>„Bauanleitung für das Erstellen eines Containers”</a:t>
+            </a:r>
+          </a:p>
+          <a:p>
+            <a:pPr marL="0" indent="0">
+              <a:buNone/>
+            </a:pPr>
+            <a:r>
+              <a:rPr lang="de-AT" i="1" dirty="0"/>
+              <a:t>Container</a:t>
+            </a:r>
+          </a:p>
+          <a:p>
+            <a:pPr marL="479969" lvl="1" indent="0">
+              <a:buNone/>
+            </a:pPr>
+            <a:r>
+              <a:rPr lang="de-AT" dirty="0"/>
+              <a:t>„Ein Container ist eine lauffähige Instanz eines Images.”</a:t>
+            </a:r>
+          </a:p>
+          <a:p>
+            <a:pPr marL="0" indent="0">
+              <a:buNone/>
+            </a:pPr>
+            <a:r>
+              <a:rPr lang="de-AT" i="1" dirty="0"/>
+              <a:t>Registry</a:t>
+            </a:r>
+          </a:p>
+          <a:p>
+            <a:pPr marL="479969" lvl="1" indent="0">
+              <a:buNone/>
+            </a:pPr>
+            <a:r>
+              <a:rPr lang="de-AT" dirty="0"/>
+              <a:t>„Verzeichnis für fertige Docker Images”</a:t>
+            </a:r>
+          </a:p>
+        </p:txBody>
+      </p:sp>
+      <p:sp>
+        <p:nvSpPr>
+          <p:cNvPr id="4" name="Textplatzhalter 3">
+            <a:extLst>
+              <a:ext uri="{FF2B5EF4-FFF2-40B4-BE49-F238E27FC236}">
+                <a16:creationId xmlns:a16="http://schemas.microsoft.com/office/drawing/2014/main" id="{984E9746-D047-4A04-9379-10B2976A43E7}"/>
               </a:ext>
             </a:extLst>
           </p:cNvPr>
@@ -18483,16 +18944,13 @@
     </p:spTree>
     <p:extLst>
       <p:ext uri="{BB962C8B-B14F-4D97-AF65-F5344CB8AC3E}">
-        <p14:creationId xmlns:p14="http://schemas.microsoft.com/office/powerpoint/2010/main" val="2434788147"/>
+        <p14:creationId xmlns:p14="http://schemas.microsoft.com/office/powerpoint/2010/main" val="1527858646"/>
       </p:ext>
     </p:extLst>
   </p:cSld>
   <p:clrMapOvr>
     <a:masterClrMapping/>
   </p:clrMapOvr>
-  <p:transition spd="med">
-    <p:push dir="u"/>
-  </p:transition>
 </p:sld>
 </file>
 
@@ -18529,20 +18987,27 @@
             <p:ph type="title"/>
           </p:nvPr>
         </p:nvSpPr>
-        <p:spPr/>
+        <p:spPr>
+          <a:xfrm>
+            <a:off x="742483" y="2903889"/>
+            <a:ext cx="9314796" cy="1391534"/>
+          </a:xfrm>
+        </p:spPr>
         <p:txBody>
-          <a:bodyPr/>
+          <a:bodyPr>
+            <a:normAutofit/>
+          </a:bodyPr>
           <a:lstStyle/>
           <a:p>
-            <a:r>
-              <a:rPr lang="en-US" dirty="0"/>
-              <a:t>Container- vs. </a:t>
-            </a:r>
-            <a:r>
-              <a:rPr lang="en-US" dirty="0" err="1"/>
-              <a:t>Vollvirtualisierung</a:t>
-            </a:r>
-            <a:endParaRPr lang="de-AT" dirty="0"/>
+            <a:pPr algn="ctr"/>
+            <a:r>
+              <a:rPr lang="de-AT" sz="7200" dirty="0">
+                <a:solidFill>
+                  <a:schemeClr val="accent4"/>
+                </a:solidFill>
+              </a:rPr>
+              <a:t>Virtualisierung</a:t>
+            </a:r>
           </a:p>
         </p:txBody>
       </p:sp>
@@ -18575,6 +19040,106 @@
             <a:r>
               <a:rPr lang="en-US" dirty="0"/>
               <a:t>4</a:t>
+            </a:r>
+            <a:endParaRPr lang="de-AT" dirty="0"/>
+          </a:p>
+        </p:txBody>
+      </p:sp>
+    </p:spTree>
+    <p:extLst>
+      <p:ext uri="{BB962C8B-B14F-4D97-AF65-F5344CB8AC3E}">
+        <p14:creationId xmlns:p14="http://schemas.microsoft.com/office/powerpoint/2010/main" val="2434788147"/>
+      </p:ext>
+    </p:extLst>
+  </p:cSld>
+  <p:clrMapOvr>
+    <a:masterClrMapping/>
+  </p:clrMapOvr>
+  <p:transition spd="med">
+    <p:push dir="u"/>
+  </p:transition>
+</p:sld>
+</file>
+
+<file path=ppt/slides/slide6.xml><?xml version="1.0" encoding="utf-8"?>
+<p:sld xmlns:a="http://schemas.openxmlformats.org/drawingml/2006/main" xmlns:r="http://schemas.openxmlformats.org/officeDocument/2006/relationships" xmlns:p="http://schemas.openxmlformats.org/presentationml/2006/main">
+  <p:cSld>
+    <p:spTree>
+      <p:nvGrpSpPr>
+        <p:cNvPr id="1" name=""/>
+        <p:cNvGrpSpPr/>
+        <p:nvPr/>
+      </p:nvGrpSpPr>
+      <p:grpSpPr>
+        <a:xfrm>
+          <a:off x="0" y="0"/>
+          <a:ext cx="0" cy="0"/>
+          <a:chOff x="0" y="0"/>
+          <a:chExt cx="0" cy="0"/>
+        </a:xfrm>
+      </p:grpSpPr>
+      <p:sp>
+        <p:nvSpPr>
+          <p:cNvPr id="2" name="Titel 1">
+            <a:extLst>
+              <a:ext uri="{FF2B5EF4-FFF2-40B4-BE49-F238E27FC236}">
+                <a16:creationId xmlns:a16="http://schemas.microsoft.com/office/drawing/2014/main" id="{A5E2BFE4-B163-4E87-B413-9C217C864D0E}"/>
+              </a:ext>
+            </a:extLst>
+          </p:cNvPr>
+          <p:cNvSpPr>
+            <a:spLocks noGrp="1"/>
+          </p:cNvSpPr>
+          <p:nvPr>
+            <p:ph type="title"/>
+          </p:nvPr>
+        </p:nvSpPr>
+        <p:spPr/>
+        <p:txBody>
+          <a:bodyPr/>
+          <a:lstStyle/>
+          <a:p>
+            <a:r>
+              <a:rPr lang="en-US" dirty="0"/>
+              <a:t>Container- vs. </a:t>
+            </a:r>
+            <a:r>
+              <a:rPr lang="de-AT" dirty="0" err="1"/>
+              <a:t>Vollvirtualisierung</a:t>
+            </a:r>
+            <a:endParaRPr lang="de-AT" dirty="0"/>
+          </a:p>
+        </p:txBody>
+      </p:sp>
+      <p:sp>
+        <p:nvSpPr>
+          <p:cNvPr id="6" name="Textplatzhalter 5">
+            <a:extLst>
+              <a:ext uri="{FF2B5EF4-FFF2-40B4-BE49-F238E27FC236}">
+                <a16:creationId xmlns:a16="http://schemas.microsoft.com/office/drawing/2014/main" id="{80F94615-2F8F-446A-8108-D153B2ED38F3}"/>
+              </a:ext>
+            </a:extLst>
+          </p:cNvPr>
+          <p:cNvSpPr>
+            <a:spLocks noGrp="1"/>
+          </p:cNvSpPr>
+          <p:nvPr>
+            <p:ph type="body" sz="quarter" idx="13"/>
+          </p:nvPr>
+        </p:nvSpPr>
+        <p:spPr>
+          <a:xfrm>
+            <a:off x="9991377" y="6769166"/>
+            <a:ext cx="322525" cy="354071"/>
+          </a:xfrm>
+        </p:spPr>
+        <p:txBody>
+          <a:bodyPr/>
+          <a:lstStyle/>
+          <a:p>
+            <a:r>
+              <a:rPr lang="en-US" dirty="0"/>
+              <a:t>5</a:t>
             </a:r>
             <a:endParaRPr lang="de-AT" dirty="0"/>
           </a:p>
@@ -18829,26 +19394,11 @@
           <a:p>
             <a:pPr algn="ctr"/>
             <a:r>
-              <a:rPr lang="en-US" sz="1400" cap="all" dirty="0" err="1">
+              <a:rPr lang="de-AT" sz="1400" cap="all" dirty="0">
                 <a:latin typeface="+mj-lt"/>
               </a:rPr>
-              <a:t>Virtuelle</a:t>
-            </a:r>
-            <a:r>
-              <a:rPr lang="en-US" sz="1400" cap="all" dirty="0">
-                <a:latin typeface="+mj-lt"/>
-              </a:rPr>
-              <a:t> </a:t>
-            </a:r>
-            <a:r>
-              <a:rPr lang="en-US" sz="1400" cap="all" dirty="0" err="1">
-                <a:latin typeface="+mj-lt"/>
-              </a:rPr>
-              <a:t>Maschine</a:t>
-            </a:r>
-            <a:endParaRPr lang="de-AT" sz="1400" cap="all" dirty="0">
-              <a:latin typeface="+mj-lt"/>
-            </a:endParaRPr>
+              <a:t>Virtuelle Maschine</a:t>
+            </a:r>
           </a:p>
         </p:txBody>
       </p:sp>
@@ -19114,7 +19664,7 @@
 </p:sld>
 </file>
 
-<file path=ppt/slides/slide6.xml><?xml version="1.0" encoding="utf-8"?>
+<file path=ppt/slides/slide7.xml><?xml version="1.0" encoding="utf-8"?>
 <p:sld xmlns:a="http://schemas.openxmlformats.org/drawingml/2006/main" xmlns:r="http://schemas.openxmlformats.org/officeDocument/2006/relationships" xmlns:p="http://schemas.openxmlformats.org/presentationml/2006/main">
   <p:cSld>
     <p:spTree>
@@ -19136,7 +19686,7 @@
           <p:cNvPr id="2" name="Titel 1">
             <a:extLst>
               <a:ext uri="{FF2B5EF4-FFF2-40B4-BE49-F238E27FC236}">
-                <a16:creationId xmlns:a16="http://schemas.microsoft.com/office/drawing/2014/main" id="{4870BAC0-3573-4532-A71C-A607CE25DF99}"/>
+                <a16:creationId xmlns:a16="http://schemas.microsoft.com/office/drawing/2014/main" id="{8710165F-6108-451C-9D0F-ECF0DFE46615}"/>
               </a:ext>
             </a:extLst>
           </p:cNvPr>
@@ -19154,7 +19704,7 @@
           <a:p>
             <a:r>
               <a:rPr lang="de-AT" dirty="0"/>
-              <a:t>Motivation für den Einsatz von Containern</a:t>
+              <a:t>Ein paar Worte Geschichte zur Virtualisierung</a:t>
             </a:r>
           </a:p>
         </p:txBody>
@@ -19164,7 +19714,7 @@
           <p:cNvPr id="3" name="Inhaltsplatzhalter 2">
             <a:extLst>
               <a:ext uri="{FF2B5EF4-FFF2-40B4-BE49-F238E27FC236}">
-                <a16:creationId xmlns:a16="http://schemas.microsoft.com/office/drawing/2014/main" id="{2FAD22F1-AE33-413E-AFD6-54CADAEC39C9}"/>
+                <a16:creationId xmlns:a16="http://schemas.microsoft.com/office/drawing/2014/main" id="{3508B457-CF1C-4FBA-A17B-5ADE2E7DE3EC}"/>
               </a:ext>
             </a:extLst>
           </p:cNvPr>
@@ -19177,75 +19727,110 @@
         </p:nvSpPr>
         <p:spPr/>
         <p:txBody>
-          <a:bodyPr>
-            <a:normAutofit lnSpcReduction="10000"/>
-          </a:bodyPr>
+          <a:bodyPr/>
           <a:lstStyle/>
           <a:p>
+            <a:pPr>
+              <a:spcAft>
+                <a:spcPts val="1200"/>
+              </a:spcAft>
+            </a:pPr>
             <a:r>
               <a:rPr lang="de-AT" dirty="0"/>
-              <a:t>Verpacken von Anwendungen in systemunabhängige Pakete</a:t>
+              <a:t>Virtualisierung seit den 1960ern auf IBMs Mainframes</a:t>
             </a:r>
           </a:p>
           <a:p>
             <a:r>
               <a:rPr lang="de-AT" dirty="0"/>
-              <a:t>Portabilität (</a:t>
-            </a:r>
-            <a:r>
-              <a:rPr lang="de-AT" strike="sngStrike" dirty="0"/>
-              <a:t>“</a:t>
-            </a:r>
-            <a:r>
-              <a:rPr lang="en-US" strike="sngStrike" dirty="0"/>
-              <a:t>works on my machine</a:t>
-            </a:r>
-            <a:r>
-              <a:rPr lang="de-AT" strike="sngStrike" dirty="0"/>
-              <a:t>”</a:t>
-            </a:r>
+              <a:t>2001: erste Virtualisierung ohne </a:t>
+            </a:r>
+            <a:r>
+              <a:rPr lang="de-AT" dirty="0" err="1"/>
+              <a:t>Vollvirtualisierung</a:t>
+            </a:r>
+            <a:endParaRPr lang="de-AT" dirty="0"/>
+          </a:p>
+          <a:p>
             <a:r>
               <a:rPr lang="de-AT" dirty="0"/>
-              <a:t>)</a:t>
-            </a:r>
-          </a:p>
-          <a:p>
+              <a:t>2006: Aufnahme von </a:t>
+            </a:r>
+            <a:r>
+              <a:rPr lang="de-AT" sz="2400" dirty="0" err="1">
+                <a:latin typeface="Fira Code" panose="020B0509050000020004" pitchFamily="49" charset="0"/>
+                <a:ea typeface="Fira Code" panose="020B0509050000020004" pitchFamily="49" charset="0"/>
+              </a:rPr>
+              <a:t>cgroups</a:t>
+            </a:r>
             <a:r>
               <a:rPr lang="de-AT" dirty="0"/>
-              <a:t>Wiederverwendbarkeit</a:t>
+              <a:t> in den Linux-Kernel</a:t>
             </a:r>
           </a:p>
           <a:p>
             <a:r>
               <a:rPr lang="de-AT" dirty="0"/>
-              <a:t>Vereinfachung von CD/CI-Prozessen</a:t>
-            </a:r>
+              <a:t>2008: Implementierung von </a:t>
+            </a:r>
+            <a:r>
+              <a:rPr lang="de-AT" sz="2400" dirty="0" err="1">
+                <a:latin typeface="Fira Code" panose="020B0509050000020004" pitchFamily="49" charset="0"/>
+                <a:ea typeface="Fira Code" panose="020B0509050000020004" pitchFamily="49" charset="0"/>
+              </a:rPr>
+              <a:t>namespaces</a:t>
+            </a:r>
+            <a:endParaRPr lang="de-AT" dirty="0">
+              <a:latin typeface="Fira Code" panose="020B0509050000020004" pitchFamily="49" charset="0"/>
+              <a:ea typeface="Fira Code" panose="020B0509050000020004" pitchFamily="49" charset="0"/>
+            </a:endParaRPr>
           </a:p>
           <a:p>
             <a:r>
               <a:rPr lang="de-AT" dirty="0"/>
-              <a:t>Leichtgewichtigkeit</a:t>
-            </a:r>
-          </a:p>
-          <a:p>
-            <a:pPr lvl="1"/>
+              <a:t>2008: Entwicklung von </a:t>
+            </a:r>
+            <a:r>
+              <a:rPr lang="de-AT" i="1" dirty="0"/>
+              <a:t>LXC</a:t>
+            </a:r>
+          </a:p>
+          <a:p>
             <a:r>
               <a:rPr lang="de-AT" dirty="0"/>
-              <a:t>Speicherverbrauch</a:t>
-            </a:r>
-          </a:p>
-          <a:p>
-            <a:pPr lvl="1"/>
+              <a:t>2013: Docker wird vorgestellt</a:t>
+            </a:r>
+          </a:p>
+          <a:p>
             <a:r>
               <a:rPr lang="de-AT" dirty="0"/>
-              <a:t>Startzeit</a:t>
-            </a:r>
-          </a:p>
-          <a:p>
-            <a:pPr lvl="1"/>
+              <a:t>2014: Docker 1.0 mit </a:t>
+            </a:r>
+            <a:r>
+              <a:rPr lang="de-AT" i="1" dirty="0" err="1"/>
+              <a:t>libcontainer</a:t>
+            </a:r>
             <a:r>
               <a:rPr lang="de-AT" dirty="0"/>
-              <a:t>Prozessorauslastung (Stromverbrauch in großen Datenzentren)</a:t>
+              <a:t> statt </a:t>
+            </a:r>
+            <a:r>
+              <a:rPr lang="de-AT" i="1" dirty="0"/>
+              <a:t>LXC</a:t>
+            </a:r>
+          </a:p>
+          <a:p>
+            <a:r>
+              <a:rPr lang="de-AT" dirty="0"/>
+              <a:t>2015: Docker tritt der </a:t>
+            </a:r>
+            <a:r>
+              <a:rPr lang="de-AT" i="1" dirty="0"/>
+              <a:t>Open Container Initiative</a:t>
+            </a:r>
+            <a:r>
+              <a:rPr lang="de-AT" dirty="0"/>
+              <a:t> bei</a:t>
             </a:r>
           </a:p>
         </p:txBody>
@@ -19255,7 +19840,7 @@
           <p:cNvPr id="4" name="Textplatzhalter 3">
             <a:extLst>
               <a:ext uri="{FF2B5EF4-FFF2-40B4-BE49-F238E27FC236}">
-                <a16:creationId xmlns:a16="http://schemas.microsoft.com/office/drawing/2014/main" id="{C7046D4B-1BE9-4308-B2FA-8052E2DD0491}"/>
+                <a16:creationId xmlns:a16="http://schemas.microsoft.com/office/drawing/2014/main" id="{CE21F0BC-7FDA-450F-90EE-D333BD515D9D}"/>
               </a:ext>
             </a:extLst>
           </p:cNvPr>
@@ -19268,8 +19853,8 @@
         </p:nvSpPr>
         <p:spPr>
           <a:xfrm>
-            <a:off x="9991378" y="6769166"/>
-            <a:ext cx="322524" cy="354071"/>
+            <a:off x="9991377" y="6769166"/>
+            <a:ext cx="322525" cy="354071"/>
           </a:xfrm>
         </p:spPr>
         <p:txBody>
@@ -19278,7 +19863,7 @@
           <a:p>
             <a:r>
               <a:rPr lang="en-US" dirty="0"/>
-              <a:t>5</a:t>
+              <a:t>6</a:t>
             </a:r>
             <a:endParaRPr lang="de-AT" dirty="0"/>
           </a:p>
@@ -19287,7 +19872,7 @@
     </p:spTree>
     <p:extLst>
       <p:ext uri="{BB962C8B-B14F-4D97-AF65-F5344CB8AC3E}">
-        <p14:creationId xmlns:p14="http://schemas.microsoft.com/office/powerpoint/2010/main" val="3611429642"/>
+        <p14:creationId xmlns:p14="http://schemas.microsoft.com/office/powerpoint/2010/main" val="2390891013"/>
       </p:ext>
     </p:extLst>
   </p:cSld>
@@ -19604,347 +20189,33 @@
                                   </p:childTnLst>
                                 </p:cTn>
                               </p:par>
-                              <p:par>
-                                <p:cTn id="28" presetID="10" presetClass="entr" presetSubtype="0" fill="hold" grpId="0" nodeType="withEffect">
-                                  <p:stCondLst>
-                                    <p:cond delay="0"/>
-                                  </p:stCondLst>
-                                  <p:childTnLst>
-                                    <p:set>
-                                      <p:cBhvr>
-                                        <p:cTn id="29" dur="1" fill="hold">
-                                          <p:stCondLst>
-                                            <p:cond delay="0"/>
-                                          </p:stCondLst>
-                                        </p:cTn>
-                                        <p:tgtEl>
-                                          <p:spTgt spid="3">
-                                            <p:txEl>
-                                              <p:pRg st="5" end="5"/>
-                                            </p:txEl>
-                                          </p:spTgt>
-                                        </p:tgtEl>
-                                        <p:attrNameLst>
-                                          <p:attrName>style.visibility</p:attrName>
-                                        </p:attrNameLst>
-                                      </p:cBhvr>
-                                      <p:to>
-                                        <p:strVal val="visible"/>
-                                      </p:to>
-                                    </p:set>
-                                    <p:animEffect transition="in" filter="fade">
-                                      <p:cBhvr>
-                                        <p:cTn id="30" dur="250"/>
-                                        <p:tgtEl>
-                                          <p:spTgt spid="3">
-                                            <p:txEl>
-                                              <p:pRg st="5" end="5"/>
-                                            </p:txEl>
-                                          </p:spTgt>
-                                        </p:tgtEl>
-                                      </p:cBhvr>
-                                    </p:animEffect>
-                                  </p:childTnLst>
-                                </p:cTn>
-                              </p:par>
-                              <p:par>
-                                <p:cTn id="31" presetID="10" presetClass="entr" presetSubtype="0" fill="hold" grpId="0" nodeType="withEffect">
-                                  <p:stCondLst>
-                                    <p:cond delay="0"/>
-                                  </p:stCondLst>
-                                  <p:childTnLst>
-                                    <p:set>
-                                      <p:cBhvr>
-                                        <p:cTn id="32" dur="1" fill="hold">
-                                          <p:stCondLst>
-                                            <p:cond delay="0"/>
-                                          </p:stCondLst>
-                                        </p:cTn>
-                                        <p:tgtEl>
-                                          <p:spTgt spid="3">
-                                            <p:txEl>
-                                              <p:pRg st="6" end="6"/>
-                                            </p:txEl>
-                                          </p:spTgt>
-                                        </p:tgtEl>
-                                        <p:attrNameLst>
-                                          <p:attrName>style.visibility</p:attrName>
-                                        </p:attrNameLst>
-                                      </p:cBhvr>
-                                      <p:to>
-                                        <p:strVal val="visible"/>
-                                      </p:to>
-                                    </p:set>
-                                    <p:animEffect transition="in" filter="fade">
-                                      <p:cBhvr>
-                                        <p:cTn id="33" dur="250"/>
-                                        <p:tgtEl>
-                                          <p:spTgt spid="3">
-                                            <p:txEl>
-                                              <p:pRg st="6" end="6"/>
-                                            </p:txEl>
-                                          </p:spTgt>
-                                        </p:tgtEl>
-                                      </p:cBhvr>
-                                    </p:animEffect>
-                                  </p:childTnLst>
-                                </p:cTn>
-                              </p:par>
-                              <p:par>
-                                <p:cTn id="34" presetID="10" presetClass="entr" presetSubtype="0" fill="hold" grpId="0" nodeType="withEffect">
-                                  <p:stCondLst>
-                                    <p:cond delay="0"/>
-                                  </p:stCondLst>
-                                  <p:childTnLst>
-                                    <p:set>
-                                      <p:cBhvr>
-                                        <p:cTn id="35" dur="1" fill="hold">
-                                          <p:stCondLst>
-                                            <p:cond delay="0"/>
-                                          </p:stCondLst>
-                                        </p:cTn>
-                                        <p:tgtEl>
-                                          <p:spTgt spid="3">
-                                            <p:txEl>
-                                              <p:pRg st="7" end="7"/>
-                                            </p:txEl>
-                                          </p:spTgt>
-                                        </p:tgtEl>
-                                        <p:attrNameLst>
-                                          <p:attrName>style.visibility</p:attrName>
-                                        </p:attrNameLst>
-                                      </p:cBhvr>
-                                      <p:to>
-                                        <p:strVal val="visible"/>
-                                      </p:to>
-                                    </p:set>
-                                    <p:animEffect transition="in" filter="fade">
-                                      <p:cBhvr>
-                                        <p:cTn id="36" dur="250"/>
-                                        <p:tgtEl>
-                                          <p:spTgt spid="3">
-                                            <p:txEl>
-                                              <p:pRg st="7" end="7"/>
-                                            </p:txEl>
-                                          </p:spTgt>
-                                        </p:tgtEl>
-                                      </p:cBhvr>
-                                    </p:animEffect>
-                                  </p:childTnLst>
-                                </p:cTn>
-                              </p:par>
                             </p:childTnLst>
                           </p:cTn>
                         </p:par>
                       </p:childTnLst>
                     </p:cTn>
                   </p:par>
-                </p:childTnLst>
-              </p:cTn>
-              <p:prevCondLst>
-                <p:cond evt="onPrev" delay="0">
-                  <p:tgtEl>
-                    <p:sldTgt/>
-                  </p:tgtEl>
-                </p:cond>
-              </p:prevCondLst>
-              <p:nextCondLst>
-                <p:cond evt="onNext" delay="0">
-                  <p:tgtEl>
-                    <p:sldTgt/>
-                  </p:tgtEl>
-                </p:cond>
-              </p:nextCondLst>
-            </p:seq>
-          </p:childTnLst>
-        </p:cTn>
-      </p:par>
-    </p:tnLst>
-    <p:bldLst>
-      <p:bldP spid="3" grpId="0" build="p"/>
-    </p:bldLst>
-  </p:timing>
-</p:sld>
-</file>
-
-<file path=ppt/slides/slide7.xml><?xml version="1.0" encoding="utf-8"?>
-<p:sld xmlns:a="http://schemas.openxmlformats.org/drawingml/2006/main" xmlns:r="http://schemas.openxmlformats.org/officeDocument/2006/relationships" xmlns:p="http://schemas.openxmlformats.org/presentationml/2006/main">
-  <p:cSld>
-    <p:spTree>
-      <p:nvGrpSpPr>
-        <p:cNvPr id="1" name=""/>
-        <p:cNvGrpSpPr/>
-        <p:nvPr/>
-      </p:nvGrpSpPr>
-      <p:grpSpPr>
-        <a:xfrm>
-          <a:off x="0" y="0"/>
-          <a:ext cx="0" cy="0"/>
-          <a:chOff x="0" y="0"/>
-          <a:chExt cx="0" cy="0"/>
-        </a:xfrm>
-      </p:grpSpPr>
-      <p:sp>
-        <p:nvSpPr>
-          <p:cNvPr id="2" name="Titel 1">
-            <a:extLst>
-              <a:ext uri="{FF2B5EF4-FFF2-40B4-BE49-F238E27FC236}">
-                <a16:creationId xmlns:a16="http://schemas.microsoft.com/office/drawing/2014/main" id="{B975219C-0293-4F5C-A2AF-E37186CC5C15}"/>
-              </a:ext>
-            </a:extLst>
-          </p:cNvPr>
-          <p:cNvSpPr>
-            <a:spLocks noGrp="1"/>
-          </p:cNvSpPr>
-          <p:nvPr>
-            <p:ph type="title"/>
-          </p:nvPr>
-        </p:nvSpPr>
-        <p:spPr/>
-        <p:txBody>
-          <a:bodyPr/>
-          <a:lstStyle/>
-          <a:p>
-            <a:r>
-              <a:rPr lang="en-US" dirty="0"/>
-              <a:t>Docker, Inc.</a:t>
-            </a:r>
-            <a:endParaRPr lang="de-AT" dirty="0"/>
-          </a:p>
-        </p:txBody>
-      </p:sp>
-      <p:sp>
-        <p:nvSpPr>
-          <p:cNvPr id="3" name="Inhaltsplatzhalter 2">
-            <a:extLst>
-              <a:ext uri="{FF2B5EF4-FFF2-40B4-BE49-F238E27FC236}">
-                <a16:creationId xmlns:a16="http://schemas.microsoft.com/office/drawing/2014/main" id="{379A5214-DD4E-4FAD-90C3-4DF8F5AAA38C}"/>
-              </a:ext>
-            </a:extLst>
-          </p:cNvPr>
-          <p:cNvSpPr>
-            <a:spLocks noGrp="1"/>
-          </p:cNvSpPr>
-          <p:nvPr>
-            <p:ph idx="1"/>
-          </p:nvPr>
-        </p:nvSpPr>
-        <p:spPr/>
-        <p:txBody>
-          <a:bodyPr/>
-          <a:lstStyle/>
-          <a:p>
-            <a:r>
-              <a:rPr lang="en-US" dirty="0"/>
-              <a:t>Docker Community Edition</a:t>
-            </a:r>
-          </a:p>
-          <a:p>
-            <a:r>
-              <a:rPr lang="en-US" dirty="0"/>
-              <a:t>Docker Enterprise Edition</a:t>
-            </a:r>
-          </a:p>
-          <a:p>
-            <a:r>
-              <a:rPr lang="en-US" dirty="0"/>
-              <a:t>Docker vs. Moby</a:t>
-            </a:r>
-          </a:p>
-          <a:p>
-            <a:r>
-              <a:rPr lang="en-US" dirty="0"/>
-              <a:t>Open Container Initiative (OCI)</a:t>
-            </a:r>
-          </a:p>
-          <a:p>
-            <a:pPr lvl="1"/>
-            <a:r>
-              <a:rPr lang="de-AT" dirty="0">
-                <a:hlinkClick r:id="rId3"/>
-              </a:rPr>
-              <a:t>https://www.opencontainers.org/</a:t>
-            </a:r>
-            <a:endParaRPr lang="de-AT" dirty="0"/>
-          </a:p>
-        </p:txBody>
-      </p:sp>
-      <p:sp>
-        <p:nvSpPr>
-          <p:cNvPr id="4" name="Textplatzhalter 3">
-            <a:extLst>
-              <a:ext uri="{FF2B5EF4-FFF2-40B4-BE49-F238E27FC236}">
-                <a16:creationId xmlns:a16="http://schemas.microsoft.com/office/drawing/2014/main" id="{0E8C06A1-6926-42F6-B751-58B9E9E22E44}"/>
-              </a:ext>
-            </a:extLst>
-          </p:cNvPr>
-          <p:cNvSpPr>
-            <a:spLocks noGrp="1"/>
-          </p:cNvSpPr>
-          <p:nvPr>
-            <p:ph type="body" sz="quarter" idx="13"/>
-          </p:nvPr>
-        </p:nvSpPr>
-        <p:spPr>
-          <a:xfrm>
-            <a:off x="9991378" y="6769166"/>
-            <a:ext cx="322524" cy="354071"/>
-          </a:xfrm>
-        </p:spPr>
-        <p:txBody>
-          <a:bodyPr/>
-          <a:lstStyle/>
-          <a:p>
-            <a:r>
-              <a:rPr lang="en-US" dirty="0"/>
-              <a:t>6</a:t>
-            </a:r>
-            <a:endParaRPr lang="de-AT" dirty="0"/>
-          </a:p>
-        </p:txBody>
-      </p:sp>
-    </p:spTree>
-    <p:extLst>
-      <p:ext uri="{BB962C8B-B14F-4D97-AF65-F5344CB8AC3E}">
-        <p14:creationId xmlns:p14="http://schemas.microsoft.com/office/powerpoint/2010/main" val="3008477844"/>
-      </p:ext>
-    </p:extLst>
-  </p:cSld>
-  <p:clrMapOvr>
-    <a:masterClrMapping/>
-  </p:clrMapOvr>
-  <p:transition spd="med">
-    <p:push dir="u"/>
-  </p:transition>
-  <p:timing>
-    <p:tnLst>
-      <p:par>
-        <p:cTn id="1" dur="indefinite" restart="never" nodeType="tmRoot">
-          <p:childTnLst>
-            <p:seq concurrent="1" nextAc="seek">
-              <p:cTn id="2" dur="indefinite" nodeType="mainSeq">
-                <p:childTnLst>
                   <p:par>
-                    <p:cTn id="3" fill="hold">
+                    <p:cTn id="28" fill="hold">
                       <p:stCondLst>
                         <p:cond delay="indefinite"/>
                       </p:stCondLst>
                       <p:childTnLst>
                         <p:par>
-                          <p:cTn id="4" fill="hold">
+                          <p:cTn id="29" fill="hold">
                             <p:stCondLst>
                               <p:cond delay="0"/>
                             </p:stCondLst>
                             <p:childTnLst>
                               <p:par>
-                                <p:cTn id="5" presetID="10" presetClass="entr" presetSubtype="0" fill="hold" grpId="0" nodeType="clickEffect">
+                                <p:cTn id="30" presetID="10" presetClass="entr" presetSubtype="0" fill="hold" grpId="0" nodeType="clickEffect">
                                   <p:stCondLst>
                                     <p:cond delay="0"/>
                                   </p:stCondLst>
                                   <p:childTnLst>
                                     <p:set>
                                       <p:cBhvr>
-                                        <p:cTn id="6" dur="1" fill="hold">
+                                        <p:cTn id="31" dur="1" fill="hold">
                                           <p:stCondLst>
                                             <p:cond delay="0"/>
                                           </p:stCondLst>
@@ -19952,7 +20223,7 @@
                                         <p:tgtEl>
                                           <p:spTgt spid="3">
                                             <p:txEl>
-                                              <p:pRg st="0" end="0"/>
+                                              <p:pRg st="5" end="5"/>
                                             </p:txEl>
                                           </p:spTgt>
                                         </p:tgtEl>
@@ -19966,11 +20237,11 @@
                                     </p:set>
                                     <p:animEffect transition="in" filter="fade">
                                       <p:cBhvr>
-                                        <p:cTn id="7" dur="250"/>
+                                        <p:cTn id="32" dur="250"/>
                                         <p:tgtEl>
                                           <p:spTgt spid="3">
                                             <p:txEl>
-                                              <p:pRg st="0" end="0"/>
+                                              <p:pRg st="5" end="5"/>
                                             </p:txEl>
                                           </p:spTgt>
                                         </p:tgtEl>
@@ -19986,26 +20257,26 @@
                     </p:cTn>
                   </p:par>
                   <p:par>
-                    <p:cTn id="8" fill="hold">
+                    <p:cTn id="33" fill="hold">
                       <p:stCondLst>
                         <p:cond delay="indefinite"/>
                       </p:stCondLst>
                       <p:childTnLst>
                         <p:par>
-                          <p:cTn id="9" fill="hold">
+                          <p:cTn id="34" fill="hold">
                             <p:stCondLst>
                               <p:cond delay="0"/>
                             </p:stCondLst>
                             <p:childTnLst>
                               <p:par>
-                                <p:cTn id="10" presetID="10" presetClass="entr" presetSubtype="0" fill="hold" grpId="0" nodeType="clickEffect">
+                                <p:cTn id="35" presetID="10" presetClass="entr" presetSubtype="0" fill="hold" grpId="0" nodeType="clickEffect">
                                   <p:stCondLst>
                                     <p:cond delay="0"/>
                                   </p:stCondLst>
                                   <p:childTnLst>
                                     <p:set>
                                       <p:cBhvr>
-                                        <p:cTn id="11" dur="1" fill="hold">
+                                        <p:cTn id="36" dur="1" fill="hold">
                                           <p:stCondLst>
                                             <p:cond delay="0"/>
                                           </p:stCondLst>
@@ -20013,7 +20284,7 @@
                                         <p:tgtEl>
                                           <p:spTgt spid="3">
                                             <p:txEl>
-                                              <p:pRg st="1" end="1"/>
+                                              <p:pRg st="6" end="6"/>
                                             </p:txEl>
                                           </p:spTgt>
                                         </p:tgtEl>
@@ -20027,11 +20298,11 @@
                                     </p:set>
                                     <p:animEffect transition="in" filter="fade">
                                       <p:cBhvr>
-                                        <p:cTn id="12" dur="250"/>
+                                        <p:cTn id="37" dur="250"/>
                                         <p:tgtEl>
                                           <p:spTgt spid="3">
                                             <p:txEl>
-                                              <p:pRg st="1" end="1"/>
+                                              <p:pRg st="6" end="6"/>
                                             </p:txEl>
                                           </p:spTgt>
                                         </p:tgtEl>
@@ -20047,26 +20318,26 @@
                     </p:cTn>
                   </p:par>
                   <p:par>
-                    <p:cTn id="13" fill="hold">
+                    <p:cTn id="38" fill="hold">
                       <p:stCondLst>
                         <p:cond delay="indefinite"/>
                       </p:stCondLst>
                       <p:childTnLst>
                         <p:par>
-                          <p:cTn id="14" fill="hold">
+                          <p:cTn id="39" fill="hold">
                             <p:stCondLst>
                               <p:cond delay="0"/>
                             </p:stCondLst>
                             <p:childTnLst>
                               <p:par>
-                                <p:cTn id="15" presetID="10" presetClass="entr" presetSubtype="0" fill="hold" grpId="0" nodeType="clickEffect">
+                                <p:cTn id="40" presetID="10" presetClass="entr" presetSubtype="0" fill="hold" grpId="0" nodeType="clickEffect">
                                   <p:stCondLst>
                                     <p:cond delay="0"/>
                                   </p:stCondLst>
                                   <p:childTnLst>
                                     <p:set>
                                       <p:cBhvr>
-                                        <p:cTn id="16" dur="1" fill="hold">
+                                        <p:cTn id="41" dur="1" fill="hold">
                                           <p:stCondLst>
                                             <p:cond delay="0"/>
                                           </p:stCondLst>
@@ -20074,7 +20345,7 @@
                                         <p:tgtEl>
                                           <p:spTgt spid="3">
                                             <p:txEl>
-                                              <p:pRg st="2" end="2"/>
+                                              <p:pRg st="7" end="7"/>
                                             </p:txEl>
                                           </p:spTgt>
                                         </p:tgtEl>
@@ -20088,115 +20359,11 @@
                                     </p:set>
                                     <p:animEffect transition="in" filter="fade">
                                       <p:cBhvr>
-                                        <p:cTn id="17" dur="250"/>
+                                        <p:cTn id="42" dur="250"/>
                                         <p:tgtEl>
                                           <p:spTgt spid="3">
                                             <p:txEl>
-                                              <p:pRg st="2" end="2"/>
-                                            </p:txEl>
-                                          </p:spTgt>
-                                        </p:tgtEl>
-                                      </p:cBhvr>
-                                    </p:animEffect>
-                                  </p:childTnLst>
-                                </p:cTn>
-                              </p:par>
-                            </p:childTnLst>
-                          </p:cTn>
-                        </p:par>
-                      </p:childTnLst>
-                    </p:cTn>
-                  </p:par>
-                  <p:par>
-                    <p:cTn id="18" fill="hold">
-                      <p:stCondLst>
-                        <p:cond delay="indefinite"/>
-                      </p:stCondLst>
-                      <p:childTnLst>
-                        <p:par>
-                          <p:cTn id="19" fill="hold">
-                            <p:stCondLst>
-                              <p:cond delay="0"/>
-                            </p:stCondLst>
-                            <p:childTnLst>
-                              <p:par>
-                                <p:cTn id="20" presetID="10" presetClass="entr" presetSubtype="0" fill="hold" grpId="0" nodeType="clickEffect">
-                                  <p:stCondLst>
-                                    <p:cond delay="0"/>
-                                  </p:stCondLst>
-                                  <p:childTnLst>
-                                    <p:set>
-                                      <p:cBhvr>
-                                        <p:cTn id="21" dur="1" fill="hold">
-                                          <p:stCondLst>
-                                            <p:cond delay="0"/>
-                                          </p:stCondLst>
-                                        </p:cTn>
-                                        <p:tgtEl>
-                                          <p:spTgt spid="3">
-                                            <p:txEl>
-                                              <p:pRg st="3" end="3"/>
-                                            </p:txEl>
-                                          </p:spTgt>
-                                        </p:tgtEl>
-                                        <p:attrNameLst>
-                                          <p:attrName>style.visibility</p:attrName>
-                                        </p:attrNameLst>
-                                      </p:cBhvr>
-                                      <p:to>
-                                        <p:strVal val="visible"/>
-                                      </p:to>
-                                    </p:set>
-                                    <p:animEffect transition="in" filter="fade">
-                                      <p:cBhvr>
-                                        <p:cTn id="22" dur="250"/>
-                                        <p:tgtEl>
-                                          <p:spTgt spid="3">
-                                            <p:txEl>
-                                              <p:pRg st="3" end="3"/>
-                                            </p:txEl>
-                                          </p:spTgt>
-                                        </p:tgtEl>
-                                      </p:cBhvr>
-                                    </p:animEffect>
-                                  </p:childTnLst>
-                                </p:cTn>
-                              </p:par>
-                              <p:par>
-                                <p:cTn id="23" presetID="10" presetClass="entr" presetSubtype="0" fill="hold" grpId="0" nodeType="withEffect">
-                                  <p:stCondLst>
-                                    <p:cond delay="0"/>
-                                  </p:stCondLst>
-                                  <p:childTnLst>
-                                    <p:set>
-                                      <p:cBhvr>
-                                        <p:cTn id="24" dur="1" fill="hold">
-                                          <p:stCondLst>
-                                            <p:cond delay="0"/>
-                                          </p:stCondLst>
-                                        </p:cTn>
-                                        <p:tgtEl>
-                                          <p:spTgt spid="3">
-                                            <p:txEl>
-                                              <p:pRg st="4" end="4"/>
-                                            </p:txEl>
-                                          </p:spTgt>
-                                        </p:tgtEl>
-                                        <p:attrNameLst>
-                                          <p:attrName>style.visibility</p:attrName>
-                                        </p:attrNameLst>
-                                      </p:cBhvr>
-                                      <p:to>
-                                        <p:strVal val="visible"/>
-                                      </p:to>
-                                    </p:set>
-                                    <p:animEffect transition="in" filter="fade">
-                                      <p:cBhvr>
-                                        <p:cTn id="25" dur="250"/>
-                                        <p:tgtEl>
-                                          <p:spTgt spid="3">
-                                            <p:txEl>
-                                              <p:pRg st="4" end="4"/>
+                                              <p:pRg st="7" end="7"/>
                                             </p:txEl>
                                           </p:spTgt>
                                         </p:tgtEl>
@@ -20261,7 +20428,7 @@
           <p:cNvPr id="2" name="Titel 1">
             <a:extLst>
               <a:ext uri="{FF2B5EF4-FFF2-40B4-BE49-F238E27FC236}">
-                <a16:creationId xmlns:a16="http://schemas.microsoft.com/office/drawing/2014/main" id="{8710165F-6108-451C-9D0F-ECF0DFE46615}"/>
+                <a16:creationId xmlns:a16="http://schemas.microsoft.com/office/drawing/2014/main" id="{4870BAC0-3573-4532-A71C-A607CE25DF99}"/>
               </a:ext>
             </a:extLst>
           </p:cNvPr>
@@ -20279,7 +20446,7 @@
           <a:p>
             <a:r>
               <a:rPr lang="de-AT" dirty="0"/>
-              <a:t>Ein paar Worte Geschichte</a:t>
+              <a:t>Motivation für den Einsatz von Containern</a:t>
             </a:r>
           </a:p>
         </p:txBody>
@@ -20289,7 +20456,7 @@
           <p:cNvPr id="3" name="Inhaltsplatzhalter 2">
             <a:extLst>
               <a:ext uri="{FF2B5EF4-FFF2-40B4-BE49-F238E27FC236}">
-                <a16:creationId xmlns:a16="http://schemas.microsoft.com/office/drawing/2014/main" id="{3508B457-CF1C-4FBA-A17B-5ADE2E7DE3EC}"/>
+                <a16:creationId xmlns:a16="http://schemas.microsoft.com/office/drawing/2014/main" id="{2FAD22F1-AE33-413E-AFD6-54CADAEC39C9}"/>
               </a:ext>
             </a:extLst>
           </p:cNvPr>
@@ -20302,110 +20469,75 @@
         </p:nvSpPr>
         <p:spPr/>
         <p:txBody>
-          <a:bodyPr/>
+          <a:bodyPr>
+            <a:normAutofit lnSpcReduction="10000"/>
+          </a:bodyPr>
           <a:lstStyle/>
           <a:p>
-            <a:pPr>
-              <a:spcAft>
-                <a:spcPts val="1200"/>
-              </a:spcAft>
-            </a:pPr>
             <a:r>
               <a:rPr lang="de-AT" dirty="0"/>
-              <a:t>Virtualisierung seit den 1960ern auf IBMs Mainframes</a:t>
+              <a:t>Verpacken von Anwendungen in systemunabhängige Pakete</a:t>
             </a:r>
           </a:p>
           <a:p>
             <a:r>
               <a:rPr lang="de-AT" dirty="0"/>
-              <a:t>2001: erste Virtualisierung ohne </a:t>
-            </a:r>
-            <a:r>
-              <a:rPr lang="de-AT" dirty="0" err="1"/>
-              <a:t>Vollvirtualisierung</a:t>
-            </a:r>
-            <a:endParaRPr lang="de-AT" dirty="0"/>
-          </a:p>
-          <a:p>
+              <a:t>Portabilität (</a:t>
+            </a:r>
+            <a:r>
+              <a:rPr lang="de-AT" strike="sngStrike" dirty="0"/>
+              <a:t>“</a:t>
+            </a:r>
+            <a:r>
+              <a:rPr lang="en-US" strike="sngStrike" dirty="0"/>
+              <a:t>works on my machine</a:t>
+            </a:r>
+            <a:r>
+              <a:rPr lang="de-AT" strike="sngStrike" dirty="0"/>
+              <a:t>”</a:t>
+            </a:r>
             <a:r>
               <a:rPr lang="de-AT" dirty="0"/>
-              <a:t>2006: Aufnahme von </a:t>
-            </a:r>
-            <a:r>
-              <a:rPr lang="de-AT" sz="2400" dirty="0" err="1">
-                <a:latin typeface="Fira Code" panose="020B0509050000020004" pitchFamily="49" charset="0"/>
-                <a:ea typeface="Fira Code" panose="020B0509050000020004" pitchFamily="49" charset="0"/>
-              </a:rPr>
-              <a:t>cgroups</a:t>
-            </a:r>
+              <a:t>)</a:t>
+            </a:r>
+          </a:p>
+          <a:p>
             <a:r>
               <a:rPr lang="de-AT" dirty="0"/>
-              <a:t> in den Linux-Kernel</a:t>
+              <a:t>Wiederverwendbarkeit</a:t>
             </a:r>
           </a:p>
           <a:p>
             <a:r>
               <a:rPr lang="de-AT" dirty="0"/>
-              <a:t>2008: Implementierung von </a:t>
-            </a:r>
-            <a:r>
-              <a:rPr lang="de-AT" sz="2400" dirty="0" err="1">
-                <a:latin typeface="Fira Code" panose="020B0509050000020004" pitchFamily="49" charset="0"/>
-                <a:ea typeface="Fira Code" panose="020B0509050000020004" pitchFamily="49" charset="0"/>
-              </a:rPr>
-              <a:t>namespaces</a:t>
-            </a:r>
-            <a:endParaRPr lang="de-AT" dirty="0">
-              <a:latin typeface="Fira Code" panose="020B0509050000020004" pitchFamily="49" charset="0"/>
-              <a:ea typeface="Fira Code" panose="020B0509050000020004" pitchFamily="49" charset="0"/>
-            </a:endParaRPr>
+              <a:t>Vereinfachung von CD/CI-Prozessen</a:t>
+            </a:r>
           </a:p>
           <a:p>
             <a:r>
               <a:rPr lang="de-AT" dirty="0"/>
-              <a:t>2008: Entwicklung von </a:t>
-            </a:r>
-            <a:r>
-              <a:rPr lang="de-AT" i="1" dirty="0"/>
-              <a:t>LXC</a:t>
-            </a:r>
-          </a:p>
-          <a:p>
+              <a:t>Leichtgewichtigkeit</a:t>
+            </a:r>
+          </a:p>
+          <a:p>
+            <a:pPr lvl="1"/>
             <a:r>
               <a:rPr lang="de-AT" dirty="0"/>
-              <a:t>2013: Docker wird vorgestellt</a:t>
-            </a:r>
-          </a:p>
-          <a:p>
+              <a:t>Speicherverbrauch</a:t>
+            </a:r>
+          </a:p>
+          <a:p>
+            <a:pPr lvl="1"/>
             <a:r>
               <a:rPr lang="de-AT" dirty="0"/>
-              <a:t>2014: Docker 1.0 mit </a:t>
-            </a:r>
-            <a:r>
-              <a:rPr lang="de-AT" i="1" dirty="0" err="1"/>
-              <a:t>libcontainer</a:t>
-            </a:r>
+              <a:t>Startzeit</a:t>
+            </a:r>
+          </a:p>
+          <a:p>
+            <a:pPr lvl="1"/>
             <a:r>
               <a:rPr lang="de-AT" dirty="0"/>
-              <a:t> statt </a:t>
-            </a:r>
-            <a:r>
-              <a:rPr lang="de-AT" i="1" dirty="0"/>
-              <a:t>LXC</a:t>
-            </a:r>
-          </a:p>
-          <a:p>
-            <a:r>
-              <a:rPr lang="de-AT" dirty="0"/>
-              <a:t>2015: Docker tritt der </a:t>
-            </a:r>
-            <a:r>
-              <a:rPr lang="de-AT" i="1" dirty="0"/>
-              <a:t>Open Container Initiative</a:t>
-            </a:r>
-            <a:r>
-              <a:rPr lang="de-AT" dirty="0"/>
-              <a:t> bei</a:t>
+              <a:t>Prozessorauslastung (Stromverbrauch in großen Datenzentren)</a:t>
             </a:r>
           </a:p>
         </p:txBody>
@@ -20415,7 +20547,7 @@
           <p:cNvPr id="4" name="Textplatzhalter 3">
             <a:extLst>
               <a:ext uri="{FF2B5EF4-FFF2-40B4-BE49-F238E27FC236}">
-                <a16:creationId xmlns:a16="http://schemas.microsoft.com/office/drawing/2014/main" id="{CE21F0BC-7FDA-450F-90EE-D333BD515D9D}"/>
+                <a16:creationId xmlns:a16="http://schemas.microsoft.com/office/drawing/2014/main" id="{C7046D4B-1BE9-4308-B2FA-8052E2DD0491}"/>
               </a:ext>
             </a:extLst>
           </p:cNvPr>
@@ -20428,8 +20560,8 @@
         </p:nvSpPr>
         <p:spPr>
           <a:xfrm>
-            <a:off x="9991378" y="6769166"/>
-            <a:ext cx="322524" cy="354071"/>
+            <a:off x="9991377" y="6769166"/>
+            <a:ext cx="322525" cy="354071"/>
           </a:xfrm>
         </p:spPr>
         <p:txBody>
@@ -20447,7 +20579,7 @@
     </p:spTree>
     <p:extLst>
       <p:ext uri="{BB962C8B-B14F-4D97-AF65-F5344CB8AC3E}">
-        <p14:creationId xmlns:p14="http://schemas.microsoft.com/office/powerpoint/2010/main" val="2390891013"/>
+        <p14:creationId xmlns:p14="http://schemas.microsoft.com/office/powerpoint/2010/main" val="3611429642"/>
       </p:ext>
     </p:extLst>
   </p:cSld>
@@ -20764,33 +20896,15 @@
                                   </p:childTnLst>
                                 </p:cTn>
                               </p:par>
-                            </p:childTnLst>
-                          </p:cTn>
-                        </p:par>
-                      </p:childTnLst>
-                    </p:cTn>
-                  </p:par>
-                  <p:par>
-                    <p:cTn id="28" fill="hold">
-                      <p:stCondLst>
-                        <p:cond delay="indefinite"/>
-                      </p:stCondLst>
-                      <p:childTnLst>
-                        <p:par>
-                          <p:cTn id="29" fill="hold">
-                            <p:stCondLst>
-                              <p:cond delay="0"/>
-                            </p:stCondLst>
-                            <p:childTnLst>
                               <p:par>
-                                <p:cTn id="30" presetID="10" presetClass="entr" presetSubtype="0" fill="hold" grpId="0" nodeType="clickEffect">
+                                <p:cTn id="28" presetID="10" presetClass="entr" presetSubtype="0" fill="hold" grpId="0" nodeType="withEffect">
                                   <p:stCondLst>
                                     <p:cond delay="0"/>
                                   </p:stCondLst>
                                   <p:childTnLst>
                                     <p:set>
                                       <p:cBhvr>
-                                        <p:cTn id="31" dur="1" fill="hold">
+                                        <p:cTn id="29" dur="1" fill="hold">
                                           <p:stCondLst>
                                             <p:cond delay="0"/>
                                           </p:stCondLst>
@@ -20812,7 +20926,7 @@
                                     </p:set>
                                     <p:animEffect transition="in" filter="fade">
                                       <p:cBhvr>
-                                        <p:cTn id="32" dur="250"/>
+                                        <p:cTn id="30" dur="250"/>
                                         <p:tgtEl>
                                           <p:spTgt spid="3">
                                             <p:txEl>
@@ -20825,33 +20939,15 @@
                                   </p:childTnLst>
                                 </p:cTn>
                               </p:par>
-                            </p:childTnLst>
-                          </p:cTn>
-                        </p:par>
-                      </p:childTnLst>
-                    </p:cTn>
-                  </p:par>
-                  <p:par>
-                    <p:cTn id="33" fill="hold">
-                      <p:stCondLst>
-                        <p:cond delay="indefinite"/>
-                      </p:stCondLst>
-                      <p:childTnLst>
-                        <p:par>
-                          <p:cTn id="34" fill="hold">
-                            <p:stCondLst>
-                              <p:cond delay="0"/>
-                            </p:stCondLst>
-                            <p:childTnLst>
                               <p:par>
-                                <p:cTn id="35" presetID="10" presetClass="entr" presetSubtype="0" fill="hold" grpId="0" nodeType="clickEffect">
+                                <p:cTn id="31" presetID="10" presetClass="entr" presetSubtype="0" fill="hold" grpId="0" nodeType="withEffect">
                                   <p:stCondLst>
                                     <p:cond delay="0"/>
                                   </p:stCondLst>
                                   <p:childTnLst>
                                     <p:set>
                                       <p:cBhvr>
-                                        <p:cTn id="36" dur="1" fill="hold">
+                                        <p:cTn id="32" dur="1" fill="hold">
                                           <p:stCondLst>
                                             <p:cond delay="0"/>
                                           </p:stCondLst>
@@ -20873,7 +20969,7 @@
                                     </p:set>
                                     <p:animEffect transition="in" filter="fade">
                                       <p:cBhvr>
-                                        <p:cTn id="37" dur="250"/>
+                                        <p:cTn id="33" dur="250"/>
                                         <p:tgtEl>
                                           <p:spTgt spid="3">
                                             <p:txEl>
@@ -20886,33 +20982,15 @@
                                   </p:childTnLst>
                                 </p:cTn>
                               </p:par>
-                            </p:childTnLst>
-                          </p:cTn>
-                        </p:par>
-                      </p:childTnLst>
-                    </p:cTn>
-                  </p:par>
-                  <p:par>
-                    <p:cTn id="38" fill="hold">
-                      <p:stCondLst>
-                        <p:cond delay="indefinite"/>
-                      </p:stCondLst>
-                      <p:childTnLst>
-                        <p:par>
-                          <p:cTn id="39" fill="hold">
-                            <p:stCondLst>
-                              <p:cond delay="0"/>
-                            </p:stCondLst>
-                            <p:childTnLst>
                               <p:par>
-                                <p:cTn id="40" presetID="10" presetClass="entr" presetSubtype="0" fill="hold" grpId="0" nodeType="clickEffect">
+                                <p:cTn id="34" presetID="10" presetClass="entr" presetSubtype="0" fill="hold" grpId="0" nodeType="withEffect">
                                   <p:stCondLst>
                                     <p:cond delay="0"/>
                                   </p:stCondLst>
                                   <p:childTnLst>
                                     <p:set>
                                       <p:cBhvr>
-                                        <p:cTn id="41" dur="1" fill="hold">
+                                        <p:cTn id="35" dur="1" fill="hold">
                                           <p:stCondLst>
                                             <p:cond delay="0"/>
                                           </p:stCondLst>
@@ -20934,7 +21012,7 @@
                                     </p:set>
                                     <p:animEffect transition="in" filter="fade">
                                       <p:cBhvr>
-                                        <p:cTn id="42" dur="250"/>
+                                        <p:cTn id="36" dur="250"/>
                                         <p:tgtEl>
                                           <p:spTgt spid="3">
                                             <p:txEl>
@@ -21003,7 +21081,7 @@
           <p:cNvPr id="2" name="Titel 1">
             <a:extLst>
               <a:ext uri="{FF2B5EF4-FFF2-40B4-BE49-F238E27FC236}">
-                <a16:creationId xmlns:a16="http://schemas.microsoft.com/office/drawing/2014/main" id="{D70AD2F3-6ED1-492E-9242-D82C36646F03}"/>
+                <a16:creationId xmlns:a16="http://schemas.microsoft.com/office/drawing/2014/main" id="{B975219C-0293-4F5C-A2AF-E37186CC5C15}"/>
               </a:ext>
             </a:extLst>
           </p:cNvPr>
@@ -21020,9 +21098,10 @@
           <a:lstStyle/>
           <a:p>
             <a:r>
-              <a:rPr lang="de-AT" dirty="0"/>
-              <a:t>Was sind Container?</a:t>
-            </a:r>
+              <a:rPr lang="en-US" dirty="0"/>
+              <a:t>Docker, Inc.</a:t>
+            </a:r>
+            <a:endParaRPr lang="de-AT" dirty="0"/>
           </a:p>
         </p:txBody>
       </p:sp>
@@ -21031,7 +21110,7 @@
           <p:cNvPr id="3" name="Inhaltsplatzhalter 2">
             <a:extLst>
               <a:ext uri="{FF2B5EF4-FFF2-40B4-BE49-F238E27FC236}">
-                <a16:creationId xmlns:a16="http://schemas.microsoft.com/office/drawing/2014/main" id="{E60AA0FA-F5C9-439D-9BD5-343186CA1924}"/>
+                <a16:creationId xmlns:a16="http://schemas.microsoft.com/office/drawing/2014/main" id="{379A5214-DD4E-4FAD-90C3-4DF8F5AAA38C}"/>
               </a:ext>
             </a:extLst>
           </p:cNvPr>
@@ -21047,76 +21126,38 @@
           <a:bodyPr/>
           <a:lstStyle/>
           <a:p>
-            <a:pPr marL="0" indent="0" algn="ctr">
-              <a:spcAft>
-                <a:spcPts val="2400"/>
-              </a:spcAft>
-              <a:buNone/>
-            </a:pPr>
-            <a:r>
-              <a:rPr lang="en-US" sz="3600" b="1" i="1" dirty="0"/>
-              <a:t>“a standardized unit of software”</a:t>
-            </a:r>
-            <a:endParaRPr lang="en-US" b="1" i="1" dirty="0"/>
-          </a:p>
-          <a:p>
-            <a:r>
-              <a:rPr lang="de-AT" dirty="0"/>
-              <a:t>Container sind </a:t>
-            </a:r>
-            <a:r>
-              <a:rPr lang="de-AT" b="1" dirty="0"/>
-              <a:t>zustandslos</a:t>
-            </a:r>
-          </a:p>
-          <a:p>
-            <a:r>
-              <a:rPr lang="de-AT" dirty="0"/>
-              <a:t>Kommunikation mit der Außenwelt erfolgt über</a:t>
+            <a:r>
+              <a:rPr lang="en-US" dirty="0"/>
+              <a:t>Docker Community Edition</a:t>
+            </a:r>
+          </a:p>
+          <a:p>
+            <a:r>
+              <a:rPr lang="en-US" dirty="0"/>
+              <a:t>Docker Enterprise Edition</a:t>
+            </a:r>
+          </a:p>
+          <a:p>
+            <a:r>
+              <a:rPr lang="en-US" dirty="0"/>
+              <a:t>Docker vs. Moby</a:t>
+            </a:r>
+          </a:p>
+          <a:p>
+            <a:r>
+              <a:rPr lang="en-US" dirty="0"/>
+              <a:t>Open Container Initiative (OCI)</a:t>
             </a:r>
           </a:p>
           <a:p>
             <a:pPr lvl="1"/>
             <a:r>
-              <a:rPr lang="de-AT" dirty="0"/>
-              <a:t>Port-</a:t>
-            </a:r>
-            <a:r>
-              <a:rPr lang="de-AT" dirty="0" err="1"/>
-              <a:t>Mappings</a:t>
+              <a:rPr lang="de-AT" dirty="0">
+                <a:hlinkClick r:id="rId3"/>
+              </a:rPr>
+              <a:t>https://www.opencontainers.org/</a:t>
             </a:r>
             <a:endParaRPr lang="de-AT" dirty="0"/>
-          </a:p>
-          <a:p>
-            <a:pPr lvl="1"/>
-            <a:r>
-              <a:rPr lang="de-AT" dirty="0"/>
-              <a:t>Speicher-Mounts</a:t>
-            </a:r>
-          </a:p>
-          <a:p>
-            <a:r>
-              <a:rPr lang="de-AT" dirty="0"/>
-              <a:t>Konfiguration der Container erfolgt idealerweise über Umgebungsvariablen</a:t>
-            </a:r>
-          </a:p>
-          <a:p>
-            <a:r>
-              <a:rPr lang="de-AT" i="1" dirty="0" err="1"/>
-              <a:t>Pet</a:t>
-            </a:r>
-            <a:r>
-              <a:rPr lang="de-AT" i="1" dirty="0"/>
-              <a:t> vs. </a:t>
-            </a:r>
-            <a:r>
-              <a:rPr lang="de-AT" i="1" dirty="0" err="1"/>
-              <a:t>Cattle</a:t>
-            </a:r>
-            <a:r>
-              <a:rPr lang="de-AT" dirty="0"/>
-              <a:t> Analogie</a:t>
-            </a:r>
           </a:p>
         </p:txBody>
       </p:sp>
@@ -21125,7 +21166,7 @@
           <p:cNvPr id="4" name="Textplatzhalter 3">
             <a:extLst>
               <a:ext uri="{FF2B5EF4-FFF2-40B4-BE49-F238E27FC236}">
-                <a16:creationId xmlns:a16="http://schemas.microsoft.com/office/drawing/2014/main" id="{5484BEF4-EE82-46CE-9C41-10ECEF189542}"/>
+                <a16:creationId xmlns:a16="http://schemas.microsoft.com/office/drawing/2014/main" id="{0E8C06A1-6926-42F6-B751-58B9E9E22E44}"/>
               </a:ext>
             </a:extLst>
           </p:cNvPr>
@@ -21138,8 +21179,8 @@
         </p:nvSpPr>
         <p:spPr>
           <a:xfrm>
-            <a:off x="9991378" y="6769166"/>
-            <a:ext cx="322524" cy="354071"/>
+            <a:off x="9991377" y="6769166"/>
+            <a:ext cx="322525" cy="354071"/>
           </a:xfrm>
         </p:spPr>
         <p:txBody>
@@ -21157,7 +21198,7 @@
     </p:spTree>
     <p:extLst>
       <p:ext uri="{BB962C8B-B14F-4D97-AF65-F5344CB8AC3E}">
-        <p14:creationId xmlns:p14="http://schemas.microsoft.com/office/powerpoint/2010/main" val="266137916"/>
+        <p14:creationId xmlns:p14="http://schemas.microsoft.com/office/powerpoint/2010/main" val="3008477844"/>
       </p:ext>
     </p:extLst>
   </p:cSld>
@@ -21352,92 +21393,6 @@
                                   </p:childTnLst>
                                 </p:cTn>
                               </p:par>
-                              <p:par>
-                                <p:cTn id="18" presetID="10" presetClass="entr" presetSubtype="0" fill="hold" grpId="0" nodeType="withEffect">
-                                  <p:stCondLst>
-                                    <p:cond delay="0"/>
-                                  </p:stCondLst>
-                                  <p:childTnLst>
-                                    <p:set>
-                                      <p:cBhvr>
-                                        <p:cTn id="19" dur="1" fill="hold">
-                                          <p:stCondLst>
-                                            <p:cond delay="0"/>
-                                          </p:stCondLst>
-                                        </p:cTn>
-                                        <p:tgtEl>
-                                          <p:spTgt spid="3">
-                                            <p:txEl>
-                                              <p:pRg st="3" end="3"/>
-                                            </p:txEl>
-                                          </p:spTgt>
-                                        </p:tgtEl>
-                                        <p:attrNameLst>
-                                          <p:attrName>style.visibility</p:attrName>
-                                        </p:attrNameLst>
-                                      </p:cBhvr>
-                                      <p:to>
-                                        <p:strVal val="visible"/>
-                                      </p:to>
-                                    </p:set>
-                                    <p:animEffect transition="in" filter="fade">
-                                      <p:cBhvr>
-                                        <p:cTn id="20" dur="250"/>
-                                        <p:tgtEl>
-                                          <p:spTgt spid="3">
-                                            <p:txEl>
-                                              <p:pRg st="3" end="3"/>
-                                            </p:txEl>
-                                          </p:spTgt>
-                                        </p:tgtEl>
-                                      </p:cBhvr>
-                                    </p:animEffect>
-                                  </p:childTnLst>
-                                </p:cTn>
-                              </p:par>
-                              <p:par>
-                                <p:cTn id="21" presetID="10" presetClass="entr" presetSubtype="0" fill="hold" grpId="0" nodeType="withEffect">
-                                  <p:stCondLst>
-                                    <p:cond delay="0"/>
-                                  </p:stCondLst>
-                                  <p:childTnLst>
-                                    <p:set>
-                                      <p:cBhvr>
-                                        <p:cTn id="22" dur="1" fill="hold">
-                                          <p:stCondLst>
-                                            <p:cond delay="0"/>
-                                          </p:stCondLst>
-                                        </p:cTn>
-                                        <p:tgtEl>
-                                          <p:spTgt spid="3">
-                                            <p:txEl>
-                                              <p:pRg st="4" end="4"/>
-                                            </p:txEl>
-                                          </p:spTgt>
-                                        </p:tgtEl>
-                                        <p:attrNameLst>
-                                          <p:attrName>style.visibility</p:attrName>
-                                        </p:attrNameLst>
-                                      </p:cBhvr>
-                                      <p:to>
-                                        <p:strVal val="visible"/>
-                                      </p:to>
-                                    </p:set>
-                                    <p:animEffect transition="in" filter="fade">
-                                      <p:cBhvr>
-                                        <p:cTn id="23" dur="250"/>
-                                        <p:tgtEl>
-                                          <p:spTgt spid="3">
-                                            <p:txEl>
-                                              <p:pRg st="4" end="4"/>
-                                            </p:txEl>
-                                          </p:spTgt>
-                                        </p:tgtEl>
-                                      </p:cBhvr>
-                                    </p:animEffect>
-                                  </p:childTnLst>
-                                </p:cTn>
-                              </p:par>
                             </p:childTnLst>
                           </p:cTn>
                         </p:par>
@@ -21445,26 +21400,26 @@
                     </p:cTn>
                   </p:par>
                   <p:par>
-                    <p:cTn id="24" fill="hold">
+                    <p:cTn id="18" fill="hold">
                       <p:stCondLst>
                         <p:cond delay="indefinite"/>
                       </p:stCondLst>
                       <p:childTnLst>
                         <p:par>
-                          <p:cTn id="25" fill="hold">
+                          <p:cTn id="19" fill="hold">
                             <p:stCondLst>
                               <p:cond delay="0"/>
                             </p:stCondLst>
                             <p:childTnLst>
                               <p:par>
-                                <p:cTn id="26" presetID="10" presetClass="entr" presetSubtype="0" fill="hold" grpId="0" nodeType="clickEffect">
+                                <p:cTn id="20" presetID="10" presetClass="entr" presetSubtype="0" fill="hold" grpId="0" nodeType="clickEffect">
                                   <p:stCondLst>
                                     <p:cond delay="0"/>
                                   </p:stCondLst>
                                   <p:childTnLst>
                                     <p:set>
                                       <p:cBhvr>
-                                        <p:cTn id="27" dur="1" fill="hold">
+                                        <p:cTn id="21" dur="1" fill="hold">
                                           <p:stCondLst>
                                             <p:cond delay="0"/>
                                           </p:stCondLst>
@@ -21472,7 +21427,7 @@
                                         <p:tgtEl>
                                           <p:spTgt spid="3">
                                             <p:txEl>
-                                              <p:pRg st="5" end="5"/>
+                                              <p:pRg st="3" end="3"/>
                                             </p:txEl>
                                           </p:spTgt>
                                         </p:tgtEl>
@@ -21486,11 +21441,11 @@
                                     </p:set>
                                     <p:animEffect transition="in" filter="fade">
                                       <p:cBhvr>
-                                        <p:cTn id="28" dur="250"/>
+                                        <p:cTn id="22" dur="250"/>
                                         <p:tgtEl>
                                           <p:spTgt spid="3">
                                             <p:txEl>
-                                              <p:pRg st="5" end="5"/>
+                                              <p:pRg st="3" end="3"/>
                                             </p:txEl>
                                           </p:spTgt>
                                         </p:tgtEl>
@@ -21499,33 +21454,15 @@
                                   </p:childTnLst>
                                 </p:cTn>
                               </p:par>
-                            </p:childTnLst>
-                          </p:cTn>
-                        </p:par>
-                      </p:childTnLst>
-                    </p:cTn>
-                  </p:par>
-                  <p:par>
-                    <p:cTn id="29" fill="hold">
-                      <p:stCondLst>
-                        <p:cond delay="indefinite"/>
-                      </p:stCondLst>
-                      <p:childTnLst>
-                        <p:par>
-                          <p:cTn id="30" fill="hold">
-                            <p:stCondLst>
-                              <p:cond delay="0"/>
-                            </p:stCondLst>
-                            <p:childTnLst>
                               <p:par>
-                                <p:cTn id="31" presetID="10" presetClass="entr" presetSubtype="0" fill="hold" grpId="0" nodeType="clickEffect">
+                                <p:cTn id="23" presetID="10" presetClass="entr" presetSubtype="0" fill="hold" grpId="0" nodeType="withEffect">
                                   <p:stCondLst>
                                     <p:cond delay="0"/>
                                   </p:stCondLst>
                                   <p:childTnLst>
                                     <p:set>
                                       <p:cBhvr>
-                                        <p:cTn id="32" dur="1" fill="hold">
+                                        <p:cTn id="24" dur="1" fill="hold">
                                           <p:stCondLst>
                                             <p:cond delay="0"/>
                                           </p:stCondLst>
@@ -21533,7 +21470,7 @@
                                         <p:tgtEl>
                                           <p:spTgt spid="3">
                                             <p:txEl>
-                                              <p:pRg st="6" end="6"/>
+                                              <p:pRg st="4" end="4"/>
                                             </p:txEl>
                                           </p:spTgt>
                                         </p:tgtEl>
@@ -21547,11 +21484,11 @@
                                     </p:set>
                                     <p:animEffect transition="in" filter="fade">
                                       <p:cBhvr>
-                                        <p:cTn id="33" dur="250"/>
+                                        <p:cTn id="25" dur="250"/>
                                         <p:tgtEl>
                                           <p:spTgt spid="3">
                                             <p:txEl>
-                                              <p:pRg st="6" end="6"/>
+                                              <p:pRg st="4" end="4"/>
                                             </p:txEl>
                                           </p:spTgt>
                                         </p:tgtEl>

--- a/slides.pptx
+++ b/slides.pptx
@@ -5,10 +5,10 @@
     <p:sldMasterId id="2147483660" r:id="rId1"/>
   </p:sldMasterIdLst>
   <p:notesMasterIdLst>
-    <p:notesMasterId r:id="rId40"/>
+    <p:notesMasterId r:id="rId42"/>
   </p:notesMasterIdLst>
   <p:handoutMasterIdLst>
-    <p:handoutMasterId r:id="rId41"/>
+    <p:handoutMasterId r:id="rId43"/>
   </p:handoutMasterIdLst>
   <p:sldIdLst>
     <p:sldId id="256" r:id="rId2"/>
@@ -47,8 +47,10 @@
     <p:sldId id="287" r:id="rId35"/>
     <p:sldId id="288" r:id="rId36"/>
     <p:sldId id="285" r:id="rId37"/>
-    <p:sldId id="291" r:id="rId38"/>
-    <p:sldId id="292" r:id="rId39"/>
+    <p:sldId id="306" r:id="rId38"/>
+    <p:sldId id="305" r:id="rId39"/>
+    <p:sldId id="291" r:id="rId40"/>
+    <p:sldId id="292" r:id="rId41"/>
   </p:sldIdLst>
   <p:sldSz cx="10799763" cy="7199313"/>
   <p:notesSz cx="7104063" cy="10234613"/>
@@ -2452,6 +2454,67 @@
           <a:bodyPr/>
           <a:lstStyle/>
           <a:p>
+            <a:endParaRPr lang="de-AT"/>
+          </a:p>
+        </p:txBody>
+      </p:sp>
+    </p:spTree>
+    <p:extLst>
+      <p:ext uri="{BB962C8B-B14F-4D97-AF65-F5344CB8AC3E}">
+        <p14:creationId xmlns:p14="http://schemas.microsoft.com/office/powerpoint/2010/main" val="2844015461"/>
+      </p:ext>
+    </p:extLst>
+  </p:cSld>
+  <p:clrMapOvr>
+    <a:masterClrMapping/>
+  </p:clrMapOvr>
+</p:notes>
+</file>
+
+<file path=ppt/notesSlides/notesSlide36.xml><?xml version="1.0" encoding="utf-8"?>
+<p:notes xmlns:a="http://schemas.openxmlformats.org/drawingml/2006/main" xmlns:r="http://schemas.openxmlformats.org/officeDocument/2006/relationships" xmlns:p="http://schemas.openxmlformats.org/presentationml/2006/main">
+  <p:cSld>
+    <p:spTree>
+      <p:nvGrpSpPr>
+        <p:cNvPr id="1" name=""/>
+        <p:cNvGrpSpPr/>
+        <p:nvPr/>
+      </p:nvGrpSpPr>
+      <p:grpSpPr>
+        <a:xfrm>
+          <a:off x="0" y="0"/>
+          <a:ext cx="0" cy="0"/>
+          <a:chOff x="0" y="0"/>
+          <a:chExt cx="0" cy="0"/>
+        </a:xfrm>
+      </p:grpSpPr>
+      <p:sp>
+        <p:nvSpPr>
+          <p:cNvPr id="2" name="Folienbildplatzhalter 1"/>
+          <p:cNvSpPr>
+            <a:spLocks noGrp="1" noRot="1" noChangeAspect="1"/>
+          </p:cNvSpPr>
+          <p:nvPr>
+            <p:ph type="sldImg"/>
+          </p:nvPr>
+        </p:nvSpPr>
+        <p:spPr/>
+      </p:sp>
+      <p:sp>
+        <p:nvSpPr>
+          <p:cNvPr id="3" name="Notizenplatzhalter 2"/>
+          <p:cNvSpPr>
+            <a:spLocks noGrp="1"/>
+          </p:cNvSpPr>
+          <p:nvPr>
+            <p:ph type="body" idx="1"/>
+          </p:nvPr>
+        </p:nvSpPr>
+        <p:spPr/>
+        <p:txBody>
+          <a:bodyPr/>
+          <a:lstStyle/>
+          <a:p>
             <a:r>
               <a:rPr lang="en-US" dirty="0"/>
               <a:t>de </a:t>
@@ -2509,7 +2572,7 @@
 </p:notes>
 </file>
 
-<file path=ppt/notesSlides/notesSlide36.xml><?xml version="1.0" encoding="utf-8"?>
+<file path=ppt/notesSlides/notesSlide37.xml><?xml version="1.0" encoding="utf-8"?>
 <p:notes xmlns:a="http://schemas.openxmlformats.org/drawingml/2006/main" xmlns:r="http://schemas.openxmlformats.org/officeDocument/2006/relationships" xmlns:p="http://schemas.openxmlformats.org/presentationml/2006/main">
   <p:cSld>
     <p:spTree>
@@ -11702,7 +11765,7 @@
         <p:spPr>
           <a:xfrm>
             <a:off x="742484" y="1916484"/>
-            <a:ext cx="5301966" cy="4567898"/>
+            <a:ext cx="5301966" cy="3819298"/>
           </a:xfrm>
         </p:spPr>
         <p:txBody>
@@ -11730,20 +11793,6 @@
             <a:r>
               <a:rPr lang="de-AT" dirty="0"/>
               <a:t>Wiederverwendung von identen Schichten (Speichereffizienz)</a:t>
-            </a:r>
-          </a:p>
-          <a:p>
-            <a:r>
-              <a:rPr lang="en-US" i="1" dirty="0"/>
-              <a:t>Volumes</a:t>
-            </a:r>
-            <a:r>
-              <a:rPr lang="de-AT" dirty="0"/>
-              <a:t> vs. </a:t>
-            </a:r>
-            <a:r>
-              <a:rPr lang="de-AT" i="1" dirty="0"/>
-              <a:t>Bind Mounts</a:t>
             </a:r>
           </a:p>
         </p:txBody>
@@ -11817,6 +11866,50 @@
           </a:prstGeom>
         </p:spPr>
       </p:pic>
+      <p:sp>
+        <p:nvSpPr>
+          <p:cNvPr id="5" name="Textfeld 4">
+            <a:extLst>
+              <a:ext uri="{FF2B5EF4-FFF2-40B4-BE49-F238E27FC236}">
+                <a16:creationId xmlns:a16="http://schemas.microsoft.com/office/drawing/2014/main" id="{943A9178-3A01-4360-8093-C47CF897909E}"/>
+              </a:ext>
+            </a:extLst>
+          </p:cNvPr>
+          <p:cNvSpPr txBox="1"/>
+          <p:nvPr/>
+        </p:nvSpPr>
+        <p:spPr>
+          <a:xfrm>
+            <a:off x="2490427" y="6022701"/>
+            <a:ext cx="5818909" cy="584775"/>
+          </a:xfrm>
+          <a:prstGeom prst="rect">
+            <a:avLst/>
+          </a:prstGeom>
+          <a:noFill/>
+        </p:spPr>
+        <p:txBody>
+          <a:bodyPr wrap="square" rtlCol="0">
+            <a:spAutoFit/>
+          </a:bodyPr>
+          <a:lstStyle/>
+          <a:p>
+            <a:pPr algn="ctr"/>
+            <a:r>
+              <a:rPr lang="en-US" sz="3200" i="1" dirty="0"/>
+              <a:t>Volumes</a:t>
+            </a:r>
+            <a:r>
+              <a:rPr lang="de-AT" sz="3200" dirty="0"/>
+              <a:t> vs. </a:t>
+            </a:r>
+            <a:r>
+              <a:rPr lang="de-AT" sz="3200" i="1" dirty="0"/>
+              <a:t>Bind Mounts</a:t>
+            </a:r>
+          </a:p>
+        </p:txBody>
+      </p:sp>
     </p:spTree>
     <p:extLst>
       <p:ext uri="{BB962C8B-B14F-4D97-AF65-F5344CB8AC3E}">
@@ -12161,11 +12254,7 @@
                                           </p:stCondLst>
                                         </p:cTn>
                                         <p:tgtEl>
-                                          <p:spTgt spid="3">
-                                            <p:txEl>
-                                              <p:pRg st="4" end="4"/>
-                                            </p:txEl>
-                                          </p:spTgt>
+                                          <p:spTgt spid="5"/>
                                         </p:tgtEl>
                                         <p:attrNameLst>
                                           <p:attrName>style.visibility</p:attrName>
@@ -12177,13 +12266,9 @@
                                     </p:set>
                                     <p:animEffect transition="in" filter="fade">
                                       <p:cBhvr>
-                                        <p:cTn id="32" dur="250"/>
-                                        <p:tgtEl>
-                                          <p:spTgt spid="3">
-                                            <p:txEl>
-                                              <p:pRg st="4" end="4"/>
-                                            </p:txEl>
-                                          </p:spTgt>
+                                        <p:cTn id="32" dur="500"/>
+                                        <p:tgtEl>
+                                          <p:spTgt spid="5"/>
                                         </p:tgtEl>
                                       </p:cBhvr>
                                     </p:animEffect>
@@ -12219,6 +12304,7 @@
     </p:tnLst>
     <p:bldLst>
       <p:bldP spid="3" grpId="0" uiExpand="1" build="p"/>
+      <p:bldP spid="5" grpId="0"/>
     </p:bldLst>
   </p:timing>
 </p:sld>
@@ -12397,14 +12483,14 @@
             <a:pPr lvl="1"/>
             <a:r>
               <a:rPr lang="en-US" dirty="0"/>
-              <a:t>Hyper-V-Container</a:t>
+              <a:t>Hyper-V Container</a:t>
             </a:r>
           </a:p>
           <a:p>
             <a:pPr lvl="1"/>
             <a:r>
               <a:rPr lang="en-US" dirty="0"/>
-              <a:t>Windows-Server-Container</a:t>
+              <a:t>Windows Server Container</a:t>
             </a:r>
             <a:endParaRPr lang="de-AT" dirty="0"/>
           </a:p>
@@ -16143,15 +16229,33 @@
                                   </p:childTnLst>
                                 </p:cTn>
                               </p:par>
+                            </p:childTnLst>
+                          </p:cTn>
+                        </p:par>
+                      </p:childTnLst>
+                    </p:cTn>
+                  </p:par>
+                  <p:par>
+                    <p:cTn id="8" fill="hold">
+                      <p:stCondLst>
+                        <p:cond delay="indefinite"/>
+                      </p:stCondLst>
+                      <p:childTnLst>
+                        <p:par>
+                          <p:cTn id="9" fill="hold">
+                            <p:stCondLst>
+                              <p:cond delay="0"/>
+                            </p:stCondLst>
+                            <p:childTnLst>
                               <p:par>
-                                <p:cTn id="8" presetID="10" presetClass="entr" presetSubtype="0" fill="hold" grpId="0" nodeType="withEffect">
+                                <p:cTn id="10" presetID="10" presetClass="entr" presetSubtype="0" fill="hold" grpId="0" nodeType="clickEffect">
                                   <p:stCondLst>
                                     <p:cond delay="0"/>
                                   </p:stCondLst>
                                   <p:childTnLst>
                                     <p:set>
                                       <p:cBhvr>
-                                        <p:cTn id="9" dur="1" fill="hold">
+                                        <p:cTn id="11" dur="1" fill="hold">
                                           <p:stCondLst>
                                             <p:cond delay="0"/>
                                           </p:stCondLst>
@@ -16173,97 +16277,11 @@
                                     </p:set>
                                     <p:animEffect transition="in" filter="fade">
                                       <p:cBhvr>
-                                        <p:cTn id="10" dur="250"/>
+                                        <p:cTn id="12" dur="250"/>
                                         <p:tgtEl>
                                           <p:spTgt spid="3">
                                             <p:txEl>
                                               <p:pRg st="1" end="1"/>
-                                            </p:txEl>
-                                          </p:spTgt>
-                                        </p:tgtEl>
-                                      </p:cBhvr>
-                                    </p:animEffect>
-                                  </p:childTnLst>
-                                </p:cTn>
-                              </p:par>
-                              <p:par>
-                                <p:cTn id="11" presetID="10" presetClass="entr" presetSubtype="0" fill="hold" grpId="0" nodeType="withEffect">
-                                  <p:stCondLst>
-                                    <p:cond delay="0"/>
-                                  </p:stCondLst>
-                                  <p:childTnLst>
-                                    <p:set>
-                                      <p:cBhvr>
-                                        <p:cTn id="12" dur="1" fill="hold">
-                                          <p:stCondLst>
-                                            <p:cond delay="0"/>
-                                          </p:stCondLst>
-                                        </p:cTn>
-                                        <p:tgtEl>
-                                          <p:spTgt spid="3">
-                                            <p:txEl>
-                                              <p:pRg st="2" end="2"/>
-                                            </p:txEl>
-                                          </p:spTgt>
-                                        </p:tgtEl>
-                                        <p:attrNameLst>
-                                          <p:attrName>style.visibility</p:attrName>
-                                        </p:attrNameLst>
-                                      </p:cBhvr>
-                                      <p:to>
-                                        <p:strVal val="visible"/>
-                                      </p:to>
-                                    </p:set>
-                                    <p:animEffect transition="in" filter="fade">
-                                      <p:cBhvr>
-                                        <p:cTn id="13" dur="250"/>
-                                        <p:tgtEl>
-                                          <p:spTgt spid="3">
-                                            <p:txEl>
-                                              <p:pRg st="2" end="2"/>
-                                            </p:txEl>
-                                          </p:spTgt>
-                                        </p:tgtEl>
-                                      </p:cBhvr>
-                                    </p:animEffect>
-                                  </p:childTnLst>
-                                </p:cTn>
-                              </p:par>
-                              <p:par>
-                                <p:cTn id="14" presetID="10" presetClass="entr" presetSubtype="0" fill="hold" grpId="0" nodeType="withEffect">
-                                  <p:stCondLst>
-                                    <p:cond delay="0"/>
-                                  </p:stCondLst>
-                                  <p:childTnLst>
-                                    <p:set>
-                                      <p:cBhvr>
-                                        <p:cTn id="15" dur="1" fill="hold">
-                                          <p:stCondLst>
-                                            <p:cond delay="0"/>
-                                          </p:stCondLst>
-                                        </p:cTn>
-                                        <p:tgtEl>
-                                          <p:spTgt spid="3">
-                                            <p:txEl>
-                                              <p:pRg st="3" end="3"/>
-                                            </p:txEl>
-                                          </p:spTgt>
-                                        </p:tgtEl>
-                                        <p:attrNameLst>
-                                          <p:attrName>style.visibility</p:attrName>
-                                        </p:attrNameLst>
-                                      </p:cBhvr>
-                                      <p:to>
-                                        <p:strVal val="visible"/>
-                                      </p:to>
-                                    </p:set>
-                                    <p:animEffect transition="in" filter="fade">
-                                      <p:cBhvr>
-                                        <p:cTn id="16" dur="250"/>
-                                        <p:tgtEl>
-                                          <p:spTgt spid="3">
-                                            <p:txEl>
-                                              <p:pRg st="3" end="3"/>
                                             </p:txEl>
                                           </p:spTgt>
                                         </p:tgtEl>
@@ -16279,32 +16297,36 @@
                     </p:cTn>
                   </p:par>
                   <p:par>
-                    <p:cTn id="17" fill="hold">
+                    <p:cTn id="13" fill="hold">
                       <p:stCondLst>
                         <p:cond delay="indefinite"/>
                       </p:stCondLst>
                       <p:childTnLst>
                         <p:par>
-                          <p:cTn id="18" fill="hold">
+                          <p:cTn id="14" fill="hold">
                             <p:stCondLst>
                               <p:cond delay="0"/>
                             </p:stCondLst>
                             <p:childTnLst>
                               <p:par>
-                                <p:cTn id="19" presetID="10" presetClass="entr" presetSubtype="0" fill="hold" grpId="0" nodeType="clickEffect">
+                                <p:cTn id="15" presetID="10" presetClass="entr" presetSubtype="0" fill="hold" grpId="0" nodeType="clickEffect">
                                   <p:stCondLst>
                                     <p:cond delay="0"/>
                                   </p:stCondLst>
                                   <p:childTnLst>
                                     <p:set>
                                       <p:cBhvr>
-                                        <p:cTn id="20" dur="1" fill="hold">
+                                        <p:cTn id="16" dur="1" fill="hold">
                                           <p:stCondLst>
                                             <p:cond delay="0"/>
                                           </p:stCondLst>
                                         </p:cTn>
                                         <p:tgtEl>
-                                          <p:spTgt spid="4"/>
+                                          <p:spTgt spid="3">
+                                            <p:txEl>
+                                              <p:pRg st="2" end="2"/>
+                                            </p:txEl>
+                                          </p:spTgt>
                                         </p:tgtEl>
                                         <p:attrNameLst>
                                           <p:attrName>style.visibility</p:attrName>
@@ -16316,7 +16338,125 @@
                                     </p:set>
                                     <p:animEffect transition="in" filter="fade">
                                       <p:cBhvr>
-                                        <p:cTn id="21" dur="250"/>
+                                        <p:cTn id="17" dur="250"/>
+                                        <p:tgtEl>
+                                          <p:spTgt spid="3">
+                                            <p:txEl>
+                                              <p:pRg st="2" end="2"/>
+                                            </p:txEl>
+                                          </p:spTgt>
+                                        </p:tgtEl>
+                                      </p:cBhvr>
+                                    </p:animEffect>
+                                  </p:childTnLst>
+                                </p:cTn>
+                              </p:par>
+                            </p:childTnLst>
+                          </p:cTn>
+                        </p:par>
+                      </p:childTnLst>
+                    </p:cTn>
+                  </p:par>
+                  <p:par>
+                    <p:cTn id="18" fill="hold">
+                      <p:stCondLst>
+                        <p:cond delay="indefinite"/>
+                      </p:stCondLst>
+                      <p:childTnLst>
+                        <p:par>
+                          <p:cTn id="19" fill="hold">
+                            <p:stCondLst>
+                              <p:cond delay="0"/>
+                            </p:stCondLst>
+                            <p:childTnLst>
+                              <p:par>
+                                <p:cTn id="20" presetID="10" presetClass="entr" presetSubtype="0" fill="hold" grpId="0" nodeType="clickEffect">
+                                  <p:stCondLst>
+                                    <p:cond delay="0"/>
+                                  </p:stCondLst>
+                                  <p:childTnLst>
+                                    <p:set>
+                                      <p:cBhvr>
+                                        <p:cTn id="21" dur="1" fill="hold">
+                                          <p:stCondLst>
+                                            <p:cond delay="0"/>
+                                          </p:stCondLst>
+                                        </p:cTn>
+                                        <p:tgtEl>
+                                          <p:spTgt spid="3">
+                                            <p:txEl>
+                                              <p:pRg st="3" end="3"/>
+                                            </p:txEl>
+                                          </p:spTgt>
+                                        </p:tgtEl>
+                                        <p:attrNameLst>
+                                          <p:attrName>style.visibility</p:attrName>
+                                        </p:attrNameLst>
+                                      </p:cBhvr>
+                                      <p:to>
+                                        <p:strVal val="visible"/>
+                                      </p:to>
+                                    </p:set>
+                                    <p:animEffect transition="in" filter="fade">
+                                      <p:cBhvr>
+                                        <p:cTn id="22" dur="250"/>
+                                        <p:tgtEl>
+                                          <p:spTgt spid="3">
+                                            <p:txEl>
+                                              <p:pRg st="3" end="3"/>
+                                            </p:txEl>
+                                          </p:spTgt>
+                                        </p:tgtEl>
+                                      </p:cBhvr>
+                                    </p:animEffect>
+                                  </p:childTnLst>
+                                </p:cTn>
+                              </p:par>
+                            </p:childTnLst>
+                          </p:cTn>
+                        </p:par>
+                      </p:childTnLst>
+                    </p:cTn>
+                  </p:par>
+                  <p:par>
+                    <p:cTn id="23" fill="hold">
+                      <p:stCondLst>
+                        <p:cond delay="indefinite"/>
+                      </p:stCondLst>
+                      <p:childTnLst>
+                        <p:par>
+                          <p:cTn id="24" fill="hold">
+                            <p:stCondLst>
+                              <p:cond delay="0"/>
+                            </p:stCondLst>
+                            <p:childTnLst>
+                              <p:par>
+                                <p:cTn id="25" presetID="10" presetClass="entr" presetSubtype="0" fill="hold" grpId="0" nodeType="clickEffect">
+                                  <p:stCondLst>
+                                    <p:cond delay="0"/>
+                                  </p:stCondLst>
+                                  <p:childTnLst>
+                                    <p:set>
+                                      <p:cBhvr>
+                                        <p:cTn id="26" dur="1" fill="hold">
+                                          <p:stCondLst>
+                                            <p:cond delay="0"/>
+                                          </p:stCondLst>
+                                        </p:cTn>
+                                        <p:tgtEl>
+                                          <p:spTgt spid="4"/>
+                                        </p:tgtEl>
+                                        <p:attrNameLst>
+                                          <p:attrName>style.visibility</p:attrName>
+                                        </p:attrNameLst>
+                                      </p:cBhvr>
+                                      <p:to>
+                                        <p:strVal val="visible"/>
+                                      </p:to>
+                                    </p:set>
+                                    <p:animEffect transition="in" filter="fade">
+                                      <p:cBhvr>
+                                        <p:cTn id="27" dur="250"/>
                                         <p:tgtEl>
                                           <p:spTgt spid="4"/>
                                         </p:tgtEl>
@@ -16353,7 +16493,7 @@
       </p:par>
     </p:tnLst>
     <p:bldLst>
-      <p:bldP spid="3" grpId="0" build="p"/>
+      <p:bldP spid="3" grpId="0" uiExpand="1" build="p"/>
       <p:bldP spid="4" grpId="0"/>
     </p:bldLst>
   </p:timing>
@@ -17068,30 +17208,21 @@
                             </p:childTnLst>
                           </p:cTn>
                         </p:par>
-                      </p:childTnLst>
-                    </p:cTn>
-                  </p:par>
-                  <p:par>
-                    <p:cTn id="41" fill="hold">
-                      <p:stCondLst>
-                        <p:cond delay="indefinite"/>
-                      </p:stCondLst>
-                      <p:childTnLst>
                         <p:par>
-                          <p:cTn id="42" fill="hold">
+                          <p:cTn id="41" fill="hold">
                             <p:stCondLst>
-                              <p:cond delay="0"/>
+                              <p:cond delay="500"/>
                             </p:stCondLst>
                             <p:childTnLst>
                               <p:par>
-                                <p:cTn id="43" presetID="10" presetClass="entr" presetSubtype="0" fill="hold" grpId="0" nodeType="clickEffect">
+                                <p:cTn id="42" presetID="10" presetClass="entr" presetSubtype="0" fill="hold" grpId="0" nodeType="afterEffect">
                                   <p:stCondLst>
                                     <p:cond delay="0"/>
                                   </p:stCondLst>
                                   <p:childTnLst>
                                     <p:set>
                                       <p:cBhvr>
-                                        <p:cTn id="44" dur="1" fill="hold">
+                                        <p:cTn id="43" dur="1" fill="hold">
                                           <p:stCondLst>
                                             <p:cond delay="0"/>
                                           </p:stCondLst>
@@ -17113,7 +17244,7 @@
                                     </p:set>
                                     <p:animEffect transition="in" filter="fade">
                                       <p:cBhvr>
-                                        <p:cTn id="45" dur="250"/>
+                                        <p:cTn id="44" dur="250"/>
                                         <p:tgtEl>
                                           <p:spTgt spid="3">
                                             <p:txEl>
@@ -17225,7 +17356,7 @@
         <p:spPr/>
         <p:txBody>
           <a:bodyPr>
-            <a:normAutofit lnSpcReduction="10000"/>
+            <a:normAutofit/>
           </a:bodyPr>
           <a:lstStyle/>
           <a:p>
@@ -17239,61 +17370,6 @@
             <a:r>
               <a:rPr lang="de-AT" dirty="0"/>
               <a:t>ist mittlerweile allerdings wesentlich besser</a:t>
-            </a:r>
-          </a:p>
-          <a:p>
-            <a:r>
-              <a:rPr lang="de-AT" i="1" dirty="0" err="1"/>
-              <a:t>Shared</a:t>
-            </a:r>
-            <a:r>
-              <a:rPr lang="de-AT" i="1" dirty="0"/>
-              <a:t> Drives</a:t>
-            </a:r>
-            <a:r>
-              <a:rPr lang="de-AT" dirty="0"/>
-              <a:t> nicht vergessen freizugeben</a:t>
-            </a:r>
-          </a:p>
-          <a:p>
-            <a:r>
-              <a:rPr lang="de-AT" dirty="0"/>
-              <a:t>Aufpassen bei Netzwerkinterfaces im Container (</a:t>
-            </a:r>
-            <a:r>
-              <a:rPr lang="de-AT" sz="2400" dirty="0">
-                <a:latin typeface="Fira Code" panose="020B0509050000020004" pitchFamily="49" charset="0"/>
-                <a:ea typeface="Fira Code" panose="020B0509050000020004" pitchFamily="49" charset="0"/>
-              </a:rPr>
-              <a:t>0.0.0.0</a:t>
-            </a:r>
-            <a:r>
-              <a:rPr lang="de-AT" dirty="0"/>
-              <a:t>)</a:t>
-            </a:r>
-          </a:p>
-          <a:p>
-            <a:r>
-              <a:rPr lang="de-AT" dirty="0"/>
-              <a:t>File-Watches funktionieren (noch) nicht</a:t>
-            </a:r>
-          </a:p>
-          <a:p>
-            <a:r>
-              <a:rPr lang="de-AT" dirty="0"/>
-              <a:t>Container eignen sich leider nicht/nur schwer um zeitzonenabhängiges Verhalten zu testen</a:t>
-            </a:r>
-          </a:p>
-          <a:p>
-            <a:r>
-              <a:rPr lang="de-AT" dirty="0"/>
-              <a:t>saubere Benennung mit Tags ist sehr wichtig</a:t>
-            </a:r>
-          </a:p>
-          <a:p>
-            <a:r>
-              <a:rPr lang="de-AT" dirty="0"/>
-              <a:t>Benutzer in Containern</a:t>
             </a:r>
           </a:p>
         </p:txBody>
@@ -17314,12 +17390,7 @@
             <p:ph type="body" sz="quarter" idx="13"/>
           </p:nvPr>
         </p:nvSpPr>
-        <p:spPr>
-          <a:xfrm>
-            <a:off x="9853519" y="6769166"/>
-            <a:ext cx="460383" cy="354071"/>
-          </a:xfrm>
-        </p:spPr>
+        <p:spPr/>
         <p:txBody>
           <a:bodyPr/>
           <a:lstStyle/>
@@ -17443,372 +17514,6 @@
                                           <p:spTgt spid="3">
                                             <p:txEl>
                                               <p:pRg st="1" end="1"/>
-                                            </p:txEl>
-                                          </p:spTgt>
-                                        </p:tgtEl>
-                                      </p:cBhvr>
-                                    </p:animEffect>
-                                  </p:childTnLst>
-                                </p:cTn>
-                              </p:par>
-                            </p:childTnLst>
-                          </p:cTn>
-                        </p:par>
-                      </p:childTnLst>
-                    </p:cTn>
-                  </p:par>
-                  <p:par>
-                    <p:cTn id="11" fill="hold">
-                      <p:stCondLst>
-                        <p:cond delay="indefinite"/>
-                      </p:stCondLst>
-                      <p:childTnLst>
-                        <p:par>
-                          <p:cTn id="12" fill="hold">
-                            <p:stCondLst>
-                              <p:cond delay="0"/>
-                            </p:stCondLst>
-                            <p:childTnLst>
-                              <p:par>
-                                <p:cTn id="13" presetID="10" presetClass="entr" presetSubtype="0" fill="hold" grpId="0" nodeType="clickEffect">
-                                  <p:stCondLst>
-                                    <p:cond delay="0"/>
-                                  </p:stCondLst>
-                                  <p:childTnLst>
-                                    <p:set>
-                                      <p:cBhvr>
-                                        <p:cTn id="14" dur="1" fill="hold">
-                                          <p:stCondLst>
-                                            <p:cond delay="0"/>
-                                          </p:stCondLst>
-                                        </p:cTn>
-                                        <p:tgtEl>
-                                          <p:spTgt spid="3">
-                                            <p:txEl>
-                                              <p:pRg st="2" end="2"/>
-                                            </p:txEl>
-                                          </p:spTgt>
-                                        </p:tgtEl>
-                                        <p:attrNameLst>
-                                          <p:attrName>style.visibility</p:attrName>
-                                        </p:attrNameLst>
-                                      </p:cBhvr>
-                                      <p:to>
-                                        <p:strVal val="visible"/>
-                                      </p:to>
-                                    </p:set>
-                                    <p:animEffect transition="in" filter="fade">
-                                      <p:cBhvr>
-                                        <p:cTn id="15" dur="250"/>
-                                        <p:tgtEl>
-                                          <p:spTgt spid="3">
-                                            <p:txEl>
-                                              <p:pRg st="2" end="2"/>
-                                            </p:txEl>
-                                          </p:spTgt>
-                                        </p:tgtEl>
-                                      </p:cBhvr>
-                                    </p:animEffect>
-                                  </p:childTnLst>
-                                </p:cTn>
-                              </p:par>
-                            </p:childTnLst>
-                          </p:cTn>
-                        </p:par>
-                      </p:childTnLst>
-                    </p:cTn>
-                  </p:par>
-                  <p:par>
-                    <p:cTn id="16" fill="hold">
-                      <p:stCondLst>
-                        <p:cond delay="indefinite"/>
-                      </p:stCondLst>
-                      <p:childTnLst>
-                        <p:par>
-                          <p:cTn id="17" fill="hold">
-                            <p:stCondLst>
-                              <p:cond delay="0"/>
-                            </p:stCondLst>
-                            <p:childTnLst>
-                              <p:par>
-                                <p:cTn id="18" presetID="10" presetClass="entr" presetSubtype="0" fill="hold" grpId="0" nodeType="clickEffect">
-                                  <p:stCondLst>
-                                    <p:cond delay="0"/>
-                                  </p:stCondLst>
-                                  <p:childTnLst>
-                                    <p:set>
-                                      <p:cBhvr>
-                                        <p:cTn id="19" dur="1" fill="hold">
-                                          <p:stCondLst>
-                                            <p:cond delay="0"/>
-                                          </p:stCondLst>
-                                        </p:cTn>
-                                        <p:tgtEl>
-                                          <p:spTgt spid="3">
-                                            <p:txEl>
-                                              <p:pRg st="3" end="3"/>
-                                            </p:txEl>
-                                          </p:spTgt>
-                                        </p:tgtEl>
-                                        <p:attrNameLst>
-                                          <p:attrName>style.visibility</p:attrName>
-                                        </p:attrNameLst>
-                                      </p:cBhvr>
-                                      <p:to>
-                                        <p:strVal val="visible"/>
-                                      </p:to>
-                                    </p:set>
-                                    <p:animEffect transition="in" filter="fade">
-                                      <p:cBhvr>
-                                        <p:cTn id="20" dur="250"/>
-                                        <p:tgtEl>
-                                          <p:spTgt spid="3">
-                                            <p:txEl>
-                                              <p:pRg st="3" end="3"/>
-                                            </p:txEl>
-                                          </p:spTgt>
-                                        </p:tgtEl>
-                                      </p:cBhvr>
-                                    </p:animEffect>
-                                  </p:childTnLst>
-                                </p:cTn>
-                              </p:par>
-                            </p:childTnLst>
-                          </p:cTn>
-                        </p:par>
-                      </p:childTnLst>
-                    </p:cTn>
-                  </p:par>
-                  <p:par>
-                    <p:cTn id="21" fill="hold">
-                      <p:stCondLst>
-                        <p:cond delay="indefinite"/>
-                      </p:stCondLst>
-                      <p:childTnLst>
-                        <p:par>
-                          <p:cTn id="22" fill="hold">
-                            <p:stCondLst>
-                              <p:cond delay="0"/>
-                            </p:stCondLst>
-                            <p:childTnLst>
-                              <p:par>
-                                <p:cTn id="23" presetID="10" presetClass="entr" presetSubtype="0" fill="hold" grpId="0" nodeType="clickEffect">
-                                  <p:stCondLst>
-                                    <p:cond delay="0"/>
-                                  </p:stCondLst>
-                                  <p:childTnLst>
-                                    <p:set>
-                                      <p:cBhvr>
-                                        <p:cTn id="24" dur="1" fill="hold">
-                                          <p:stCondLst>
-                                            <p:cond delay="0"/>
-                                          </p:stCondLst>
-                                        </p:cTn>
-                                        <p:tgtEl>
-                                          <p:spTgt spid="3">
-                                            <p:txEl>
-                                              <p:pRg st="4" end="4"/>
-                                            </p:txEl>
-                                          </p:spTgt>
-                                        </p:tgtEl>
-                                        <p:attrNameLst>
-                                          <p:attrName>style.visibility</p:attrName>
-                                        </p:attrNameLst>
-                                      </p:cBhvr>
-                                      <p:to>
-                                        <p:strVal val="visible"/>
-                                      </p:to>
-                                    </p:set>
-                                    <p:animEffect transition="in" filter="fade">
-                                      <p:cBhvr>
-                                        <p:cTn id="25" dur="250"/>
-                                        <p:tgtEl>
-                                          <p:spTgt spid="3">
-                                            <p:txEl>
-                                              <p:pRg st="4" end="4"/>
-                                            </p:txEl>
-                                          </p:spTgt>
-                                        </p:tgtEl>
-                                      </p:cBhvr>
-                                    </p:animEffect>
-                                  </p:childTnLst>
-                                </p:cTn>
-                              </p:par>
-                            </p:childTnLst>
-                          </p:cTn>
-                        </p:par>
-                      </p:childTnLst>
-                    </p:cTn>
-                  </p:par>
-                  <p:par>
-                    <p:cTn id="26" fill="hold">
-                      <p:stCondLst>
-                        <p:cond delay="indefinite"/>
-                      </p:stCondLst>
-                      <p:childTnLst>
-                        <p:par>
-                          <p:cTn id="27" fill="hold">
-                            <p:stCondLst>
-                              <p:cond delay="0"/>
-                            </p:stCondLst>
-                            <p:childTnLst>
-                              <p:par>
-                                <p:cTn id="28" presetID="10" presetClass="entr" presetSubtype="0" fill="hold" grpId="0" nodeType="clickEffect">
-                                  <p:stCondLst>
-                                    <p:cond delay="0"/>
-                                  </p:stCondLst>
-                                  <p:childTnLst>
-                                    <p:set>
-                                      <p:cBhvr>
-                                        <p:cTn id="29" dur="1" fill="hold">
-                                          <p:stCondLst>
-                                            <p:cond delay="0"/>
-                                          </p:stCondLst>
-                                        </p:cTn>
-                                        <p:tgtEl>
-                                          <p:spTgt spid="3">
-                                            <p:txEl>
-                                              <p:pRg st="5" end="5"/>
-                                            </p:txEl>
-                                          </p:spTgt>
-                                        </p:tgtEl>
-                                        <p:attrNameLst>
-                                          <p:attrName>style.visibility</p:attrName>
-                                        </p:attrNameLst>
-                                      </p:cBhvr>
-                                      <p:to>
-                                        <p:strVal val="visible"/>
-                                      </p:to>
-                                    </p:set>
-                                    <p:animEffect transition="in" filter="fade">
-                                      <p:cBhvr>
-                                        <p:cTn id="30" dur="250"/>
-                                        <p:tgtEl>
-                                          <p:spTgt spid="3">
-                                            <p:txEl>
-                                              <p:pRg st="5" end="5"/>
-                                            </p:txEl>
-                                          </p:spTgt>
-                                        </p:tgtEl>
-                                      </p:cBhvr>
-                                    </p:animEffect>
-                                  </p:childTnLst>
-                                </p:cTn>
-                              </p:par>
-                            </p:childTnLst>
-                          </p:cTn>
-                        </p:par>
-                      </p:childTnLst>
-                    </p:cTn>
-                  </p:par>
-                  <p:par>
-                    <p:cTn id="31" fill="hold">
-                      <p:stCondLst>
-                        <p:cond delay="indefinite"/>
-                      </p:stCondLst>
-                      <p:childTnLst>
-                        <p:par>
-                          <p:cTn id="32" fill="hold">
-                            <p:stCondLst>
-                              <p:cond delay="0"/>
-                            </p:stCondLst>
-                            <p:childTnLst>
-                              <p:par>
-                                <p:cTn id="33" presetID="10" presetClass="entr" presetSubtype="0" fill="hold" grpId="0" nodeType="clickEffect">
-                                  <p:stCondLst>
-                                    <p:cond delay="0"/>
-                                  </p:stCondLst>
-                                  <p:childTnLst>
-                                    <p:set>
-                                      <p:cBhvr>
-                                        <p:cTn id="34" dur="1" fill="hold">
-                                          <p:stCondLst>
-                                            <p:cond delay="0"/>
-                                          </p:stCondLst>
-                                        </p:cTn>
-                                        <p:tgtEl>
-                                          <p:spTgt spid="3">
-                                            <p:txEl>
-                                              <p:pRg st="6" end="6"/>
-                                            </p:txEl>
-                                          </p:spTgt>
-                                        </p:tgtEl>
-                                        <p:attrNameLst>
-                                          <p:attrName>style.visibility</p:attrName>
-                                        </p:attrNameLst>
-                                      </p:cBhvr>
-                                      <p:to>
-                                        <p:strVal val="visible"/>
-                                      </p:to>
-                                    </p:set>
-                                    <p:animEffect transition="in" filter="fade">
-                                      <p:cBhvr>
-                                        <p:cTn id="35" dur="250"/>
-                                        <p:tgtEl>
-                                          <p:spTgt spid="3">
-                                            <p:txEl>
-                                              <p:pRg st="6" end="6"/>
-                                            </p:txEl>
-                                          </p:spTgt>
-                                        </p:tgtEl>
-                                      </p:cBhvr>
-                                    </p:animEffect>
-                                  </p:childTnLst>
-                                </p:cTn>
-                              </p:par>
-                            </p:childTnLst>
-                          </p:cTn>
-                        </p:par>
-                      </p:childTnLst>
-                    </p:cTn>
-                  </p:par>
-                  <p:par>
-                    <p:cTn id="36" fill="hold">
-                      <p:stCondLst>
-                        <p:cond delay="indefinite"/>
-                      </p:stCondLst>
-                      <p:childTnLst>
-                        <p:par>
-                          <p:cTn id="37" fill="hold">
-                            <p:stCondLst>
-                              <p:cond delay="0"/>
-                            </p:stCondLst>
-                            <p:childTnLst>
-                              <p:par>
-                                <p:cTn id="38" presetID="10" presetClass="entr" presetSubtype="0" fill="hold" grpId="0" nodeType="clickEffect">
-                                  <p:stCondLst>
-                                    <p:cond delay="0"/>
-                                  </p:stCondLst>
-                                  <p:childTnLst>
-                                    <p:set>
-                                      <p:cBhvr>
-                                        <p:cTn id="39" dur="1" fill="hold">
-                                          <p:stCondLst>
-                                            <p:cond delay="0"/>
-                                          </p:stCondLst>
-                                        </p:cTn>
-                                        <p:tgtEl>
-                                          <p:spTgt spid="3">
-                                            <p:txEl>
-                                              <p:pRg st="7" end="7"/>
-                                            </p:txEl>
-                                          </p:spTgt>
-                                        </p:tgtEl>
-                                        <p:attrNameLst>
-                                          <p:attrName>style.visibility</p:attrName>
-                                        </p:attrNameLst>
-                                      </p:cBhvr>
-                                      <p:to>
-                                        <p:strVal val="visible"/>
-                                      </p:to>
-                                    </p:set>
-                                    <p:animEffect transition="in" filter="fade">
-                                      <p:cBhvr>
-                                        <p:cTn id="40" dur="250"/>
-                                        <p:tgtEl>
-                                          <p:spTgt spid="3">
-                                            <p:txEl>
-                                              <p:pRg st="7" end="7"/>
                                             </p:txEl>
                                           </p:spTgt>
                                         </p:tgtEl>
@@ -17868,6 +17573,701 @@
           <a:chExt cx="0" cy="0"/>
         </a:xfrm>
       </p:grpSpPr>
+      <p:pic>
+        <p:nvPicPr>
+          <p:cNvPr id="6" name="Inhaltsplatzhalter 5">
+            <a:extLst>
+              <a:ext uri="{FF2B5EF4-FFF2-40B4-BE49-F238E27FC236}">
+                <a16:creationId xmlns:a16="http://schemas.microsoft.com/office/drawing/2014/main" id="{744C253D-EB9B-4EC9-B032-0899430F3FAF}"/>
+              </a:ext>
+            </a:extLst>
+          </p:cNvPr>
+          <p:cNvPicPr>
+            <a:picLocks noGrp="1" noChangeAspect="1"/>
+          </p:cNvPicPr>
+          <p:nvPr>
+            <p:ph idx="1"/>
+          </p:nvPr>
+        </p:nvPicPr>
+        <p:blipFill>
+          <a:blip r:embed="rId2">
+            <a:extLst>
+              <a:ext uri="{28A0092B-C50C-407E-A947-70E740481C1C}">
+                <a14:useLocalDpi xmlns:a14="http://schemas.microsoft.com/office/drawing/2010/main" val="0"/>
+              </a:ext>
+            </a:extLst>
+          </a:blip>
+          <a:stretch>
+            <a:fillRect/>
+          </a:stretch>
+        </p:blipFill>
+        <p:spPr>
+          <a:xfrm>
+            <a:off x="1808779" y="399028"/>
+            <a:ext cx="7182204" cy="6205983"/>
+          </a:xfrm>
+          <a:effectLst>
+            <a:outerShdw blurRad="368300" sx="102000" sy="102000" algn="ctr" rotWithShape="0">
+              <a:prstClr val="black">
+                <a:alpha val="21000"/>
+              </a:prstClr>
+            </a:outerShdw>
+          </a:effectLst>
+        </p:spPr>
+      </p:pic>
+      <p:sp>
+        <p:nvSpPr>
+          <p:cNvPr id="4" name="Textplatzhalter 3">
+            <a:extLst>
+              <a:ext uri="{FF2B5EF4-FFF2-40B4-BE49-F238E27FC236}">
+                <a16:creationId xmlns:a16="http://schemas.microsoft.com/office/drawing/2014/main" id="{F06470FE-4958-46E0-A64E-B321C8942F3A}"/>
+              </a:ext>
+            </a:extLst>
+          </p:cNvPr>
+          <p:cNvSpPr>
+            <a:spLocks noGrp="1"/>
+          </p:cNvSpPr>
+          <p:nvPr>
+            <p:ph type="body" sz="quarter" idx="13"/>
+          </p:nvPr>
+        </p:nvSpPr>
+        <p:spPr>
+          <a:xfrm>
+            <a:off x="9853519" y="6769166"/>
+            <a:ext cx="460383" cy="354071"/>
+          </a:xfrm>
+        </p:spPr>
+        <p:txBody>
+          <a:bodyPr/>
+          <a:lstStyle/>
+          <a:p>
+            <a:r>
+              <a:rPr lang="en-US" dirty="0"/>
+              <a:t>27</a:t>
+            </a:r>
+            <a:endParaRPr lang="de-AT" dirty="0"/>
+          </a:p>
+        </p:txBody>
+      </p:sp>
+    </p:spTree>
+    <p:extLst>
+      <p:ext uri="{BB962C8B-B14F-4D97-AF65-F5344CB8AC3E}">
+        <p14:creationId xmlns:p14="http://schemas.microsoft.com/office/powerpoint/2010/main" val="802767850"/>
+      </p:ext>
+    </p:extLst>
+  </p:cSld>
+  <p:clrMapOvr>
+    <a:masterClrMapping/>
+  </p:clrMapOvr>
+  <p:transition spd="slow">
+    <p:push/>
+  </p:transition>
+</p:sld>
+</file>
+
+<file path=ppt/slides/slide38.xml><?xml version="1.0" encoding="utf-8"?>
+<p:sld xmlns:a="http://schemas.openxmlformats.org/drawingml/2006/main" xmlns:r="http://schemas.openxmlformats.org/officeDocument/2006/relationships" xmlns:p="http://schemas.openxmlformats.org/presentationml/2006/main">
+  <p:cSld>
+    <p:spTree>
+      <p:nvGrpSpPr>
+        <p:cNvPr id="1" name=""/>
+        <p:cNvGrpSpPr/>
+        <p:nvPr/>
+      </p:nvGrpSpPr>
+      <p:grpSpPr>
+        <a:xfrm>
+          <a:off x="0" y="0"/>
+          <a:ext cx="0" cy="0"/>
+          <a:chOff x="0" y="0"/>
+          <a:chExt cx="0" cy="0"/>
+        </a:xfrm>
+      </p:grpSpPr>
+      <p:sp>
+        <p:nvSpPr>
+          <p:cNvPr id="2" name="Titel 1">
+            <a:extLst>
+              <a:ext uri="{FF2B5EF4-FFF2-40B4-BE49-F238E27FC236}">
+                <a16:creationId xmlns:a16="http://schemas.microsoft.com/office/drawing/2014/main" id="{191B2DF5-FB7B-4BEA-98CE-F21809BA80DE}"/>
+              </a:ext>
+            </a:extLst>
+          </p:cNvPr>
+          <p:cNvSpPr>
+            <a:spLocks noGrp="1"/>
+          </p:cNvSpPr>
+          <p:nvPr>
+            <p:ph type="title"/>
+          </p:nvPr>
+        </p:nvSpPr>
+        <p:spPr/>
+        <p:txBody>
+          <a:bodyPr/>
+          <a:lstStyle/>
+          <a:p>
+            <a:r>
+              <a:rPr lang="de-AT" dirty="0"/>
+              <a:t>Persönliche Tipps/Infos</a:t>
+            </a:r>
+          </a:p>
+        </p:txBody>
+      </p:sp>
+      <p:sp>
+        <p:nvSpPr>
+          <p:cNvPr id="3" name="Inhaltsplatzhalter 2">
+            <a:extLst>
+              <a:ext uri="{FF2B5EF4-FFF2-40B4-BE49-F238E27FC236}">
+                <a16:creationId xmlns:a16="http://schemas.microsoft.com/office/drawing/2014/main" id="{EB13BD13-8116-47ED-B5CD-B79D99BEF023}"/>
+              </a:ext>
+            </a:extLst>
+          </p:cNvPr>
+          <p:cNvSpPr>
+            <a:spLocks noGrp="1"/>
+          </p:cNvSpPr>
+          <p:nvPr>
+            <p:ph idx="1"/>
+          </p:nvPr>
+        </p:nvSpPr>
+        <p:spPr/>
+        <p:txBody>
+          <a:bodyPr>
+            <a:normAutofit lnSpcReduction="10000"/>
+          </a:bodyPr>
+          <a:lstStyle/>
+          <a:p>
+            <a:r>
+              <a:rPr lang="de-AT" dirty="0"/>
+              <a:t>Aufpassen bei Docker Updates</a:t>
+            </a:r>
+          </a:p>
+          <a:p>
+            <a:pPr lvl="1"/>
+            <a:r>
+              <a:rPr lang="de-AT" dirty="0"/>
+              <a:t>ist mittlerweile allerdings wesentlich besser</a:t>
+            </a:r>
+          </a:p>
+          <a:p>
+            <a:r>
+              <a:rPr lang="de-AT" i="1" dirty="0" err="1"/>
+              <a:t>Shared</a:t>
+            </a:r>
+            <a:r>
+              <a:rPr lang="de-AT" i="1" dirty="0"/>
+              <a:t> Drives</a:t>
+            </a:r>
+            <a:r>
+              <a:rPr lang="de-AT" dirty="0"/>
+              <a:t> nicht vergessen freizugeben</a:t>
+            </a:r>
+          </a:p>
+          <a:p>
+            <a:r>
+              <a:rPr lang="de-AT" dirty="0"/>
+              <a:t>Aufpassen bei Netzwerkinterfaces im Container (</a:t>
+            </a:r>
+            <a:r>
+              <a:rPr lang="de-AT" sz="2400" dirty="0">
+                <a:latin typeface="Fira Code" panose="020B0509050000020004" pitchFamily="49" charset="0"/>
+                <a:ea typeface="Fira Code" panose="020B0509050000020004" pitchFamily="49" charset="0"/>
+              </a:rPr>
+              <a:t>0.0.0.0</a:t>
+            </a:r>
+            <a:r>
+              <a:rPr lang="de-AT" dirty="0"/>
+              <a:t>)</a:t>
+            </a:r>
+          </a:p>
+          <a:p>
+            <a:r>
+              <a:rPr lang="de-AT" dirty="0"/>
+              <a:t>File-Watches funktionieren (noch) nicht</a:t>
+            </a:r>
+          </a:p>
+          <a:p>
+            <a:r>
+              <a:rPr lang="de-AT" dirty="0"/>
+              <a:t>Container eignen sich leider nicht/nur schwer um zeitzonenabhängiges Verhalten zu testen</a:t>
+            </a:r>
+          </a:p>
+          <a:p>
+            <a:r>
+              <a:rPr lang="de-AT" dirty="0"/>
+              <a:t>saubere Benennung mit Tags ist sehr wichtig</a:t>
+            </a:r>
+          </a:p>
+          <a:p>
+            <a:r>
+              <a:rPr lang="de-AT" dirty="0"/>
+              <a:t>Benutzer in Containern</a:t>
+            </a:r>
+          </a:p>
+        </p:txBody>
+      </p:sp>
+      <p:sp>
+        <p:nvSpPr>
+          <p:cNvPr id="4" name="Textplatzhalter 3">
+            <a:extLst>
+              <a:ext uri="{FF2B5EF4-FFF2-40B4-BE49-F238E27FC236}">
+                <a16:creationId xmlns:a16="http://schemas.microsoft.com/office/drawing/2014/main" id="{FF568BD7-AF10-4A48-BD6D-5EFA26FF8EB9}"/>
+              </a:ext>
+            </a:extLst>
+          </p:cNvPr>
+          <p:cNvSpPr>
+            <a:spLocks noGrp="1"/>
+          </p:cNvSpPr>
+          <p:nvPr>
+            <p:ph type="body" sz="quarter" idx="13"/>
+          </p:nvPr>
+        </p:nvSpPr>
+        <p:spPr>
+          <a:xfrm>
+            <a:off x="9853519" y="6769166"/>
+            <a:ext cx="460383" cy="354071"/>
+          </a:xfrm>
+        </p:spPr>
+        <p:txBody>
+          <a:bodyPr/>
+          <a:lstStyle/>
+          <a:p>
+            <a:r>
+              <a:rPr lang="en-US" dirty="0"/>
+              <a:t>27</a:t>
+            </a:r>
+            <a:endParaRPr lang="de-AT" dirty="0"/>
+          </a:p>
+        </p:txBody>
+      </p:sp>
+    </p:spTree>
+    <p:extLst>
+      <p:ext uri="{BB962C8B-B14F-4D97-AF65-F5344CB8AC3E}">
+        <p14:creationId xmlns:p14="http://schemas.microsoft.com/office/powerpoint/2010/main" val="552831901"/>
+      </p:ext>
+    </p:extLst>
+  </p:cSld>
+  <p:clrMapOvr>
+    <a:masterClrMapping/>
+  </p:clrMapOvr>
+  <p:transition spd="slow">
+    <p:push/>
+  </p:transition>
+  <p:timing>
+    <p:tnLst>
+      <p:par>
+        <p:cTn id="1" dur="indefinite" restart="never" nodeType="tmRoot">
+          <p:childTnLst>
+            <p:seq concurrent="1" nextAc="seek">
+              <p:cTn id="2" dur="indefinite" nodeType="mainSeq">
+                <p:childTnLst>
+                  <p:par>
+                    <p:cTn id="3" fill="hold">
+                      <p:stCondLst>
+                        <p:cond delay="indefinite"/>
+                      </p:stCondLst>
+                      <p:childTnLst>
+                        <p:par>
+                          <p:cTn id="4" fill="hold">
+                            <p:stCondLst>
+                              <p:cond delay="0"/>
+                            </p:stCondLst>
+                            <p:childTnLst>
+                              <p:par>
+                                <p:cTn id="5" presetID="10" presetClass="entr" presetSubtype="0" fill="hold" grpId="0" nodeType="clickEffect">
+                                  <p:stCondLst>
+                                    <p:cond delay="0"/>
+                                  </p:stCondLst>
+                                  <p:childTnLst>
+                                    <p:set>
+                                      <p:cBhvr>
+                                        <p:cTn id="6" dur="1" fill="hold">
+                                          <p:stCondLst>
+                                            <p:cond delay="0"/>
+                                          </p:stCondLst>
+                                        </p:cTn>
+                                        <p:tgtEl>
+                                          <p:spTgt spid="3">
+                                            <p:txEl>
+                                              <p:pRg st="2" end="2"/>
+                                            </p:txEl>
+                                          </p:spTgt>
+                                        </p:tgtEl>
+                                        <p:attrNameLst>
+                                          <p:attrName>style.visibility</p:attrName>
+                                        </p:attrNameLst>
+                                      </p:cBhvr>
+                                      <p:to>
+                                        <p:strVal val="visible"/>
+                                      </p:to>
+                                    </p:set>
+                                    <p:animEffect transition="in" filter="fade">
+                                      <p:cBhvr>
+                                        <p:cTn id="7" dur="250"/>
+                                        <p:tgtEl>
+                                          <p:spTgt spid="3">
+                                            <p:txEl>
+                                              <p:pRg st="2" end="2"/>
+                                            </p:txEl>
+                                          </p:spTgt>
+                                        </p:tgtEl>
+                                      </p:cBhvr>
+                                    </p:animEffect>
+                                  </p:childTnLst>
+                                </p:cTn>
+                              </p:par>
+                            </p:childTnLst>
+                          </p:cTn>
+                        </p:par>
+                      </p:childTnLst>
+                    </p:cTn>
+                  </p:par>
+                  <p:par>
+                    <p:cTn id="8" fill="hold">
+                      <p:stCondLst>
+                        <p:cond delay="indefinite"/>
+                      </p:stCondLst>
+                      <p:childTnLst>
+                        <p:par>
+                          <p:cTn id="9" fill="hold">
+                            <p:stCondLst>
+                              <p:cond delay="0"/>
+                            </p:stCondLst>
+                            <p:childTnLst>
+                              <p:par>
+                                <p:cTn id="10" presetID="10" presetClass="entr" presetSubtype="0" fill="hold" grpId="0" nodeType="clickEffect">
+                                  <p:stCondLst>
+                                    <p:cond delay="0"/>
+                                  </p:stCondLst>
+                                  <p:childTnLst>
+                                    <p:set>
+                                      <p:cBhvr>
+                                        <p:cTn id="11" dur="1" fill="hold">
+                                          <p:stCondLst>
+                                            <p:cond delay="0"/>
+                                          </p:stCondLst>
+                                        </p:cTn>
+                                        <p:tgtEl>
+                                          <p:spTgt spid="3">
+                                            <p:txEl>
+                                              <p:pRg st="3" end="3"/>
+                                            </p:txEl>
+                                          </p:spTgt>
+                                        </p:tgtEl>
+                                        <p:attrNameLst>
+                                          <p:attrName>style.visibility</p:attrName>
+                                        </p:attrNameLst>
+                                      </p:cBhvr>
+                                      <p:to>
+                                        <p:strVal val="visible"/>
+                                      </p:to>
+                                    </p:set>
+                                    <p:animEffect transition="in" filter="fade">
+                                      <p:cBhvr>
+                                        <p:cTn id="12" dur="250"/>
+                                        <p:tgtEl>
+                                          <p:spTgt spid="3">
+                                            <p:txEl>
+                                              <p:pRg st="3" end="3"/>
+                                            </p:txEl>
+                                          </p:spTgt>
+                                        </p:tgtEl>
+                                      </p:cBhvr>
+                                    </p:animEffect>
+                                  </p:childTnLst>
+                                </p:cTn>
+                              </p:par>
+                            </p:childTnLst>
+                          </p:cTn>
+                        </p:par>
+                      </p:childTnLst>
+                    </p:cTn>
+                  </p:par>
+                  <p:par>
+                    <p:cTn id="13" fill="hold">
+                      <p:stCondLst>
+                        <p:cond delay="indefinite"/>
+                      </p:stCondLst>
+                      <p:childTnLst>
+                        <p:par>
+                          <p:cTn id="14" fill="hold">
+                            <p:stCondLst>
+                              <p:cond delay="0"/>
+                            </p:stCondLst>
+                            <p:childTnLst>
+                              <p:par>
+                                <p:cTn id="15" presetID="10" presetClass="entr" presetSubtype="0" fill="hold" grpId="0" nodeType="clickEffect">
+                                  <p:stCondLst>
+                                    <p:cond delay="0"/>
+                                  </p:stCondLst>
+                                  <p:childTnLst>
+                                    <p:set>
+                                      <p:cBhvr>
+                                        <p:cTn id="16" dur="1" fill="hold">
+                                          <p:stCondLst>
+                                            <p:cond delay="0"/>
+                                          </p:stCondLst>
+                                        </p:cTn>
+                                        <p:tgtEl>
+                                          <p:spTgt spid="3">
+                                            <p:txEl>
+                                              <p:pRg st="4" end="4"/>
+                                            </p:txEl>
+                                          </p:spTgt>
+                                        </p:tgtEl>
+                                        <p:attrNameLst>
+                                          <p:attrName>style.visibility</p:attrName>
+                                        </p:attrNameLst>
+                                      </p:cBhvr>
+                                      <p:to>
+                                        <p:strVal val="visible"/>
+                                      </p:to>
+                                    </p:set>
+                                    <p:animEffect transition="in" filter="fade">
+                                      <p:cBhvr>
+                                        <p:cTn id="17" dur="250"/>
+                                        <p:tgtEl>
+                                          <p:spTgt spid="3">
+                                            <p:txEl>
+                                              <p:pRg st="4" end="4"/>
+                                            </p:txEl>
+                                          </p:spTgt>
+                                        </p:tgtEl>
+                                      </p:cBhvr>
+                                    </p:animEffect>
+                                  </p:childTnLst>
+                                </p:cTn>
+                              </p:par>
+                            </p:childTnLst>
+                          </p:cTn>
+                        </p:par>
+                      </p:childTnLst>
+                    </p:cTn>
+                  </p:par>
+                  <p:par>
+                    <p:cTn id="18" fill="hold">
+                      <p:stCondLst>
+                        <p:cond delay="indefinite"/>
+                      </p:stCondLst>
+                      <p:childTnLst>
+                        <p:par>
+                          <p:cTn id="19" fill="hold">
+                            <p:stCondLst>
+                              <p:cond delay="0"/>
+                            </p:stCondLst>
+                            <p:childTnLst>
+                              <p:par>
+                                <p:cTn id="20" presetID="10" presetClass="entr" presetSubtype="0" fill="hold" grpId="0" nodeType="clickEffect">
+                                  <p:stCondLst>
+                                    <p:cond delay="0"/>
+                                  </p:stCondLst>
+                                  <p:childTnLst>
+                                    <p:set>
+                                      <p:cBhvr>
+                                        <p:cTn id="21" dur="1" fill="hold">
+                                          <p:stCondLst>
+                                            <p:cond delay="0"/>
+                                          </p:stCondLst>
+                                        </p:cTn>
+                                        <p:tgtEl>
+                                          <p:spTgt spid="3">
+                                            <p:txEl>
+                                              <p:pRg st="5" end="5"/>
+                                            </p:txEl>
+                                          </p:spTgt>
+                                        </p:tgtEl>
+                                        <p:attrNameLst>
+                                          <p:attrName>style.visibility</p:attrName>
+                                        </p:attrNameLst>
+                                      </p:cBhvr>
+                                      <p:to>
+                                        <p:strVal val="visible"/>
+                                      </p:to>
+                                    </p:set>
+                                    <p:animEffect transition="in" filter="fade">
+                                      <p:cBhvr>
+                                        <p:cTn id="22" dur="250"/>
+                                        <p:tgtEl>
+                                          <p:spTgt spid="3">
+                                            <p:txEl>
+                                              <p:pRg st="5" end="5"/>
+                                            </p:txEl>
+                                          </p:spTgt>
+                                        </p:tgtEl>
+                                      </p:cBhvr>
+                                    </p:animEffect>
+                                  </p:childTnLst>
+                                </p:cTn>
+                              </p:par>
+                            </p:childTnLst>
+                          </p:cTn>
+                        </p:par>
+                      </p:childTnLst>
+                    </p:cTn>
+                  </p:par>
+                  <p:par>
+                    <p:cTn id="23" fill="hold">
+                      <p:stCondLst>
+                        <p:cond delay="indefinite"/>
+                      </p:stCondLst>
+                      <p:childTnLst>
+                        <p:par>
+                          <p:cTn id="24" fill="hold">
+                            <p:stCondLst>
+                              <p:cond delay="0"/>
+                            </p:stCondLst>
+                            <p:childTnLst>
+                              <p:par>
+                                <p:cTn id="25" presetID="10" presetClass="entr" presetSubtype="0" fill="hold" grpId="0" nodeType="clickEffect">
+                                  <p:stCondLst>
+                                    <p:cond delay="0"/>
+                                  </p:stCondLst>
+                                  <p:childTnLst>
+                                    <p:set>
+                                      <p:cBhvr>
+                                        <p:cTn id="26" dur="1" fill="hold">
+                                          <p:stCondLst>
+                                            <p:cond delay="0"/>
+                                          </p:stCondLst>
+                                        </p:cTn>
+                                        <p:tgtEl>
+                                          <p:spTgt spid="3">
+                                            <p:txEl>
+                                              <p:pRg st="6" end="6"/>
+                                            </p:txEl>
+                                          </p:spTgt>
+                                        </p:tgtEl>
+                                        <p:attrNameLst>
+                                          <p:attrName>style.visibility</p:attrName>
+                                        </p:attrNameLst>
+                                      </p:cBhvr>
+                                      <p:to>
+                                        <p:strVal val="visible"/>
+                                      </p:to>
+                                    </p:set>
+                                    <p:animEffect transition="in" filter="fade">
+                                      <p:cBhvr>
+                                        <p:cTn id="27" dur="250"/>
+                                        <p:tgtEl>
+                                          <p:spTgt spid="3">
+                                            <p:txEl>
+                                              <p:pRg st="6" end="6"/>
+                                            </p:txEl>
+                                          </p:spTgt>
+                                        </p:tgtEl>
+                                      </p:cBhvr>
+                                    </p:animEffect>
+                                  </p:childTnLst>
+                                </p:cTn>
+                              </p:par>
+                            </p:childTnLst>
+                          </p:cTn>
+                        </p:par>
+                      </p:childTnLst>
+                    </p:cTn>
+                  </p:par>
+                  <p:par>
+                    <p:cTn id="28" fill="hold">
+                      <p:stCondLst>
+                        <p:cond delay="indefinite"/>
+                      </p:stCondLst>
+                      <p:childTnLst>
+                        <p:par>
+                          <p:cTn id="29" fill="hold">
+                            <p:stCondLst>
+                              <p:cond delay="0"/>
+                            </p:stCondLst>
+                            <p:childTnLst>
+                              <p:par>
+                                <p:cTn id="30" presetID="10" presetClass="entr" presetSubtype="0" fill="hold" grpId="0" nodeType="clickEffect">
+                                  <p:stCondLst>
+                                    <p:cond delay="0"/>
+                                  </p:stCondLst>
+                                  <p:childTnLst>
+                                    <p:set>
+                                      <p:cBhvr>
+                                        <p:cTn id="31" dur="1" fill="hold">
+                                          <p:stCondLst>
+                                            <p:cond delay="0"/>
+                                          </p:stCondLst>
+                                        </p:cTn>
+                                        <p:tgtEl>
+                                          <p:spTgt spid="3">
+                                            <p:txEl>
+                                              <p:pRg st="7" end="7"/>
+                                            </p:txEl>
+                                          </p:spTgt>
+                                        </p:tgtEl>
+                                        <p:attrNameLst>
+                                          <p:attrName>style.visibility</p:attrName>
+                                        </p:attrNameLst>
+                                      </p:cBhvr>
+                                      <p:to>
+                                        <p:strVal val="visible"/>
+                                      </p:to>
+                                    </p:set>
+                                    <p:animEffect transition="in" filter="fade">
+                                      <p:cBhvr>
+                                        <p:cTn id="32" dur="250"/>
+                                        <p:tgtEl>
+                                          <p:spTgt spid="3">
+                                            <p:txEl>
+                                              <p:pRg st="7" end="7"/>
+                                            </p:txEl>
+                                          </p:spTgt>
+                                        </p:tgtEl>
+                                      </p:cBhvr>
+                                    </p:animEffect>
+                                  </p:childTnLst>
+                                </p:cTn>
+                              </p:par>
+                            </p:childTnLst>
+                          </p:cTn>
+                        </p:par>
+                      </p:childTnLst>
+                    </p:cTn>
+                  </p:par>
+                </p:childTnLst>
+              </p:cTn>
+              <p:prevCondLst>
+                <p:cond evt="onPrev" delay="0">
+                  <p:tgtEl>
+                    <p:sldTgt/>
+                  </p:tgtEl>
+                </p:cond>
+              </p:prevCondLst>
+              <p:nextCondLst>
+                <p:cond evt="onNext" delay="0">
+                  <p:tgtEl>
+                    <p:sldTgt/>
+                  </p:tgtEl>
+                </p:cond>
+              </p:nextCondLst>
+            </p:seq>
+          </p:childTnLst>
+        </p:cTn>
+      </p:par>
+    </p:tnLst>
+    <p:bldLst>
+      <p:bldP spid="3" grpId="0" uiExpand="1" build="p"/>
+    </p:bldLst>
+  </p:timing>
+</p:sld>
+</file>
+
+<file path=ppt/slides/slide39.xml><?xml version="1.0" encoding="utf-8"?>
+<p:sld xmlns:a="http://schemas.openxmlformats.org/drawingml/2006/main" xmlns:r="http://schemas.openxmlformats.org/officeDocument/2006/relationships" xmlns:p="http://schemas.openxmlformats.org/presentationml/2006/main">
+  <p:cSld>
+    <p:spTree>
+      <p:nvGrpSpPr>
+        <p:cNvPr id="1" name=""/>
+        <p:cNvGrpSpPr/>
+        <p:nvPr/>
+      </p:nvGrpSpPr>
+      <p:grpSpPr>
+        <a:xfrm>
+          <a:off x="0" y="0"/>
+          <a:ext cx="0" cy="0"/>
+          <a:chOff x="0" y="0"/>
+          <a:chExt cx="0" cy="0"/>
+        </a:xfrm>
+      </p:grpSpPr>
       <p:sp>
         <p:nvSpPr>
           <p:cNvPr id="2" name="Titel 1">
@@ -17912,7 +18312,747 @@
 </p:sld>
 </file>
 
-<file path=ppt/slides/slide38.xml><?xml version="1.0" encoding="utf-8"?>
+<file path=ppt/slides/slide4.xml><?xml version="1.0" encoding="utf-8"?>
+<p:sld xmlns:a="http://schemas.openxmlformats.org/drawingml/2006/main" xmlns:r="http://schemas.openxmlformats.org/officeDocument/2006/relationships" xmlns:p="http://schemas.openxmlformats.org/presentationml/2006/main">
+  <p:cSld>
+    <p:spTree>
+      <p:nvGrpSpPr>
+        <p:cNvPr id="1" name=""/>
+        <p:cNvGrpSpPr/>
+        <p:nvPr/>
+      </p:nvGrpSpPr>
+      <p:grpSpPr>
+        <a:xfrm>
+          <a:off x="0" y="0"/>
+          <a:ext cx="0" cy="0"/>
+          <a:chOff x="0" y="0"/>
+          <a:chExt cx="0" cy="0"/>
+        </a:xfrm>
+      </p:grpSpPr>
+      <p:sp>
+        <p:nvSpPr>
+          <p:cNvPr id="2" name="Titel 1">
+            <a:extLst>
+              <a:ext uri="{FF2B5EF4-FFF2-40B4-BE49-F238E27FC236}">
+                <a16:creationId xmlns:a16="http://schemas.microsoft.com/office/drawing/2014/main" id="{20B5342C-88E8-4449-ABEB-1678E4ACAB93}"/>
+              </a:ext>
+            </a:extLst>
+          </p:cNvPr>
+          <p:cNvSpPr>
+            <a:spLocks noGrp="1"/>
+          </p:cNvSpPr>
+          <p:nvPr>
+            <p:ph type="title"/>
+          </p:nvPr>
+        </p:nvSpPr>
+        <p:spPr/>
+        <p:txBody>
+          <a:bodyPr/>
+          <a:lstStyle/>
+          <a:p>
+            <a:r>
+              <a:rPr lang="de-AT" dirty="0"/>
+              <a:t>Begriffsdefinitionen</a:t>
+            </a:r>
+            <a:br>
+              <a:rPr lang="de-AT" dirty="0"/>
+            </a:br>
+            <a:r>
+              <a:rPr lang="de-AT" sz="3600" dirty="0">
+                <a:solidFill>
+                  <a:schemeClr val="tx1">
+                    <a:lumMod val="60000"/>
+                    <a:lumOff val="40000"/>
+                  </a:schemeClr>
+                </a:solidFill>
+              </a:rPr>
+              <a:t>(Henne-Ei-Problem)</a:t>
+            </a:r>
+            <a:endParaRPr lang="de-AT" dirty="0">
+              <a:solidFill>
+                <a:schemeClr val="tx1">
+                  <a:lumMod val="60000"/>
+                  <a:lumOff val="40000"/>
+                </a:schemeClr>
+              </a:solidFill>
+            </a:endParaRPr>
+          </a:p>
+        </p:txBody>
+      </p:sp>
+      <p:sp>
+        <p:nvSpPr>
+          <p:cNvPr id="3" name="Inhaltsplatzhalter 2">
+            <a:extLst>
+              <a:ext uri="{FF2B5EF4-FFF2-40B4-BE49-F238E27FC236}">
+                <a16:creationId xmlns:a16="http://schemas.microsoft.com/office/drawing/2014/main" id="{06550A8B-D4E0-4A02-B7B4-01E5A886913F}"/>
+              </a:ext>
+            </a:extLst>
+          </p:cNvPr>
+          <p:cNvSpPr>
+            <a:spLocks noGrp="1"/>
+          </p:cNvSpPr>
+          <p:nvPr>
+            <p:ph idx="1"/>
+          </p:nvPr>
+        </p:nvSpPr>
+        <p:spPr/>
+        <p:txBody>
+          <a:bodyPr/>
+          <a:lstStyle/>
+          <a:p>
+            <a:pPr marL="0" indent="0">
+              <a:buNone/>
+            </a:pPr>
+            <a:r>
+              <a:rPr lang="de-AT" i="1" dirty="0"/>
+              <a:t>Virtualisierung</a:t>
+            </a:r>
+          </a:p>
+          <a:p>
+            <a:pPr marL="479969" lvl="1" indent="0">
+              <a:buNone/>
+            </a:pPr>
+            <a:r>
+              <a:rPr lang="de-AT" dirty="0"/>
+              <a:t>„Erstellens einer simulierten </a:t>
+            </a:r>
+            <a:r>
+              <a:rPr lang="de-AT" dirty="0" err="1"/>
+              <a:t>Computingumgebung</a:t>
+            </a:r>
+            <a:r>
+              <a:rPr lang="de-AT" dirty="0"/>
+              <a:t> statt einer physischen Version”</a:t>
+            </a:r>
+          </a:p>
+          <a:p>
+            <a:pPr marL="0" indent="0">
+              <a:buNone/>
+            </a:pPr>
+            <a:r>
+              <a:rPr lang="de-AT" i="1" dirty="0"/>
+              <a:t>Image</a:t>
+            </a:r>
+          </a:p>
+          <a:p>
+            <a:pPr marL="479969" lvl="1" indent="0">
+              <a:buNone/>
+            </a:pPr>
+            <a:r>
+              <a:rPr lang="de-AT" dirty="0"/>
+              <a:t>„Bauanleitung für das Erstellen eines Containers”</a:t>
+            </a:r>
+          </a:p>
+          <a:p>
+            <a:pPr marL="0" indent="0">
+              <a:buNone/>
+            </a:pPr>
+            <a:r>
+              <a:rPr lang="de-AT" i="1" dirty="0"/>
+              <a:t>Container</a:t>
+            </a:r>
+          </a:p>
+          <a:p>
+            <a:pPr marL="479969" lvl="1" indent="0">
+              <a:buNone/>
+            </a:pPr>
+            <a:r>
+              <a:rPr lang="de-AT" dirty="0"/>
+              <a:t>„Ein Container ist eine lauffähige Instanz eines Images.”</a:t>
+            </a:r>
+          </a:p>
+          <a:p>
+            <a:pPr marL="0" indent="0">
+              <a:buNone/>
+            </a:pPr>
+            <a:r>
+              <a:rPr lang="de-AT" i="1" dirty="0"/>
+              <a:t>Registry</a:t>
+            </a:r>
+          </a:p>
+          <a:p>
+            <a:pPr marL="479969" lvl="1" indent="0">
+              <a:buNone/>
+            </a:pPr>
+            <a:r>
+              <a:rPr lang="de-AT" dirty="0"/>
+              <a:t>„Verzeichnis für fertige Docker Images”</a:t>
+            </a:r>
+          </a:p>
+        </p:txBody>
+      </p:sp>
+      <p:sp>
+        <p:nvSpPr>
+          <p:cNvPr id="4" name="Textplatzhalter 3">
+            <a:extLst>
+              <a:ext uri="{FF2B5EF4-FFF2-40B4-BE49-F238E27FC236}">
+                <a16:creationId xmlns:a16="http://schemas.microsoft.com/office/drawing/2014/main" id="{984E9746-D047-4A04-9379-10B2976A43E7}"/>
+              </a:ext>
+            </a:extLst>
+          </p:cNvPr>
+          <p:cNvSpPr>
+            <a:spLocks noGrp="1"/>
+          </p:cNvSpPr>
+          <p:nvPr>
+            <p:ph type="body" sz="quarter" idx="13"/>
+          </p:nvPr>
+        </p:nvSpPr>
+        <p:spPr>
+          <a:xfrm>
+            <a:off x="9991378" y="6769166"/>
+            <a:ext cx="322524" cy="354071"/>
+          </a:xfrm>
+        </p:spPr>
+        <p:txBody>
+          <a:bodyPr/>
+          <a:lstStyle/>
+          <a:p>
+            <a:r>
+              <a:rPr lang="en-US" dirty="0"/>
+              <a:t>3</a:t>
+            </a:r>
+            <a:endParaRPr lang="de-AT" dirty="0"/>
+          </a:p>
+        </p:txBody>
+      </p:sp>
+    </p:spTree>
+    <p:extLst>
+      <p:ext uri="{BB962C8B-B14F-4D97-AF65-F5344CB8AC3E}">
+        <p14:creationId xmlns:p14="http://schemas.microsoft.com/office/powerpoint/2010/main" val="1527858646"/>
+      </p:ext>
+    </p:extLst>
+  </p:cSld>
+  <p:clrMapOvr>
+    <a:masterClrMapping/>
+  </p:clrMapOvr>
+  <p:transition spd="slow">
+    <p:push dir="u"/>
+  </p:transition>
+  <p:timing>
+    <p:tnLst>
+      <p:par>
+        <p:cTn id="1" dur="indefinite" restart="never" nodeType="tmRoot">
+          <p:childTnLst>
+            <p:seq concurrent="1" nextAc="seek">
+              <p:cTn id="2" dur="indefinite" nodeType="mainSeq">
+                <p:childTnLst>
+                  <p:par>
+                    <p:cTn id="3" fill="hold">
+                      <p:stCondLst>
+                        <p:cond delay="indefinite"/>
+                      </p:stCondLst>
+                      <p:childTnLst>
+                        <p:par>
+                          <p:cTn id="4" fill="hold">
+                            <p:stCondLst>
+                              <p:cond delay="0"/>
+                            </p:stCondLst>
+                            <p:childTnLst>
+                              <p:par>
+                                <p:cTn id="5" presetID="10" presetClass="entr" presetSubtype="0" fill="hold" grpId="0" nodeType="clickEffect">
+                                  <p:stCondLst>
+                                    <p:cond delay="0"/>
+                                  </p:stCondLst>
+                                  <p:childTnLst>
+                                    <p:set>
+                                      <p:cBhvr>
+                                        <p:cTn id="6" dur="1" fill="hold">
+                                          <p:stCondLst>
+                                            <p:cond delay="0"/>
+                                          </p:stCondLst>
+                                        </p:cTn>
+                                        <p:tgtEl>
+                                          <p:spTgt spid="3">
+                                            <p:txEl>
+                                              <p:pRg st="0" end="0"/>
+                                            </p:txEl>
+                                          </p:spTgt>
+                                        </p:tgtEl>
+                                        <p:attrNameLst>
+                                          <p:attrName>style.visibility</p:attrName>
+                                        </p:attrNameLst>
+                                      </p:cBhvr>
+                                      <p:to>
+                                        <p:strVal val="visible"/>
+                                      </p:to>
+                                    </p:set>
+                                    <p:animEffect transition="in" filter="fade">
+                                      <p:cBhvr>
+                                        <p:cTn id="7" dur="500"/>
+                                        <p:tgtEl>
+                                          <p:spTgt spid="3">
+                                            <p:txEl>
+                                              <p:pRg st="0" end="0"/>
+                                            </p:txEl>
+                                          </p:spTgt>
+                                        </p:tgtEl>
+                                      </p:cBhvr>
+                                    </p:animEffect>
+                                  </p:childTnLst>
+                                </p:cTn>
+                              </p:par>
+                            </p:childTnLst>
+                          </p:cTn>
+                        </p:par>
+                      </p:childTnLst>
+                    </p:cTn>
+                  </p:par>
+                  <p:par>
+                    <p:cTn id="8" fill="hold">
+                      <p:stCondLst>
+                        <p:cond delay="indefinite"/>
+                      </p:stCondLst>
+                      <p:childTnLst>
+                        <p:par>
+                          <p:cTn id="9" fill="hold">
+                            <p:stCondLst>
+                              <p:cond delay="0"/>
+                            </p:stCondLst>
+                            <p:childTnLst>
+                              <p:par>
+                                <p:cTn id="10" presetID="10" presetClass="entr" presetSubtype="0" fill="hold" grpId="0" nodeType="clickEffect">
+                                  <p:stCondLst>
+                                    <p:cond delay="0"/>
+                                  </p:stCondLst>
+                                  <p:childTnLst>
+                                    <p:set>
+                                      <p:cBhvr>
+                                        <p:cTn id="11" dur="1" fill="hold">
+                                          <p:stCondLst>
+                                            <p:cond delay="0"/>
+                                          </p:stCondLst>
+                                        </p:cTn>
+                                        <p:tgtEl>
+                                          <p:spTgt spid="3">
+                                            <p:txEl>
+                                              <p:pRg st="1" end="1"/>
+                                            </p:txEl>
+                                          </p:spTgt>
+                                        </p:tgtEl>
+                                        <p:attrNameLst>
+                                          <p:attrName>style.visibility</p:attrName>
+                                        </p:attrNameLst>
+                                      </p:cBhvr>
+                                      <p:to>
+                                        <p:strVal val="visible"/>
+                                      </p:to>
+                                    </p:set>
+                                    <p:animEffect transition="in" filter="fade">
+                                      <p:cBhvr>
+                                        <p:cTn id="12" dur="500"/>
+                                        <p:tgtEl>
+                                          <p:spTgt spid="3">
+                                            <p:txEl>
+                                              <p:pRg st="1" end="1"/>
+                                            </p:txEl>
+                                          </p:spTgt>
+                                        </p:tgtEl>
+                                      </p:cBhvr>
+                                    </p:animEffect>
+                                  </p:childTnLst>
+                                </p:cTn>
+                              </p:par>
+                            </p:childTnLst>
+                          </p:cTn>
+                        </p:par>
+                      </p:childTnLst>
+                    </p:cTn>
+                  </p:par>
+                  <p:par>
+                    <p:cTn id="13" fill="hold">
+                      <p:stCondLst>
+                        <p:cond delay="indefinite"/>
+                      </p:stCondLst>
+                      <p:childTnLst>
+                        <p:par>
+                          <p:cTn id="14" fill="hold">
+                            <p:stCondLst>
+                              <p:cond delay="0"/>
+                            </p:stCondLst>
+                            <p:childTnLst>
+                              <p:par>
+                                <p:cTn id="15" presetID="10" presetClass="entr" presetSubtype="0" fill="hold" grpId="0" nodeType="clickEffect">
+                                  <p:stCondLst>
+                                    <p:cond delay="0"/>
+                                  </p:stCondLst>
+                                  <p:childTnLst>
+                                    <p:set>
+                                      <p:cBhvr>
+                                        <p:cTn id="16" dur="1" fill="hold">
+                                          <p:stCondLst>
+                                            <p:cond delay="0"/>
+                                          </p:stCondLst>
+                                        </p:cTn>
+                                        <p:tgtEl>
+                                          <p:spTgt spid="3">
+                                            <p:txEl>
+                                              <p:pRg st="2" end="2"/>
+                                            </p:txEl>
+                                          </p:spTgt>
+                                        </p:tgtEl>
+                                        <p:attrNameLst>
+                                          <p:attrName>style.visibility</p:attrName>
+                                        </p:attrNameLst>
+                                      </p:cBhvr>
+                                      <p:to>
+                                        <p:strVal val="visible"/>
+                                      </p:to>
+                                    </p:set>
+                                    <p:animEffect transition="in" filter="fade">
+                                      <p:cBhvr>
+                                        <p:cTn id="17" dur="500"/>
+                                        <p:tgtEl>
+                                          <p:spTgt spid="3">
+                                            <p:txEl>
+                                              <p:pRg st="2" end="2"/>
+                                            </p:txEl>
+                                          </p:spTgt>
+                                        </p:tgtEl>
+                                      </p:cBhvr>
+                                    </p:animEffect>
+                                  </p:childTnLst>
+                                </p:cTn>
+                              </p:par>
+                            </p:childTnLst>
+                          </p:cTn>
+                        </p:par>
+                      </p:childTnLst>
+                    </p:cTn>
+                  </p:par>
+                  <p:par>
+                    <p:cTn id="18" fill="hold">
+                      <p:stCondLst>
+                        <p:cond delay="indefinite"/>
+                      </p:stCondLst>
+                      <p:childTnLst>
+                        <p:par>
+                          <p:cTn id="19" fill="hold">
+                            <p:stCondLst>
+                              <p:cond delay="0"/>
+                            </p:stCondLst>
+                            <p:childTnLst>
+                              <p:par>
+                                <p:cTn id="20" presetID="10" presetClass="entr" presetSubtype="0" fill="hold" grpId="0" nodeType="clickEffect">
+                                  <p:stCondLst>
+                                    <p:cond delay="0"/>
+                                  </p:stCondLst>
+                                  <p:childTnLst>
+                                    <p:set>
+                                      <p:cBhvr>
+                                        <p:cTn id="21" dur="1" fill="hold">
+                                          <p:stCondLst>
+                                            <p:cond delay="0"/>
+                                          </p:stCondLst>
+                                        </p:cTn>
+                                        <p:tgtEl>
+                                          <p:spTgt spid="3">
+                                            <p:txEl>
+                                              <p:pRg st="3" end="3"/>
+                                            </p:txEl>
+                                          </p:spTgt>
+                                        </p:tgtEl>
+                                        <p:attrNameLst>
+                                          <p:attrName>style.visibility</p:attrName>
+                                        </p:attrNameLst>
+                                      </p:cBhvr>
+                                      <p:to>
+                                        <p:strVal val="visible"/>
+                                      </p:to>
+                                    </p:set>
+                                    <p:animEffect transition="in" filter="fade">
+                                      <p:cBhvr>
+                                        <p:cTn id="22" dur="500"/>
+                                        <p:tgtEl>
+                                          <p:spTgt spid="3">
+                                            <p:txEl>
+                                              <p:pRg st="3" end="3"/>
+                                            </p:txEl>
+                                          </p:spTgt>
+                                        </p:tgtEl>
+                                      </p:cBhvr>
+                                    </p:animEffect>
+                                  </p:childTnLst>
+                                </p:cTn>
+                              </p:par>
+                            </p:childTnLst>
+                          </p:cTn>
+                        </p:par>
+                      </p:childTnLst>
+                    </p:cTn>
+                  </p:par>
+                  <p:par>
+                    <p:cTn id="23" fill="hold">
+                      <p:stCondLst>
+                        <p:cond delay="indefinite"/>
+                      </p:stCondLst>
+                      <p:childTnLst>
+                        <p:par>
+                          <p:cTn id="24" fill="hold">
+                            <p:stCondLst>
+                              <p:cond delay="0"/>
+                            </p:stCondLst>
+                            <p:childTnLst>
+                              <p:par>
+                                <p:cTn id="25" presetID="10" presetClass="entr" presetSubtype="0" fill="hold" grpId="0" nodeType="clickEffect">
+                                  <p:stCondLst>
+                                    <p:cond delay="0"/>
+                                  </p:stCondLst>
+                                  <p:childTnLst>
+                                    <p:set>
+                                      <p:cBhvr>
+                                        <p:cTn id="26" dur="1" fill="hold">
+                                          <p:stCondLst>
+                                            <p:cond delay="0"/>
+                                          </p:stCondLst>
+                                        </p:cTn>
+                                        <p:tgtEl>
+                                          <p:spTgt spid="3">
+                                            <p:txEl>
+                                              <p:pRg st="4" end="4"/>
+                                            </p:txEl>
+                                          </p:spTgt>
+                                        </p:tgtEl>
+                                        <p:attrNameLst>
+                                          <p:attrName>style.visibility</p:attrName>
+                                        </p:attrNameLst>
+                                      </p:cBhvr>
+                                      <p:to>
+                                        <p:strVal val="visible"/>
+                                      </p:to>
+                                    </p:set>
+                                    <p:animEffect transition="in" filter="fade">
+                                      <p:cBhvr>
+                                        <p:cTn id="27" dur="500"/>
+                                        <p:tgtEl>
+                                          <p:spTgt spid="3">
+                                            <p:txEl>
+                                              <p:pRg st="4" end="4"/>
+                                            </p:txEl>
+                                          </p:spTgt>
+                                        </p:tgtEl>
+                                      </p:cBhvr>
+                                    </p:animEffect>
+                                  </p:childTnLst>
+                                </p:cTn>
+                              </p:par>
+                            </p:childTnLst>
+                          </p:cTn>
+                        </p:par>
+                      </p:childTnLst>
+                    </p:cTn>
+                  </p:par>
+                  <p:par>
+                    <p:cTn id="28" fill="hold">
+                      <p:stCondLst>
+                        <p:cond delay="indefinite"/>
+                      </p:stCondLst>
+                      <p:childTnLst>
+                        <p:par>
+                          <p:cTn id="29" fill="hold">
+                            <p:stCondLst>
+                              <p:cond delay="0"/>
+                            </p:stCondLst>
+                            <p:childTnLst>
+                              <p:par>
+                                <p:cTn id="30" presetID="10" presetClass="entr" presetSubtype="0" fill="hold" grpId="0" nodeType="clickEffect">
+                                  <p:stCondLst>
+                                    <p:cond delay="0"/>
+                                  </p:stCondLst>
+                                  <p:childTnLst>
+                                    <p:set>
+                                      <p:cBhvr>
+                                        <p:cTn id="31" dur="1" fill="hold">
+                                          <p:stCondLst>
+                                            <p:cond delay="0"/>
+                                          </p:stCondLst>
+                                        </p:cTn>
+                                        <p:tgtEl>
+                                          <p:spTgt spid="3">
+                                            <p:txEl>
+                                              <p:pRg st="5" end="5"/>
+                                            </p:txEl>
+                                          </p:spTgt>
+                                        </p:tgtEl>
+                                        <p:attrNameLst>
+                                          <p:attrName>style.visibility</p:attrName>
+                                        </p:attrNameLst>
+                                      </p:cBhvr>
+                                      <p:to>
+                                        <p:strVal val="visible"/>
+                                      </p:to>
+                                    </p:set>
+                                    <p:animEffect transition="in" filter="fade">
+                                      <p:cBhvr>
+                                        <p:cTn id="32" dur="500"/>
+                                        <p:tgtEl>
+                                          <p:spTgt spid="3">
+                                            <p:txEl>
+                                              <p:pRg st="5" end="5"/>
+                                            </p:txEl>
+                                          </p:spTgt>
+                                        </p:tgtEl>
+                                      </p:cBhvr>
+                                    </p:animEffect>
+                                  </p:childTnLst>
+                                </p:cTn>
+                              </p:par>
+                            </p:childTnLst>
+                          </p:cTn>
+                        </p:par>
+                      </p:childTnLst>
+                    </p:cTn>
+                  </p:par>
+                  <p:par>
+                    <p:cTn id="33" fill="hold">
+                      <p:stCondLst>
+                        <p:cond delay="indefinite"/>
+                      </p:stCondLst>
+                      <p:childTnLst>
+                        <p:par>
+                          <p:cTn id="34" fill="hold">
+                            <p:stCondLst>
+                              <p:cond delay="0"/>
+                            </p:stCondLst>
+                            <p:childTnLst>
+                              <p:par>
+                                <p:cTn id="35" presetID="10" presetClass="entr" presetSubtype="0" fill="hold" grpId="0" nodeType="clickEffect">
+                                  <p:stCondLst>
+                                    <p:cond delay="0"/>
+                                  </p:stCondLst>
+                                  <p:childTnLst>
+                                    <p:set>
+                                      <p:cBhvr>
+                                        <p:cTn id="36" dur="1" fill="hold">
+                                          <p:stCondLst>
+                                            <p:cond delay="0"/>
+                                          </p:stCondLst>
+                                        </p:cTn>
+                                        <p:tgtEl>
+                                          <p:spTgt spid="3">
+                                            <p:txEl>
+                                              <p:pRg st="6" end="6"/>
+                                            </p:txEl>
+                                          </p:spTgt>
+                                        </p:tgtEl>
+                                        <p:attrNameLst>
+                                          <p:attrName>style.visibility</p:attrName>
+                                        </p:attrNameLst>
+                                      </p:cBhvr>
+                                      <p:to>
+                                        <p:strVal val="visible"/>
+                                      </p:to>
+                                    </p:set>
+                                    <p:animEffect transition="in" filter="fade">
+                                      <p:cBhvr>
+                                        <p:cTn id="37" dur="500"/>
+                                        <p:tgtEl>
+                                          <p:spTgt spid="3">
+                                            <p:txEl>
+                                              <p:pRg st="6" end="6"/>
+                                            </p:txEl>
+                                          </p:spTgt>
+                                        </p:tgtEl>
+                                      </p:cBhvr>
+                                    </p:animEffect>
+                                  </p:childTnLst>
+                                </p:cTn>
+                              </p:par>
+                            </p:childTnLst>
+                          </p:cTn>
+                        </p:par>
+                      </p:childTnLst>
+                    </p:cTn>
+                  </p:par>
+                  <p:par>
+                    <p:cTn id="38" fill="hold">
+                      <p:stCondLst>
+                        <p:cond delay="indefinite"/>
+                      </p:stCondLst>
+                      <p:childTnLst>
+                        <p:par>
+                          <p:cTn id="39" fill="hold">
+                            <p:stCondLst>
+                              <p:cond delay="0"/>
+                            </p:stCondLst>
+                            <p:childTnLst>
+                              <p:par>
+                                <p:cTn id="40" presetID="10" presetClass="entr" presetSubtype="0" fill="hold" grpId="0" nodeType="clickEffect">
+                                  <p:stCondLst>
+                                    <p:cond delay="0"/>
+                                  </p:stCondLst>
+                                  <p:childTnLst>
+                                    <p:set>
+                                      <p:cBhvr>
+                                        <p:cTn id="41" dur="1" fill="hold">
+                                          <p:stCondLst>
+                                            <p:cond delay="0"/>
+                                          </p:stCondLst>
+                                        </p:cTn>
+                                        <p:tgtEl>
+                                          <p:spTgt spid="3">
+                                            <p:txEl>
+                                              <p:pRg st="7" end="7"/>
+                                            </p:txEl>
+                                          </p:spTgt>
+                                        </p:tgtEl>
+                                        <p:attrNameLst>
+                                          <p:attrName>style.visibility</p:attrName>
+                                        </p:attrNameLst>
+                                      </p:cBhvr>
+                                      <p:to>
+                                        <p:strVal val="visible"/>
+                                      </p:to>
+                                    </p:set>
+                                    <p:animEffect transition="in" filter="fade">
+                                      <p:cBhvr>
+                                        <p:cTn id="42" dur="500"/>
+                                        <p:tgtEl>
+                                          <p:spTgt spid="3">
+                                            <p:txEl>
+                                              <p:pRg st="7" end="7"/>
+                                            </p:txEl>
+                                          </p:spTgt>
+                                        </p:tgtEl>
+                                      </p:cBhvr>
+                                    </p:animEffect>
+                                  </p:childTnLst>
+                                </p:cTn>
+                              </p:par>
+                            </p:childTnLst>
+                          </p:cTn>
+                        </p:par>
+                      </p:childTnLst>
+                    </p:cTn>
+                  </p:par>
+                </p:childTnLst>
+              </p:cTn>
+              <p:prevCondLst>
+                <p:cond evt="onPrev" delay="0">
+                  <p:tgtEl>
+                    <p:sldTgt/>
+                  </p:tgtEl>
+                </p:cond>
+              </p:prevCondLst>
+              <p:nextCondLst>
+                <p:cond evt="onNext" delay="0">
+                  <p:tgtEl>
+                    <p:sldTgt/>
+                  </p:tgtEl>
+                </p:cond>
+              </p:nextCondLst>
+            </p:seq>
+          </p:childTnLst>
+        </p:cTn>
+      </p:par>
+    </p:tnLst>
+    <p:bldLst>
+      <p:bldP spid="3" grpId="0" uiExpand="1" build="p"/>
+    </p:bldLst>
+  </p:timing>
+</p:sld>
+</file>
+
+<file path=ppt/slides/slide40.xml><?xml version="1.0" encoding="utf-8"?>
 <p:sld xmlns:a="http://schemas.openxmlformats.org/drawingml/2006/main" xmlns:r="http://schemas.openxmlformats.org/officeDocument/2006/relationships" xmlns:p="http://schemas.openxmlformats.org/presentationml/2006/main">
   <p:cSld>
     <p:spTree>
@@ -18735,222 +19875,6 @@
   <p:transition spd="med">
     <p:push dir="u"/>
   </p:transition>
-</p:sld>
-</file>
-
-<file path=ppt/slides/slide4.xml><?xml version="1.0" encoding="utf-8"?>
-<p:sld xmlns:a="http://schemas.openxmlformats.org/drawingml/2006/main" xmlns:r="http://schemas.openxmlformats.org/officeDocument/2006/relationships" xmlns:p="http://schemas.openxmlformats.org/presentationml/2006/main">
-  <p:cSld>
-    <p:spTree>
-      <p:nvGrpSpPr>
-        <p:cNvPr id="1" name=""/>
-        <p:cNvGrpSpPr/>
-        <p:nvPr/>
-      </p:nvGrpSpPr>
-      <p:grpSpPr>
-        <a:xfrm>
-          <a:off x="0" y="0"/>
-          <a:ext cx="0" cy="0"/>
-          <a:chOff x="0" y="0"/>
-          <a:chExt cx="0" cy="0"/>
-        </a:xfrm>
-      </p:grpSpPr>
-      <p:sp>
-        <p:nvSpPr>
-          <p:cNvPr id="2" name="Titel 1">
-            <a:extLst>
-              <a:ext uri="{FF2B5EF4-FFF2-40B4-BE49-F238E27FC236}">
-                <a16:creationId xmlns:a16="http://schemas.microsoft.com/office/drawing/2014/main" id="{20B5342C-88E8-4449-ABEB-1678E4ACAB93}"/>
-              </a:ext>
-            </a:extLst>
-          </p:cNvPr>
-          <p:cNvSpPr>
-            <a:spLocks noGrp="1"/>
-          </p:cNvSpPr>
-          <p:nvPr>
-            <p:ph type="title"/>
-          </p:nvPr>
-        </p:nvSpPr>
-        <p:spPr/>
-        <p:txBody>
-          <a:bodyPr/>
-          <a:lstStyle/>
-          <a:p>
-            <a:r>
-              <a:rPr lang="de-AT" dirty="0"/>
-              <a:t>Begriffsdefinitionen</a:t>
-            </a:r>
-            <a:br>
-              <a:rPr lang="de-AT" dirty="0"/>
-            </a:br>
-            <a:r>
-              <a:rPr lang="de-AT" sz="3600" dirty="0">
-                <a:solidFill>
-                  <a:schemeClr val="tx1">
-                    <a:lumMod val="60000"/>
-                    <a:lumOff val="40000"/>
-                  </a:schemeClr>
-                </a:solidFill>
-              </a:rPr>
-              <a:t>(Henne-Ei-Problem)</a:t>
-            </a:r>
-            <a:endParaRPr lang="de-AT" dirty="0">
-              <a:solidFill>
-                <a:schemeClr val="tx1">
-                  <a:lumMod val="60000"/>
-                  <a:lumOff val="40000"/>
-                </a:schemeClr>
-              </a:solidFill>
-            </a:endParaRPr>
-          </a:p>
-        </p:txBody>
-      </p:sp>
-      <p:sp>
-        <p:nvSpPr>
-          <p:cNvPr id="3" name="Inhaltsplatzhalter 2">
-            <a:extLst>
-              <a:ext uri="{FF2B5EF4-FFF2-40B4-BE49-F238E27FC236}">
-                <a16:creationId xmlns:a16="http://schemas.microsoft.com/office/drawing/2014/main" id="{06550A8B-D4E0-4A02-B7B4-01E5A886913F}"/>
-              </a:ext>
-            </a:extLst>
-          </p:cNvPr>
-          <p:cNvSpPr>
-            <a:spLocks noGrp="1"/>
-          </p:cNvSpPr>
-          <p:nvPr>
-            <p:ph idx="1"/>
-          </p:nvPr>
-        </p:nvSpPr>
-        <p:spPr/>
-        <p:txBody>
-          <a:bodyPr/>
-          <a:lstStyle/>
-          <a:p>
-            <a:pPr marL="0" indent="0">
-              <a:buNone/>
-            </a:pPr>
-            <a:r>
-              <a:rPr lang="de-AT" i="1" dirty="0"/>
-              <a:t>Virtualisierung</a:t>
-            </a:r>
-          </a:p>
-          <a:p>
-            <a:pPr marL="479969" lvl="1" indent="0">
-              <a:buNone/>
-            </a:pPr>
-            <a:r>
-              <a:rPr lang="de-AT" dirty="0"/>
-              <a:t>„Erstellens einer simulierten </a:t>
-            </a:r>
-            <a:r>
-              <a:rPr lang="de-AT" dirty="0" err="1"/>
-              <a:t>Computingumgebung</a:t>
-            </a:r>
-            <a:r>
-              <a:rPr lang="de-AT" dirty="0"/>
-              <a:t> statt einer physischen Version”</a:t>
-            </a:r>
-          </a:p>
-          <a:p>
-            <a:pPr marL="0" indent="0">
-              <a:buNone/>
-            </a:pPr>
-            <a:r>
-              <a:rPr lang="de-AT" i="1" dirty="0"/>
-              <a:t>Image</a:t>
-            </a:r>
-          </a:p>
-          <a:p>
-            <a:pPr marL="479969" lvl="1" indent="0">
-              <a:buNone/>
-            </a:pPr>
-            <a:r>
-              <a:rPr lang="de-AT" dirty="0"/>
-              <a:t>„Bauanleitung für das Erstellen eines Containers”</a:t>
-            </a:r>
-          </a:p>
-          <a:p>
-            <a:pPr marL="0" indent="0">
-              <a:buNone/>
-            </a:pPr>
-            <a:r>
-              <a:rPr lang="de-AT" i="1" dirty="0"/>
-              <a:t>Container</a:t>
-            </a:r>
-          </a:p>
-          <a:p>
-            <a:pPr marL="479969" lvl="1" indent="0">
-              <a:buNone/>
-            </a:pPr>
-            <a:r>
-              <a:rPr lang="de-AT" dirty="0"/>
-              <a:t>„Ein Container ist eine lauffähige Instanz eines Images.”</a:t>
-            </a:r>
-          </a:p>
-          <a:p>
-            <a:pPr marL="0" indent="0">
-              <a:buNone/>
-            </a:pPr>
-            <a:r>
-              <a:rPr lang="de-AT" i="1" dirty="0"/>
-              <a:t>Registry</a:t>
-            </a:r>
-          </a:p>
-          <a:p>
-            <a:pPr marL="479969" lvl="1" indent="0">
-              <a:buNone/>
-            </a:pPr>
-            <a:r>
-              <a:rPr lang="de-AT" dirty="0"/>
-              <a:t>„Verzeichnis für fertige Docker Images”</a:t>
-            </a:r>
-          </a:p>
-        </p:txBody>
-      </p:sp>
-      <p:sp>
-        <p:nvSpPr>
-          <p:cNvPr id="4" name="Textplatzhalter 3">
-            <a:extLst>
-              <a:ext uri="{FF2B5EF4-FFF2-40B4-BE49-F238E27FC236}">
-                <a16:creationId xmlns:a16="http://schemas.microsoft.com/office/drawing/2014/main" id="{984E9746-D047-4A04-9379-10B2976A43E7}"/>
-              </a:ext>
-            </a:extLst>
-          </p:cNvPr>
-          <p:cNvSpPr>
-            <a:spLocks noGrp="1"/>
-          </p:cNvSpPr>
-          <p:nvPr>
-            <p:ph type="body" sz="quarter" idx="13"/>
-          </p:nvPr>
-        </p:nvSpPr>
-        <p:spPr>
-          <a:xfrm>
-            <a:off x="9991378" y="6769166"/>
-            <a:ext cx="322524" cy="354071"/>
-          </a:xfrm>
-        </p:spPr>
-        <p:txBody>
-          <a:bodyPr/>
-          <a:lstStyle/>
-          <a:p>
-            <a:r>
-              <a:rPr lang="en-US" dirty="0"/>
-              <a:t>3</a:t>
-            </a:r>
-            <a:endParaRPr lang="de-AT" dirty="0"/>
-          </a:p>
-        </p:txBody>
-      </p:sp>
-    </p:spTree>
-    <p:extLst>
-      <p:ext uri="{BB962C8B-B14F-4D97-AF65-F5344CB8AC3E}">
-        <p14:creationId xmlns:p14="http://schemas.microsoft.com/office/powerpoint/2010/main" val="1527858646"/>
-      </p:ext>
-    </p:extLst>
-  </p:cSld>
-  <p:clrMapOvr>
-    <a:masterClrMapping/>
-  </p:clrMapOvr>
 </p:sld>
 </file>
 

--- a/slides.pptx
+++ b/slides.pptx
@@ -3441,7 +3441,7 @@
           <a:p>
             <a:fld id="{6756A641-76DE-4586-94AB-E727D29482BD}" type="datetimeFigureOut">
               <a:rPr lang="de-AT" smtClean="0"/>
-              <a:t>21.04.2018</a:t>
+              <a:t>22.04.2018</a:t>
             </a:fld>
             <a:endParaRPr lang="de-AT"/>
           </a:p>
@@ -3611,7 +3611,7 @@
           <a:p>
             <a:fld id="{6756A641-76DE-4586-94AB-E727D29482BD}" type="datetimeFigureOut">
               <a:rPr lang="de-AT" smtClean="0"/>
-              <a:t>21.04.2018</a:t>
+              <a:t>22.04.2018</a:t>
             </a:fld>
             <a:endParaRPr lang="de-AT"/>
           </a:p>
@@ -3791,7 +3791,7 @@
           <a:p>
             <a:fld id="{6756A641-76DE-4586-94AB-E727D29482BD}" type="datetimeFigureOut">
               <a:rPr lang="de-AT" smtClean="0"/>
-              <a:t>21.04.2018</a:t>
+              <a:t>22.04.2018</a:t>
             </a:fld>
             <a:endParaRPr lang="de-AT"/>
           </a:p>
@@ -4123,7 +4123,7 @@
           <a:p>
             <a:fld id="{6756A641-76DE-4586-94AB-E727D29482BD}" type="datetimeFigureOut">
               <a:rPr lang="de-AT" smtClean="0"/>
-              <a:t>21.04.2018</a:t>
+              <a:t>22.04.2018</a:t>
             </a:fld>
             <a:endParaRPr lang="de-AT"/>
           </a:p>
@@ -4640,7 +4640,7 @@
           <a:p>
             <a:fld id="{C764DE79-268F-4C1A-8933-263129D2AF90}" type="datetimeFigureOut">
               <a:rPr lang="en-US" dirty="0"/>
-              <a:t>4/21/2018</a:t>
+              <a:t>4/22/2018</a:t>
             </a:fld>
             <a:endParaRPr lang="en-US" dirty="0"/>
           </a:p>
@@ -4872,7 +4872,7 @@
           <a:p>
             <a:fld id="{6756A641-76DE-4586-94AB-E727D29482BD}" type="datetimeFigureOut">
               <a:rPr lang="de-AT" smtClean="0"/>
-              <a:t>21.04.2018</a:t>
+              <a:t>22.04.2018</a:t>
             </a:fld>
             <a:endParaRPr lang="de-AT"/>
           </a:p>
@@ -5239,7 +5239,7 @@
           <a:p>
             <a:fld id="{6756A641-76DE-4586-94AB-E727D29482BD}" type="datetimeFigureOut">
               <a:rPr lang="de-AT" smtClean="0"/>
-              <a:t>21.04.2018</a:t>
+              <a:t>22.04.2018</a:t>
             </a:fld>
             <a:endParaRPr lang="de-AT"/>
           </a:p>
@@ -5357,7 +5357,7 @@
           <a:p>
             <a:fld id="{6756A641-76DE-4586-94AB-E727D29482BD}" type="datetimeFigureOut">
               <a:rPr lang="de-AT" smtClean="0"/>
-              <a:t>21.04.2018</a:t>
+              <a:t>22.04.2018</a:t>
             </a:fld>
             <a:endParaRPr lang="de-AT"/>
           </a:p>
@@ -5452,7 +5452,7 @@
           <a:p>
             <a:fld id="{6756A641-76DE-4586-94AB-E727D29482BD}" type="datetimeFigureOut">
               <a:rPr lang="de-AT" smtClean="0"/>
-              <a:t>21.04.2018</a:t>
+              <a:t>22.04.2018</a:t>
             </a:fld>
             <a:endParaRPr lang="de-AT"/>
           </a:p>
@@ -5729,7 +5729,7 @@
           <a:p>
             <a:fld id="{6756A641-76DE-4586-94AB-E727D29482BD}" type="datetimeFigureOut">
               <a:rPr lang="de-AT" smtClean="0"/>
-              <a:t>21.04.2018</a:t>
+              <a:t>22.04.2018</a:t>
             </a:fld>
             <a:endParaRPr lang="de-AT"/>
           </a:p>
@@ -5942,7 +5942,7 @@
           <a:p>
             <a:fld id="{6756A641-76DE-4586-94AB-E727D29482BD}" type="datetimeFigureOut">
               <a:rPr lang="de-AT" smtClean="0"/>
-              <a:t>21.04.2018</a:t>
+              <a:t>22.04.2018</a:t>
             </a:fld>
             <a:endParaRPr lang="de-AT"/>
           </a:p>
@@ -14542,6 +14542,239 @@
   <p:transition spd="med">
     <p:push dir="u"/>
   </p:transition>
+  <p:timing>
+    <p:tnLst>
+      <p:par>
+        <p:cTn id="1" dur="indefinite" restart="never" nodeType="tmRoot">
+          <p:childTnLst>
+            <p:seq concurrent="1" nextAc="seek">
+              <p:cTn id="2" dur="indefinite" nodeType="mainSeq">
+                <p:childTnLst>
+                  <p:par>
+                    <p:cTn id="3" fill="hold">
+                      <p:stCondLst>
+                        <p:cond delay="indefinite"/>
+                      </p:stCondLst>
+                      <p:childTnLst>
+                        <p:par>
+                          <p:cTn id="4" fill="hold">
+                            <p:stCondLst>
+                              <p:cond delay="0"/>
+                            </p:stCondLst>
+                            <p:childTnLst>
+                              <p:par>
+                                <p:cTn id="5" presetID="10" presetClass="entr" presetSubtype="0" fill="hold" nodeType="clickEffect">
+                                  <p:stCondLst>
+                                    <p:cond delay="0"/>
+                                  </p:stCondLst>
+                                  <p:childTnLst>
+                                    <p:set>
+                                      <p:cBhvr>
+                                        <p:cTn id="6" dur="1" fill="hold">
+                                          <p:stCondLst>
+                                            <p:cond delay="0"/>
+                                          </p:stCondLst>
+                                        </p:cTn>
+                                        <p:tgtEl>
+                                          <p:spTgt spid="11">
+                                            <p:txEl>
+                                              <p:pRg st="0" end="0"/>
+                                            </p:txEl>
+                                          </p:spTgt>
+                                        </p:tgtEl>
+                                        <p:attrNameLst>
+                                          <p:attrName>style.visibility</p:attrName>
+                                        </p:attrNameLst>
+                                      </p:cBhvr>
+                                      <p:to>
+                                        <p:strVal val="visible"/>
+                                      </p:to>
+                                    </p:set>
+                                    <p:animEffect transition="in" filter="fade">
+                                      <p:cBhvr>
+                                        <p:cTn id="7" dur="500"/>
+                                        <p:tgtEl>
+                                          <p:spTgt spid="11">
+                                            <p:txEl>
+                                              <p:pRg st="0" end="0"/>
+                                            </p:txEl>
+                                          </p:spTgt>
+                                        </p:tgtEl>
+                                      </p:cBhvr>
+                                    </p:animEffect>
+                                  </p:childTnLst>
+                                </p:cTn>
+                              </p:par>
+                            </p:childTnLst>
+                          </p:cTn>
+                        </p:par>
+                      </p:childTnLst>
+                    </p:cTn>
+                  </p:par>
+                  <p:par>
+                    <p:cTn id="8" fill="hold">
+                      <p:stCondLst>
+                        <p:cond delay="indefinite"/>
+                      </p:stCondLst>
+                      <p:childTnLst>
+                        <p:par>
+                          <p:cTn id="9" fill="hold">
+                            <p:stCondLst>
+                              <p:cond delay="0"/>
+                            </p:stCondLst>
+                            <p:childTnLst>
+                              <p:par>
+                                <p:cTn id="10" presetID="10" presetClass="entr" presetSubtype="0" fill="hold" nodeType="clickEffect">
+                                  <p:stCondLst>
+                                    <p:cond delay="0"/>
+                                  </p:stCondLst>
+                                  <p:childTnLst>
+                                    <p:set>
+                                      <p:cBhvr>
+                                        <p:cTn id="11" dur="1" fill="hold">
+                                          <p:stCondLst>
+                                            <p:cond delay="0"/>
+                                          </p:stCondLst>
+                                        </p:cTn>
+                                        <p:tgtEl>
+                                          <p:spTgt spid="11">
+                                            <p:txEl>
+                                              <p:pRg st="1" end="1"/>
+                                            </p:txEl>
+                                          </p:spTgt>
+                                        </p:tgtEl>
+                                        <p:attrNameLst>
+                                          <p:attrName>style.visibility</p:attrName>
+                                        </p:attrNameLst>
+                                      </p:cBhvr>
+                                      <p:to>
+                                        <p:strVal val="visible"/>
+                                      </p:to>
+                                    </p:set>
+                                    <p:animEffect transition="in" filter="fade">
+                                      <p:cBhvr>
+                                        <p:cTn id="12" dur="500"/>
+                                        <p:tgtEl>
+                                          <p:spTgt spid="11">
+                                            <p:txEl>
+                                              <p:pRg st="1" end="1"/>
+                                            </p:txEl>
+                                          </p:spTgt>
+                                        </p:tgtEl>
+                                      </p:cBhvr>
+                                    </p:animEffect>
+                                  </p:childTnLst>
+                                </p:cTn>
+                              </p:par>
+                              <p:par>
+                                <p:cTn id="13" presetID="10" presetClass="entr" presetSubtype="0" fill="hold" nodeType="withEffect">
+                                  <p:stCondLst>
+                                    <p:cond delay="0"/>
+                                  </p:stCondLst>
+                                  <p:childTnLst>
+                                    <p:set>
+                                      <p:cBhvr>
+                                        <p:cTn id="14" dur="1" fill="hold">
+                                          <p:stCondLst>
+                                            <p:cond delay="0"/>
+                                          </p:stCondLst>
+                                        </p:cTn>
+                                        <p:tgtEl>
+                                          <p:spTgt spid="11">
+                                            <p:txEl>
+                                              <p:pRg st="2" end="2"/>
+                                            </p:txEl>
+                                          </p:spTgt>
+                                        </p:tgtEl>
+                                        <p:attrNameLst>
+                                          <p:attrName>style.visibility</p:attrName>
+                                        </p:attrNameLst>
+                                      </p:cBhvr>
+                                      <p:to>
+                                        <p:strVal val="visible"/>
+                                      </p:to>
+                                    </p:set>
+                                    <p:animEffect transition="in" filter="fade">
+                                      <p:cBhvr>
+                                        <p:cTn id="15" dur="500"/>
+                                        <p:tgtEl>
+                                          <p:spTgt spid="11">
+                                            <p:txEl>
+                                              <p:pRg st="2" end="2"/>
+                                            </p:txEl>
+                                          </p:spTgt>
+                                        </p:tgtEl>
+                                      </p:cBhvr>
+                                    </p:animEffect>
+                                  </p:childTnLst>
+                                </p:cTn>
+                              </p:par>
+                              <p:par>
+                                <p:cTn id="16" presetID="10" presetClass="entr" presetSubtype="0" fill="hold" grpId="0" nodeType="withEffect">
+                                  <p:stCondLst>
+                                    <p:cond delay="0"/>
+                                  </p:stCondLst>
+                                  <p:childTnLst>
+                                    <p:set>
+                                      <p:cBhvr>
+                                        <p:cTn id="17" dur="1" fill="hold">
+                                          <p:stCondLst>
+                                            <p:cond delay="0"/>
+                                          </p:stCondLst>
+                                        </p:cTn>
+                                        <p:tgtEl>
+                                          <p:spTgt spid="10"/>
+                                        </p:tgtEl>
+                                        <p:attrNameLst>
+                                          <p:attrName>style.visibility</p:attrName>
+                                        </p:attrNameLst>
+                                      </p:cBhvr>
+                                      <p:to>
+                                        <p:strVal val="visible"/>
+                                      </p:to>
+                                    </p:set>
+                                    <p:animEffect transition="in" filter="fade">
+                                      <p:cBhvr>
+                                        <p:cTn id="18" dur="500"/>
+                                        <p:tgtEl>
+                                          <p:spTgt spid="10"/>
+                                        </p:tgtEl>
+                                      </p:cBhvr>
+                                    </p:animEffect>
+                                  </p:childTnLst>
+                                </p:cTn>
+                              </p:par>
+                            </p:childTnLst>
+                          </p:cTn>
+                        </p:par>
+                      </p:childTnLst>
+                    </p:cTn>
+                  </p:par>
+                </p:childTnLst>
+              </p:cTn>
+              <p:prevCondLst>
+                <p:cond evt="onPrev" delay="0">
+                  <p:tgtEl>
+                    <p:sldTgt/>
+                  </p:tgtEl>
+                </p:cond>
+              </p:prevCondLst>
+              <p:nextCondLst>
+                <p:cond evt="onNext" delay="0">
+                  <p:tgtEl>
+                    <p:sldTgt/>
+                  </p:tgtEl>
+                </p:cond>
+              </p:nextCondLst>
+            </p:seq>
+          </p:childTnLst>
+        </p:cTn>
+      </p:par>
+    </p:tnLst>
+    <p:bldLst>
+      <p:bldP spid="10" grpId="0"/>
+    </p:bldLst>
+  </p:timing>
 </p:sld>
 </file>
 
